--- a/Презентация_ВКР.pptx
+++ b/Презентация_ВКР.pptx
@@ -852,7 +852,7 @@
               </a:spcAft>
               <a:buNone/>
             </a:pPr>
-            <a:endParaRPr/>
+            <a:endParaRPr dirty="0"/>
           </a:p>
         </p:txBody>
       </p:sp>
@@ -956,7 +956,7 @@
               </a:spcAft>
               <a:buNone/>
             </a:pPr>
-            <a:endParaRPr/>
+            <a:endParaRPr dirty="0"/>
           </a:p>
         </p:txBody>
       </p:sp>
@@ -1065,7 +1065,7 @@
               </a:spcAft>
               <a:buNone/>
             </a:pPr>
-            <a:endParaRPr/>
+            <a:endParaRPr dirty="0"/>
           </a:p>
         </p:txBody>
       </p:sp>
@@ -1174,7 +1174,7 @@
               </a:spcAft>
               <a:buNone/>
             </a:pPr>
-            <a:endParaRPr/>
+            <a:endParaRPr dirty="0"/>
           </a:p>
         </p:txBody>
       </p:sp>
@@ -1283,7 +1283,7 @@
               </a:spcAft>
               <a:buNone/>
             </a:pPr>
-            <a:endParaRPr/>
+            <a:endParaRPr dirty="0"/>
           </a:p>
         </p:txBody>
       </p:sp>
@@ -1392,7 +1392,7 @@
               </a:spcAft>
               <a:buNone/>
             </a:pPr>
-            <a:endParaRPr/>
+            <a:endParaRPr dirty="0"/>
           </a:p>
         </p:txBody>
       </p:sp>
@@ -1501,7 +1501,7 @@
               </a:spcAft>
               <a:buNone/>
             </a:pPr>
-            <a:endParaRPr/>
+            <a:endParaRPr dirty="0"/>
           </a:p>
         </p:txBody>
       </p:sp>
@@ -1610,7 +1610,7 @@
               </a:spcAft>
               <a:buNone/>
             </a:pPr>
-            <a:endParaRPr/>
+            <a:endParaRPr dirty="0"/>
           </a:p>
         </p:txBody>
       </p:sp>
@@ -1719,7 +1719,7 @@
               </a:spcAft>
               <a:buNone/>
             </a:pPr>
-            <a:endParaRPr/>
+            <a:endParaRPr dirty="0"/>
           </a:p>
         </p:txBody>
       </p:sp>
@@ -1828,7 +1828,7 @@
               </a:spcAft>
               <a:buNone/>
             </a:pPr>
-            <a:endParaRPr/>
+            <a:endParaRPr dirty="0"/>
           </a:p>
         </p:txBody>
       </p:sp>
@@ -1937,7 +1937,7 @@
               </a:spcAft>
               <a:buNone/>
             </a:pPr>
-            <a:endParaRPr/>
+            <a:endParaRPr dirty="0"/>
           </a:p>
         </p:txBody>
       </p:sp>
@@ -2046,7 +2046,7 @@
               </a:spcAft>
               <a:buNone/>
             </a:pPr>
-            <a:endParaRPr/>
+            <a:endParaRPr dirty="0"/>
           </a:p>
         </p:txBody>
       </p:sp>
@@ -2150,7 +2150,7 @@
               </a:spcAft>
               <a:buNone/>
             </a:pPr>
-            <a:endParaRPr/>
+            <a:endParaRPr dirty="0"/>
           </a:p>
         </p:txBody>
       </p:sp>
@@ -2259,7 +2259,7 @@
               </a:spcAft>
               <a:buNone/>
             </a:pPr>
-            <a:endParaRPr/>
+            <a:endParaRPr dirty="0"/>
           </a:p>
         </p:txBody>
       </p:sp>
@@ -2368,7 +2368,7 @@
               </a:spcAft>
               <a:buNone/>
             </a:pPr>
-            <a:endParaRPr/>
+            <a:endParaRPr dirty="0"/>
           </a:p>
         </p:txBody>
       </p:sp>
@@ -2477,7 +2477,7 @@
               </a:spcAft>
               <a:buNone/>
             </a:pPr>
-            <a:endParaRPr/>
+            <a:endParaRPr dirty="0"/>
           </a:p>
         </p:txBody>
       </p:sp>
@@ -2586,7 +2586,7 @@
               </a:spcAft>
               <a:buNone/>
             </a:pPr>
-            <a:endParaRPr/>
+            <a:endParaRPr dirty="0"/>
           </a:p>
         </p:txBody>
       </p:sp>
@@ -2695,7 +2695,7 @@
               </a:spcAft>
               <a:buNone/>
             </a:pPr>
-            <a:endParaRPr/>
+            <a:endParaRPr dirty="0"/>
           </a:p>
         </p:txBody>
       </p:sp>
@@ -2804,7 +2804,7 @@
               </a:spcAft>
               <a:buNone/>
             </a:pPr>
-            <a:endParaRPr/>
+            <a:endParaRPr dirty="0"/>
           </a:p>
         </p:txBody>
       </p:sp>
@@ -2913,7 +2913,7 @@
               </a:spcAft>
               <a:buNone/>
             </a:pPr>
-            <a:endParaRPr/>
+            <a:endParaRPr dirty="0"/>
           </a:p>
         </p:txBody>
       </p:sp>
@@ -3022,7 +3022,7 @@
               </a:spcAft>
               <a:buNone/>
             </a:pPr>
-            <a:endParaRPr/>
+            <a:endParaRPr dirty="0"/>
           </a:p>
         </p:txBody>
       </p:sp>
@@ -3771,7 +3771,7 @@
               <a:rPr lang="ru"/>
               <a:t>‹#›</a:t>
             </a:fld>
-            <a:endParaRPr sz="1400">
+            <a:endParaRPr sz="1400" dirty="0">
               <a:solidFill>
                 <a:srgbClr val="000000"/>
               </a:solidFill>
@@ -4233,7 +4233,7 @@
               <a:rPr lang="ru"/>
               <a:t>‹#›</a:t>
             </a:fld>
-            <a:endParaRPr sz="1400">
+            <a:endParaRPr sz="1400" dirty="0">
               <a:solidFill>
                 <a:srgbClr val="000000"/>
               </a:solidFill>
@@ -4694,7 +4694,7 @@
               <a:rPr lang="ru"/>
               <a:t>‹#›</a:t>
             </a:fld>
-            <a:endParaRPr sz="1400">
+            <a:endParaRPr sz="1400" dirty="0">
               <a:solidFill>
                 <a:srgbClr val="000000"/>
               </a:solidFill>
@@ -5566,7 +5566,7 @@
               <a:rPr lang="ru"/>
               <a:t>‹#›</a:t>
             </a:fld>
-            <a:endParaRPr sz="1400">
+            <a:endParaRPr sz="1400" dirty="0">
               <a:solidFill>
                 <a:srgbClr val="000000"/>
               </a:solidFill>
@@ -5588,7 +5588,7 @@
         <p:fade/>
       </p:transition>
     </mc:Choice>
-    <mc:Fallback xmlns:ahyp="http://schemas.microsoft.com/office/drawing/2018/hyperlinkcolor" xmlns:p15="http://schemas.microsoft.com/office/powerpoint/2012/main" xmlns:com="http://schemas.openxmlformats.org/drawingml/2006/compatibility" xmlns:pvml="urn:schemas-microsoft-com:office:powerpoint" xmlns:v="urn:schemas-microsoft-com:vml" xmlns:o="urn:schemas-microsoft-com:office:office" xmlns:dgm="http://schemas.openxmlformats.org/drawingml/2006/diagram" xmlns:c="http://schemas.openxmlformats.org/drawingml/2006/chart" xmlns:mv="urn:schemas-microsoft-com:mac:vml" xmlns="">
+    <mc:Fallback xmlns="" xmlns:mv="urn:schemas-microsoft-com:mac:vml" xmlns:c="http://schemas.openxmlformats.org/drawingml/2006/chart" xmlns:dgm="http://schemas.openxmlformats.org/drawingml/2006/diagram" xmlns:o="urn:schemas-microsoft-com:office:office" xmlns:v="urn:schemas-microsoft-com:vml" xmlns:pvml="urn:schemas-microsoft-com:office:powerpoint" xmlns:com="http://schemas.openxmlformats.org/drawingml/2006/compatibility" xmlns:p15="http://schemas.microsoft.com/office/powerpoint/2012/main" xmlns:ahyp="http://schemas.microsoft.com/office/drawing/2018/hyperlinkcolor">
       <p:transition spd="slow">
         <p:fade/>
       </p:transition>
@@ -6648,27 +6648,7 @@
                 <a:latin typeface="Fira Sans" panose="020B0503050000020004" pitchFamily="34" charset="0"/>
                 <a:cs typeface="Times New Roman" panose="02020603050405020304" pitchFamily="18" charset="0"/>
               </a:rPr>
-              <a:t>(</a:t>
-            </a:r>
-            <a:r>
-              <a:rPr lang="ru-RU" altLang="ru-RU" sz="1050" b="1" dirty="0" err="1">
-                <a:solidFill>
-                  <a:schemeClr val="bg1"/>
-                </a:solidFill>
-                <a:latin typeface="Fira Sans" panose="020B0503050000020004" pitchFamily="34" charset="0"/>
-                <a:cs typeface="Times New Roman" panose="02020603050405020304" pitchFamily="18" charset="0"/>
-              </a:rPr>
-              <a:t>СПбГУТ</a:t>
-            </a:r>
-            <a:r>
-              <a:rPr lang="ru-RU" altLang="ru-RU" sz="1050" b="1" dirty="0">
-                <a:solidFill>
-                  <a:schemeClr val="bg1"/>
-                </a:solidFill>
-                <a:latin typeface="Fira Sans" panose="020B0503050000020004" pitchFamily="34" charset="0"/>
-                <a:cs typeface="Times New Roman" panose="02020603050405020304" pitchFamily="18" charset="0"/>
-              </a:rPr>
-              <a:t>)</a:t>
+              <a:t>(СПбГУТ)</a:t>
             </a:r>
             <a:endParaRPr lang="ru-RU" altLang="ru-RU" sz="1050" dirty="0">
               <a:solidFill>
@@ -6688,17 +6668,7 @@
                 <a:latin typeface="Fira Sans" panose="020B0503050000020004" pitchFamily="34" charset="0"/>
                 <a:cs typeface="Times New Roman" panose="02020603050405020304" pitchFamily="18" charset="0"/>
               </a:rPr>
-              <a:t>Санкт-Петербургский колледж телекоммуникаций им. Э.Т. </a:t>
-            </a:r>
-            <a:r>
-              <a:rPr lang="ru-RU" altLang="ru-RU" sz="1050" b="1" dirty="0" err="1">
-                <a:solidFill>
-                  <a:schemeClr val="bg1"/>
-                </a:solidFill>
-                <a:latin typeface="Fira Sans" panose="020B0503050000020004" pitchFamily="34" charset="0"/>
-                <a:cs typeface="Times New Roman" panose="02020603050405020304" pitchFamily="18" charset="0"/>
-              </a:rPr>
-              <a:t>Кренкеля</a:t>
+              <a:t>Санкт-Петербургский колледж телекоммуникаций им. Э.Т. Кренкеля</a:t>
             </a:r>
             <a:endParaRPr lang="ru-RU" altLang="ru-RU" sz="1050" dirty="0">
               <a:solidFill>
@@ -7344,13 +7314,6 @@
               </a:rPr>
               <a:t>«Разработка автоматизированной информационной системы сервисного ИТ-центра»</a:t>
             </a:r>
-            <a:endParaRPr lang="ru-RU" altLang="ru-RU" sz="2000" b="1" dirty="0">
-              <a:solidFill>
-                <a:schemeClr val="bg1"/>
-              </a:solidFill>
-              <a:latin typeface="Fira Sans" panose="020B0503050000020004" pitchFamily="34" charset="0"/>
-              <a:cs typeface="Times New Roman" panose="02020603050405020304" pitchFamily="18" charset="0"/>
-            </a:endParaRPr>
           </a:p>
         </p:txBody>
       </p:sp>
@@ -8064,7 +8027,7 @@
               <a:rPr lang="ru"/>
               <a:t>10</a:t>
             </a:fld>
-            <a:endParaRPr sz="1400">
+            <a:endParaRPr sz="1400" dirty="0">
               <a:solidFill>
                 <a:srgbClr val="000000"/>
               </a:solidFill>
@@ -8220,6 +8183,13 @@
   <p:clrMapOvr>
     <a:masterClrMapping/>
   </p:clrMapOvr>
+  <p:timing>
+    <p:tnLst>
+      <p:par>
+        <p:cTn id="1" dur="indefinite" restart="never" nodeType="tmRoot"/>
+      </p:par>
+    </p:tnLst>
+  </p:timing>
 </p:sld>
 </file>
 
@@ -8322,7 +8292,7 @@
               <a:rPr lang="ru"/>
               <a:t>11</a:t>
             </a:fld>
-            <a:endParaRPr sz="1400">
+            <a:endParaRPr sz="1400" dirty="0">
               <a:solidFill>
                 <a:srgbClr val="000000"/>
               </a:solidFill>
@@ -8388,8 +8358,8 @@
         </p:nvSpPr>
         <p:spPr>
           <a:xfrm>
-            <a:off x="1466466" y="4735442"/>
-            <a:ext cx="5506637" cy="307777"/>
+            <a:off x="963927" y="4735442"/>
+            <a:ext cx="6511719" cy="307777"/>
           </a:xfrm>
           <a:prstGeom prst="rect">
             <a:avLst/>
@@ -8414,17 +8384,32 @@
                 <a:latin typeface="Fira Sans" panose="020B0503050000020004" pitchFamily="34" charset="0"/>
                 <a:cs typeface="Times New Roman" pitchFamily="18" charset="0"/>
               </a:rPr>
-              <a:t>Диаграмма последовательности «Изменение личных данных»</a:t>
-            </a:r>
-            <a:endParaRPr lang="ru-RU" b="1" dirty="0">
-              <a:solidFill>
-                <a:schemeClr val="tx2">
-                  <a:lumMod val="50000"/>
-                </a:schemeClr>
-              </a:solidFill>
-              <a:latin typeface="Fira Sans" panose="020B0503050000020004" pitchFamily="34" charset="0"/>
-              <a:cs typeface="Times New Roman" pitchFamily="18" charset="0"/>
-            </a:endParaRPr>
+              <a:t>Диаграмма </a:t>
+            </a:r>
+            <a:r>
+              <a:rPr lang="ru-RU" b="1" dirty="0" smtClean="0">
+                <a:solidFill>
+                  <a:schemeClr val="tx2">
+                    <a:lumMod val="50000"/>
+                  </a:schemeClr>
+                </a:solidFill>
+                <a:latin typeface="Fira Sans" panose="020B0503050000020004" pitchFamily="34" charset="0"/>
+                <a:cs typeface="Times New Roman" pitchFamily="18" charset="0"/>
+              </a:rPr>
+              <a:t>прецедента последовательности </a:t>
+            </a:r>
+            <a:r>
+              <a:rPr lang="ru-RU" b="1" dirty="0">
+                <a:solidFill>
+                  <a:schemeClr val="tx2">
+                    <a:lumMod val="50000"/>
+                  </a:schemeClr>
+                </a:solidFill>
+                <a:latin typeface="Fira Sans" panose="020B0503050000020004" pitchFamily="34" charset="0"/>
+                <a:cs typeface="Times New Roman" pitchFamily="18" charset="0"/>
+              </a:rPr>
+              <a:t>«Изменение личных данных»</a:t>
+            </a:r>
           </a:p>
         </p:txBody>
       </p:sp>
@@ -8466,6 +8451,13 @@
   <p:clrMapOvr>
     <a:masterClrMapping/>
   </p:clrMapOvr>
+  <p:timing>
+    <p:tnLst>
+      <p:par>
+        <p:cTn id="1" dur="indefinite" restart="never" nodeType="tmRoot"/>
+      </p:par>
+    </p:tnLst>
+  </p:timing>
 </p:sld>
 </file>
 
@@ -8568,7 +8560,7 @@
               <a:rPr lang="ru"/>
               <a:t>12</a:t>
             </a:fld>
-            <a:endParaRPr sz="1400">
+            <a:endParaRPr sz="1400" dirty="0">
               <a:solidFill>
                 <a:srgbClr val="000000"/>
               </a:solidFill>
@@ -8724,6 +8716,13 @@
   <p:clrMapOvr>
     <a:masterClrMapping/>
   </p:clrMapOvr>
+  <p:timing>
+    <p:tnLst>
+      <p:par>
+        <p:cTn id="1" dur="indefinite" restart="never" nodeType="tmRoot"/>
+      </p:par>
+    </p:tnLst>
+  </p:timing>
 </p:sld>
 </file>
 
@@ -8826,7 +8825,7 @@
               <a:rPr lang="ru"/>
               <a:t>13</a:t>
             </a:fld>
-            <a:endParaRPr sz="1400">
+            <a:endParaRPr sz="1400" dirty="0">
               <a:solidFill>
                 <a:srgbClr val="000000"/>
               </a:solidFill>
@@ -8966,6 +8965,13 @@
   <p:clrMapOvr>
     <a:masterClrMapping/>
   </p:clrMapOvr>
+  <p:timing>
+    <p:tnLst>
+      <p:par>
+        <p:cTn id="1" dur="indefinite" restart="never" nodeType="tmRoot"/>
+      </p:par>
+    </p:tnLst>
+  </p:timing>
 </p:sld>
 </file>
 
@@ -9068,7 +9074,7 @@
               <a:rPr lang="ru"/>
               <a:t>14</a:t>
             </a:fld>
-            <a:endParaRPr sz="1400">
+            <a:endParaRPr sz="1400" dirty="0">
               <a:solidFill>
                 <a:srgbClr val="000000"/>
               </a:solidFill>
@@ -9208,6 +9214,13 @@
   <p:clrMapOvr>
     <a:masterClrMapping/>
   </p:clrMapOvr>
+  <p:timing>
+    <p:tnLst>
+      <p:par>
+        <p:cTn id="1" dur="indefinite" restart="never" nodeType="tmRoot"/>
+      </p:par>
+    </p:tnLst>
+  </p:timing>
 </p:sld>
 </file>
 
@@ -9310,7 +9323,7 @@
               <a:rPr lang="ru"/>
               <a:t>15</a:t>
             </a:fld>
-            <a:endParaRPr sz="1400">
+            <a:endParaRPr sz="1400" dirty="0">
               <a:solidFill>
                 <a:srgbClr val="000000"/>
               </a:solidFill>
@@ -9450,6 +9463,13 @@
   <p:clrMapOvr>
     <a:masterClrMapping/>
   </p:clrMapOvr>
+  <p:timing>
+    <p:tnLst>
+      <p:par>
+        <p:cTn id="1" dur="indefinite" restart="never" nodeType="tmRoot"/>
+      </p:par>
+    </p:tnLst>
+  </p:timing>
 </p:sld>
 </file>
 
@@ -9552,7 +9572,7 @@
               <a:rPr lang="ru"/>
               <a:t>16</a:t>
             </a:fld>
-            <a:endParaRPr sz="1400">
+            <a:endParaRPr sz="1400" dirty="0">
               <a:solidFill>
                 <a:srgbClr val="000000"/>
               </a:solidFill>
@@ -9692,6 +9712,13 @@
   <p:clrMapOvr>
     <a:masterClrMapping/>
   </p:clrMapOvr>
+  <p:timing>
+    <p:tnLst>
+      <p:par>
+        <p:cTn id="1" dur="indefinite" restart="never" nodeType="tmRoot"/>
+      </p:par>
+    </p:tnLst>
+  </p:timing>
 </p:sld>
 </file>
 
@@ -9794,7 +9821,7 @@
               <a:rPr lang="ru"/>
               <a:t>17</a:t>
             </a:fld>
-            <a:endParaRPr sz="1400">
+            <a:endParaRPr sz="1400" dirty="0">
               <a:solidFill>
                 <a:srgbClr val="000000"/>
               </a:solidFill>
@@ -9888,42 +9915,1862 @@
               </a:rPr>
               <a:t>Фрагмент кода для изменения личных данных</a:t>
             </a:r>
-            <a:endParaRPr lang="ru-RU" b="1" dirty="0">
+          </a:p>
+        </p:txBody>
+      </p:sp>
+      <p:sp>
+        <p:nvSpPr>
+          <p:cNvPr id="7" name="Rectangle 2"/>
+          <p:cNvSpPr>
+            <a:spLocks noChangeArrowheads="1"/>
+          </p:cNvSpPr>
+          <p:nvPr/>
+        </p:nvSpPr>
+        <p:spPr bwMode="auto">
+          <a:xfrm>
+            <a:off x="1029221" y="874305"/>
+            <a:ext cx="7379389" cy="3785652"/>
+          </a:xfrm>
+          <a:prstGeom prst="rect">
+            <a:avLst/>
+          </a:prstGeom>
+          <a:solidFill>
+            <a:schemeClr val="bg1"/>
+          </a:solidFill>
+          <a:ln>
+            <a:noFill/>
+          </a:ln>
+          <a:effectLst/>
+        </p:spPr>
+        <p:txBody>
+          <a:bodyPr vert="horz" wrap="square" lIns="91440" tIns="45720" rIns="91440" bIns="45720" numCol="1" anchor="ctr" anchorCtr="0" compatLnSpc="1">
+            <a:prstTxWarp prst="textNoShape">
+              <a:avLst/>
+            </a:prstTxWarp>
+            <a:spAutoFit/>
+          </a:bodyPr>
+          <a:lstStyle/>
+          <a:p>
+            <a:pPr marL="0" marR="0" lvl="0" indent="0" algn="l" defTabSz="914400" rtl="0" eaLnBrk="0" fontAlgn="base" latinLnBrk="0" hangingPunct="0">
+              <a:lnSpc>
+                <a:spcPct val="100000"/>
+              </a:lnSpc>
+              <a:spcBef>
+                <a:spcPct val="0"/>
+              </a:spcBef>
+              <a:spcAft>
+                <a:spcPct val="0"/>
+              </a:spcAft>
+              <a:buClrTx/>
+              <a:buSzTx/>
+              <a:buFontTx/>
+              <a:buNone/>
+              <a:tabLst/>
+            </a:pPr>
+            <a:r>
+              <a:rPr kumimoji="0" lang="ru-RU" altLang="ru-RU" sz="800" b="0" i="0" u="none" strike="noStrike" cap="none" normalizeH="0" baseline="0" dirty="0" smtClean="0">
+                <a:ln>
+                  <a:noFill/>
+                </a:ln>
+                <a:solidFill>
+                  <a:srgbClr val="CC7832"/>
+                </a:solidFill>
+                <a:effectLst/>
+                <a:latin typeface="Fira Sans" panose="020B0503050000020004" pitchFamily="34" charset="0"/>
+              </a:rPr>
+              <a:t>class </a:t>
+            </a:r>
+            <a:r>
+              <a:rPr kumimoji="0" lang="ru-RU" altLang="ru-RU" sz="800" b="0" i="0" u="none" strike="noStrike" cap="none" normalizeH="0" baseline="0" dirty="0" smtClean="0">
+                <a:ln>
+                  <a:noFill/>
+                </a:ln>
+                <a:solidFill>
+                  <a:srgbClr val="A9B7C6"/>
+                </a:solidFill>
+                <a:effectLst/>
+                <a:latin typeface="Fira Sans" panose="020B0503050000020004" pitchFamily="34" charset="0"/>
+              </a:rPr>
+              <a:t>ProfileUpdateView(UpdateView):</a:t>
+            </a:r>
+            <a:br>
+              <a:rPr kumimoji="0" lang="ru-RU" altLang="ru-RU" sz="800" b="0" i="0" u="none" strike="noStrike" cap="none" normalizeH="0" baseline="0" dirty="0" smtClean="0">
+                <a:ln>
+                  <a:noFill/>
+                </a:ln>
+                <a:solidFill>
+                  <a:srgbClr val="A9B7C6"/>
+                </a:solidFill>
+                <a:effectLst/>
+                <a:latin typeface="Fira Sans" panose="020B0503050000020004" pitchFamily="34" charset="0"/>
+              </a:rPr>
+            </a:br>
+            <a:r>
+              <a:rPr kumimoji="0" lang="ru-RU" altLang="ru-RU" sz="800" b="0" i="0" u="none" strike="noStrike" cap="none" normalizeH="0" baseline="0" dirty="0" smtClean="0">
+                <a:ln>
+                  <a:noFill/>
+                </a:ln>
+                <a:solidFill>
+                  <a:srgbClr val="A9B7C6"/>
+                </a:solidFill>
+                <a:effectLst/>
+                <a:latin typeface="Fira Sans" panose="020B0503050000020004" pitchFamily="34" charset="0"/>
+              </a:rPr>
+              <a:t>    model = users</a:t>
+            </a:r>
+            <a:br>
+              <a:rPr kumimoji="0" lang="ru-RU" altLang="ru-RU" sz="800" b="0" i="0" u="none" strike="noStrike" cap="none" normalizeH="0" baseline="0" dirty="0" smtClean="0">
+                <a:ln>
+                  <a:noFill/>
+                </a:ln>
+                <a:solidFill>
+                  <a:srgbClr val="A9B7C6"/>
+                </a:solidFill>
+                <a:effectLst/>
+                <a:latin typeface="Fira Sans" panose="020B0503050000020004" pitchFamily="34" charset="0"/>
+              </a:rPr>
+            </a:br>
+            <a:r>
+              <a:rPr kumimoji="0" lang="ru-RU" altLang="ru-RU" sz="800" b="0" i="0" u="none" strike="noStrike" cap="none" normalizeH="0" baseline="0" dirty="0" smtClean="0">
+                <a:ln>
+                  <a:noFill/>
+                </a:ln>
+                <a:solidFill>
+                  <a:srgbClr val="A9B7C6"/>
+                </a:solidFill>
+                <a:effectLst/>
+                <a:latin typeface="Fira Sans" panose="020B0503050000020004" pitchFamily="34" charset="0"/>
+              </a:rPr>
+              <a:t>    form_class = ProfileUpdateForm</a:t>
+            </a:r>
+            <a:br>
+              <a:rPr kumimoji="0" lang="ru-RU" altLang="ru-RU" sz="800" b="0" i="0" u="none" strike="noStrike" cap="none" normalizeH="0" baseline="0" dirty="0" smtClean="0">
+                <a:ln>
+                  <a:noFill/>
+                </a:ln>
+                <a:solidFill>
+                  <a:srgbClr val="A9B7C6"/>
+                </a:solidFill>
+                <a:effectLst/>
+                <a:latin typeface="Fira Sans" panose="020B0503050000020004" pitchFamily="34" charset="0"/>
+              </a:rPr>
+            </a:br>
+            <a:r>
+              <a:rPr kumimoji="0" lang="ru-RU" altLang="ru-RU" sz="800" b="0" i="0" u="none" strike="noStrike" cap="none" normalizeH="0" baseline="0" dirty="0" smtClean="0">
+                <a:ln>
+                  <a:noFill/>
+                </a:ln>
+                <a:solidFill>
+                  <a:srgbClr val="A9B7C6"/>
+                </a:solidFill>
+                <a:effectLst/>
+                <a:latin typeface="Fira Sans" panose="020B0503050000020004" pitchFamily="34" charset="0"/>
+              </a:rPr>
+              <a:t>    template_name = </a:t>
+            </a:r>
+            <a:r>
+              <a:rPr kumimoji="0" lang="ru-RU" altLang="ru-RU" sz="800" b="0" i="0" u="none" strike="noStrike" cap="none" normalizeH="0" baseline="0" dirty="0" smtClean="0">
+                <a:ln>
+                  <a:noFill/>
+                </a:ln>
+                <a:solidFill>
+                  <a:srgbClr val="6A8759"/>
+                </a:solidFill>
+                <a:effectLst/>
+                <a:latin typeface="Fira Sans" panose="020B0503050000020004" pitchFamily="34" charset="0"/>
+              </a:rPr>
+              <a:t>'itservice/profile_edit.html'</a:t>
+            </a:r>
+            <a:br>
+              <a:rPr kumimoji="0" lang="ru-RU" altLang="ru-RU" sz="800" b="0" i="0" u="none" strike="noStrike" cap="none" normalizeH="0" baseline="0" dirty="0" smtClean="0">
+                <a:ln>
+                  <a:noFill/>
+                </a:ln>
+                <a:solidFill>
+                  <a:srgbClr val="6A8759"/>
+                </a:solidFill>
+                <a:effectLst/>
+                <a:latin typeface="Fira Sans" panose="020B0503050000020004" pitchFamily="34" charset="0"/>
+              </a:rPr>
+            </a:br>
+            <a:r>
+              <a:rPr kumimoji="0" lang="ru-RU" altLang="ru-RU" sz="800" b="0" i="0" u="none" strike="noStrike" cap="none" normalizeH="0" baseline="0" dirty="0" smtClean="0">
+                <a:ln>
+                  <a:noFill/>
+                </a:ln>
+                <a:solidFill>
+                  <a:srgbClr val="6A8759"/>
+                </a:solidFill>
+                <a:effectLst/>
+                <a:latin typeface="Fira Sans" panose="020B0503050000020004" pitchFamily="34" charset="0"/>
+              </a:rPr>
+              <a:t/>
+            </a:r>
+            <a:br>
+              <a:rPr kumimoji="0" lang="ru-RU" altLang="ru-RU" sz="800" b="0" i="0" u="none" strike="noStrike" cap="none" normalizeH="0" baseline="0" dirty="0" smtClean="0">
+                <a:ln>
+                  <a:noFill/>
+                </a:ln>
+                <a:solidFill>
+                  <a:srgbClr val="6A8759"/>
+                </a:solidFill>
+                <a:effectLst/>
+                <a:latin typeface="Fira Sans" panose="020B0503050000020004" pitchFamily="34" charset="0"/>
+              </a:rPr>
+            </a:br>
+            <a:r>
+              <a:rPr kumimoji="0" lang="ru-RU" altLang="ru-RU" sz="800" b="0" i="0" u="none" strike="noStrike" cap="none" normalizeH="0" baseline="0" dirty="0" smtClean="0">
+                <a:ln>
+                  <a:noFill/>
+                </a:ln>
+                <a:solidFill>
+                  <a:srgbClr val="6A8759"/>
+                </a:solidFill>
+                <a:effectLst/>
+                <a:latin typeface="Fira Sans" panose="020B0503050000020004" pitchFamily="34" charset="0"/>
+              </a:rPr>
+              <a:t>    </a:t>
+            </a:r>
+            <a:r>
+              <a:rPr kumimoji="0" lang="ru-RU" altLang="ru-RU" sz="800" b="0" i="0" u="none" strike="noStrike" cap="none" normalizeH="0" baseline="0" dirty="0" smtClean="0">
+                <a:ln>
+                  <a:noFill/>
+                </a:ln>
+                <a:solidFill>
+                  <a:srgbClr val="CC7832"/>
+                </a:solidFill>
+                <a:effectLst/>
+                <a:latin typeface="Fira Sans" panose="020B0503050000020004" pitchFamily="34" charset="0"/>
+              </a:rPr>
+              <a:t>def </a:t>
+            </a:r>
+            <a:r>
+              <a:rPr kumimoji="0" lang="ru-RU" altLang="ru-RU" sz="800" b="0" i="0" u="none" strike="noStrike" cap="none" normalizeH="0" baseline="0" dirty="0" smtClean="0">
+                <a:ln>
+                  <a:noFill/>
+                </a:ln>
+                <a:solidFill>
+                  <a:srgbClr val="FFC66D"/>
+                </a:solidFill>
+                <a:effectLst/>
+                <a:latin typeface="Fira Sans" panose="020B0503050000020004" pitchFamily="34" charset="0"/>
+              </a:rPr>
+              <a:t>get_object</a:t>
+            </a:r>
+            <a:r>
+              <a:rPr kumimoji="0" lang="ru-RU" altLang="ru-RU" sz="800" b="0" i="0" u="none" strike="noStrike" cap="none" normalizeH="0" baseline="0" dirty="0" smtClean="0">
+                <a:ln>
+                  <a:noFill/>
+                </a:ln>
+                <a:solidFill>
+                  <a:srgbClr val="A9B7C6"/>
+                </a:solidFill>
+                <a:effectLst/>
+                <a:latin typeface="Fira Sans" panose="020B0503050000020004" pitchFamily="34" charset="0"/>
+              </a:rPr>
+              <a:t>(</a:t>
+            </a:r>
+            <a:r>
+              <a:rPr kumimoji="0" lang="ru-RU" altLang="ru-RU" sz="800" b="0" i="0" u="none" strike="noStrike" cap="none" normalizeH="0" baseline="0" dirty="0" smtClean="0">
+                <a:ln>
+                  <a:noFill/>
+                </a:ln>
+                <a:solidFill>
+                  <a:srgbClr val="94558D"/>
+                </a:solidFill>
+                <a:effectLst/>
+                <a:latin typeface="Fira Sans" panose="020B0503050000020004" pitchFamily="34" charset="0"/>
+              </a:rPr>
+              <a:t>self</a:t>
+            </a:r>
+            <a:r>
+              <a:rPr kumimoji="0" lang="ru-RU" altLang="ru-RU" sz="800" b="0" i="0" u="none" strike="noStrike" cap="none" normalizeH="0" baseline="0" dirty="0" smtClean="0">
+                <a:ln>
+                  <a:noFill/>
+                </a:ln>
+                <a:solidFill>
+                  <a:srgbClr val="CC7832"/>
+                </a:solidFill>
+                <a:effectLst/>
+                <a:latin typeface="Fira Sans" panose="020B0503050000020004" pitchFamily="34" charset="0"/>
+              </a:rPr>
+              <a:t>, </a:t>
+            </a:r>
+            <a:r>
+              <a:rPr kumimoji="0" lang="ru-RU" altLang="ru-RU" sz="800" b="0" i="0" u="none" strike="noStrike" cap="none" normalizeH="0" baseline="0" dirty="0" smtClean="0">
+                <a:ln>
+                  <a:noFill/>
+                </a:ln>
+                <a:solidFill>
+                  <a:srgbClr val="A9B7C6"/>
+                </a:solidFill>
+                <a:effectLst/>
+                <a:latin typeface="Fira Sans" panose="020B0503050000020004" pitchFamily="34" charset="0"/>
+              </a:rPr>
+              <a:t>queryset=</a:t>
+            </a:r>
+            <a:r>
+              <a:rPr kumimoji="0" lang="ru-RU" altLang="ru-RU" sz="800" b="0" i="0" u="none" strike="noStrike" cap="none" normalizeH="0" baseline="0" dirty="0" smtClean="0">
+                <a:ln>
+                  <a:noFill/>
+                </a:ln>
+                <a:solidFill>
+                  <a:srgbClr val="CC7832"/>
+                </a:solidFill>
+                <a:effectLst/>
+                <a:latin typeface="Fira Sans" panose="020B0503050000020004" pitchFamily="34" charset="0"/>
+              </a:rPr>
+              <a:t>None</a:t>
+            </a:r>
+            <a:r>
+              <a:rPr kumimoji="0" lang="ru-RU" altLang="ru-RU" sz="800" b="0" i="0" u="none" strike="noStrike" cap="none" normalizeH="0" baseline="0" dirty="0" smtClean="0">
+                <a:ln>
+                  <a:noFill/>
+                </a:ln>
+                <a:solidFill>
+                  <a:srgbClr val="A9B7C6"/>
+                </a:solidFill>
+                <a:effectLst/>
+                <a:latin typeface="Fira Sans" panose="020B0503050000020004" pitchFamily="34" charset="0"/>
+              </a:rPr>
+              <a:t>):</a:t>
+            </a:r>
+            <a:br>
+              <a:rPr kumimoji="0" lang="ru-RU" altLang="ru-RU" sz="800" b="0" i="0" u="none" strike="noStrike" cap="none" normalizeH="0" baseline="0" dirty="0" smtClean="0">
+                <a:ln>
+                  <a:noFill/>
+                </a:ln>
+                <a:solidFill>
+                  <a:srgbClr val="A9B7C6"/>
+                </a:solidFill>
+                <a:effectLst/>
+                <a:latin typeface="Fira Sans" panose="020B0503050000020004" pitchFamily="34" charset="0"/>
+              </a:rPr>
+            </a:br>
+            <a:r>
+              <a:rPr kumimoji="0" lang="ru-RU" altLang="ru-RU" sz="800" b="0" i="0" u="none" strike="noStrike" cap="none" normalizeH="0" baseline="0" dirty="0" smtClean="0">
+                <a:ln>
+                  <a:noFill/>
+                </a:ln>
+                <a:solidFill>
+                  <a:srgbClr val="A9B7C6"/>
+                </a:solidFill>
+                <a:effectLst/>
+                <a:latin typeface="Fira Sans" panose="020B0503050000020004" pitchFamily="34" charset="0"/>
+              </a:rPr>
+              <a:t>        </a:t>
+            </a:r>
+            <a:r>
+              <a:rPr kumimoji="0" lang="ru-RU" altLang="ru-RU" sz="800" b="0" i="0" u="none" strike="noStrike" cap="none" normalizeH="0" baseline="0" dirty="0" smtClean="0">
+                <a:ln>
+                  <a:noFill/>
+                </a:ln>
+                <a:solidFill>
+                  <a:srgbClr val="CC7832"/>
+                </a:solidFill>
+                <a:effectLst/>
+                <a:latin typeface="Fira Sans" panose="020B0503050000020004" pitchFamily="34" charset="0"/>
+              </a:rPr>
+              <a:t>return </a:t>
+            </a:r>
+            <a:r>
+              <a:rPr kumimoji="0" lang="ru-RU" altLang="ru-RU" sz="800" b="0" i="0" u="none" strike="noStrike" cap="none" normalizeH="0" baseline="0" dirty="0" smtClean="0">
+                <a:ln>
+                  <a:noFill/>
+                </a:ln>
+                <a:solidFill>
+                  <a:srgbClr val="94558D"/>
+                </a:solidFill>
+                <a:effectLst/>
+                <a:latin typeface="Fira Sans" panose="020B0503050000020004" pitchFamily="34" charset="0"/>
+              </a:rPr>
+              <a:t>self</a:t>
+            </a:r>
+            <a:r>
+              <a:rPr kumimoji="0" lang="ru-RU" altLang="ru-RU" sz="800" b="0" i="0" u="none" strike="noStrike" cap="none" normalizeH="0" baseline="0" dirty="0" smtClean="0">
+                <a:ln>
+                  <a:noFill/>
+                </a:ln>
+                <a:solidFill>
+                  <a:srgbClr val="A9B7C6"/>
+                </a:solidFill>
+                <a:effectLst/>
+                <a:latin typeface="Fira Sans" panose="020B0503050000020004" pitchFamily="34" charset="0"/>
+              </a:rPr>
+              <a:t>.request.user</a:t>
+            </a:r>
+            <a:br>
+              <a:rPr kumimoji="0" lang="ru-RU" altLang="ru-RU" sz="800" b="0" i="0" u="none" strike="noStrike" cap="none" normalizeH="0" baseline="0" dirty="0" smtClean="0">
+                <a:ln>
+                  <a:noFill/>
+                </a:ln>
+                <a:solidFill>
+                  <a:srgbClr val="A9B7C6"/>
+                </a:solidFill>
+                <a:effectLst/>
+                <a:latin typeface="Fira Sans" panose="020B0503050000020004" pitchFamily="34" charset="0"/>
+              </a:rPr>
+            </a:br>
+            <a:r>
+              <a:rPr kumimoji="0" lang="ru-RU" altLang="ru-RU" sz="800" b="0" i="0" u="none" strike="noStrike" cap="none" normalizeH="0" baseline="0" dirty="0" smtClean="0">
+                <a:ln>
+                  <a:noFill/>
+                </a:ln>
+                <a:solidFill>
+                  <a:srgbClr val="A9B7C6"/>
+                </a:solidFill>
+                <a:effectLst/>
+                <a:latin typeface="Fira Sans" panose="020B0503050000020004" pitchFamily="34" charset="0"/>
+              </a:rPr>
+              <a:t/>
+            </a:r>
+            <a:br>
+              <a:rPr kumimoji="0" lang="ru-RU" altLang="ru-RU" sz="800" b="0" i="0" u="none" strike="noStrike" cap="none" normalizeH="0" baseline="0" dirty="0" smtClean="0">
+                <a:ln>
+                  <a:noFill/>
+                </a:ln>
+                <a:solidFill>
+                  <a:srgbClr val="A9B7C6"/>
+                </a:solidFill>
+                <a:effectLst/>
+                <a:latin typeface="Fira Sans" panose="020B0503050000020004" pitchFamily="34" charset="0"/>
+              </a:rPr>
+            </a:br>
+            <a:r>
+              <a:rPr kumimoji="0" lang="ru-RU" altLang="ru-RU" sz="800" b="0" i="0" u="none" strike="noStrike" cap="none" normalizeH="0" baseline="0" dirty="0" smtClean="0">
+                <a:ln>
+                  <a:noFill/>
+                </a:ln>
+                <a:solidFill>
+                  <a:srgbClr val="A9B7C6"/>
+                </a:solidFill>
+                <a:effectLst/>
+                <a:latin typeface="Fira Sans" panose="020B0503050000020004" pitchFamily="34" charset="0"/>
+              </a:rPr>
+              <a:t>    </a:t>
+            </a:r>
+            <a:r>
+              <a:rPr kumimoji="0" lang="ru-RU" altLang="ru-RU" sz="800" b="0" i="0" u="none" strike="noStrike" cap="none" normalizeH="0" baseline="0" dirty="0" smtClean="0">
+                <a:ln>
+                  <a:noFill/>
+                </a:ln>
+                <a:solidFill>
+                  <a:srgbClr val="CC7832"/>
+                </a:solidFill>
+                <a:effectLst/>
+                <a:latin typeface="Fira Sans" panose="020B0503050000020004" pitchFamily="34" charset="0"/>
+              </a:rPr>
+              <a:t>def </a:t>
+            </a:r>
+            <a:r>
+              <a:rPr kumimoji="0" lang="ru-RU" altLang="ru-RU" sz="800" b="0" i="0" u="none" strike="noStrike" cap="none" normalizeH="0" baseline="0" dirty="0" smtClean="0">
+                <a:ln>
+                  <a:noFill/>
+                </a:ln>
+                <a:solidFill>
+                  <a:srgbClr val="FFC66D"/>
+                </a:solidFill>
+                <a:effectLst/>
+                <a:latin typeface="Fira Sans" panose="020B0503050000020004" pitchFamily="34" charset="0"/>
+              </a:rPr>
+              <a:t>get_context_data</a:t>
+            </a:r>
+            <a:r>
+              <a:rPr kumimoji="0" lang="ru-RU" altLang="ru-RU" sz="800" b="0" i="0" u="none" strike="noStrike" cap="none" normalizeH="0" baseline="0" dirty="0" smtClean="0">
+                <a:ln>
+                  <a:noFill/>
+                </a:ln>
+                <a:solidFill>
+                  <a:srgbClr val="A9B7C6"/>
+                </a:solidFill>
+                <a:effectLst/>
+                <a:latin typeface="Fira Sans" panose="020B0503050000020004" pitchFamily="34" charset="0"/>
+              </a:rPr>
+              <a:t>(</a:t>
+            </a:r>
+            <a:r>
+              <a:rPr kumimoji="0" lang="ru-RU" altLang="ru-RU" sz="800" b="0" i="0" u="none" strike="noStrike" cap="none" normalizeH="0" baseline="0" dirty="0" smtClean="0">
+                <a:ln>
+                  <a:noFill/>
+                </a:ln>
+                <a:solidFill>
+                  <a:srgbClr val="94558D"/>
+                </a:solidFill>
+                <a:effectLst/>
+                <a:latin typeface="Fira Sans" panose="020B0503050000020004" pitchFamily="34" charset="0"/>
+              </a:rPr>
+              <a:t>self</a:t>
+            </a:r>
+            <a:r>
+              <a:rPr kumimoji="0" lang="ru-RU" altLang="ru-RU" sz="800" b="0" i="0" u="none" strike="noStrike" cap="none" normalizeH="0" baseline="0" dirty="0" smtClean="0">
+                <a:ln>
+                  <a:noFill/>
+                </a:ln>
+                <a:solidFill>
+                  <a:srgbClr val="CC7832"/>
+                </a:solidFill>
+                <a:effectLst/>
+                <a:latin typeface="Fira Sans" panose="020B0503050000020004" pitchFamily="34" charset="0"/>
+              </a:rPr>
+              <a:t>, </a:t>
+            </a:r>
+            <a:r>
+              <a:rPr kumimoji="0" lang="ru-RU" altLang="ru-RU" sz="800" b="0" i="0" u="none" strike="noStrike" cap="none" normalizeH="0" baseline="0" dirty="0" smtClean="0">
+                <a:ln>
+                  <a:noFill/>
+                </a:ln>
+                <a:solidFill>
+                  <a:srgbClr val="A9B7C6"/>
+                </a:solidFill>
+                <a:effectLst/>
+                <a:latin typeface="Fira Sans" panose="020B0503050000020004" pitchFamily="34" charset="0"/>
+              </a:rPr>
+              <a:t>**kwargs):</a:t>
+            </a:r>
+            <a:br>
+              <a:rPr kumimoji="0" lang="ru-RU" altLang="ru-RU" sz="800" b="0" i="0" u="none" strike="noStrike" cap="none" normalizeH="0" baseline="0" dirty="0" smtClean="0">
+                <a:ln>
+                  <a:noFill/>
+                </a:ln>
+                <a:solidFill>
+                  <a:srgbClr val="A9B7C6"/>
+                </a:solidFill>
+                <a:effectLst/>
+                <a:latin typeface="Fira Sans" panose="020B0503050000020004" pitchFamily="34" charset="0"/>
+              </a:rPr>
+            </a:br>
+            <a:r>
+              <a:rPr kumimoji="0" lang="ru-RU" altLang="ru-RU" sz="800" b="0" i="0" u="none" strike="noStrike" cap="none" normalizeH="0" baseline="0" dirty="0" smtClean="0">
+                <a:ln>
+                  <a:noFill/>
+                </a:ln>
+                <a:solidFill>
+                  <a:srgbClr val="A9B7C6"/>
+                </a:solidFill>
+                <a:effectLst/>
+                <a:latin typeface="Fira Sans" panose="020B0503050000020004" pitchFamily="34" charset="0"/>
+              </a:rPr>
+              <a:t>        context = </a:t>
+            </a:r>
+            <a:r>
+              <a:rPr kumimoji="0" lang="ru-RU" altLang="ru-RU" sz="800" b="0" i="0" u="none" strike="noStrike" cap="none" normalizeH="0" baseline="0" dirty="0" smtClean="0">
+                <a:ln>
+                  <a:noFill/>
+                </a:ln>
+                <a:solidFill>
+                  <a:srgbClr val="8888C6"/>
+                </a:solidFill>
+                <a:effectLst/>
+                <a:latin typeface="Fira Sans" panose="020B0503050000020004" pitchFamily="34" charset="0"/>
+              </a:rPr>
+              <a:t>super</a:t>
+            </a:r>
+            <a:r>
+              <a:rPr kumimoji="0" lang="ru-RU" altLang="ru-RU" sz="800" b="0" i="0" u="none" strike="noStrike" cap="none" normalizeH="0" baseline="0" dirty="0" smtClean="0">
+                <a:ln>
+                  <a:noFill/>
+                </a:ln>
+                <a:solidFill>
+                  <a:srgbClr val="A9B7C6"/>
+                </a:solidFill>
+                <a:effectLst/>
+                <a:latin typeface="Fira Sans" panose="020B0503050000020004" pitchFamily="34" charset="0"/>
+              </a:rPr>
+              <a:t>().get_context_data(**kwargs)</a:t>
+            </a:r>
+            <a:br>
+              <a:rPr kumimoji="0" lang="ru-RU" altLang="ru-RU" sz="800" b="0" i="0" u="none" strike="noStrike" cap="none" normalizeH="0" baseline="0" dirty="0" smtClean="0">
+                <a:ln>
+                  <a:noFill/>
+                </a:ln>
+                <a:solidFill>
+                  <a:srgbClr val="A9B7C6"/>
+                </a:solidFill>
+                <a:effectLst/>
+                <a:latin typeface="Fira Sans" panose="020B0503050000020004" pitchFamily="34" charset="0"/>
+              </a:rPr>
+            </a:br>
+            <a:r>
+              <a:rPr kumimoji="0" lang="ru-RU" altLang="ru-RU" sz="800" b="0" i="0" u="none" strike="noStrike" cap="none" normalizeH="0" baseline="0" dirty="0" smtClean="0">
+                <a:ln>
+                  <a:noFill/>
+                </a:ln>
+                <a:solidFill>
+                  <a:srgbClr val="A9B7C6"/>
+                </a:solidFill>
+                <a:effectLst/>
+                <a:latin typeface="Fira Sans" panose="020B0503050000020004" pitchFamily="34" charset="0"/>
+              </a:rPr>
+              <a:t>        </a:t>
+            </a:r>
+            <a:r>
+              <a:rPr kumimoji="0" lang="ru-RU" altLang="ru-RU" sz="800" b="0" i="0" u="none" strike="noStrike" cap="none" normalizeH="0" baseline="0" dirty="0" smtClean="0">
+                <a:ln>
+                  <a:noFill/>
+                </a:ln>
+                <a:solidFill>
+                  <a:srgbClr val="CC7832"/>
+                </a:solidFill>
+                <a:effectLst/>
+                <a:latin typeface="Fira Sans" panose="020B0503050000020004" pitchFamily="34" charset="0"/>
+              </a:rPr>
+              <a:t>if </a:t>
+            </a:r>
+            <a:r>
+              <a:rPr kumimoji="0" lang="ru-RU" altLang="ru-RU" sz="800" b="0" i="0" u="none" strike="noStrike" cap="none" normalizeH="0" baseline="0" dirty="0" smtClean="0">
+                <a:ln>
+                  <a:noFill/>
+                </a:ln>
+                <a:solidFill>
+                  <a:srgbClr val="94558D"/>
+                </a:solidFill>
+                <a:effectLst/>
+                <a:latin typeface="Fira Sans" panose="020B0503050000020004" pitchFamily="34" charset="0"/>
+              </a:rPr>
+              <a:t>self</a:t>
+            </a:r>
+            <a:r>
+              <a:rPr kumimoji="0" lang="ru-RU" altLang="ru-RU" sz="800" b="0" i="0" u="none" strike="noStrike" cap="none" normalizeH="0" baseline="0" dirty="0" smtClean="0">
+                <a:ln>
+                  <a:noFill/>
+                </a:ln>
+                <a:solidFill>
+                  <a:srgbClr val="A9B7C6"/>
+                </a:solidFill>
+                <a:effectLst/>
+                <a:latin typeface="Fira Sans" panose="020B0503050000020004" pitchFamily="34" charset="0"/>
+              </a:rPr>
+              <a:t>.request.POST:</a:t>
+            </a:r>
+            <a:br>
+              <a:rPr kumimoji="0" lang="ru-RU" altLang="ru-RU" sz="800" b="0" i="0" u="none" strike="noStrike" cap="none" normalizeH="0" baseline="0" dirty="0" smtClean="0">
+                <a:ln>
+                  <a:noFill/>
+                </a:ln>
+                <a:solidFill>
+                  <a:srgbClr val="A9B7C6"/>
+                </a:solidFill>
+                <a:effectLst/>
+                <a:latin typeface="Fira Sans" panose="020B0503050000020004" pitchFamily="34" charset="0"/>
+              </a:rPr>
+            </a:br>
+            <a:r>
+              <a:rPr kumimoji="0" lang="ru-RU" altLang="ru-RU" sz="800" b="0" i="0" u="none" strike="noStrike" cap="none" normalizeH="0" baseline="0" dirty="0" smtClean="0">
+                <a:ln>
+                  <a:noFill/>
+                </a:ln>
+                <a:solidFill>
+                  <a:srgbClr val="A9B7C6"/>
+                </a:solidFill>
+                <a:effectLst/>
+                <a:latin typeface="Fira Sans" panose="020B0503050000020004" pitchFamily="34" charset="0"/>
+              </a:rPr>
+              <a:t>            context[</a:t>
+            </a:r>
+            <a:r>
+              <a:rPr kumimoji="0" lang="ru-RU" altLang="ru-RU" sz="800" b="0" i="0" u="none" strike="noStrike" cap="none" normalizeH="0" baseline="0" dirty="0" smtClean="0">
+                <a:ln>
+                  <a:noFill/>
+                </a:ln>
+                <a:solidFill>
+                  <a:srgbClr val="6A8759"/>
+                </a:solidFill>
+                <a:effectLst/>
+                <a:latin typeface="Fira Sans" panose="020B0503050000020004" pitchFamily="34" charset="0"/>
+              </a:rPr>
+              <a:t>'user_form'</a:t>
+            </a:r>
+            <a:r>
+              <a:rPr kumimoji="0" lang="ru-RU" altLang="ru-RU" sz="800" b="0" i="0" u="none" strike="noStrike" cap="none" normalizeH="0" baseline="0" dirty="0" smtClean="0">
+                <a:ln>
+                  <a:noFill/>
+                </a:ln>
+                <a:solidFill>
+                  <a:srgbClr val="A9B7C6"/>
+                </a:solidFill>
+                <a:effectLst/>
+                <a:latin typeface="Fira Sans" panose="020B0503050000020004" pitchFamily="34" charset="0"/>
+              </a:rPr>
+              <a:t>] = ProfileFrom(</a:t>
+            </a:r>
+            <a:r>
+              <a:rPr kumimoji="0" lang="ru-RU" altLang="ru-RU" sz="800" b="0" i="0" u="none" strike="noStrike" cap="none" normalizeH="0" baseline="0" dirty="0" smtClean="0">
+                <a:ln>
+                  <a:noFill/>
+                </a:ln>
+                <a:solidFill>
+                  <a:srgbClr val="94558D"/>
+                </a:solidFill>
+                <a:effectLst/>
+                <a:latin typeface="Fira Sans" panose="020B0503050000020004" pitchFamily="34" charset="0"/>
+              </a:rPr>
+              <a:t>self</a:t>
+            </a:r>
+            <a:r>
+              <a:rPr kumimoji="0" lang="ru-RU" altLang="ru-RU" sz="800" b="0" i="0" u="none" strike="noStrike" cap="none" normalizeH="0" baseline="0" dirty="0" smtClean="0">
+                <a:ln>
+                  <a:noFill/>
+                </a:ln>
+                <a:solidFill>
+                  <a:srgbClr val="A9B7C6"/>
+                </a:solidFill>
+                <a:effectLst/>
+                <a:latin typeface="Fira Sans" panose="020B0503050000020004" pitchFamily="34" charset="0"/>
+              </a:rPr>
+              <a:t>.request.POST</a:t>
+            </a:r>
+            <a:r>
+              <a:rPr kumimoji="0" lang="ru-RU" altLang="ru-RU" sz="800" b="0" i="0" u="none" strike="noStrike" cap="none" normalizeH="0" baseline="0" dirty="0" smtClean="0">
+                <a:ln>
+                  <a:noFill/>
+                </a:ln>
+                <a:solidFill>
+                  <a:srgbClr val="CC7832"/>
+                </a:solidFill>
+                <a:effectLst/>
+                <a:latin typeface="Fira Sans" panose="020B0503050000020004" pitchFamily="34" charset="0"/>
+              </a:rPr>
+              <a:t>, </a:t>
+            </a:r>
+            <a:r>
+              <a:rPr kumimoji="0" lang="ru-RU" altLang="ru-RU" sz="800" b="0" i="0" u="none" strike="noStrike" cap="none" normalizeH="0" baseline="0" dirty="0" smtClean="0">
+                <a:ln>
+                  <a:noFill/>
+                </a:ln>
+                <a:solidFill>
+                  <a:srgbClr val="AA4926"/>
+                </a:solidFill>
+                <a:effectLst/>
+                <a:latin typeface="Fira Sans" panose="020B0503050000020004" pitchFamily="34" charset="0"/>
+              </a:rPr>
+              <a:t>instance</a:t>
+            </a:r>
+            <a:r>
+              <a:rPr kumimoji="0" lang="ru-RU" altLang="ru-RU" sz="800" b="0" i="0" u="none" strike="noStrike" cap="none" normalizeH="0" baseline="0" dirty="0" smtClean="0">
+                <a:ln>
+                  <a:noFill/>
+                </a:ln>
+                <a:solidFill>
+                  <a:srgbClr val="A9B7C6"/>
+                </a:solidFill>
+                <a:effectLst/>
+                <a:latin typeface="Fira Sans" panose="020B0503050000020004" pitchFamily="34" charset="0"/>
+              </a:rPr>
+              <a:t>=</a:t>
+            </a:r>
+            <a:r>
+              <a:rPr kumimoji="0" lang="ru-RU" altLang="ru-RU" sz="800" b="0" i="0" u="none" strike="noStrike" cap="none" normalizeH="0" baseline="0" dirty="0" smtClean="0">
+                <a:ln>
+                  <a:noFill/>
+                </a:ln>
+                <a:solidFill>
+                  <a:srgbClr val="94558D"/>
+                </a:solidFill>
+                <a:effectLst/>
+                <a:latin typeface="Fira Sans" panose="020B0503050000020004" pitchFamily="34" charset="0"/>
+              </a:rPr>
+              <a:t>self</a:t>
+            </a:r>
+            <a:r>
+              <a:rPr kumimoji="0" lang="ru-RU" altLang="ru-RU" sz="800" b="0" i="0" u="none" strike="noStrike" cap="none" normalizeH="0" baseline="0" dirty="0" smtClean="0">
+                <a:ln>
+                  <a:noFill/>
+                </a:ln>
+                <a:solidFill>
+                  <a:srgbClr val="A9B7C6"/>
+                </a:solidFill>
+                <a:effectLst/>
+                <a:latin typeface="Fira Sans" panose="020B0503050000020004" pitchFamily="34" charset="0"/>
+              </a:rPr>
+              <a:t>.request.user)</a:t>
+            </a:r>
+            <a:br>
+              <a:rPr kumimoji="0" lang="ru-RU" altLang="ru-RU" sz="800" b="0" i="0" u="none" strike="noStrike" cap="none" normalizeH="0" baseline="0" dirty="0" smtClean="0">
+                <a:ln>
+                  <a:noFill/>
+                </a:ln>
+                <a:solidFill>
+                  <a:srgbClr val="A9B7C6"/>
+                </a:solidFill>
+                <a:effectLst/>
+                <a:latin typeface="Fira Sans" panose="020B0503050000020004" pitchFamily="34" charset="0"/>
+              </a:rPr>
+            </a:br>
+            <a:r>
+              <a:rPr kumimoji="0" lang="ru-RU" altLang="ru-RU" sz="800" b="0" i="0" u="none" strike="noStrike" cap="none" normalizeH="0" baseline="0" dirty="0" smtClean="0">
+                <a:ln>
+                  <a:noFill/>
+                </a:ln>
+                <a:solidFill>
+                  <a:srgbClr val="A9B7C6"/>
+                </a:solidFill>
+                <a:effectLst/>
+                <a:latin typeface="Fira Sans" panose="020B0503050000020004" pitchFamily="34" charset="0"/>
+              </a:rPr>
+              <a:t>        </a:t>
+            </a:r>
+            <a:r>
+              <a:rPr kumimoji="0" lang="ru-RU" altLang="ru-RU" sz="800" b="0" i="0" u="none" strike="noStrike" cap="none" normalizeH="0" baseline="0" dirty="0" smtClean="0">
+                <a:ln>
+                  <a:noFill/>
+                </a:ln>
+                <a:solidFill>
+                  <a:srgbClr val="CC7832"/>
+                </a:solidFill>
+                <a:effectLst/>
+                <a:latin typeface="Fira Sans" panose="020B0503050000020004" pitchFamily="34" charset="0"/>
+              </a:rPr>
+              <a:t>else</a:t>
+            </a:r>
+            <a:r>
+              <a:rPr kumimoji="0" lang="ru-RU" altLang="ru-RU" sz="800" b="0" i="0" u="none" strike="noStrike" cap="none" normalizeH="0" baseline="0" dirty="0" smtClean="0">
+                <a:ln>
+                  <a:noFill/>
+                </a:ln>
+                <a:solidFill>
+                  <a:srgbClr val="A9B7C6"/>
+                </a:solidFill>
+                <a:effectLst/>
+                <a:latin typeface="Fira Sans" panose="020B0503050000020004" pitchFamily="34" charset="0"/>
+              </a:rPr>
+              <a:t>:</a:t>
+            </a:r>
+            <a:br>
+              <a:rPr kumimoji="0" lang="ru-RU" altLang="ru-RU" sz="800" b="0" i="0" u="none" strike="noStrike" cap="none" normalizeH="0" baseline="0" dirty="0" smtClean="0">
+                <a:ln>
+                  <a:noFill/>
+                </a:ln>
+                <a:solidFill>
+                  <a:srgbClr val="A9B7C6"/>
+                </a:solidFill>
+                <a:effectLst/>
+                <a:latin typeface="Fira Sans" panose="020B0503050000020004" pitchFamily="34" charset="0"/>
+              </a:rPr>
+            </a:br>
+            <a:r>
+              <a:rPr kumimoji="0" lang="ru-RU" altLang="ru-RU" sz="800" b="0" i="0" u="none" strike="noStrike" cap="none" normalizeH="0" baseline="0" dirty="0" smtClean="0">
+                <a:ln>
+                  <a:noFill/>
+                </a:ln>
+                <a:solidFill>
+                  <a:srgbClr val="A9B7C6"/>
+                </a:solidFill>
+                <a:effectLst/>
+                <a:latin typeface="Fira Sans" panose="020B0503050000020004" pitchFamily="34" charset="0"/>
+              </a:rPr>
+              <a:t>            context[</a:t>
+            </a:r>
+            <a:r>
+              <a:rPr kumimoji="0" lang="ru-RU" altLang="ru-RU" sz="800" b="0" i="0" u="none" strike="noStrike" cap="none" normalizeH="0" baseline="0" dirty="0" smtClean="0">
+                <a:ln>
+                  <a:noFill/>
+                </a:ln>
+                <a:solidFill>
+                  <a:srgbClr val="6A8759"/>
+                </a:solidFill>
+                <a:effectLst/>
+                <a:latin typeface="Fira Sans" panose="020B0503050000020004" pitchFamily="34" charset="0"/>
+              </a:rPr>
+              <a:t>'user_form'</a:t>
+            </a:r>
+            <a:r>
+              <a:rPr kumimoji="0" lang="ru-RU" altLang="ru-RU" sz="800" b="0" i="0" u="none" strike="noStrike" cap="none" normalizeH="0" baseline="0" dirty="0" smtClean="0">
+                <a:ln>
+                  <a:noFill/>
+                </a:ln>
+                <a:solidFill>
+                  <a:srgbClr val="A9B7C6"/>
+                </a:solidFill>
+                <a:effectLst/>
+                <a:latin typeface="Fira Sans" panose="020B0503050000020004" pitchFamily="34" charset="0"/>
+              </a:rPr>
+              <a:t>] = ProfileFrom(</a:t>
+            </a:r>
+            <a:r>
+              <a:rPr kumimoji="0" lang="ru-RU" altLang="ru-RU" sz="800" b="0" i="0" u="none" strike="noStrike" cap="none" normalizeH="0" baseline="0" dirty="0" smtClean="0">
+                <a:ln>
+                  <a:noFill/>
+                </a:ln>
+                <a:solidFill>
+                  <a:srgbClr val="AA4926"/>
+                </a:solidFill>
+                <a:effectLst/>
+                <a:latin typeface="Fira Sans" panose="020B0503050000020004" pitchFamily="34" charset="0"/>
+              </a:rPr>
+              <a:t>instance</a:t>
+            </a:r>
+            <a:r>
+              <a:rPr kumimoji="0" lang="ru-RU" altLang="ru-RU" sz="800" b="0" i="0" u="none" strike="noStrike" cap="none" normalizeH="0" baseline="0" dirty="0" smtClean="0">
+                <a:ln>
+                  <a:noFill/>
+                </a:ln>
+                <a:solidFill>
+                  <a:srgbClr val="A9B7C6"/>
+                </a:solidFill>
+                <a:effectLst/>
+                <a:latin typeface="Fira Sans" panose="020B0503050000020004" pitchFamily="34" charset="0"/>
+              </a:rPr>
+              <a:t>=</a:t>
+            </a:r>
+            <a:r>
+              <a:rPr kumimoji="0" lang="ru-RU" altLang="ru-RU" sz="800" b="0" i="0" u="none" strike="noStrike" cap="none" normalizeH="0" baseline="0" dirty="0" smtClean="0">
+                <a:ln>
+                  <a:noFill/>
+                </a:ln>
+                <a:solidFill>
+                  <a:srgbClr val="94558D"/>
+                </a:solidFill>
+                <a:effectLst/>
+                <a:latin typeface="Fira Sans" panose="020B0503050000020004" pitchFamily="34" charset="0"/>
+              </a:rPr>
+              <a:t>self</a:t>
+            </a:r>
+            <a:r>
+              <a:rPr kumimoji="0" lang="ru-RU" altLang="ru-RU" sz="800" b="0" i="0" u="none" strike="noStrike" cap="none" normalizeH="0" baseline="0" dirty="0" smtClean="0">
+                <a:ln>
+                  <a:noFill/>
+                </a:ln>
+                <a:solidFill>
+                  <a:srgbClr val="A9B7C6"/>
+                </a:solidFill>
+                <a:effectLst/>
+                <a:latin typeface="Fira Sans" panose="020B0503050000020004" pitchFamily="34" charset="0"/>
+              </a:rPr>
+              <a:t>.request.user)</a:t>
+            </a:r>
+            <a:br>
+              <a:rPr kumimoji="0" lang="ru-RU" altLang="ru-RU" sz="800" b="0" i="0" u="none" strike="noStrike" cap="none" normalizeH="0" baseline="0" dirty="0" smtClean="0">
+                <a:ln>
+                  <a:noFill/>
+                </a:ln>
+                <a:solidFill>
+                  <a:srgbClr val="A9B7C6"/>
+                </a:solidFill>
+                <a:effectLst/>
+                <a:latin typeface="Fira Sans" panose="020B0503050000020004" pitchFamily="34" charset="0"/>
+              </a:rPr>
+            </a:br>
+            <a:r>
+              <a:rPr kumimoji="0" lang="ru-RU" altLang="ru-RU" sz="800" b="0" i="0" u="none" strike="noStrike" cap="none" normalizeH="0" baseline="0" dirty="0" smtClean="0">
+                <a:ln>
+                  <a:noFill/>
+                </a:ln>
+                <a:solidFill>
+                  <a:srgbClr val="A9B7C6"/>
+                </a:solidFill>
+                <a:effectLst/>
+                <a:latin typeface="Fira Sans" panose="020B0503050000020004" pitchFamily="34" charset="0"/>
+              </a:rPr>
+              <a:t>        </a:t>
+            </a:r>
+            <a:r>
+              <a:rPr kumimoji="0" lang="ru-RU" altLang="ru-RU" sz="800" b="0" i="0" u="none" strike="noStrike" cap="none" normalizeH="0" baseline="0" dirty="0" smtClean="0">
+                <a:ln>
+                  <a:noFill/>
+                </a:ln>
+                <a:solidFill>
+                  <a:srgbClr val="CC7832"/>
+                </a:solidFill>
+                <a:effectLst/>
+                <a:latin typeface="Fira Sans" panose="020B0503050000020004" pitchFamily="34" charset="0"/>
+              </a:rPr>
+              <a:t>return </a:t>
+            </a:r>
+            <a:r>
+              <a:rPr kumimoji="0" lang="ru-RU" altLang="ru-RU" sz="800" b="0" i="0" u="none" strike="noStrike" cap="none" normalizeH="0" baseline="0" dirty="0" smtClean="0">
+                <a:ln>
+                  <a:noFill/>
+                </a:ln>
+                <a:solidFill>
+                  <a:srgbClr val="A9B7C6"/>
+                </a:solidFill>
+                <a:effectLst/>
+                <a:latin typeface="Fira Sans" panose="020B0503050000020004" pitchFamily="34" charset="0"/>
+              </a:rPr>
+              <a:t>context</a:t>
+            </a:r>
+            <a:br>
+              <a:rPr kumimoji="0" lang="ru-RU" altLang="ru-RU" sz="800" b="0" i="0" u="none" strike="noStrike" cap="none" normalizeH="0" baseline="0" dirty="0" smtClean="0">
+                <a:ln>
+                  <a:noFill/>
+                </a:ln>
+                <a:solidFill>
+                  <a:srgbClr val="A9B7C6"/>
+                </a:solidFill>
+                <a:effectLst/>
+                <a:latin typeface="Fira Sans" panose="020B0503050000020004" pitchFamily="34" charset="0"/>
+              </a:rPr>
+            </a:br>
+            <a:r>
+              <a:rPr kumimoji="0" lang="ru-RU" altLang="ru-RU" sz="800" b="0" i="0" u="none" strike="noStrike" cap="none" normalizeH="0" baseline="0" dirty="0" smtClean="0">
+                <a:ln>
+                  <a:noFill/>
+                </a:ln>
+                <a:solidFill>
+                  <a:srgbClr val="A9B7C6"/>
+                </a:solidFill>
+                <a:effectLst/>
+                <a:latin typeface="Fira Sans" panose="020B0503050000020004" pitchFamily="34" charset="0"/>
+              </a:rPr>
+              <a:t/>
+            </a:r>
+            <a:br>
+              <a:rPr kumimoji="0" lang="ru-RU" altLang="ru-RU" sz="800" b="0" i="0" u="none" strike="noStrike" cap="none" normalizeH="0" baseline="0" dirty="0" smtClean="0">
+                <a:ln>
+                  <a:noFill/>
+                </a:ln>
+                <a:solidFill>
+                  <a:srgbClr val="A9B7C6"/>
+                </a:solidFill>
+                <a:effectLst/>
+                <a:latin typeface="Fira Sans" panose="020B0503050000020004" pitchFamily="34" charset="0"/>
+              </a:rPr>
+            </a:br>
+            <a:r>
+              <a:rPr kumimoji="0" lang="ru-RU" altLang="ru-RU" sz="800" b="0" i="0" u="none" strike="noStrike" cap="none" normalizeH="0" baseline="0" dirty="0" smtClean="0">
+                <a:ln>
+                  <a:noFill/>
+                </a:ln>
+                <a:solidFill>
+                  <a:srgbClr val="A9B7C6"/>
+                </a:solidFill>
+                <a:effectLst/>
+                <a:latin typeface="Fira Sans" panose="020B0503050000020004" pitchFamily="34" charset="0"/>
+              </a:rPr>
+              <a:t>    </a:t>
+            </a:r>
+            <a:r>
+              <a:rPr kumimoji="0" lang="ru-RU" altLang="ru-RU" sz="800" b="0" i="0" u="none" strike="noStrike" cap="none" normalizeH="0" baseline="0" dirty="0" smtClean="0">
+                <a:ln>
+                  <a:noFill/>
+                </a:ln>
+                <a:solidFill>
+                  <a:srgbClr val="CC7832"/>
+                </a:solidFill>
+                <a:effectLst/>
+                <a:latin typeface="Fira Sans" panose="020B0503050000020004" pitchFamily="34" charset="0"/>
+              </a:rPr>
+              <a:t>def </a:t>
+            </a:r>
+            <a:r>
+              <a:rPr kumimoji="0" lang="ru-RU" altLang="ru-RU" sz="800" b="0" i="0" u="none" strike="noStrike" cap="none" normalizeH="0" baseline="0" dirty="0" smtClean="0">
+                <a:ln>
+                  <a:noFill/>
+                </a:ln>
+                <a:solidFill>
+                  <a:srgbClr val="FFC66D"/>
+                </a:solidFill>
+                <a:effectLst/>
+                <a:latin typeface="Fira Sans" panose="020B0503050000020004" pitchFamily="34" charset="0"/>
+              </a:rPr>
+              <a:t>form_valid</a:t>
+            </a:r>
+            <a:r>
+              <a:rPr kumimoji="0" lang="ru-RU" altLang="ru-RU" sz="800" b="0" i="0" u="none" strike="noStrike" cap="none" normalizeH="0" baseline="0" dirty="0" smtClean="0">
+                <a:ln>
+                  <a:noFill/>
+                </a:ln>
+                <a:solidFill>
+                  <a:srgbClr val="A9B7C6"/>
+                </a:solidFill>
+                <a:effectLst/>
+                <a:latin typeface="Fira Sans" panose="020B0503050000020004" pitchFamily="34" charset="0"/>
+              </a:rPr>
+              <a:t>(</a:t>
+            </a:r>
+            <a:r>
+              <a:rPr kumimoji="0" lang="ru-RU" altLang="ru-RU" sz="800" b="0" i="0" u="none" strike="noStrike" cap="none" normalizeH="0" baseline="0" dirty="0" smtClean="0">
+                <a:ln>
+                  <a:noFill/>
+                </a:ln>
+                <a:solidFill>
+                  <a:srgbClr val="94558D"/>
+                </a:solidFill>
+                <a:effectLst/>
+                <a:latin typeface="Fira Sans" panose="020B0503050000020004" pitchFamily="34" charset="0"/>
+              </a:rPr>
+              <a:t>self</a:t>
+            </a:r>
+            <a:r>
+              <a:rPr kumimoji="0" lang="ru-RU" altLang="ru-RU" sz="800" b="0" i="0" u="none" strike="noStrike" cap="none" normalizeH="0" baseline="0" dirty="0" smtClean="0">
+                <a:ln>
+                  <a:noFill/>
+                </a:ln>
+                <a:solidFill>
+                  <a:srgbClr val="CC7832"/>
+                </a:solidFill>
+                <a:effectLst/>
+                <a:latin typeface="Fira Sans" panose="020B0503050000020004" pitchFamily="34" charset="0"/>
+              </a:rPr>
+              <a:t>, </a:t>
+            </a:r>
+            <a:r>
+              <a:rPr kumimoji="0" lang="ru-RU" altLang="ru-RU" sz="800" b="0" i="0" u="none" strike="noStrike" cap="none" normalizeH="0" baseline="0" dirty="0" smtClean="0">
+                <a:ln>
+                  <a:noFill/>
+                </a:ln>
+                <a:solidFill>
+                  <a:srgbClr val="A9B7C6"/>
+                </a:solidFill>
+                <a:effectLst/>
+                <a:latin typeface="Fira Sans" panose="020B0503050000020004" pitchFamily="34" charset="0"/>
+              </a:rPr>
+              <a:t>form):</a:t>
+            </a:r>
+            <a:br>
+              <a:rPr kumimoji="0" lang="ru-RU" altLang="ru-RU" sz="800" b="0" i="0" u="none" strike="noStrike" cap="none" normalizeH="0" baseline="0" dirty="0" smtClean="0">
+                <a:ln>
+                  <a:noFill/>
+                </a:ln>
+                <a:solidFill>
+                  <a:srgbClr val="A9B7C6"/>
+                </a:solidFill>
+                <a:effectLst/>
+                <a:latin typeface="Fira Sans" panose="020B0503050000020004" pitchFamily="34" charset="0"/>
+              </a:rPr>
+            </a:br>
+            <a:r>
+              <a:rPr kumimoji="0" lang="ru-RU" altLang="ru-RU" sz="800" b="0" i="0" u="none" strike="noStrike" cap="none" normalizeH="0" baseline="0" dirty="0" smtClean="0">
+                <a:ln>
+                  <a:noFill/>
+                </a:ln>
+                <a:solidFill>
+                  <a:srgbClr val="A9B7C6"/>
+                </a:solidFill>
+                <a:effectLst/>
+                <a:latin typeface="Fira Sans" panose="020B0503050000020004" pitchFamily="34" charset="0"/>
+              </a:rPr>
+              <a:t>        context = </a:t>
+            </a:r>
+            <a:r>
+              <a:rPr kumimoji="0" lang="ru-RU" altLang="ru-RU" sz="800" b="0" i="0" u="none" strike="noStrike" cap="none" normalizeH="0" baseline="0" dirty="0" smtClean="0">
+                <a:ln>
+                  <a:noFill/>
+                </a:ln>
+                <a:solidFill>
+                  <a:srgbClr val="94558D"/>
+                </a:solidFill>
+                <a:effectLst/>
+                <a:latin typeface="Fira Sans" panose="020B0503050000020004" pitchFamily="34" charset="0"/>
+              </a:rPr>
+              <a:t>self</a:t>
+            </a:r>
+            <a:r>
+              <a:rPr kumimoji="0" lang="ru-RU" altLang="ru-RU" sz="800" b="0" i="0" u="none" strike="noStrike" cap="none" normalizeH="0" baseline="0" dirty="0" smtClean="0">
+                <a:ln>
+                  <a:noFill/>
+                </a:ln>
+                <a:solidFill>
+                  <a:srgbClr val="A9B7C6"/>
+                </a:solidFill>
+                <a:effectLst/>
+                <a:latin typeface="Fira Sans" panose="020B0503050000020004" pitchFamily="34" charset="0"/>
+              </a:rPr>
+              <a:t>.get_context_data()</a:t>
+            </a:r>
+            <a:br>
+              <a:rPr kumimoji="0" lang="ru-RU" altLang="ru-RU" sz="800" b="0" i="0" u="none" strike="noStrike" cap="none" normalizeH="0" baseline="0" dirty="0" smtClean="0">
+                <a:ln>
+                  <a:noFill/>
+                </a:ln>
+                <a:solidFill>
+                  <a:srgbClr val="A9B7C6"/>
+                </a:solidFill>
+                <a:effectLst/>
+                <a:latin typeface="Fira Sans" panose="020B0503050000020004" pitchFamily="34" charset="0"/>
+              </a:rPr>
+            </a:br>
+            <a:r>
+              <a:rPr kumimoji="0" lang="ru-RU" altLang="ru-RU" sz="800" b="0" i="0" u="none" strike="noStrike" cap="none" normalizeH="0" baseline="0" dirty="0" smtClean="0">
+                <a:ln>
+                  <a:noFill/>
+                </a:ln>
+                <a:solidFill>
+                  <a:srgbClr val="A9B7C6"/>
+                </a:solidFill>
+                <a:effectLst/>
+                <a:latin typeface="Fira Sans" panose="020B0503050000020004" pitchFamily="34" charset="0"/>
+              </a:rPr>
+              <a:t>        user_form = context[</a:t>
+            </a:r>
+            <a:r>
+              <a:rPr kumimoji="0" lang="ru-RU" altLang="ru-RU" sz="800" b="0" i="0" u="none" strike="noStrike" cap="none" normalizeH="0" baseline="0" dirty="0" smtClean="0">
+                <a:ln>
+                  <a:noFill/>
+                </a:ln>
+                <a:solidFill>
+                  <a:srgbClr val="6A8759"/>
+                </a:solidFill>
+                <a:effectLst/>
+                <a:latin typeface="Fira Sans" panose="020B0503050000020004" pitchFamily="34" charset="0"/>
+              </a:rPr>
+              <a:t>'user_form'</a:t>
+            </a:r>
+            <a:r>
+              <a:rPr kumimoji="0" lang="ru-RU" altLang="ru-RU" sz="800" b="0" i="0" u="none" strike="noStrike" cap="none" normalizeH="0" baseline="0" dirty="0" smtClean="0">
+                <a:ln>
+                  <a:noFill/>
+                </a:ln>
+                <a:solidFill>
+                  <a:srgbClr val="A9B7C6"/>
+                </a:solidFill>
+                <a:effectLst/>
+                <a:latin typeface="Fira Sans" panose="020B0503050000020004" pitchFamily="34" charset="0"/>
+              </a:rPr>
+              <a:t>]</a:t>
+            </a:r>
+            <a:br>
+              <a:rPr kumimoji="0" lang="ru-RU" altLang="ru-RU" sz="800" b="0" i="0" u="none" strike="noStrike" cap="none" normalizeH="0" baseline="0" dirty="0" smtClean="0">
+                <a:ln>
+                  <a:noFill/>
+                </a:ln>
+                <a:solidFill>
+                  <a:srgbClr val="A9B7C6"/>
+                </a:solidFill>
+                <a:effectLst/>
+                <a:latin typeface="Fira Sans" panose="020B0503050000020004" pitchFamily="34" charset="0"/>
+              </a:rPr>
+            </a:br>
+            <a:r>
+              <a:rPr kumimoji="0" lang="ru-RU" altLang="ru-RU" sz="800" b="0" i="0" u="none" strike="noStrike" cap="none" normalizeH="0" baseline="0" dirty="0" smtClean="0">
+                <a:ln>
+                  <a:noFill/>
+                </a:ln>
+                <a:solidFill>
+                  <a:srgbClr val="A9B7C6"/>
+                </a:solidFill>
+                <a:effectLst/>
+                <a:latin typeface="Fira Sans" panose="020B0503050000020004" pitchFamily="34" charset="0"/>
+              </a:rPr>
+              <a:t>        </a:t>
+            </a:r>
+            <a:r>
+              <a:rPr kumimoji="0" lang="ru-RU" altLang="ru-RU" sz="800" b="0" i="0" u="none" strike="noStrike" cap="none" normalizeH="0" baseline="0" dirty="0" smtClean="0">
+                <a:ln>
+                  <a:noFill/>
+                </a:ln>
+                <a:solidFill>
+                  <a:srgbClr val="CC7832"/>
+                </a:solidFill>
+                <a:effectLst/>
+                <a:latin typeface="Fira Sans" panose="020B0503050000020004" pitchFamily="34" charset="0"/>
+              </a:rPr>
+              <a:t>with </a:t>
+            </a:r>
+            <a:r>
+              <a:rPr kumimoji="0" lang="ru-RU" altLang="ru-RU" sz="800" b="0" i="0" u="none" strike="noStrike" cap="none" normalizeH="0" baseline="0" dirty="0" smtClean="0">
+                <a:ln>
+                  <a:noFill/>
+                </a:ln>
+                <a:solidFill>
+                  <a:srgbClr val="A9B7C6"/>
+                </a:solidFill>
+                <a:effectLst/>
+                <a:latin typeface="Fira Sans" panose="020B0503050000020004" pitchFamily="34" charset="0"/>
+              </a:rPr>
+              <a:t>transaction.atomic():</a:t>
+            </a:r>
+            <a:br>
+              <a:rPr kumimoji="0" lang="ru-RU" altLang="ru-RU" sz="800" b="0" i="0" u="none" strike="noStrike" cap="none" normalizeH="0" baseline="0" dirty="0" smtClean="0">
+                <a:ln>
+                  <a:noFill/>
+                </a:ln>
+                <a:solidFill>
+                  <a:srgbClr val="A9B7C6"/>
+                </a:solidFill>
+                <a:effectLst/>
+                <a:latin typeface="Fira Sans" panose="020B0503050000020004" pitchFamily="34" charset="0"/>
+              </a:rPr>
+            </a:br>
+            <a:r>
+              <a:rPr kumimoji="0" lang="ru-RU" altLang="ru-RU" sz="800" b="0" i="0" u="none" strike="noStrike" cap="none" normalizeH="0" baseline="0" dirty="0" smtClean="0">
+                <a:ln>
+                  <a:noFill/>
+                </a:ln>
+                <a:solidFill>
+                  <a:srgbClr val="A9B7C6"/>
+                </a:solidFill>
+                <a:effectLst/>
+                <a:latin typeface="Fira Sans" panose="020B0503050000020004" pitchFamily="34" charset="0"/>
+              </a:rPr>
+              <a:t>            </a:t>
+            </a:r>
+            <a:r>
+              <a:rPr kumimoji="0" lang="ru-RU" altLang="ru-RU" sz="800" b="0" i="0" u="none" strike="noStrike" cap="none" normalizeH="0" baseline="0" dirty="0" smtClean="0">
+                <a:ln>
+                  <a:noFill/>
+                </a:ln>
+                <a:solidFill>
+                  <a:srgbClr val="CC7832"/>
+                </a:solidFill>
+                <a:effectLst/>
+                <a:latin typeface="Fira Sans" panose="020B0503050000020004" pitchFamily="34" charset="0"/>
+              </a:rPr>
+              <a:t>if </a:t>
+            </a:r>
+            <a:r>
+              <a:rPr kumimoji="0" lang="ru-RU" altLang="ru-RU" sz="800" b="0" i="0" u="none" strike="noStrike" cap="none" normalizeH="0" baseline="0" dirty="0" smtClean="0">
+                <a:ln>
+                  <a:noFill/>
+                </a:ln>
+                <a:solidFill>
+                  <a:srgbClr val="8888C6"/>
+                </a:solidFill>
+                <a:effectLst/>
+                <a:latin typeface="Fira Sans" panose="020B0503050000020004" pitchFamily="34" charset="0"/>
+              </a:rPr>
+              <a:t>all</a:t>
+            </a:r>
+            <a:r>
+              <a:rPr kumimoji="0" lang="ru-RU" altLang="ru-RU" sz="800" b="0" i="0" u="none" strike="noStrike" cap="none" normalizeH="0" baseline="0" dirty="0" smtClean="0">
+                <a:ln>
+                  <a:noFill/>
+                </a:ln>
+                <a:solidFill>
+                  <a:srgbClr val="A9B7C6"/>
+                </a:solidFill>
+                <a:effectLst/>
+                <a:latin typeface="Fira Sans" panose="020B0503050000020004" pitchFamily="34" charset="0"/>
+              </a:rPr>
+              <a:t>([form.is_valid()</a:t>
+            </a:r>
+            <a:r>
+              <a:rPr kumimoji="0" lang="ru-RU" altLang="ru-RU" sz="800" b="0" i="0" u="none" strike="noStrike" cap="none" normalizeH="0" baseline="0" dirty="0" smtClean="0">
+                <a:ln>
+                  <a:noFill/>
+                </a:ln>
+                <a:solidFill>
+                  <a:srgbClr val="CC7832"/>
+                </a:solidFill>
+                <a:effectLst/>
+                <a:latin typeface="Fira Sans" panose="020B0503050000020004" pitchFamily="34" charset="0"/>
+              </a:rPr>
+              <a:t>, </a:t>
+            </a:r>
+            <a:r>
+              <a:rPr kumimoji="0" lang="ru-RU" altLang="ru-RU" sz="800" b="0" i="0" u="none" strike="noStrike" cap="none" normalizeH="0" baseline="0" dirty="0" smtClean="0">
+                <a:ln>
+                  <a:noFill/>
+                </a:ln>
+                <a:solidFill>
+                  <a:srgbClr val="A9B7C6"/>
+                </a:solidFill>
+                <a:effectLst/>
+                <a:latin typeface="Fira Sans" panose="020B0503050000020004" pitchFamily="34" charset="0"/>
+              </a:rPr>
+              <a:t>user_form.is_valid()]):</a:t>
+            </a:r>
+            <a:br>
+              <a:rPr kumimoji="0" lang="ru-RU" altLang="ru-RU" sz="800" b="0" i="0" u="none" strike="noStrike" cap="none" normalizeH="0" baseline="0" dirty="0" smtClean="0">
+                <a:ln>
+                  <a:noFill/>
+                </a:ln>
+                <a:solidFill>
+                  <a:srgbClr val="A9B7C6"/>
+                </a:solidFill>
+                <a:effectLst/>
+                <a:latin typeface="Fira Sans" panose="020B0503050000020004" pitchFamily="34" charset="0"/>
+              </a:rPr>
+            </a:br>
+            <a:r>
+              <a:rPr kumimoji="0" lang="ru-RU" altLang="ru-RU" sz="800" b="0" i="0" u="none" strike="noStrike" cap="none" normalizeH="0" baseline="0" dirty="0" smtClean="0">
+                <a:ln>
+                  <a:noFill/>
+                </a:ln>
+                <a:solidFill>
+                  <a:srgbClr val="A9B7C6"/>
+                </a:solidFill>
+                <a:effectLst/>
+                <a:latin typeface="Fira Sans" panose="020B0503050000020004" pitchFamily="34" charset="0"/>
+              </a:rPr>
+              <a:t>                user_form.save()</a:t>
+            </a:r>
+            <a:br>
+              <a:rPr kumimoji="0" lang="ru-RU" altLang="ru-RU" sz="800" b="0" i="0" u="none" strike="noStrike" cap="none" normalizeH="0" baseline="0" dirty="0" smtClean="0">
+                <a:ln>
+                  <a:noFill/>
+                </a:ln>
+                <a:solidFill>
+                  <a:srgbClr val="A9B7C6"/>
+                </a:solidFill>
+                <a:effectLst/>
+                <a:latin typeface="Fira Sans" panose="020B0503050000020004" pitchFamily="34" charset="0"/>
+              </a:rPr>
+            </a:br>
+            <a:r>
+              <a:rPr kumimoji="0" lang="ru-RU" altLang="ru-RU" sz="800" b="0" i="0" u="none" strike="noStrike" cap="none" normalizeH="0" baseline="0" dirty="0" smtClean="0">
+                <a:ln>
+                  <a:noFill/>
+                </a:ln>
+                <a:solidFill>
+                  <a:srgbClr val="A9B7C6"/>
+                </a:solidFill>
+                <a:effectLst/>
+                <a:latin typeface="Fira Sans" panose="020B0503050000020004" pitchFamily="34" charset="0"/>
+              </a:rPr>
+              <a:t>                form.save()</a:t>
+            </a:r>
+            <a:br>
+              <a:rPr kumimoji="0" lang="ru-RU" altLang="ru-RU" sz="800" b="0" i="0" u="none" strike="noStrike" cap="none" normalizeH="0" baseline="0" dirty="0" smtClean="0">
+                <a:ln>
+                  <a:noFill/>
+                </a:ln>
+                <a:solidFill>
+                  <a:srgbClr val="A9B7C6"/>
+                </a:solidFill>
+                <a:effectLst/>
+                <a:latin typeface="Fira Sans" panose="020B0503050000020004" pitchFamily="34" charset="0"/>
+              </a:rPr>
+            </a:br>
+            <a:r>
+              <a:rPr kumimoji="0" lang="ru-RU" altLang="ru-RU" sz="800" b="0" i="0" u="none" strike="noStrike" cap="none" normalizeH="0" baseline="0" dirty="0" smtClean="0">
+                <a:ln>
+                  <a:noFill/>
+                </a:ln>
+                <a:solidFill>
+                  <a:srgbClr val="A9B7C6"/>
+                </a:solidFill>
+                <a:effectLst/>
+                <a:latin typeface="Fira Sans" panose="020B0503050000020004" pitchFamily="34" charset="0"/>
+              </a:rPr>
+              <a:t>            </a:t>
+            </a:r>
+            <a:r>
+              <a:rPr kumimoji="0" lang="ru-RU" altLang="ru-RU" sz="800" b="0" i="0" u="none" strike="noStrike" cap="none" normalizeH="0" baseline="0" dirty="0" smtClean="0">
+                <a:ln>
+                  <a:noFill/>
+                </a:ln>
+                <a:solidFill>
+                  <a:srgbClr val="CC7832"/>
+                </a:solidFill>
+                <a:effectLst/>
+                <a:latin typeface="Fira Sans" panose="020B0503050000020004" pitchFamily="34" charset="0"/>
+              </a:rPr>
+              <a:t>else</a:t>
+            </a:r>
+            <a:r>
+              <a:rPr kumimoji="0" lang="ru-RU" altLang="ru-RU" sz="800" b="0" i="0" u="none" strike="noStrike" cap="none" normalizeH="0" baseline="0" dirty="0" smtClean="0">
+                <a:ln>
+                  <a:noFill/>
+                </a:ln>
+                <a:solidFill>
+                  <a:srgbClr val="A9B7C6"/>
+                </a:solidFill>
+                <a:effectLst/>
+                <a:latin typeface="Fira Sans" panose="020B0503050000020004" pitchFamily="34" charset="0"/>
+              </a:rPr>
+              <a:t>:</a:t>
+            </a:r>
+            <a:br>
+              <a:rPr kumimoji="0" lang="ru-RU" altLang="ru-RU" sz="800" b="0" i="0" u="none" strike="noStrike" cap="none" normalizeH="0" baseline="0" dirty="0" smtClean="0">
+                <a:ln>
+                  <a:noFill/>
+                </a:ln>
+                <a:solidFill>
+                  <a:srgbClr val="A9B7C6"/>
+                </a:solidFill>
+                <a:effectLst/>
+                <a:latin typeface="Fira Sans" panose="020B0503050000020004" pitchFamily="34" charset="0"/>
+              </a:rPr>
+            </a:br>
+            <a:r>
+              <a:rPr kumimoji="0" lang="ru-RU" altLang="ru-RU" sz="800" b="0" i="0" u="none" strike="noStrike" cap="none" normalizeH="0" baseline="0" dirty="0" smtClean="0">
+                <a:ln>
+                  <a:noFill/>
+                </a:ln>
+                <a:solidFill>
+                  <a:srgbClr val="A9B7C6"/>
+                </a:solidFill>
+                <a:effectLst/>
+                <a:latin typeface="Fira Sans" panose="020B0503050000020004" pitchFamily="34" charset="0"/>
+              </a:rPr>
+              <a:t>                context.update({</a:t>
+            </a:r>
+            <a:r>
+              <a:rPr kumimoji="0" lang="ru-RU" altLang="ru-RU" sz="800" b="0" i="0" u="none" strike="noStrike" cap="none" normalizeH="0" baseline="0" dirty="0" smtClean="0">
+                <a:ln>
+                  <a:noFill/>
+                </a:ln>
+                <a:solidFill>
+                  <a:srgbClr val="6A8759"/>
+                </a:solidFill>
+                <a:effectLst/>
+                <a:latin typeface="Fira Sans" panose="020B0503050000020004" pitchFamily="34" charset="0"/>
+              </a:rPr>
+              <a:t>'user_form'</a:t>
+            </a:r>
+            <a:r>
+              <a:rPr kumimoji="0" lang="ru-RU" altLang="ru-RU" sz="800" b="0" i="0" u="none" strike="noStrike" cap="none" normalizeH="0" baseline="0" dirty="0" smtClean="0">
+                <a:ln>
+                  <a:noFill/>
+                </a:ln>
+                <a:solidFill>
+                  <a:srgbClr val="A9B7C6"/>
+                </a:solidFill>
+                <a:effectLst/>
+                <a:latin typeface="Fira Sans" panose="020B0503050000020004" pitchFamily="34" charset="0"/>
+              </a:rPr>
+              <a:t>: user_form})</a:t>
+            </a:r>
+            <a:br>
+              <a:rPr kumimoji="0" lang="ru-RU" altLang="ru-RU" sz="800" b="0" i="0" u="none" strike="noStrike" cap="none" normalizeH="0" baseline="0" dirty="0" smtClean="0">
+                <a:ln>
+                  <a:noFill/>
+                </a:ln>
+                <a:solidFill>
+                  <a:srgbClr val="A9B7C6"/>
+                </a:solidFill>
+                <a:effectLst/>
+                <a:latin typeface="Fira Sans" panose="020B0503050000020004" pitchFamily="34" charset="0"/>
+              </a:rPr>
+            </a:br>
+            <a:r>
+              <a:rPr kumimoji="0" lang="ru-RU" altLang="ru-RU" sz="800" b="0" i="0" u="none" strike="noStrike" cap="none" normalizeH="0" baseline="0" dirty="0" smtClean="0">
+                <a:ln>
+                  <a:noFill/>
+                </a:ln>
+                <a:solidFill>
+                  <a:srgbClr val="A9B7C6"/>
+                </a:solidFill>
+                <a:effectLst/>
+                <a:latin typeface="Fira Sans" panose="020B0503050000020004" pitchFamily="34" charset="0"/>
+              </a:rPr>
+              <a:t>                </a:t>
+            </a:r>
+            <a:r>
+              <a:rPr kumimoji="0" lang="ru-RU" altLang="ru-RU" sz="800" b="0" i="0" u="none" strike="noStrike" cap="none" normalizeH="0" baseline="0" dirty="0" smtClean="0">
+                <a:ln>
+                  <a:noFill/>
+                </a:ln>
+                <a:solidFill>
+                  <a:srgbClr val="CC7832"/>
+                </a:solidFill>
+                <a:effectLst/>
+                <a:latin typeface="Fira Sans" panose="020B0503050000020004" pitchFamily="34" charset="0"/>
+              </a:rPr>
+              <a:t>return </a:t>
+            </a:r>
+            <a:r>
+              <a:rPr kumimoji="0" lang="ru-RU" altLang="ru-RU" sz="800" b="0" i="0" u="none" strike="noStrike" cap="none" normalizeH="0" baseline="0" dirty="0" smtClean="0">
+                <a:ln>
+                  <a:noFill/>
+                </a:ln>
+                <a:solidFill>
+                  <a:srgbClr val="94558D"/>
+                </a:solidFill>
+                <a:effectLst/>
+                <a:latin typeface="Fira Sans" panose="020B0503050000020004" pitchFamily="34" charset="0"/>
+              </a:rPr>
+              <a:t>self</a:t>
+            </a:r>
+            <a:r>
+              <a:rPr kumimoji="0" lang="ru-RU" altLang="ru-RU" sz="800" b="0" i="0" u="none" strike="noStrike" cap="none" normalizeH="0" baseline="0" dirty="0" smtClean="0">
+                <a:ln>
+                  <a:noFill/>
+                </a:ln>
+                <a:solidFill>
+                  <a:srgbClr val="A9B7C6"/>
+                </a:solidFill>
+                <a:effectLst/>
+                <a:latin typeface="Fira Sans" panose="020B0503050000020004" pitchFamily="34" charset="0"/>
+              </a:rPr>
+              <a:t>.render_to_response(context)</a:t>
+            </a:r>
+            <a:br>
+              <a:rPr kumimoji="0" lang="ru-RU" altLang="ru-RU" sz="800" b="0" i="0" u="none" strike="noStrike" cap="none" normalizeH="0" baseline="0" dirty="0" smtClean="0">
+                <a:ln>
+                  <a:noFill/>
+                </a:ln>
+                <a:solidFill>
+                  <a:srgbClr val="A9B7C6"/>
+                </a:solidFill>
+                <a:effectLst/>
+                <a:latin typeface="Fira Sans" panose="020B0503050000020004" pitchFamily="34" charset="0"/>
+              </a:rPr>
+            </a:br>
+            <a:r>
+              <a:rPr kumimoji="0" lang="ru-RU" altLang="ru-RU" sz="800" b="0" i="0" u="none" strike="noStrike" cap="none" normalizeH="0" baseline="0" dirty="0" smtClean="0">
+                <a:ln>
+                  <a:noFill/>
+                </a:ln>
+                <a:solidFill>
+                  <a:srgbClr val="A9B7C6"/>
+                </a:solidFill>
+                <a:effectLst/>
+                <a:latin typeface="Fira Sans" panose="020B0503050000020004" pitchFamily="34" charset="0"/>
+              </a:rPr>
+              <a:t>        </a:t>
+            </a:r>
+            <a:r>
+              <a:rPr kumimoji="0" lang="ru-RU" altLang="ru-RU" sz="800" b="0" i="0" u="none" strike="noStrike" cap="none" normalizeH="0" baseline="0" dirty="0" smtClean="0">
+                <a:ln>
+                  <a:noFill/>
+                </a:ln>
+                <a:solidFill>
+                  <a:srgbClr val="CC7832"/>
+                </a:solidFill>
+                <a:effectLst/>
+                <a:latin typeface="Fira Sans" panose="020B0503050000020004" pitchFamily="34" charset="0"/>
+              </a:rPr>
+              <a:t>return </a:t>
+            </a:r>
+            <a:r>
+              <a:rPr kumimoji="0" lang="ru-RU" altLang="ru-RU" sz="800" b="0" i="0" u="none" strike="noStrike" cap="none" normalizeH="0" baseline="0" dirty="0" smtClean="0">
+                <a:ln>
+                  <a:noFill/>
+                </a:ln>
+                <a:solidFill>
+                  <a:srgbClr val="8888C6"/>
+                </a:solidFill>
+                <a:effectLst/>
+                <a:latin typeface="Fira Sans" panose="020B0503050000020004" pitchFamily="34" charset="0"/>
+              </a:rPr>
+              <a:t>super</a:t>
+            </a:r>
+            <a:r>
+              <a:rPr kumimoji="0" lang="ru-RU" altLang="ru-RU" sz="800" b="0" i="0" u="none" strike="noStrike" cap="none" normalizeH="0" baseline="0" dirty="0" smtClean="0">
+                <a:ln>
+                  <a:noFill/>
+                </a:ln>
+                <a:solidFill>
+                  <a:srgbClr val="A9B7C6"/>
+                </a:solidFill>
+                <a:effectLst/>
+                <a:latin typeface="Fira Sans" panose="020B0503050000020004" pitchFamily="34" charset="0"/>
+              </a:rPr>
+              <a:t>(ProfileUpdateView</a:t>
+            </a:r>
+            <a:r>
+              <a:rPr kumimoji="0" lang="ru-RU" altLang="ru-RU" sz="800" b="0" i="0" u="none" strike="noStrike" cap="none" normalizeH="0" baseline="0" dirty="0" smtClean="0">
+                <a:ln>
+                  <a:noFill/>
+                </a:ln>
+                <a:solidFill>
+                  <a:srgbClr val="CC7832"/>
+                </a:solidFill>
+                <a:effectLst/>
+                <a:latin typeface="Fira Sans" panose="020B0503050000020004" pitchFamily="34" charset="0"/>
+              </a:rPr>
+              <a:t>, </a:t>
+            </a:r>
+            <a:r>
+              <a:rPr kumimoji="0" lang="ru-RU" altLang="ru-RU" sz="800" b="0" i="0" u="none" strike="noStrike" cap="none" normalizeH="0" baseline="0" dirty="0" smtClean="0">
+                <a:ln>
+                  <a:noFill/>
+                </a:ln>
+                <a:solidFill>
+                  <a:srgbClr val="94558D"/>
+                </a:solidFill>
+                <a:effectLst/>
+                <a:latin typeface="Fira Sans" panose="020B0503050000020004" pitchFamily="34" charset="0"/>
+              </a:rPr>
+              <a:t>self</a:t>
+            </a:r>
+            <a:r>
+              <a:rPr kumimoji="0" lang="ru-RU" altLang="ru-RU" sz="800" b="0" i="0" u="none" strike="noStrike" cap="none" normalizeH="0" baseline="0" dirty="0" smtClean="0">
+                <a:ln>
+                  <a:noFill/>
+                </a:ln>
+                <a:solidFill>
+                  <a:srgbClr val="A9B7C6"/>
+                </a:solidFill>
+                <a:effectLst/>
+                <a:latin typeface="Fira Sans" panose="020B0503050000020004" pitchFamily="34" charset="0"/>
+              </a:rPr>
+              <a:t>).form_valid(form)</a:t>
+            </a:r>
+            <a:br>
+              <a:rPr kumimoji="0" lang="ru-RU" altLang="ru-RU" sz="800" b="0" i="0" u="none" strike="noStrike" cap="none" normalizeH="0" baseline="0" dirty="0" smtClean="0">
+                <a:ln>
+                  <a:noFill/>
+                </a:ln>
+                <a:solidFill>
+                  <a:srgbClr val="A9B7C6"/>
+                </a:solidFill>
+                <a:effectLst/>
+                <a:latin typeface="Fira Sans" panose="020B0503050000020004" pitchFamily="34" charset="0"/>
+              </a:rPr>
+            </a:br>
+            <a:r>
+              <a:rPr kumimoji="0" lang="ru-RU" altLang="ru-RU" sz="800" b="0" i="0" u="none" strike="noStrike" cap="none" normalizeH="0" baseline="0" dirty="0" smtClean="0">
+                <a:ln>
+                  <a:noFill/>
+                </a:ln>
+                <a:solidFill>
+                  <a:srgbClr val="A9B7C6"/>
+                </a:solidFill>
+                <a:effectLst/>
+                <a:latin typeface="Fira Sans" panose="020B0503050000020004" pitchFamily="34" charset="0"/>
+              </a:rPr>
+              <a:t/>
+            </a:r>
+            <a:br>
+              <a:rPr kumimoji="0" lang="ru-RU" altLang="ru-RU" sz="800" b="0" i="0" u="none" strike="noStrike" cap="none" normalizeH="0" baseline="0" dirty="0" smtClean="0">
+                <a:ln>
+                  <a:noFill/>
+                </a:ln>
+                <a:solidFill>
+                  <a:srgbClr val="A9B7C6"/>
+                </a:solidFill>
+                <a:effectLst/>
+                <a:latin typeface="Fira Sans" panose="020B0503050000020004" pitchFamily="34" charset="0"/>
+              </a:rPr>
+            </a:br>
+            <a:r>
+              <a:rPr kumimoji="0" lang="ru-RU" altLang="ru-RU" sz="800" b="0" i="0" u="none" strike="noStrike" cap="none" normalizeH="0" baseline="0" dirty="0" smtClean="0">
+                <a:ln>
+                  <a:noFill/>
+                </a:ln>
+                <a:solidFill>
+                  <a:srgbClr val="A9B7C6"/>
+                </a:solidFill>
+                <a:effectLst/>
+                <a:latin typeface="Fira Sans" panose="020B0503050000020004" pitchFamily="34" charset="0"/>
+              </a:rPr>
+              <a:t>    </a:t>
+            </a:r>
+            <a:r>
+              <a:rPr kumimoji="0" lang="ru-RU" altLang="ru-RU" sz="800" b="0" i="0" u="none" strike="noStrike" cap="none" normalizeH="0" baseline="0" dirty="0" smtClean="0">
+                <a:ln>
+                  <a:noFill/>
+                </a:ln>
+                <a:solidFill>
+                  <a:srgbClr val="CC7832"/>
+                </a:solidFill>
+                <a:effectLst/>
+                <a:latin typeface="Fira Sans" panose="020B0503050000020004" pitchFamily="34" charset="0"/>
+              </a:rPr>
+              <a:t>def </a:t>
+            </a:r>
+            <a:r>
+              <a:rPr kumimoji="0" lang="ru-RU" altLang="ru-RU" sz="800" b="0" i="0" u="none" strike="noStrike" cap="none" normalizeH="0" baseline="0" dirty="0" smtClean="0">
+                <a:ln>
+                  <a:noFill/>
+                </a:ln>
+                <a:solidFill>
+                  <a:srgbClr val="A9B7C6"/>
+                </a:solidFill>
+                <a:effectLst/>
+                <a:latin typeface="Fira Sans" panose="020B0503050000020004" pitchFamily="34" charset="0"/>
+              </a:rPr>
+              <a:t>get_success_url(</a:t>
+            </a:r>
+            <a:r>
+              <a:rPr kumimoji="0" lang="ru-RU" altLang="ru-RU" sz="800" b="0" i="0" u="none" strike="noStrike" cap="none" normalizeH="0" baseline="0" dirty="0" smtClean="0">
+                <a:ln>
+                  <a:noFill/>
+                </a:ln>
+                <a:solidFill>
+                  <a:srgbClr val="94558D"/>
+                </a:solidFill>
+                <a:effectLst/>
+                <a:latin typeface="Fira Sans" panose="020B0503050000020004" pitchFamily="34" charset="0"/>
+              </a:rPr>
+              <a:t>self</a:t>
+            </a:r>
+            <a:r>
+              <a:rPr kumimoji="0" lang="ru-RU" altLang="ru-RU" sz="800" b="0" i="0" u="none" strike="noStrike" cap="none" normalizeH="0" baseline="0" dirty="0" smtClean="0">
+                <a:ln>
+                  <a:noFill/>
+                </a:ln>
+                <a:solidFill>
+                  <a:srgbClr val="A9B7C6"/>
+                </a:solidFill>
+                <a:effectLst/>
+                <a:latin typeface="Fira Sans" panose="020B0503050000020004" pitchFamily="34" charset="0"/>
+              </a:rPr>
+              <a:t>):</a:t>
+            </a:r>
+            <a:br>
+              <a:rPr kumimoji="0" lang="ru-RU" altLang="ru-RU" sz="800" b="0" i="0" u="none" strike="noStrike" cap="none" normalizeH="0" baseline="0" dirty="0" smtClean="0">
+                <a:ln>
+                  <a:noFill/>
+                </a:ln>
+                <a:solidFill>
+                  <a:srgbClr val="A9B7C6"/>
+                </a:solidFill>
+                <a:effectLst/>
+                <a:latin typeface="Fira Sans" panose="020B0503050000020004" pitchFamily="34" charset="0"/>
+              </a:rPr>
+            </a:br>
+            <a:r>
+              <a:rPr kumimoji="0" lang="ru-RU" altLang="ru-RU" sz="800" b="0" i="0" u="none" strike="noStrike" cap="none" normalizeH="0" baseline="0" dirty="0" smtClean="0">
+                <a:ln>
+                  <a:noFill/>
+                </a:ln>
+                <a:solidFill>
+                  <a:srgbClr val="A9B7C6"/>
+                </a:solidFill>
+                <a:effectLst/>
+                <a:latin typeface="Fira Sans" panose="020B0503050000020004" pitchFamily="34" charset="0"/>
+              </a:rPr>
+              <a:t>        </a:t>
+            </a:r>
+            <a:r>
+              <a:rPr kumimoji="0" lang="ru-RU" altLang="ru-RU" sz="800" b="0" i="0" u="none" strike="noStrike" cap="none" normalizeH="0" baseline="0" dirty="0" smtClean="0">
+                <a:ln>
+                  <a:noFill/>
+                </a:ln>
+                <a:solidFill>
+                  <a:srgbClr val="CC7832"/>
+                </a:solidFill>
+                <a:effectLst/>
+                <a:latin typeface="Fira Sans" panose="020B0503050000020004" pitchFamily="34" charset="0"/>
+              </a:rPr>
+              <a:t>return </a:t>
+            </a:r>
+            <a:r>
+              <a:rPr kumimoji="0" lang="ru-RU" altLang="ru-RU" sz="800" b="0" i="0" u="none" strike="noStrike" cap="none" normalizeH="0" baseline="0" dirty="0" smtClean="0">
+                <a:ln>
+                  <a:noFill/>
+                </a:ln>
+                <a:solidFill>
+                  <a:srgbClr val="A9B7C6"/>
+                </a:solidFill>
+                <a:effectLst/>
+                <a:latin typeface="Fira Sans" panose="020B0503050000020004" pitchFamily="34" charset="0"/>
+              </a:rPr>
+              <a:t>reverse_lazy(</a:t>
+            </a:r>
+            <a:r>
+              <a:rPr kumimoji="0" lang="ru-RU" altLang="ru-RU" sz="800" b="0" i="0" u="none" strike="noStrike" cap="none" normalizeH="0" baseline="0" dirty="0" smtClean="0">
+                <a:ln>
+                  <a:noFill/>
+                </a:ln>
+                <a:solidFill>
+                  <a:srgbClr val="6A8759"/>
+                </a:solidFill>
+                <a:effectLst/>
+                <a:latin typeface="Fira Sans" panose="020B0503050000020004" pitchFamily="34" charset="0"/>
+              </a:rPr>
+              <a:t>'profile'</a:t>
+            </a:r>
+            <a:r>
+              <a:rPr kumimoji="0" lang="ru-RU" altLang="ru-RU" sz="800" b="0" i="0" u="none" strike="noStrike" cap="none" normalizeH="0" baseline="0" dirty="0" smtClean="0">
+                <a:ln>
+                  <a:noFill/>
+                </a:ln>
+                <a:solidFill>
+                  <a:srgbClr val="A9B7C6"/>
+                </a:solidFill>
+                <a:effectLst/>
+                <a:latin typeface="Fira Sans" panose="020B0503050000020004" pitchFamily="34" charset="0"/>
+              </a:rPr>
+              <a:t>)</a:t>
+            </a:r>
+            <a:endParaRPr kumimoji="0" lang="ru-RU" altLang="ru-RU" b="0" i="0" u="none" strike="noStrike" cap="none" normalizeH="0" baseline="0" dirty="0" smtClean="0">
+              <a:ln>
+                <a:noFill/>
+              </a:ln>
               <a:solidFill>
-                <a:schemeClr val="tx2">
-                  <a:lumMod val="50000"/>
-                </a:schemeClr>
+                <a:schemeClr val="tx1"/>
               </a:solidFill>
+              <a:effectLst/>
               <a:latin typeface="Fira Sans" panose="020B0503050000020004" pitchFamily="34" charset="0"/>
-              <a:cs typeface="Times New Roman" pitchFamily="18" charset="0"/>
             </a:endParaRPr>
           </a:p>
         </p:txBody>
       </p:sp>
-      <p:pic>
-        <p:nvPicPr>
-          <p:cNvPr id="5" name="Рисунок 4"/>
-          <p:cNvPicPr>
-            <a:picLocks noChangeAspect="1"/>
-          </p:cNvPicPr>
-          <p:nvPr/>
-        </p:nvPicPr>
-        <p:blipFill>
-          <a:blip r:embed="rId3"/>
-          <a:stretch>
-            <a:fillRect/>
-          </a:stretch>
-        </p:blipFill>
-        <p:spPr>
-          <a:xfrm>
-            <a:off x="1689137" y="877419"/>
-            <a:ext cx="5283524" cy="3736048"/>
-          </a:xfrm>
-          <a:prstGeom prst="rect">
-            <a:avLst/>
-          </a:prstGeom>
-        </p:spPr>
-      </p:pic>
     </p:spTree>
     <p:extLst>
       <p:ext uri="{BB962C8B-B14F-4D97-AF65-F5344CB8AC3E}">
@@ -9934,6 +11781,13 @@
   <p:clrMapOvr>
     <a:masterClrMapping/>
   </p:clrMapOvr>
+  <p:timing>
+    <p:tnLst>
+      <p:par>
+        <p:cTn id="1" dur="indefinite" restart="never" nodeType="tmRoot"/>
+      </p:par>
+    </p:tnLst>
+  </p:timing>
 </p:sld>
 </file>
 
@@ -10036,7 +11890,7 @@
               <a:rPr lang="ru"/>
               <a:t>18</a:t>
             </a:fld>
-            <a:endParaRPr sz="1400">
+            <a:endParaRPr sz="1400" dirty="0">
               <a:solidFill>
                 <a:srgbClr val="000000"/>
               </a:solidFill>
@@ -10468,13 +12322,13 @@
                         </a:spcAft>
                       </a:pPr>
                       <a:r>
-                        <a:rPr lang="ru-RU" sz="1200">
+                        <a:rPr lang="ru-RU" sz="1200" dirty="0">
                           <a:effectLst/>
                           <a:latin typeface="Fira Sans" panose="020B0503050000020004" pitchFamily="34" charset="0"/>
                         </a:rPr>
                         <a:t>Сотрудник успешно вошел в систему</a:t>
                       </a:r>
-                      <a:endParaRPr lang="ru-RU" sz="1200">
+                      <a:endParaRPr lang="ru-RU" sz="1200" dirty="0">
                         <a:solidFill>
                           <a:srgbClr val="000000"/>
                         </a:solidFill>
@@ -10504,7 +12358,7 @@
                         </a:spcAft>
                       </a:pPr>
                       <a:r>
-                        <a:rPr lang="ru-RU" sz="1200">
+                        <a:rPr lang="ru-RU" sz="1200" dirty="0">
                           <a:effectLst/>
                           <a:latin typeface="Fira Sans" panose="020B0503050000020004" pitchFamily="34" charset="0"/>
                         </a:rPr>
@@ -10524,13 +12378,13 @@
                         </a:spcAft>
                       </a:pPr>
                       <a:r>
-                        <a:rPr lang="ru-RU" sz="1200">
+                        <a:rPr lang="ru-RU" sz="1200" dirty="0">
                           <a:effectLst/>
                           <a:latin typeface="Fira Sans" panose="020B0503050000020004" pitchFamily="34" charset="0"/>
                         </a:rPr>
                         <a:t> </a:t>
                       </a:r>
-                      <a:endParaRPr lang="ru-RU" sz="1200">
+                      <a:endParaRPr lang="ru-RU" sz="1200" dirty="0">
                         <a:solidFill>
                           <a:srgbClr val="000000"/>
                         </a:solidFill>
@@ -10560,13 +12414,13 @@
                         </a:spcAft>
                       </a:pPr>
                       <a:r>
-                        <a:rPr lang="ru-RU" sz="1200">
+                        <a:rPr lang="ru-RU" sz="1200" dirty="0">
                           <a:effectLst/>
                           <a:latin typeface="Fira Sans" panose="020B0503050000020004" pitchFamily="34" charset="0"/>
                         </a:rPr>
                         <a:t>Пройден</a:t>
                       </a:r>
-                      <a:endParaRPr lang="ru-RU" sz="1200">
+                      <a:endParaRPr lang="ru-RU" sz="1200" dirty="0">
                         <a:solidFill>
                           <a:srgbClr val="000000"/>
                         </a:solidFill>
@@ -10603,13 +12457,13 @@
                         </a:spcAft>
                       </a:pPr>
                       <a:r>
-                        <a:rPr lang="ru-RU" sz="1200">
+                        <a:rPr lang="ru-RU" sz="1200" dirty="0">
                           <a:effectLst/>
                           <a:latin typeface="Fira Sans" panose="020B0503050000020004" pitchFamily="34" charset="0"/>
                         </a:rPr>
                         <a:t>Вход с вводом несуществующего логина и пароля</a:t>
                       </a:r>
-                      <a:endParaRPr lang="ru-RU" sz="1200">
+                      <a:endParaRPr lang="ru-RU" sz="1200" dirty="0">
                         <a:solidFill>
                           <a:srgbClr val="000000"/>
                         </a:solidFill>
@@ -10809,13 +12663,13 @@
                         </a:spcAft>
                       </a:pPr>
                       <a:r>
-                        <a:rPr lang="ru-RU" sz="1200">
+                        <a:rPr lang="ru-RU" sz="1200" dirty="0">
                           <a:effectLst/>
                           <a:latin typeface="Fira Sans" panose="020B0503050000020004" pitchFamily="34" charset="0"/>
                         </a:rPr>
                         <a:t>Пройден</a:t>
                       </a:r>
-                      <a:endParaRPr lang="ru-RU" sz="1200">
+                      <a:endParaRPr lang="ru-RU" sz="1200" dirty="0">
                         <a:solidFill>
                           <a:srgbClr val="000000"/>
                         </a:solidFill>
@@ -10852,13 +12706,13 @@
                         </a:spcAft>
                       </a:pPr>
                       <a:r>
-                        <a:rPr lang="ru-RU" sz="1200">
+                        <a:rPr lang="ru-RU" sz="1200" dirty="0">
                           <a:effectLst/>
                           <a:latin typeface="Fira Sans" panose="020B0503050000020004" pitchFamily="34" charset="0"/>
                         </a:rPr>
                         <a:t>Вход с вводом только логина</a:t>
                       </a:r>
-                      <a:endParaRPr lang="ru-RU" sz="1200">
+                      <a:endParaRPr lang="ru-RU" sz="1200" dirty="0">
                         <a:solidFill>
                           <a:srgbClr val="000000"/>
                         </a:solidFill>
@@ -11093,13 +12947,13 @@
                         </a:spcAft>
                       </a:pPr>
                       <a:r>
-                        <a:rPr lang="ru-RU" sz="1200">
+                        <a:rPr lang="ru-RU" sz="1200" dirty="0">
                           <a:effectLst/>
                           <a:latin typeface="Fira Sans" panose="020B0503050000020004" pitchFamily="34" charset="0"/>
                         </a:rPr>
                         <a:t>Вход с вводом только пароля</a:t>
                       </a:r>
-                      <a:endParaRPr lang="ru-RU" sz="1200">
+                      <a:endParaRPr lang="ru-RU" sz="1200" dirty="0">
                         <a:solidFill>
                           <a:srgbClr val="000000"/>
                         </a:solidFill>
@@ -11205,13 +13059,13 @@
                         </a:spcAft>
                       </a:pPr>
                       <a:r>
-                        <a:rPr lang="ru-RU" sz="1200">
+                        <a:rPr lang="ru-RU" sz="1200" dirty="0">
                           <a:effectLst/>
                           <a:latin typeface="Fira Sans" panose="020B0503050000020004" pitchFamily="34" charset="0"/>
                         </a:rPr>
                         <a:t>Система оповещает о необходимости ввода логина</a:t>
                       </a:r>
-                      <a:endParaRPr lang="ru-RU" sz="1200">
+                      <a:endParaRPr lang="ru-RU" sz="1200" dirty="0">
                         <a:solidFill>
                           <a:srgbClr val="000000"/>
                         </a:solidFill>
@@ -11316,6 +13170,13 @@
   <p:clrMapOvr>
     <a:masterClrMapping/>
   </p:clrMapOvr>
+  <p:timing>
+    <p:tnLst>
+      <p:par>
+        <p:cTn id="1" dur="indefinite" restart="never" nodeType="tmRoot"/>
+      </p:par>
+    </p:tnLst>
+  </p:timing>
 </p:sld>
 </file>
 
@@ -11418,7 +13279,7 @@
               <a:rPr lang="ru"/>
               <a:t>19</a:t>
             </a:fld>
-            <a:endParaRPr sz="1400">
+            <a:endParaRPr sz="1400" dirty="0">
               <a:solidFill>
                 <a:srgbClr val="000000"/>
               </a:solidFill>
@@ -11638,7 +13499,7 @@
               <a:rPr lang="ru"/>
               <a:t>2</a:t>
             </a:fld>
-            <a:endParaRPr sz="1400">
+            <a:endParaRPr sz="1400" dirty="0">
               <a:solidFill>
                 <a:srgbClr val="000000"/>
               </a:solidFill>
@@ -12093,7 +13954,7 @@
               <a:rPr lang="ru"/>
               <a:t>20</a:t>
             </a:fld>
-            <a:endParaRPr sz="1400">
+            <a:endParaRPr sz="1400" dirty="0">
               <a:solidFill>
                 <a:srgbClr val="000000"/>
               </a:solidFill>
@@ -12579,27 +14440,7 @@
                 <a:latin typeface=""/>
                 <a:cs typeface="Times New Roman" panose="02020603050405020304" pitchFamily="18" charset="0"/>
               </a:rPr>
-              <a:t>(</a:t>
-            </a:r>
-            <a:r>
-              <a:rPr lang="ru-RU" altLang="ru-RU" sz="1050" b="1" dirty="0" err="1">
-                <a:solidFill>
-                  <a:schemeClr val="bg1"/>
-                </a:solidFill>
-                <a:latin typeface=""/>
-                <a:cs typeface="Times New Roman" panose="02020603050405020304" pitchFamily="18" charset="0"/>
-              </a:rPr>
-              <a:t>СПбГУТ</a:t>
-            </a:r>
-            <a:r>
-              <a:rPr lang="ru-RU" altLang="ru-RU" sz="1050" b="1" dirty="0">
-                <a:solidFill>
-                  <a:schemeClr val="bg1"/>
-                </a:solidFill>
-                <a:latin typeface=""/>
-                <a:cs typeface="Times New Roman" panose="02020603050405020304" pitchFamily="18" charset="0"/>
-              </a:rPr>
-              <a:t>)</a:t>
+              <a:t>(СПбГУТ)</a:t>
             </a:r>
             <a:endParaRPr lang="ru-RU" altLang="ru-RU" sz="1050" dirty="0">
               <a:solidFill>
@@ -12619,17 +14460,7 @@
                 <a:latin typeface=""/>
                 <a:cs typeface="Times New Roman" panose="02020603050405020304" pitchFamily="18" charset="0"/>
               </a:rPr>
-              <a:t>Санкт-Петербургский колледж телекоммуникаций им. Э.Т. </a:t>
-            </a:r>
-            <a:r>
-              <a:rPr lang="ru-RU" altLang="ru-RU" sz="1050" b="1" dirty="0" err="1">
-                <a:solidFill>
-                  <a:schemeClr val="bg1"/>
-                </a:solidFill>
-                <a:latin typeface=""/>
-                <a:cs typeface="Times New Roman" panose="02020603050405020304" pitchFamily="18" charset="0"/>
-              </a:rPr>
-              <a:t>Кренкеля</a:t>
+              <a:t>Санкт-Петербургский колледж телекоммуникаций им. Э.Т. Кренкеля</a:t>
             </a:r>
             <a:endParaRPr lang="ru-RU" altLang="ru-RU" sz="1050" dirty="0">
               <a:solidFill>
@@ -14007,7 +15838,7 @@
               <a:rPr lang="ru"/>
               <a:t>3</a:t>
             </a:fld>
-            <a:endParaRPr sz="1400">
+            <a:endParaRPr sz="1400" dirty="0">
               <a:solidFill>
                 <a:srgbClr val="000000"/>
               </a:solidFill>
@@ -14210,9 +16041,6 @@
               </a:rPr>
               <a:t>Мегаплан</a:t>
             </a:r>
-            <a:endParaRPr lang="ru-RU" dirty="0">
-              <a:latin typeface="Fira Sans" panose="020B0503050000020004" pitchFamily="34" charset="0"/>
-            </a:endParaRPr>
           </a:p>
         </p:txBody>
       </p:sp>
@@ -14269,7 +16097,7 @@
   </p:timing>
   <p:extLst mod="1">
     <p:ext uri="{6950BFC3-D8DA-4A85-94F7-54DA5524770B}">
-      <p188:commentRel xmlns:p188="http://schemas.microsoft.com/office/powerpoint/2018/8/main" xmlns="" r:id="rId6"/>
+      <p188:commentRel xmlns="" xmlns:p188="http://schemas.microsoft.com/office/powerpoint/2018/8/main" r:id="rId6"/>
     </p:ext>
   </p:extLst>
 </p:sld>
@@ -14404,7 +16232,7 @@
               <a:rPr lang="ru"/>
               <a:t>4</a:t>
             </a:fld>
-            <a:endParaRPr sz="1400">
+            <a:endParaRPr sz="1400" dirty="0">
               <a:solidFill>
                 <a:srgbClr val="000000"/>
               </a:solidFill>
@@ -14505,7 +16333,7 @@
   </p:timing>
   <p:extLst mod="1">
     <p:ext uri="{6950BFC3-D8DA-4A85-94F7-54DA5524770B}">
-      <p188:commentRel xmlns:p188="http://schemas.microsoft.com/office/powerpoint/2018/8/main" xmlns="" r:id="rId4"/>
+      <p188:commentRel xmlns="" xmlns:p188="http://schemas.microsoft.com/office/powerpoint/2018/8/main" r:id="rId4"/>
     </p:ext>
   </p:extLst>
 </p:sld>
@@ -14640,7 +16468,7 @@
               <a:rPr lang="ru"/>
               <a:t>5</a:t>
             </a:fld>
-            <a:endParaRPr sz="1400">
+            <a:endParaRPr sz="1400" dirty="0">
               <a:solidFill>
                 <a:srgbClr val="000000"/>
               </a:solidFill>
@@ -14741,7 +16569,7 @@
   </p:timing>
   <p:extLst mod="1">
     <p:ext uri="{6950BFC3-D8DA-4A85-94F7-54DA5524770B}">
-      <p188:commentRel xmlns:p188="http://schemas.microsoft.com/office/powerpoint/2018/8/main" xmlns="" r:id="rId4"/>
+      <p188:commentRel xmlns="" xmlns:p188="http://schemas.microsoft.com/office/powerpoint/2018/8/main" r:id="rId4"/>
     </p:ext>
   </p:extLst>
 </p:sld>
@@ -14863,7 +16691,7 @@
               <a:rPr lang="ru"/>
               <a:t>6</a:t>
             </a:fld>
-            <a:endParaRPr sz="1400">
+            <a:endParaRPr sz="1400" dirty="0">
               <a:solidFill>
                 <a:srgbClr val="000000"/>
               </a:solidFill>
@@ -15305,7 +17133,7 @@
               <a:rPr lang="ru"/>
               <a:t>7</a:t>
             </a:fld>
-            <a:endParaRPr sz="1400">
+            <a:endParaRPr sz="1400" dirty="0">
               <a:solidFill>
                 <a:srgbClr val="000000"/>
               </a:solidFill>
@@ -15389,19 +17217,7 @@
               <a:rPr lang="ru-RU" sz="1600" dirty="0">
                 <a:latin typeface="Fira Sans" panose="020B0503050000020004" pitchFamily="34" charset="0"/>
               </a:rPr>
-              <a:t>Для работы с клиентской частью </a:t>
-            </a:r>
-            <a:r>
-              <a:rPr lang="ru-RU" sz="1600" dirty="0" err="1">
-                <a:latin typeface="Fira Sans" panose="020B0503050000020004" pitchFamily="34" charset="0"/>
-              </a:rPr>
-              <a:t>web</a:t>
-            </a:r>
-            <a:r>
-              <a:rPr lang="ru-RU" sz="1600" dirty="0">
-                <a:latin typeface="Fira Sans" panose="020B0503050000020004" pitchFamily="34" charset="0"/>
-              </a:rPr>
-              <a:t>-приложения необходимо современный браузер, с поддержкой HTML5, CSS 3 и ECMAScript 2015 (ES6). </a:t>
+              <a:t>Для работы с клиентской частью web-приложения необходимо современный браузер, с поддержкой HTML5, CSS 3 и ECMAScript 2015 (ES6). </a:t>
             </a:r>
             <a:endParaRPr lang="ru-RU" sz="1600" dirty="0" smtClean="0">
               <a:latin typeface="Fira Sans" panose="020B0503050000020004" pitchFamily="34" charset="0"/>
@@ -15427,28 +17243,10 @@
               <a:buChar char="•"/>
             </a:pPr>
             <a:r>
-              <a:rPr lang="ru-RU" sz="1600" dirty="0" err="1">
-                <a:latin typeface="Fira Sans" panose="020B0503050000020004" pitchFamily="34" charset="0"/>
-              </a:rPr>
-              <a:t>Google</a:t>
-            </a:r>
-            <a:r>
               <a:rPr lang="ru-RU" sz="1600" dirty="0">
                 <a:latin typeface="Fira Sans" panose="020B0503050000020004" pitchFamily="34" charset="0"/>
               </a:rPr>
-              <a:t> </a:t>
-            </a:r>
-            <a:r>
-              <a:rPr lang="ru-RU" sz="1600" dirty="0" err="1">
-                <a:latin typeface="Fira Sans" panose="020B0503050000020004" pitchFamily="34" charset="0"/>
-              </a:rPr>
-              <a:t>Chrome</a:t>
-            </a:r>
-            <a:r>
-              <a:rPr lang="ru-RU" sz="1600" dirty="0">
-                <a:latin typeface="Fira Sans" panose="020B0503050000020004" pitchFamily="34" charset="0"/>
-              </a:rPr>
-              <a:t>;</a:t>
+              <a:t>Google Chrome;</a:t>
             </a:r>
           </a:p>
           <a:p>
@@ -15457,16 +17255,10 @@
               <a:buChar char="•"/>
             </a:pPr>
             <a:r>
-              <a:rPr lang="ru-RU" sz="1600" dirty="0" err="1">
-                <a:latin typeface="Fira Sans" panose="020B0503050000020004" pitchFamily="34" charset="0"/>
-              </a:rPr>
-              <a:t>Yandex</a:t>
-            </a:r>
-            <a:r>
               <a:rPr lang="ru-RU" sz="1600" dirty="0">
                 <a:latin typeface="Fira Sans" panose="020B0503050000020004" pitchFamily="34" charset="0"/>
               </a:rPr>
-              <a:t> браузер;</a:t>
+              <a:t>Yandex браузер;</a:t>
             </a:r>
           </a:p>
           <a:p>
@@ -15475,16 +17267,10 @@
               <a:buChar char="•"/>
             </a:pPr>
             <a:r>
-              <a:rPr lang="ru-RU" sz="1600" dirty="0" err="1">
-                <a:latin typeface="Fira Sans" panose="020B0503050000020004" pitchFamily="34" charset="0"/>
-              </a:rPr>
-              <a:t>Opera</a:t>
-            </a:r>
-            <a:r>
               <a:rPr lang="ru-RU" sz="1600" dirty="0">
                 <a:latin typeface="Fira Sans" panose="020B0503050000020004" pitchFamily="34" charset="0"/>
               </a:rPr>
-              <a:t>;</a:t>
+              <a:t>Opera;</a:t>
             </a:r>
           </a:p>
           <a:p>
@@ -15493,14 +17279,11 @@
               <a:buChar char="•"/>
             </a:pPr>
             <a:r>
-              <a:rPr lang="ru-RU" sz="1600" dirty="0" err="1">
+              <a:rPr lang="ru-RU" sz="1600" dirty="0">
                 <a:latin typeface="Fira Sans" panose="020B0503050000020004" pitchFamily="34" charset="0"/>
               </a:rPr>
               <a:t>Safari</a:t>
             </a:r>
-            <a:endParaRPr lang="ru-RU" sz="1600" dirty="0">
-              <a:latin typeface="Fira Sans" panose="020B0503050000020004" pitchFamily="34" charset="0"/>
-            </a:endParaRPr>
           </a:p>
         </p:txBody>
       </p:sp>
@@ -15514,6 +17297,13 @@
   <p:clrMapOvr>
     <a:masterClrMapping/>
   </p:clrMapOvr>
+  <p:timing>
+    <p:tnLst>
+      <p:par>
+        <p:cTn id="1" dur="indefinite" restart="never" nodeType="tmRoot"/>
+      </p:par>
+    </p:tnLst>
+  </p:timing>
 </p:sld>
 </file>
 
@@ -15625,7 +17415,7 @@
               <a:rPr lang="ru"/>
               <a:t>8</a:t>
             </a:fld>
-            <a:endParaRPr sz="1400">
+            <a:endParaRPr sz="1400" dirty="0">
               <a:solidFill>
                 <a:srgbClr val="000000"/>
               </a:solidFill>
@@ -16184,6 +17974,13 @@
   <p:clrMapOvr>
     <a:masterClrMapping/>
   </p:clrMapOvr>
+  <p:timing>
+    <p:tnLst>
+      <p:par>
+        <p:cTn id="1" dur="indefinite" restart="never" nodeType="tmRoot"/>
+      </p:par>
+    </p:tnLst>
+  </p:timing>
 </p:sld>
 </file>
 
@@ -16295,7 +18092,7 @@
               <a:rPr lang="ru"/>
               <a:t>9</a:t>
             </a:fld>
-            <a:endParaRPr sz="1400">
+            <a:endParaRPr sz="1400" dirty="0">
               <a:solidFill>
                 <a:srgbClr val="000000"/>
               </a:solidFill>
@@ -16533,6 +18330,13 @@
   <p:clrMapOvr>
     <a:masterClrMapping/>
   </p:clrMapOvr>
+  <p:timing>
+    <p:tnLst>
+      <p:par>
+        <p:cTn id="1" dur="indefinite" restart="never" nodeType="tmRoot"/>
+      </p:par>
+    </p:tnLst>
+  </p:timing>
 </p:sld>
 </file>
 

--- a/Презентация_ВКР.pptx
+++ b/Презентация_ВКР.pptx
@@ -23,10 +23,10 @@
     <p:sldId id="298" r:id="rId14"/>
     <p:sldId id="299" r:id="rId15"/>
     <p:sldId id="300" r:id="rId16"/>
-    <p:sldId id="302" r:id="rId17"/>
-    <p:sldId id="301" r:id="rId18"/>
-    <p:sldId id="303" r:id="rId19"/>
-    <p:sldId id="304" r:id="rId20"/>
+    <p:sldId id="301" r:id="rId17"/>
+    <p:sldId id="303" r:id="rId18"/>
+    <p:sldId id="304" r:id="rId19"/>
+    <p:sldId id="306" r:id="rId20"/>
     <p:sldId id="305" r:id="rId21"/>
     <p:sldId id="293" r:id="rId22"/>
   </p:sldIdLst>
@@ -852,6 +852,68 @@
               </a:spcAft>
               <a:buNone/>
             </a:pPr>
+            <a:r>
+              <a:rPr lang="ru-RU" sz="1100" b="0" i="0" u="none" strike="noStrike" cap="none" dirty="0" smtClean="0">
+                <a:solidFill>
+                  <a:srgbClr val="000000"/>
+                </a:solidFill>
+                <a:effectLst/>
+                <a:latin typeface="Arial"/>
+                <a:ea typeface="Arial"/>
+                <a:cs typeface="Arial"/>
+                <a:sym typeface="Arial"/>
+              </a:rPr>
+              <a:t>Добрый день, уважаемые председатель и члены государственной экзаменационной комиссии! Вашему вниманию предоставляется выпускная квалификационная работа студента Самойлова Евгения</a:t>
+            </a:r>
+            <a:r>
+              <a:rPr lang="ru-RU" sz="1100" b="0" i="0" u="none" strike="noStrike" cap="none" baseline="0" dirty="0" smtClean="0">
+                <a:solidFill>
+                  <a:srgbClr val="000000"/>
+                </a:solidFill>
+                <a:effectLst/>
+                <a:latin typeface="Arial"/>
+                <a:ea typeface="Arial"/>
+                <a:cs typeface="Arial"/>
+                <a:sym typeface="Arial"/>
+              </a:rPr>
+              <a:t> Александровича</a:t>
+            </a:r>
+            <a:r>
+              <a:rPr lang="ru-RU" sz="1100" b="0" i="0" u="none" strike="noStrike" cap="none" dirty="0" smtClean="0">
+                <a:solidFill>
+                  <a:srgbClr val="000000"/>
+                </a:solidFill>
+                <a:effectLst/>
+                <a:latin typeface="Arial"/>
+                <a:ea typeface="Arial"/>
+                <a:cs typeface="Arial"/>
+                <a:sym typeface="Arial"/>
+              </a:rPr>
+              <a:t> на тему «</a:t>
+            </a:r>
+            <a:r>
+              <a:rPr lang="ru-RU" altLang="ru-RU" sz="1100" b="1" dirty="0" smtClean="0">
+                <a:solidFill>
+                  <a:schemeClr val="bg1"/>
+                </a:solidFill>
+                <a:latin typeface="Fira Sans" panose="020B0503050000020004" pitchFamily="34" charset="0"/>
+                <a:cs typeface="Times New Roman" panose="02020603050405020304" pitchFamily="18" charset="0"/>
+              </a:rPr>
+              <a:t>Разработка автоматизированной информационной системы сервисного ИТ-центра</a:t>
+            </a:r>
+            <a:r>
+              <a:rPr lang="ru-RU" sz="1100" b="0" i="0" u="none" strike="noStrike" cap="none" dirty="0" smtClean="0">
+                <a:solidFill>
+                  <a:srgbClr val="000000"/>
+                </a:solidFill>
+                <a:effectLst/>
+                <a:latin typeface="Arial"/>
+                <a:ea typeface="Arial"/>
+                <a:cs typeface="Arial"/>
+                <a:sym typeface="Arial"/>
+              </a:rPr>
+              <a:t>»</a:t>
+            </a:r>
             <a:endParaRPr dirty="0"/>
           </a:p>
         </p:txBody>
@@ -1174,6 +1236,19 @@
               </a:spcAft>
               <a:buNone/>
             </a:pPr>
+            <a:r>
+              <a:rPr lang="ru-RU" sz="1100" b="0" i="0" u="none" strike="noStrike" cap="none" dirty="0" smtClean="0">
+                <a:solidFill>
+                  <a:srgbClr val="000000"/>
+                </a:solidFill>
+                <a:effectLst/>
+                <a:latin typeface="Arial"/>
+                <a:ea typeface="Arial"/>
+                <a:cs typeface="Arial"/>
+                <a:sym typeface="Arial"/>
+              </a:rPr>
+              <a:t>ER-диаграмма базы данных программного продукта.</a:t>
+            </a:r>
             <a:endParaRPr dirty="0"/>
           </a:p>
         </p:txBody>
@@ -1617,7 +1692,7 @@
     </p:spTree>
     <p:extLst>
       <p:ext uri="{BB962C8B-B14F-4D97-AF65-F5344CB8AC3E}">
-        <p14:creationId xmlns:p14="http://schemas.microsoft.com/office/powerpoint/2010/main" val="1509003088"/>
+        <p14:creationId xmlns:p14="http://schemas.microsoft.com/office/powerpoint/2010/main" val="4030155389"/>
       </p:ext>
     </p:extLst>
   </p:cSld>
@@ -1726,7 +1801,7 @@
     </p:spTree>
     <p:extLst>
       <p:ext uri="{BB962C8B-B14F-4D97-AF65-F5344CB8AC3E}">
-        <p14:creationId xmlns:p14="http://schemas.microsoft.com/office/powerpoint/2010/main" val="4030155389"/>
+        <p14:creationId xmlns:p14="http://schemas.microsoft.com/office/powerpoint/2010/main" val="3515051168"/>
       </p:ext>
     </p:extLst>
   </p:cSld>
@@ -1828,6 +1903,19 @@
               </a:spcAft>
               <a:buNone/>
             </a:pPr>
+            <a:r>
+              <a:rPr lang="ru-RU" sz="1100" b="0" i="0" u="none" strike="noStrike" cap="none" dirty="0" smtClean="0">
+                <a:solidFill>
+                  <a:srgbClr val="000000"/>
+                </a:solidFill>
+                <a:effectLst/>
+                <a:latin typeface="Arial"/>
+                <a:ea typeface="Arial"/>
+                <a:cs typeface="Arial"/>
+                <a:sym typeface="Arial"/>
+              </a:rPr>
+              <a:t>Для работы с проектом были разработаны: руководство пользователя, руководство администратора. Ознакомиться с технологической документацией можно в приложениях к пояснительной записке. </a:t>
+            </a:r>
             <a:endParaRPr dirty="0"/>
           </a:p>
         </p:txBody>
@@ -1835,7 +1923,7 @@
     </p:spTree>
     <p:extLst>
       <p:ext uri="{BB962C8B-B14F-4D97-AF65-F5344CB8AC3E}">
-        <p14:creationId xmlns:p14="http://schemas.microsoft.com/office/powerpoint/2010/main" val="3515051168"/>
+        <p14:creationId xmlns:p14="http://schemas.microsoft.com/office/powerpoint/2010/main" val="3182977341"/>
       </p:ext>
     </p:extLst>
   </p:cSld>
@@ -1928,23 +2016,39 @@
           </a:bodyPr>
           <a:lstStyle/>
           <a:p>
-            <a:pPr marL="0" lvl="0" indent="0" algn="l" rtl="0">
-              <a:spcBef>
-                <a:spcPts val="0"/>
-              </a:spcBef>
-              <a:spcAft>
-                <a:spcPts val="0"/>
-              </a:spcAft>
+            <a:pPr marL="158750" indent="0">
               <a:buNone/>
             </a:pPr>
-            <a:endParaRPr dirty="0"/>
+            <a:r>
+              <a:rPr lang="ru-RU" sz="1100" b="0" i="0" u="none" strike="noStrike" cap="none" dirty="0" smtClean="0">
+                <a:solidFill>
+                  <a:srgbClr val="000000"/>
+                </a:solidFill>
+                <a:effectLst/>
+                <a:latin typeface="Arial"/>
+                <a:ea typeface="Arial"/>
+                <a:cs typeface="Arial"/>
+                <a:sym typeface="Arial"/>
+              </a:rPr>
+              <a:t>В ходе выполнения выпускной квалификационной работы было проведено технико-экономическое обоснование проекта. Все экономические расчеты приведены в тексте пояснительной записки.</a:t>
+            </a:r>
+            <a:endParaRPr lang="ru-RU" sz="1100" b="0" i="0" u="none" strike="noStrike" cap="none" dirty="0">
+              <a:solidFill>
+                <a:srgbClr val="000000"/>
+              </a:solidFill>
+              <a:effectLst/>
+              <a:latin typeface="Arial"/>
+              <a:ea typeface="Arial"/>
+              <a:cs typeface="Arial"/>
+              <a:sym typeface="Arial"/>
+            </a:endParaRPr>
           </a:p>
         </p:txBody>
       </p:sp>
     </p:spTree>
     <p:extLst>
       <p:ext uri="{BB962C8B-B14F-4D97-AF65-F5344CB8AC3E}">
-        <p14:creationId xmlns:p14="http://schemas.microsoft.com/office/powerpoint/2010/main" val="3182977341"/>
+        <p14:creationId xmlns:p14="http://schemas.microsoft.com/office/powerpoint/2010/main" val="3432355515"/>
       </p:ext>
     </p:extLst>
   </p:cSld>
@@ -2037,16 +2141,40 @@
           </a:bodyPr>
           <a:lstStyle/>
           <a:p>
-            <a:pPr marL="0" lvl="0" indent="0" algn="l" rtl="0">
-              <a:spcBef>
-                <a:spcPts val="0"/>
-              </a:spcBef>
-              <a:spcAft>
-                <a:spcPts val="0"/>
-              </a:spcAft>
+            <a:pPr marL="158750" indent="0">
               <a:buNone/>
             </a:pPr>
-            <a:endParaRPr dirty="0"/>
+            <a:r>
+              <a:rPr lang="ru-RU" sz="1100" b="0" i="0" u="none" strike="noStrike" cap="none" dirty="0" smtClean="0">
+                <a:solidFill>
+                  <a:srgbClr val="000000"/>
+                </a:solidFill>
+                <a:effectLst/>
+                <a:latin typeface="Arial"/>
+                <a:ea typeface="Arial"/>
+                <a:cs typeface="Arial"/>
+                <a:sym typeface="Arial"/>
+              </a:rPr>
+              <a:t>Целью выпускной квалификационной работы является: </a:t>
+            </a:r>
+          </a:p>
+          <a:p>
+            <a:pPr marL="158750" indent="0">
+              <a:buNone/>
+            </a:pPr>
+            <a:r>
+              <a:rPr lang="ru-RU" sz="1100" b="0" i="0" u="none" strike="noStrike" cap="none" dirty="0" smtClean="0">
+                <a:solidFill>
+                  <a:srgbClr val="000000"/>
+                </a:solidFill>
+                <a:effectLst/>
+                <a:latin typeface="Arial"/>
+                <a:ea typeface="Arial"/>
+                <a:cs typeface="Arial"/>
+                <a:sym typeface="Arial"/>
+              </a:rPr>
+              <a:t>Для достижения поставленной цели необходимо решить следующие задачи: </a:t>
+            </a:r>
           </a:p>
         </p:txBody>
       </p:sp>
@@ -2140,6 +2268,33 @@
             <a:noAutofit/>
           </a:bodyPr>
           <a:lstStyle/>
+          <a:p>
+            <a:pPr marL="0" marR="0" lvl="0" indent="0" algn="l" defTabSz="914400" rtl="0" eaLnBrk="1" fontAlgn="auto" latinLnBrk="0" hangingPunct="1">
+              <a:lnSpc>
+                <a:spcPct val="100000"/>
+              </a:lnSpc>
+              <a:spcBef>
+                <a:spcPts val="0"/>
+              </a:spcBef>
+              <a:spcAft>
+                <a:spcPts val="0"/>
+              </a:spcAft>
+              <a:buClr>
+                <a:srgbClr val="000000"/>
+              </a:buClr>
+              <a:buSzPts val="1100"/>
+              <a:buFont typeface="Arial"/>
+              <a:buNone/>
+              <a:tabLst/>
+              <a:defRPr/>
+            </a:pPr>
+            <a:r>
+              <a:rPr lang="ru-RU" sz="1100" dirty="0" smtClean="0">
+                <a:latin typeface="Fira Sans" panose="020B0503050000020004" pitchFamily="34" charset="0"/>
+              </a:rPr>
+              <a:t>В результате работы были достигнуты все поставленные цели, и создана полноценная информационная система для IT сервисов. Выводы по результатам работы указывают на то, что проект имеет большой потенциал для дальнейшего развития и улучшения.</a:t>
+            </a:r>
+          </a:p>
           <a:p>
             <a:pPr marL="0" lvl="0" indent="0" algn="l" rtl="0">
               <a:spcBef>
@@ -2250,15 +2405,22 @@
           </a:bodyPr>
           <a:lstStyle/>
           <a:p>
-            <a:pPr marL="0" lvl="0" indent="0" algn="l" rtl="0">
-              <a:spcBef>
-                <a:spcPts val="0"/>
-              </a:spcBef>
-              <a:spcAft>
-                <a:spcPts val="0"/>
-              </a:spcAft>
+            <a:pPr marL="158750" indent="0">
               <a:buNone/>
             </a:pPr>
+            <a:r>
+              <a:rPr lang="ru-RU" sz="1100" b="0" i="0" u="none" strike="noStrike" cap="none" dirty="0" smtClean="0">
+                <a:solidFill>
+                  <a:srgbClr val="000000"/>
+                </a:solidFill>
+                <a:effectLst/>
+                <a:latin typeface="Arial"/>
+                <a:ea typeface="Arial"/>
+                <a:cs typeface="Arial"/>
+                <a:sym typeface="Arial"/>
+              </a:rPr>
+              <a:t>Мой доклад окончен. Благодарю за внимание! Готов ответить на Ваши вопросы!</a:t>
+            </a:r>
             <a:endParaRPr dirty="0"/>
           </a:p>
         </p:txBody>
@@ -2358,6 +2520,89 @@
             <a:noAutofit/>
           </a:bodyPr>
           <a:lstStyle/>
+          <a:p>
+            <a:pPr marL="0" marR="0" lvl="0" indent="0" algn="l" defTabSz="914400" rtl="0" eaLnBrk="1" fontAlgn="auto" latinLnBrk="0" hangingPunct="1">
+              <a:lnSpc>
+                <a:spcPct val="100000"/>
+              </a:lnSpc>
+              <a:spcBef>
+                <a:spcPts val="0"/>
+              </a:spcBef>
+              <a:spcAft>
+                <a:spcPts val="0"/>
+              </a:spcAft>
+              <a:buClr>
+                <a:srgbClr val="000000"/>
+              </a:buClr>
+              <a:buSzPts val="1100"/>
+              <a:buFont typeface="Arial"/>
+              <a:buNone/>
+              <a:tabLst/>
+              <a:defRPr/>
+            </a:pPr>
+            <a:r>
+              <a:rPr lang="ru-RU" sz="1100" b="0" i="0" u="none" strike="noStrike" cap="none" dirty="0" smtClean="0">
+                <a:solidFill>
+                  <a:srgbClr val="000000"/>
+                </a:solidFill>
+                <a:effectLst/>
+                <a:latin typeface="Arial"/>
+                <a:ea typeface="Arial"/>
+                <a:cs typeface="Arial"/>
+                <a:sym typeface="Arial"/>
+              </a:rPr>
+              <a:t>В современном бизнесе нельзя обойтись без технической поддержки в виде программ для ведения бизнеса, учета клиентов, поставщиков и поставок, а также учет продаж. Для удобства ведения коммерческих взаимоотношений, современные технологии предлагают использование онлайн-касс и автоматизированных информационных систем. На слайде</a:t>
+            </a:r>
+            <a:r>
+              <a:rPr lang="ru-RU" sz="1100" b="0" i="0" u="none" strike="noStrike" cap="none" baseline="0" dirty="0" smtClean="0">
+                <a:solidFill>
+                  <a:srgbClr val="000000"/>
+                </a:solidFill>
+                <a:effectLst/>
+                <a:latin typeface="Arial"/>
+                <a:ea typeface="Arial"/>
+                <a:cs typeface="Arial"/>
+                <a:sym typeface="Arial"/>
+              </a:rPr>
+              <a:t> представлены наиболее популярные </a:t>
+            </a:r>
+            <a:r>
+              <a:rPr lang="en-US" sz="1100" b="0" i="0" u="none" strike="noStrike" cap="none" baseline="0" dirty="0" smtClean="0">
+                <a:solidFill>
+                  <a:srgbClr val="000000"/>
+                </a:solidFill>
+                <a:effectLst/>
+                <a:latin typeface="Arial"/>
+                <a:ea typeface="Arial"/>
+                <a:cs typeface="Arial"/>
+                <a:sym typeface="Arial"/>
+              </a:rPr>
+              <a:t>CRM </a:t>
+            </a:r>
+            <a:r>
+              <a:rPr lang="ru-RU" sz="1100" b="0" i="0" u="none" strike="noStrike" cap="none" baseline="0" dirty="0" smtClean="0">
+                <a:solidFill>
+                  <a:srgbClr val="000000"/>
+                </a:solidFill>
+                <a:effectLst/>
+                <a:latin typeface="Arial"/>
+                <a:ea typeface="Arial"/>
+                <a:cs typeface="Arial"/>
+                <a:sym typeface="Arial"/>
+              </a:rPr>
+              <a:t>системы.</a:t>
+            </a:r>
+            <a:endParaRPr lang="ru-RU" sz="1100" b="0" i="0" u="none" strike="noStrike" cap="none" dirty="0" smtClean="0">
+              <a:solidFill>
+                <a:srgbClr val="000000"/>
+              </a:solidFill>
+              <a:effectLst/>
+              <a:latin typeface="Arial"/>
+              <a:ea typeface="Arial"/>
+              <a:cs typeface="Arial"/>
+              <a:sym typeface="Arial"/>
+            </a:endParaRPr>
+          </a:p>
           <a:p>
             <a:pPr marL="0" lvl="0" indent="0" algn="l" rtl="0">
               <a:spcBef>
@@ -2477,6 +2722,19 @@
               </a:spcAft>
               <a:buNone/>
             </a:pPr>
+            <a:r>
+              <a:rPr lang="ru-RU" sz="1100" b="0" i="0" u="none" strike="noStrike" cap="none" dirty="0" smtClean="0">
+                <a:solidFill>
+                  <a:srgbClr val="000000"/>
+                </a:solidFill>
+                <a:effectLst/>
+                <a:latin typeface="Arial"/>
+                <a:ea typeface="Arial"/>
+                <a:cs typeface="Arial"/>
+                <a:sym typeface="Arial"/>
+              </a:rPr>
+              <a:t>SWOT - анализ показывает, какие сильные и слабые стороны могут быть у сервиса во внутренней и внешней среде</a:t>
+            </a:r>
             <a:endParaRPr dirty="0"/>
           </a:p>
         </p:txBody>
@@ -2576,6 +2834,291 @@
             <a:noAutofit/>
           </a:bodyPr>
           <a:lstStyle/>
+          <a:p>
+            <a:pPr marL="158750" marR="0" indent="0" algn="l" defTabSz="914400" rtl="0" eaLnBrk="1" fontAlgn="auto" latinLnBrk="0" hangingPunct="1">
+              <a:lnSpc>
+                <a:spcPct val="100000"/>
+              </a:lnSpc>
+              <a:spcBef>
+                <a:spcPts val="0"/>
+              </a:spcBef>
+              <a:spcAft>
+                <a:spcPts val="0"/>
+              </a:spcAft>
+              <a:buClr>
+                <a:srgbClr val="000000"/>
+              </a:buClr>
+              <a:buSzPts val="1100"/>
+              <a:buFont typeface="Arial"/>
+              <a:buNone/>
+              <a:tabLst/>
+              <a:defRPr/>
+            </a:pPr>
+            <a:r>
+              <a:rPr lang="ru-RU" sz="1100" b="0" i="0" u="none" strike="noStrike" cap="none" dirty="0" smtClean="0">
+                <a:solidFill>
+                  <a:srgbClr val="000000"/>
+                </a:solidFill>
+                <a:effectLst/>
+                <a:latin typeface="Arial"/>
+                <a:ea typeface="Arial"/>
+                <a:cs typeface="Arial"/>
+                <a:sym typeface="Arial"/>
+              </a:rPr>
+              <a:t>Из PEST-анализа</a:t>
+            </a:r>
+            <a:r>
+              <a:rPr lang="ru-RU" sz="1100" b="0" i="0" u="none" strike="noStrike" cap="none" baseline="0" dirty="0" smtClean="0">
+                <a:solidFill>
+                  <a:srgbClr val="000000"/>
+                </a:solidFill>
+                <a:effectLst/>
+                <a:latin typeface="Arial"/>
+                <a:ea typeface="Arial"/>
+                <a:cs typeface="Arial"/>
+                <a:sym typeface="Arial"/>
+              </a:rPr>
+              <a:t> </a:t>
+            </a:r>
+            <a:r>
+              <a:rPr lang="ru-RU" sz="1100" b="0" i="0" u="none" strike="noStrike" cap="none" dirty="0" smtClean="0">
+                <a:solidFill>
+                  <a:srgbClr val="000000"/>
+                </a:solidFill>
+                <a:effectLst/>
+                <a:latin typeface="Arial"/>
+                <a:ea typeface="Arial"/>
+                <a:cs typeface="Arial"/>
+                <a:sym typeface="Arial"/>
+              </a:rPr>
+              <a:t>понятно, какие риски могут быть у сервиса в политической, экономической, социальной и технологической сферах.</a:t>
+            </a:r>
+          </a:p>
+          <a:p>
+            <a:pPr marL="158750" indent="0">
+              <a:buNone/>
+            </a:pPr>
+            <a:endParaRPr lang="en-US" sz="1600" b="0" i="0" u="none" strike="noStrike" cap="none" dirty="0" smtClean="0">
+              <a:solidFill>
+                <a:srgbClr val="000000"/>
+              </a:solidFill>
+              <a:effectLst/>
+              <a:latin typeface="Arial"/>
+              <a:ea typeface="Arial"/>
+              <a:cs typeface="Arial"/>
+              <a:sym typeface="Arial"/>
+            </a:endParaRPr>
+          </a:p>
+          <a:p>
+            <a:pPr marL="158750" indent="0">
+              <a:buNone/>
+            </a:pPr>
+            <a:r>
+              <a:rPr lang="en-US" sz="1600" b="0" i="0" u="none" strike="noStrike" cap="none" dirty="0" smtClean="0">
+                <a:solidFill>
+                  <a:srgbClr val="000000"/>
+                </a:solidFill>
+                <a:effectLst/>
+                <a:latin typeface="Arial"/>
+                <a:ea typeface="Arial"/>
+                <a:cs typeface="Arial"/>
+                <a:sym typeface="Arial"/>
+              </a:rPr>
+              <a:t>Political</a:t>
+            </a:r>
+            <a:endParaRPr lang="ru-RU" sz="1600" b="0" i="0" u="none" strike="noStrike" cap="none" dirty="0" smtClean="0">
+              <a:solidFill>
+                <a:srgbClr val="000000"/>
+              </a:solidFill>
+              <a:effectLst/>
+              <a:latin typeface="Arial"/>
+              <a:ea typeface="Arial"/>
+              <a:cs typeface="Arial"/>
+              <a:sym typeface="Arial"/>
+            </a:endParaRPr>
+          </a:p>
+          <a:p>
+            <a:pPr marL="158750" indent="0">
+              <a:buNone/>
+            </a:pPr>
+            <a:r>
+              <a:rPr lang="ru-RU" sz="1600" b="0" i="0" u="none" strike="noStrike" cap="none" dirty="0" smtClean="0">
+                <a:solidFill>
+                  <a:srgbClr val="000000"/>
+                </a:solidFill>
+                <a:effectLst/>
+                <a:latin typeface="Arial"/>
+                <a:ea typeface="Arial"/>
+                <a:cs typeface="Arial"/>
+                <a:sym typeface="Arial"/>
+              </a:rPr>
+              <a:t>Может быть ужесточение ограничений, что приведет к ограничению функционала системы</a:t>
+            </a:r>
+          </a:p>
+          <a:p>
+            <a:pPr marL="158750" indent="0">
+              <a:buNone/>
+            </a:pPr>
+            <a:r>
+              <a:rPr lang="en-US" sz="1600" b="0" i="0" u="none" strike="noStrike" cap="none" dirty="0" smtClean="0">
+                <a:solidFill>
+                  <a:srgbClr val="000000"/>
+                </a:solidFill>
+                <a:effectLst/>
+                <a:latin typeface="Arial"/>
+                <a:ea typeface="Arial"/>
+                <a:cs typeface="Arial"/>
+                <a:sym typeface="Arial"/>
+              </a:rPr>
+              <a:t>Economic</a:t>
+            </a:r>
+            <a:endParaRPr lang="ru-RU" sz="1600" b="0" i="0" u="none" strike="noStrike" cap="none" dirty="0" smtClean="0">
+              <a:solidFill>
+                <a:srgbClr val="000000"/>
+              </a:solidFill>
+              <a:effectLst/>
+              <a:latin typeface="Arial"/>
+              <a:ea typeface="Arial"/>
+              <a:cs typeface="Arial"/>
+              <a:sym typeface="Arial"/>
+            </a:endParaRPr>
+          </a:p>
+          <a:p>
+            <a:pPr marL="158750" indent="0">
+              <a:buNone/>
+            </a:pPr>
+            <a:r>
+              <a:rPr lang="ru-RU" sz="1600" b="0" i="0" u="none" strike="noStrike" cap="none" dirty="0" smtClean="0">
+                <a:solidFill>
+                  <a:srgbClr val="000000"/>
+                </a:solidFill>
+                <a:effectLst/>
+                <a:latin typeface="Arial"/>
+                <a:ea typeface="Arial"/>
+                <a:cs typeface="Arial"/>
+                <a:sym typeface="Arial"/>
+              </a:rPr>
+              <a:t>Из-за роста курса валют может не хватать средств для поддержания функционирования системы</a:t>
+            </a:r>
+          </a:p>
+          <a:p>
+            <a:pPr marL="158750" indent="0">
+              <a:buNone/>
+            </a:pPr>
+            <a:r>
+              <a:rPr lang="en-US" sz="1600" b="0" i="0" u="none" strike="noStrike" cap="none" dirty="0" smtClean="0">
+                <a:solidFill>
+                  <a:srgbClr val="000000"/>
+                </a:solidFill>
+                <a:effectLst/>
+                <a:latin typeface="Arial"/>
+                <a:ea typeface="Arial"/>
+                <a:cs typeface="Arial"/>
+                <a:sym typeface="Arial"/>
+              </a:rPr>
+              <a:t>Social</a:t>
+            </a:r>
+            <a:endParaRPr lang="ru-RU" sz="1600" b="0" i="0" u="none" strike="noStrike" cap="none" dirty="0" smtClean="0">
+              <a:solidFill>
+                <a:srgbClr val="000000"/>
+              </a:solidFill>
+              <a:effectLst/>
+              <a:latin typeface="Arial"/>
+              <a:ea typeface="Arial"/>
+              <a:cs typeface="Arial"/>
+              <a:sym typeface="Arial"/>
+            </a:endParaRPr>
+          </a:p>
+          <a:p>
+            <a:pPr marL="158750" indent="0">
+              <a:buNone/>
+            </a:pPr>
+            <a:r>
+              <a:rPr lang="ru-RU" sz="1600" b="0" i="0" u="none" strike="noStrike" cap="none" dirty="0" smtClean="0">
+                <a:solidFill>
+                  <a:srgbClr val="000000"/>
+                </a:solidFill>
+                <a:effectLst/>
+                <a:latin typeface="Arial"/>
+                <a:ea typeface="Arial"/>
+                <a:cs typeface="Arial"/>
+                <a:sym typeface="Arial"/>
+              </a:rPr>
+              <a:t>Центры, использующие другие системы могут создать мнение о недостаточности функционала.</a:t>
+            </a:r>
+          </a:p>
+          <a:p>
+            <a:pPr marL="158750" indent="0">
+              <a:buNone/>
+            </a:pPr>
+            <a:r>
+              <a:rPr lang="en-US" sz="1600" b="0" i="0" u="none" strike="noStrike" cap="none" dirty="0" smtClean="0">
+                <a:solidFill>
+                  <a:srgbClr val="000000"/>
+                </a:solidFill>
+                <a:effectLst/>
+                <a:latin typeface="Arial"/>
+                <a:ea typeface="Arial"/>
+                <a:cs typeface="Arial"/>
+                <a:sym typeface="Arial"/>
+              </a:rPr>
+              <a:t>Technological</a:t>
+            </a:r>
+            <a:endParaRPr lang="ru-RU" sz="1600" b="0" i="0" u="none" strike="noStrike" cap="none" dirty="0" smtClean="0">
+              <a:solidFill>
+                <a:srgbClr val="000000"/>
+              </a:solidFill>
+              <a:effectLst/>
+              <a:latin typeface="Arial"/>
+              <a:ea typeface="Arial"/>
+              <a:cs typeface="Arial"/>
+              <a:sym typeface="Arial"/>
+            </a:endParaRPr>
+          </a:p>
+          <a:p>
+            <a:pPr marL="158750" indent="0">
+              <a:buNone/>
+            </a:pPr>
+            <a:r>
+              <a:rPr lang="ru-RU" sz="1600" b="0" i="0" u="none" strike="noStrike" cap="none" dirty="0" smtClean="0">
+                <a:solidFill>
+                  <a:srgbClr val="000000"/>
+                </a:solidFill>
+                <a:effectLst/>
+                <a:latin typeface="Arial"/>
+                <a:ea typeface="Arial"/>
+                <a:cs typeface="Arial"/>
+                <a:sym typeface="Arial"/>
+              </a:rPr>
+              <a:t>Развитие систем конкурентов может привести к </a:t>
+            </a:r>
+            <a:r>
+              <a:rPr lang="ru-RU" sz="1600" b="0" i="0" u="none" strike="noStrike" cap="none" dirty="0" smtClean="0">
+                <a:solidFill>
+                  <a:srgbClr val="000000"/>
+                </a:solidFill>
+                <a:effectLst/>
+                <a:latin typeface="Arial"/>
+                <a:ea typeface="Arial"/>
+                <a:cs typeface="Arial"/>
+                <a:sym typeface="Arial"/>
+              </a:rPr>
+              <a:t>потере </a:t>
+            </a:r>
+            <a:r>
+              <a:rPr lang="ru-RU" sz="1600" b="0" i="0" u="none" strike="noStrike" cap="none" dirty="0" smtClean="0">
+                <a:solidFill>
+                  <a:srgbClr val="000000"/>
+                </a:solidFill>
+                <a:effectLst/>
+                <a:latin typeface="Arial"/>
+                <a:ea typeface="Arial"/>
+                <a:cs typeface="Arial"/>
+                <a:sym typeface="Arial"/>
+              </a:rPr>
+              <a:t>актуальности</a:t>
+            </a:r>
+          </a:p>
           <a:p>
             <a:pPr marL="0" lvl="0" indent="0" algn="l" rtl="0">
               <a:spcBef>
@@ -6346,9 +6889,7 @@
             <a:fld id="{00000000-1234-1234-1234-123412341234}" type="slidenum">
               <a:rPr lang="ru">
                 <a:solidFill>
-                  <a:schemeClr val="tx1">
-                    <a:lumMod val="50000"/>
-                  </a:schemeClr>
+                  <a:schemeClr val="bg1"/>
                 </a:solidFill>
                 <a:latin typeface="Fira Sans" panose="020B0503050000020004" pitchFamily="34" charset="0"/>
               </a:rPr>
@@ -6356,9 +6897,7 @@
             </a:fld>
             <a:endParaRPr sz="1400" dirty="0">
               <a:solidFill>
-                <a:schemeClr val="tx1">
-                  <a:lumMod val="50000"/>
-                </a:schemeClr>
+                <a:schemeClr val="bg1"/>
               </a:solidFill>
               <a:latin typeface="Fira Sans" panose="020B0503050000020004" pitchFamily="34" charset="0"/>
             </a:endParaRPr>
@@ -8147,7 +8686,7 @@
       </p:sp>
       <p:pic>
         <p:nvPicPr>
-          <p:cNvPr id="6" name="Рисунок 5"/>
+          <p:cNvPr id="7" name="Рисунок 6"/>
           <p:cNvPicPr/>
           <p:nvPr/>
         </p:nvPicPr>
@@ -8165,8 +8704,8 @@
         </p:blipFill>
         <p:spPr>
           <a:xfrm>
-            <a:off x="1660724" y="904590"/>
-            <a:ext cx="5340350" cy="3784113"/>
+            <a:off x="1761689" y="884487"/>
+            <a:ext cx="5138420" cy="3850955"/>
           </a:xfrm>
           <a:prstGeom prst="rect">
             <a:avLst/>
@@ -8680,12 +9219,14 @@
       </p:sp>
       <p:pic>
         <p:nvPicPr>
-          <p:cNvPr id="7" name="Рисунок 6"/>
-          <p:cNvPicPr/>
+          <p:cNvPr id="4" name="Рисунок 3"/>
+          <p:cNvPicPr>
+            <a:picLocks noChangeAspect="1"/>
+          </p:cNvPicPr>
           <p:nvPr/>
         </p:nvPicPr>
         <p:blipFill>
-          <a:blip r:embed="rId3" cstate="print">
+          <a:blip r:embed="rId3">
             <a:extLst>
               <a:ext uri="{28A0092B-C50C-407E-A947-70E740481C1C}">
                 <a14:useLocalDpi xmlns:a14="http://schemas.microsoft.com/office/drawing/2010/main" val="0"/>
@@ -8698,8 +9239,8 @@
         </p:blipFill>
         <p:spPr>
           <a:xfrm>
-            <a:off x="354743" y="823451"/>
-            <a:ext cx="8349507" cy="3911991"/>
+            <a:off x="777668" y="762892"/>
+            <a:ext cx="7263926" cy="3972550"/>
           </a:xfrm>
           <a:prstGeom prst="rect">
             <a:avLst/>
@@ -8891,8 +9432,8 @@
         </p:nvSpPr>
         <p:spPr>
           <a:xfrm>
-            <a:off x="3586439" y="4735442"/>
-            <a:ext cx="1266693" cy="307777"/>
+            <a:off x="3333166" y="4735442"/>
+            <a:ext cx="1773242" cy="307777"/>
           </a:xfrm>
           <a:prstGeom prst="rect">
             <a:avLst/>
@@ -8917,7 +9458,7 @@
                 <a:latin typeface="Fira Sans" panose="020B0503050000020004" pitchFamily="34" charset="0"/>
                 <a:cs typeface="Times New Roman" pitchFamily="18" charset="0"/>
               </a:rPr>
-              <a:t>Окно Логина</a:t>
+              <a:t>Окно Авторизации</a:t>
             </a:r>
             <a:endParaRPr lang="ru-RU" b="1" dirty="0">
               <a:solidFill>
@@ -9140,8 +9681,8 @@
         </p:nvSpPr>
         <p:spPr>
           <a:xfrm>
-            <a:off x="3474231" y="4735442"/>
-            <a:ext cx="1491114" cy="307777"/>
+            <a:off x="3186494" y="4735442"/>
+            <a:ext cx="2066591" cy="307777"/>
           </a:xfrm>
           <a:prstGeom prst="rect">
             <a:avLst/>
@@ -9166,7 +9707,7 @@
                 <a:latin typeface="Fira Sans" panose="020B0503050000020004" pitchFamily="34" charset="0"/>
                 <a:cs typeface="Times New Roman" pitchFamily="18" charset="0"/>
               </a:rPr>
-              <a:t>Окно Профиля</a:t>
+              <a:t>Окно Личный кабинет</a:t>
             </a:r>
             <a:endParaRPr lang="ru-RU" b="1" dirty="0">
               <a:solidFill>
@@ -9520,7 +10061,7 @@
               <a:rPr lang="ru-RU" dirty="0">
                 <a:latin typeface="Fira Sans" panose="020B0503050000020004" pitchFamily="34" charset="0"/>
               </a:rPr>
-              <a:t>Описание процесса разработки</a:t>
+              <a:t>Графический интерфейс пользователя</a:t>
             </a:r>
             <a:endParaRPr dirty="0">
               <a:latin typeface="Fira Sans" panose="020B0503050000020004" pitchFamily="34" charset="0"/>
@@ -9638,8 +10179,8 @@
         </p:nvSpPr>
         <p:spPr>
           <a:xfrm>
-            <a:off x="3644147" y="4735442"/>
-            <a:ext cx="1151277" cy="307777"/>
+            <a:off x="2141332" y="4735442"/>
+            <a:ext cx="4156907" cy="307777"/>
           </a:xfrm>
           <a:prstGeom prst="rect">
             <a:avLst/>
@@ -9655,7 +10196,7 @@
               <a:defRPr/>
             </a:pPr>
             <a:r>
-              <a:rPr lang="ru-RU" b="1" dirty="0" smtClean="0">
+              <a:rPr lang="ru-RU" b="1" dirty="0">
                 <a:solidFill>
                   <a:schemeClr val="tx2">
                     <a:lumMod val="50000"/>
@@ -9664,48 +10205,1868 @@
                 <a:latin typeface="Fira Sans" panose="020B0503050000020004" pitchFamily="34" charset="0"/>
                 <a:cs typeface="Times New Roman" pitchFamily="18" charset="0"/>
               </a:rPr>
-              <a:t>Окно Задач</a:t>
-            </a:r>
-            <a:endParaRPr lang="ru-RU" b="1" dirty="0">
+              <a:t>Фрагмент кода для изменения личных данных</a:t>
+            </a:r>
+          </a:p>
+        </p:txBody>
+      </p:sp>
+      <p:sp>
+        <p:nvSpPr>
+          <p:cNvPr id="7" name="Rectangle 2"/>
+          <p:cNvSpPr>
+            <a:spLocks noChangeArrowheads="1"/>
+          </p:cNvSpPr>
+          <p:nvPr/>
+        </p:nvSpPr>
+        <p:spPr bwMode="auto">
+          <a:xfrm>
+            <a:off x="1029221" y="874305"/>
+            <a:ext cx="7379389" cy="3785652"/>
+          </a:xfrm>
+          <a:prstGeom prst="rect">
+            <a:avLst/>
+          </a:prstGeom>
+          <a:solidFill>
+            <a:schemeClr val="bg1"/>
+          </a:solidFill>
+          <a:ln>
+            <a:noFill/>
+          </a:ln>
+          <a:effectLst/>
+        </p:spPr>
+        <p:txBody>
+          <a:bodyPr vert="horz" wrap="square" lIns="91440" tIns="45720" rIns="91440" bIns="45720" numCol="1" anchor="ctr" anchorCtr="0" compatLnSpc="1">
+            <a:prstTxWarp prst="textNoShape">
+              <a:avLst/>
+            </a:prstTxWarp>
+            <a:spAutoFit/>
+          </a:bodyPr>
+          <a:lstStyle/>
+          <a:p>
+            <a:pPr marL="0" marR="0" lvl="0" indent="0" algn="l" defTabSz="914400" rtl="0" eaLnBrk="0" fontAlgn="base" latinLnBrk="0" hangingPunct="0">
+              <a:lnSpc>
+                <a:spcPct val="100000"/>
+              </a:lnSpc>
+              <a:spcBef>
+                <a:spcPct val="0"/>
+              </a:spcBef>
+              <a:spcAft>
+                <a:spcPct val="0"/>
+              </a:spcAft>
+              <a:buClrTx/>
+              <a:buSzTx/>
+              <a:buFontTx/>
+              <a:buNone/>
+              <a:tabLst/>
+            </a:pPr>
+            <a:r>
+              <a:rPr kumimoji="0" lang="ru-RU" altLang="ru-RU" sz="800" b="0" i="0" u="none" strike="noStrike" cap="none" normalizeH="0" baseline="0" dirty="0" smtClean="0">
+                <a:ln>
+                  <a:noFill/>
+                </a:ln>
+                <a:solidFill>
+                  <a:srgbClr val="CC7832"/>
+                </a:solidFill>
+                <a:effectLst/>
+                <a:latin typeface="Fira Sans" panose="020B0503050000020004" pitchFamily="34" charset="0"/>
+              </a:rPr>
+              <a:t>class </a:t>
+            </a:r>
+            <a:r>
+              <a:rPr kumimoji="0" lang="ru-RU" altLang="ru-RU" sz="800" b="0" i="0" u="none" strike="noStrike" cap="none" normalizeH="0" baseline="0" dirty="0" smtClean="0">
+                <a:ln>
+                  <a:noFill/>
+                </a:ln>
+                <a:solidFill>
+                  <a:srgbClr val="A9B7C6"/>
+                </a:solidFill>
+                <a:effectLst/>
+                <a:latin typeface="Fira Sans" panose="020B0503050000020004" pitchFamily="34" charset="0"/>
+              </a:rPr>
+              <a:t>ProfileUpdateView(UpdateView):</a:t>
+            </a:r>
+            <a:br>
+              <a:rPr kumimoji="0" lang="ru-RU" altLang="ru-RU" sz="800" b="0" i="0" u="none" strike="noStrike" cap="none" normalizeH="0" baseline="0" dirty="0" smtClean="0">
+                <a:ln>
+                  <a:noFill/>
+                </a:ln>
+                <a:solidFill>
+                  <a:srgbClr val="A9B7C6"/>
+                </a:solidFill>
+                <a:effectLst/>
+                <a:latin typeface="Fira Sans" panose="020B0503050000020004" pitchFamily="34" charset="0"/>
+              </a:rPr>
+            </a:br>
+            <a:r>
+              <a:rPr kumimoji="0" lang="ru-RU" altLang="ru-RU" sz="800" b="0" i="0" u="none" strike="noStrike" cap="none" normalizeH="0" baseline="0" dirty="0" smtClean="0">
+                <a:ln>
+                  <a:noFill/>
+                </a:ln>
+                <a:solidFill>
+                  <a:srgbClr val="A9B7C6"/>
+                </a:solidFill>
+                <a:effectLst/>
+                <a:latin typeface="Fira Sans" panose="020B0503050000020004" pitchFamily="34" charset="0"/>
+              </a:rPr>
+              <a:t>    model = users</a:t>
+            </a:r>
+            <a:br>
+              <a:rPr kumimoji="0" lang="ru-RU" altLang="ru-RU" sz="800" b="0" i="0" u="none" strike="noStrike" cap="none" normalizeH="0" baseline="0" dirty="0" smtClean="0">
+                <a:ln>
+                  <a:noFill/>
+                </a:ln>
+                <a:solidFill>
+                  <a:srgbClr val="A9B7C6"/>
+                </a:solidFill>
+                <a:effectLst/>
+                <a:latin typeface="Fira Sans" panose="020B0503050000020004" pitchFamily="34" charset="0"/>
+              </a:rPr>
+            </a:br>
+            <a:r>
+              <a:rPr kumimoji="0" lang="ru-RU" altLang="ru-RU" sz="800" b="0" i="0" u="none" strike="noStrike" cap="none" normalizeH="0" baseline="0" dirty="0" smtClean="0">
+                <a:ln>
+                  <a:noFill/>
+                </a:ln>
+                <a:solidFill>
+                  <a:srgbClr val="A9B7C6"/>
+                </a:solidFill>
+                <a:effectLst/>
+                <a:latin typeface="Fira Sans" panose="020B0503050000020004" pitchFamily="34" charset="0"/>
+              </a:rPr>
+              <a:t>    form_class = ProfileUpdateForm</a:t>
+            </a:r>
+            <a:br>
+              <a:rPr kumimoji="0" lang="ru-RU" altLang="ru-RU" sz="800" b="0" i="0" u="none" strike="noStrike" cap="none" normalizeH="0" baseline="0" dirty="0" smtClean="0">
+                <a:ln>
+                  <a:noFill/>
+                </a:ln>
+                <a:solidFill>
+                  <a:srgbClr val="A9B7C6"/>
+                </a:solidFill>
+                <a:effectLst/>
+                <a:latin typeface="Fira Sans" panose="020B0503050000020004" pitchFamily="34" charset="0"/>
+              </a:rPr>
+            </a:br>
+            <a:r>
+              <a:rPr kumimoji="0" lang="ru-RU" altLang="ru-RU" sz="800" b="0" i="0" u="none" strike="noStrike" cap="none" normalizeH="0" baseline="0" dirty="0" smtClean="0">
+                <a:ln>
+                  <a:noFill/>
+                </a:ln>
+                <a:solidFill>
+                  <a:srgbClr val="A9B7C6"/>
+                </a:solidFill>
+                <a:effectLst/>
+                <a:latin typeface="Fira Sans" panose="020B0503050000020004" pitchFamily="34" charset="0"/>
+              </a:rPr>
+              <a:t>    template_name = </a:t>
+            </a:r>
+            <a:r>
+              <a:rPr kumimoji="0" lang="ru-RU" altLang="ru-RU" sz="800" b="0" i="0" u="none" strike="noStrike" cap="none" normalizeH="0" baseline="0" dirty="0" smtClean="0">
+                <a:ln>
+                  <a:noFill/>
+                </a:ln>
+                <a:solidFill>
+                  <a:srgbClr val="6A8759"/>
+                </a:solidFill>
+                <a:effectLst/>
+                <a:latin typeface="Fira Sans" panose="020B0503050000020004" pitchFamily="34" charset="0"/>
+              </a:rPr>
+              <a:t>'itservice/profile_edit.html'</a:t>
+            </a:r>
+            <a:br>
+              <a:rPr kumimoji="0" lang="ru-RU" altLang="ru-RU" sz="800" b="0" i="0" u="none" strike="noStrike" cap="none" normalizeH="0" baseline="0" dirty="0" smtClean="0">
+                <a:ln>
+                  <a:noFill/>
+                </a:ln>
+                <a:solidFill>
+                  <a:srgbClr val="6A8759"/>
+                </a:solidFill>
+                <a:effectLst/>
+                <a:latin typeface="Fira Sans" panose="020B0503050000020004" pitchFamily="34" charset="0"/>
+              </a:rPr>
+            </a:br>
+            <a:r>
+              <a:rPr kumimoji="0" lang="ru-RU" altLang="ru-RU" sz="800" b="0" i="0" u="none" strike="noStrike" cap="none" normalizeH="0" baseline="0" dirty="0" smtClean="0">
+                <a:ln>
+                  <a:noFill/>
+                </a:ln>
+                <a:solidFill>
+                  <a:srgbClr val="6A8759"/>
+                </a:solidFill>
+                <a:effectLst/>
+                <a:latin typeface="Fira Sans" panose="020B0503050000020004" pitchFamily="34" charset="0"/>
+              </a:rPr>
+              <a:t/>
+            </a:r>
+            <a:br>
+              <a:rPr kumimoji="0" lang="ru-RU" altLang="ru-RU" sz="800" b="0" i="0" u="none" strike="noStrike" cap="none" normalizeH="0" baseline="0" dirty="0" smtClean="0">
+                <a:ln>
+                  <a:noFill/>
+                </a:ln>
+                <a:solidFill>
+                  <a:srgbClr val="6A8759"/>
+                </a:solidFill>
+                <a:effectLst/>
+                <a:latin typeface="Fira Sans" panose="020B0503050000020004" pitchFamily="34" charset="0"/>
+              </a:rPr>
+            </a:br>
+            <a:r>
+              <a:rPr kumimoji="0" lang="ru-RU" altLang="ru-RU" sz="800" b="0" i="0" u="none" strike="noStrike" cap="none" normalizeH="0" baseline="0" dirty="0" smtClean="0">
+                <a:ln>
+                  <a:noFill/>
+                </a:ln>
+                <a:solidFill>
+                  <a:srgbClr val="6A8759"/>
+                </a:solidFill>
+                <a:effectLst/>
+                <a:latin typeface="Fira Sans" panose="020B0503050000020004" pitchFamily="34" charset="0"/>
+              </a:rPr>
+              <a:t>    </a:t>
+            </a:r>
+            <a:r>
+              <a:rPr kumimoji="0" lang="ru-RU" altLang="ru-RU" sz="800" b="0" i="0" u="none" strike="noStrike" cap="none" normalizeH="0" baseline="0" dirty="0" smtClean="0">
+                <a:ln>
+                  <a:noFill/>
+                </a:ln>
+                <a:solidFill>
+                  <a:srgbClr val="CC7832"/>
+                </a:solidFill>
+                <a:effectLst/>
+                <a:latin typeface="Fira Sans" panose="020B0503050000020004" pitchFamily="34" charset="0"/>
+              </a:rPr>
+              <a:t>def </a:t>
+            </a:r>
+            <a:r>
+              <a:rPr kumimoji="0" lang="ru-RU" altLang="ru-RU" sz="800" b="0" i="0" u="none" strike="noStrike" cap="none" normalizeH="0" baseline="0" dirty="0" smtClean="0">
+                <a:ln>
+                  <a:noFill/>
+                </a:ln>
+                <a:solidFill>
+                  <a:srgbClr val="FFC66D"/>
+                </a:solidFill>
+                <a:effectLst/>
+                <a:latin typeface="Fira Sans" panose="020B0503050000020004" pitchFamily="34" charset="0"/>
+              </a:rPr>
+              <a:t>get_object</a:t>
+            </a:r>
+            <a:r>
+              <a:rPr kumimoji="0" lang="ru-RU" altLang="ru-RU" sz="800" b="0" i="0" u="none" strike="noStrike" cap="none" normalizeH="0" baseline="0" dirty="0" smtClean="0">
+                <a:ln>
+                  <a:noFill/>
+                </a:ln>
+                <a:solidFill>
+                  <a:srgbClr val="A9B7C6"/>
+                </a:solidFill>
+                <a:effectLst/>
+                <a:latin typeface="Fira Sans" panose="020B0503050000020004" pitchFamily="34" charset="0"/>
+              </a:rPr>
+              <a:t>(</a:t>
+            </a:r>
+            <a:r>
+              <a:rPr kumimoji="0" lang="ru-RU" altLang="ru-RU" sz="800" b="0" i="0" u="none" strike="noStrike" cap="none" normalizeH="0" baseline="0" dirty="0" smtClean="0">
+                <a:ln>
+                  <a:noFill/>
+                </a:ln>
+                <a:solidFill>
+                  <a:srgbClr val="94558D"/>
+                </a:solidFill>
+                <a:effectLst/>
+                <a:latin typeface="Fira Sans" panose="020B0503050000020004" pitchFamily="34" charset="0"/>
+              </a:rPr>
+              <a:t>self</a:t>
+            </a:r>
+            <a:r>
+              <a:rPr kumimoji="0" lang="ru-RU" altLang="ru-RU" sz="800" b="0" i="0" u="none" strike="noStrike" cap="none" normalizeH="0" baseline="0" dirty="0" smtClean="0">
+                <a:ln>
+                  <a:noFill/>
+                </a:ln>
+                <a:solidFill>
+                  <a:srgbClr val="CC7832"/>
+                </a:solidFill>
+                <a:effectLst/>
+                <a:latin typeface="Fira Sans" panose="020B0503050000020004" pitchFamily="34" charset="0"/>
+              </a:rPr>
+              <a:t>, </a:t>
+            </a:r>
+            <a:r>
+              <a:rPr kumimoji="0" lang="ru-RU" altLang="ru-RU" sz="800" b="0" i="0" u="none" strike="noStrike" cap="none" normalizeH="0" baseline="0" dirty="0" smtClean="0">
+                <a:ln>
+                  <a:noFill/>
+                </a:ln>
+                <a:solidFill>
+                  <a:srgbClr val="A9B7C6"/>
+                </a:solidFill>
+                <a:effectLst/>
+                <a:latin typeface="Fira Sans" panose="020B0503050000020004" pitchFamily="34" charset="0"/>
+              </a:rPr>
+              <a:t>queryset=</a:t>
+            </a:r>
+            <a:r>
+              <a:rPr kumimoji="0" lang="ru-RU" altLang="ru-RU" sz="800" b="0" i="0" u="none" strike="noStrike" cap="none" normalizeH="0" baseline="0" dirty="0" smtClean="0">
+                <a:ln>
+                  <a:noFill/>
+                </a:ln>
+                <a:solidFill>
+                  <a:srgbClr val="CC7832"/>
+                </a:solidFill>
+                <a:effectLst/>
+                <a:latin typeface="Fira Sans" panose="020B0503050000020004" pitchFamily="34" charset="0"/>
+              </a:rPr>
+              <a:t>None</a:t>
+            </a:r>
+            <a:r>
+              <a:rPr kumimoji="0" lang="ru-RU" altLang="ru-RU" sz="800" b="0" i="0" u="none" strike="noStrike" cap="none" normalizeH="0" baseline="0" dirty="0" smtClean="0">
+                <a:ln>
+                  <a:noFill/>
+                </a:ln>
+                <a:solidFill>
+                  <a:srgbClr val="A9B7C6"/>
+                </a:solidFill>
+                <a:effectLst/>
+                <a:latin typeface="Fira Sans" panose="020B0503050000020004" pitchFamily="34" charset="0"/>
+              </a:rPr>
+              <a:t>):</a:t>
+            </a:r>
+            <a:br>
+              <a:rPr kumimoji="0" lang="ru-RU" altLang="ru-RU" sz="800" b="0" i="0" u="none" strike="noStrike" cap="none" normalizeH="0" baseline="0" dirty="0" smtClean="0">
+                <a:ln>
+                  <a:noFill/>
+                </a:ln>
+                <a:solidFill>
+                  <a:srgbClr val="A9B7C6"/>
+                </a:solidFill>
+                <a:effectLst/>
+                <a:latin typeface="Fira Sans" panose="020B0503050000020004" pitchFamily="34" charset="0"/>
+              </a:rPr>
+            </a:br>
+            <a:r>
+              <a:rPr kumimoji="0" lang="ru-RU" altLang="ru-RU" sz="800" b="0" i="0" u="none" strike="noStrike" cap="none" normalizeH="0" baseline="0" dirty="0" smtClean="0">
+                <a:ln>
+                  <a:noFill/>
+                </a:ln>
+                <a:solidFill>
+                  <a:srgbClr val="A9B7C6"/>
+                </a:solidFill>
+                <a:effectLst/>
+                <a:latin typeface="Fira Sans" panose="020B0503050000020004" pitchFamily="34" charset="0"/>
+              </a:rPr>
+              <a:t>        </a:t>
+            </a:r>
+            <a:r>
+              <a:rPr kumimoji="0" lang="ru-RU" altLang="ru-RU" sz="800" b="0" i="0" u="none" strike="noStrike" cap="none" normalizeH="0" baseline="0" dirty="0" smtClean="0">
+                <a:ln>
+                  <a:noFill/>
+                </a:ln>
+                <a:solidFill>
+                  <a:srgbClr val="CC7832"/>
+                </a:solidFill>
+                <a:effectLst/>
+                <a:latin typeface="Fira Sans" panose="020B0503050000020004" pitchFamily="34" charset="0"/>
+              </a:rPr>
+              <a:t>return </a:t>
+            </a:r>
+            <a:r>
+              <a:rPr kumimoji="0" lang="ru-RU" altLang="ru-RU" sz="800" b="0" i="0" u="none" strike="noStrike" cap="none" normalizeH="0" baseline="0" dirty="0" smtClean="0">
+                <a:ln>
+                  <a:noFill/>
+                </a:ln>
+                <a:solidFill>
+                  <a:srgbClr val="94558D"/>
+                </a:solidFill>
+                <a:effectLst/>
+                <a:latin typeface="Fira Sans" panose="020B0503050000020004" pitchFamily="34" charset="0"/>
+              </a:rPr>
+              <a:t>self</a:t>
+            </a:r>
+            <a:r>
+              <a:rPr kumimoji="0" lang="ru-RU" altLang="ru-RU" sz="800" b="0" i="0" u="none" strike="noStrike" cap="none" normalizeH="0" baseline="0" dirty="0" smtClean="0">
+                <a:ln>
+                  <a:noFill/>
+                </a:ln>
+                <a:solidFill>
+                  <a:srgbClr val="A9B7C6"/>
+                </a:solidFill>
+                <a:effectLst/>
+                <a:latin typeface="Fira Sans" panose="020B0503050000020004" pitchFamily="34" charset="0"/>
+              </a:rPr>
+              <a:t>.request.user</a:t>
+            </a:r>
+            <a:br>
+              <a:rPr kumimoji="0" lang="ru-RU" altLang="ru-RU" sz="800" b="0" i="0" u="none" strike="noStrike" cap="none" normalizeH="0" baseline="0" dirty="0" smtClean="0">
+                <a:ln>
+                  <a:noFill/>
+                </a:ln>
+                <a:solidFill>
+                  <a:srgbClr val="A9B7C6"/>
+                </a:solidFill>
+                <a:effectLst/>
+                <a:latin typeface="Fira Sans" panose="020B0503050000020004" pitchFamily="34" charset="0"/>
+              </a:rPr>
+            </a:br>
+            <a:r>
+              <a:rPr kumimoji="0" lang="ru-RU" altLang="ru-RU" sz="800" b="0" i="0" u="none" strike="noStrike" cap="none" normalizeH="0" baseline="0" dirty="0" smtClean="0">
+                <a:ln>
+                  <a:noFill/>
+                </a:ln>
+                <a:solidFill>
+                  <a:srgbClr val="A9B7C6"/>
+                </a:solidFill>
+                <a:effectLst/>
+                <a:latin typeface="Fira Sans" panose="020B0503050000020004" pitchFamily="34" charset="0"/>
+              </a:rPr>
+              <a:t/>
+            </a:r>
+            <a:br>
+              <a:rPr kumimoji="0" lang="ru-RU" altLang="ru-RU" sz="800" b="0" i="0" u="none" strike="noStrike" cap="none" normalizeH="0" baseline="0" dirty="0" smtClean="0">
+                <a:ln>
+                  <a:noFill/>
+                </a:ln>
+                <a:solidFill>
+                  <a:srgbClr val="A9B7C6"/>
+                </a:solidFill>
+                <a:effectLst/>
+                <a:latin typeface="Fira Sans" panose="020B0503050000020004" pitchFamily="34" charset="0"/>
+              </a:rPr>
+            </a:br>
+            <a:r>
+              <a:rPr kumimoji="0" lang="ru-RU" altLang="ru-RU" sz="800" b="0" i="0" u="none" strike="noStrike" cap="none" normalizeH="0" baseline="0" dirty="0" smtClean="0">
+                <a:ln>
+                  <a:noFill/>
+                </a:ln>
+                <a:solidFill>
+                  <a:srgbClr val="A9B7C6"/>
+                </a:solidFill>
+                <a:effectLst/>
+                <a:latin typeface="Fira Sans" panose="020B0503050000020004" pitchFamily="34" charset="0"/>
+              </a:rPr>
+              <a:t>    </a:t>
+            </a:r>
+            <a:r>
+              <a:rPr kumimoji="0" lang="ru-RU" altLang="ru-RU" sz="800" b="0" i="0" u="none" strike="noStrike" cap="none" normalizeH="0" baseline="0" dirty="0" smtClean="0">
+                <a:ln>
+                  <a:noFill/>
+                </a:ln>
+                <a:solidFill>
+                  <a:srgbClr val="CC7832"/>
+                </a:solidFill>
+                <a:effectLst/>
+                <a:latin typeface="Fira Sans" panose="020B0503050000020004" pitchFamily="34" charset="0"/>
+              </a:rPr>
+              <a:t>def </a:t>
+            </a:r>
+            <a:r>
+              <a:rPr kumimoji="0" lang="ru-RU" altLang="ru-RU" sz="800" b="0" i="0" u="none" strike="noStrike" cap="none" normalizeH="0" baseline="0" dirty="0" smtClean="0">
+                <a:ln>
+                  <a:noFill/>
+                </a:ln>
+                <a:solidFill>
+                  <a:srgbClr val="FFC66D"/>
+                </a:solidFill>
+                <a:effectLst/>
+                <a:latin typeface="Fira Sans" panose="020B0503050000020004" pitchFamily="34" charset="0"/>
+              </a:rPr>
+              <a:t>get_context_data</a:t>
+            </a:r>
+            <a:r>
+              <a:rPr kumimoji="0" lang="ru-RU" altLang="ru-RU" sz="800" b="0" i="0" u="none" strike="noStrike" cap="none" normalizeH="0" baseline="0" dirty="0" smtClean="0">
+                <a:ln>
+                  <a:noFill/>
+                </a:ln>
+                <a:solidFill>
+                  <a:srgbClr val="A9B7C6"/>
+                </a:solidFill>
+                <a:effectLst/>
+                <a:latin typeface="Fira Sans" panose="020B0503050000020004" pitchFamily="34" charset="0"/>
+              </a:rPr>
+              <a:t>(</a:t>
+            </a:r>
+            <a:r>
+              <a:rPr kumimoji="0" lang="ru-RU" altLang="ru-RU" sz="800" b="0" i="0" u="none" strike="noStrike" cap="none" normalizeH="0" baseline="0" dirty="0" smtClean="0">
+                <a:ln>
+                  <a:noFill/>
+                </a:ln>
+                <a:solidFill>
+                  <a:srgbClr val="94558D"/>
+                </a:solidFill>
+                <a:effectLst/>
+                <a:latin typeface="Fira Sans" panose="020B0503050000020004" pitchFamily="34" charset="0"/>
+              </a:rPr>
+              <a:t>self</a:t>
+            </a:r>
+            <a:r>
+              <a:rPr kumimoji="0" lang="ru-RU" altLang="ru-RU" sz="800" b="0" i="0" u="none" strike="noStrike" cap="none" normalizeH="0" baseline="0" dirty="0" smtClean="0">
+                <a:ln>
+                  <a:noFill/>
+                </a:ln>
+                <a:solidFill>
+                  <a:srgbClr val="CC7832"/>
+                </a:solidFill>
+                <a:effectLst/>
+                <a:latin typeface="Fira Sans" panose="020B0503050000020004" pitchFamily="34" charset="0"/>
+              </a:rPr>
+              <a:t>, </a:t>
+            </a:r>
+            <a:r>
+              <a:rPr kumimoji="0" lang="ru-RU" altLang="ru-RU" sz="800" b="0" i="0" u="none" strike="noStrike" cap="none" normalizeH="0" baseline="0" dirty="0" smtClean="0">
+                <a:ln>
+                  <a:noFill/>
+                </a:ln>
+                <a:solidFill>
+                  <a:srgbClr val="A9B7C6"/>
+                </a:solidFill>
+                <a:effectLst/>
+                <a:latin typeface="Fira Sans" panose="020B0503050000020004" pitchFamily="34" charset="0"/>
+              </a:rPr>
+              <a:t>**kwargs):</a:t>
+            </a:r>
+            <a:br>
+              <a:rPr kumimoji="0" lang="ru-RU" altLang="ru-RU" sz="800" b="0" i="0" u="none" strike="noStrike" cap="none" normalizeH="0" baseline="0" dirty="0" smtClean="0">
+                <a:ln>
+                  <a:noFill/>
+                </a:ln>
+                <a:solidFill>
+                  <a:srgbClr val="A9B7C6"/>
+                </a:solidFill>
+                <a:effectLst/>
+                <a:latin typeface="Fira Sans" panose="020B0503050000020004" pitchFamily="34" charset="0"/>
+              </a:rPr>
+            </a:br>
+            <a:r>
+              <a:rPr kumimoji="0" lang="ru-RU" altLang="ru-RU" sz="800" b="0" i="0" u="none" strike="noStrike" cap="none" normalizeH="0" baseline="0" dirty="0" smtClean="0">
+                <a:ln>
+                  <a:noFill/>
+                </a:ln>
+                <a:solidFill>
+                  <a:srgbClr val="A9B7C6"/>
+                </a:solidFill>
+                <a:effectLst/>
+                <a:latin typeface="Fira Sans" panose="020B0503050000020004" pitchFamily="34" charset="0"/>
+              </a:rPr>
+              <a:t>        context = </a:t>
+            </a:r>
+            <a:r>
+              <a:rPr kumimoji="0" lang="ru-RU" altLang="ru-RU" sz="800" b="0" i="0" u="none" strike="noStrike" cap="none" normalizeH="0" baseline="0" dirty="0" smtClean="0">
+                <a:ln>
+                  <a:noFill/>
+                </a:ln>
+                <a:solidFill>
+                  <a:srgbClr val="8888C6"/>
+                </a:solidFill>
+                <a:effectLst/>
+                <a:latin typeface="Fira Sans" panose="020B0503050000020004" pitchFamily="34" charset="0"/>
+              </a:rPr>
+              <a:t>super</a:t>
+            </a:r>
+            <a:r>
+              <a:rPr kumimoji="0" lang="ru-RU" altLang="ru-RU" sz="800" b="0" i="0" u="none" strike="noStrike" cap="none" normalizeH="0" baseline="0" dirty="0" smtClean="0">
+                <a:ln>
+                  <a:noFill/>
+                </a:ln>
+                <a:solidFill>
+                  <a:srgbClr val="A9B7C6"/>
+                </a:solidFill>
+                <a:effectLst/>
+                <a:latin typeface="Fira Sans" panose="020B0503050000020004" pitchFamily="34" charset="0"/>
+              </a:rPr>
+              <a:t>().get_context_data(**kwargs)</a:t>
+            </a:r>
+            <a:br>
+              <a:rPr kumimoji="0" lang="ru-RU" altLang="ru-RU" sz="800" b="0" i="0" u="none" strike="noStrike" cap="none" normalizeH="0" baseline="0" dirty="0" smtClean="0">
+                <a:ln>
+                  <a:noFill/>
+                </a:ln>
+                <a:solidFill>
+                  <a:srgbClr val="A9B7C6"/>
+                </a:solidFill>
+                <a:effectLst/>
+                <a:latin typeface="Fira Sans" panose="020B0503050000020004" pitchFamily="34" charset="0"/>
+              </a:rPr>
+            </a:br>
+            <a:r>
+              <a:rPr kumimoji="0" lang="ru-RU" altLang="ru-RU" sz="800" b="0" i="0" u="none" strike="noStrike" cap="none" normalizeH="0" baseline="0" dirty="0" smtClean="0">
+                <a:ln>
+                  <a:noFill/>
+                </a:ln>
+                <a:solidFill>
+                  <a:srgbClr val="A9B7C6"/>
+                </a:solidFill>
+                <a:effectLst/>
+                <a:latin typeface="Fira Sans" panose="020B0503050000020004" pitchFamily="34" charset="0"/>
+              </a:rPr>
+              <a:t>        </a:t>
+            </a:r>
+            <a:r>
+              <a:rPr kumimoji="0" lang="ru-RU" altLang="ru-RU" sz="800" b="0" i="0" u="none" strike="noStrike" cap="none" normalizeH="0" baseline="0" dirty="0" smtClean="0">
+                <a:ln>
+                  <a:noFill/>
+                </a:ln>
+                <a:solidFill>
+                  <a:srgbClr val="CC7832"/>
+                </a:solidFill>
+                <a:effectLst/>
+                <a:latin typeface="Fira Sans" panose="020B0503050000020004" pitchFamily="34" charset="0"/>
+              </a:rPr>
+              <a:t>if </a:t>
+            </a:r>
+            <a:r>
+              <a:rPr kumimoji="0" lang="ru-RU" altLang="ru-RU" sz="800" b="0" i="0" u="none" strike="noStrike" cap="none" normalizeH="0" baseline="0" dirty="0" smtClean="0">
+                <a:ln>
+                  <a:noFill/>
+                </a:ln>
+                <a:solidFill>
+                  <a:srgbClr val="94558D"/>
+                </a:solidFill>
+                <a:effectLst/>
+                <a:latin typeface="Fira Sans" panose="020B0503050000020004" pitchFamily="34" charset="0"/>
+              </a:rPr>
+              <a:t>self</a:t>
+            </a:r>
+            <a:r>
+              <a:rPr kumimoji="0" lang="ru-RU" altLang="ru-RU" sz="800" b="0" i="0" u="none" strike="noStrike" cap="none" normalizeH="0" baseline="0" dirty="0" smtClean="0">
+                <a:ln>
+                  <a:noFill/>
+                </a:ln>
+                <a:solidFill>
+                  <a:srgbClr val="A9B7C6"/>
+                </a:solidFill>
+                <a:effectLst/>
+                <a:latin typeface="Fira Sans" panose="020B0503050000020004" pitchFamily="34" charset="0"/>
+              </a:rPr>
+              <a:t>.request.POST:</a:t>
+            </a:r>
+            <a:br>
+              <a:rPr kumimoji="0" lang="ru-RU" altLang="ru-RU" sz="800" b="0" i="0" u="none" strike="noStrike" cap="none" normalizeH="0" baseline="0" dirty="0" smtClean="0">
+                <a:ln>
+                  <a:noFill/>
+                </a:ln>
+                <a:solidFill>
+                  <a:srgbClr val="A9B7C6"/>
+                </a:solidFill>
+                <a:effectLst/>
+                <a:latin typeface="Fira Sans" panose="020B0503050000020004" pitchFamily="34" charset="0"/>
+              </a:rPr>
+            </a:br>
+            <a:r>
+              <a:rPr kumimoji="0" lang="ru-RU" altLang="ru-RU" sz="800" b="0" i="0" u="none" strike="noStrike" cap="none" normalizeH="0" baseline="0" dirty="0" smtClean="0">
+                <a:ln>
+                  <a:noFill/>
+                </a:ln>
+                <a:solidFill>
+                  <a:srgbClr val="A9B7C6"/>
+                </a:solidFill>
+                <a:effectLst/>
+                <a:latin typeface="Fira Sans" panose="020B0503050000020004" pitchFamily="34" charset="0"/>
+              </a:rPr>
+              <a:t>            context[</a:t>
+            </a:r>
+            <a:r>
+              <a:rPr kumimoji="0" lang="ru-RU" altLang="ru-RU" sz="800" b="0" i="0" u="none" strike="noStrike" cap="none" normalizeH="0" baseline="0" dirty="0" smtClean="0">
+                <a:ln>
+                  <a:noFill/>
+                </a:ln>
+                <a:solidFill>
+                  <a:srgbClr val="6A8759"/>
+                </a:solidFill>
+                <a:effectLst/>
+                <a:latin typeface="Fira Sans" panose="020B0503050000020004" pitchFamily="34" charset="0"/>
+              </a:rPr>
+              <a:t>'user_form'</a:t>
+            </a:r>
+            <a:r>
+              <a:rPr kumimoji="0" lang="ru-RU" altLang="ru-RU" sz="800" b="0" i="0" u="none" strike="noStrike" cap="none" normalizeH="0" baseline="0" dirty="0" smtClean="0">
+                <a:ln>
+                  <a:noFill/>
+                </a:ln>
+                <a:solidFill>
+                  <a:srgbClr val="A9B7C6"/>
+                </a:solidFill>
+                <a:effectLst/>
+                <a:latin typeface="Fira Sans" panose="020B0503050000020004" pitchFamily="34" charset="0"/>
+              </a:rPr>
+              <a:t>] = ProfileFrom(</a:t>
+            </a:r>
+            <a:r>
+              <a:rPr kumimoji="0" lang="ru-RU" altLang="ru-RU" sz="800" b="0" i="0" u="none" strike="noStrike" cap="none" normalizeH="0" baseline="0" dirty="0" smtClean="0">
+                <a:ln>
+                  <a:noFill/>
+                </a:ln>
+                <a:solidFill>
+                  <a:srgbClr val="94558D"/>
+                </a:solidFill>
+                <a:effectLst/>
+                <a:latin typeface="Fira Sans" panose="020B0503050000020004" pitchFamily="34" charset="0"/>
+              </a:rPr>
+              <a:t>self</a:t>
+            </a:r>
+            <a:r>
+              <a:rPr kumimoji="0" lang="ru-RU" altLang="ru-RU" sz="800" b="0" i="0" u="none" strike="noStrike" cap="none" normalizeH="0" baseline="0" dirty="0" smtClean="0">
+                <a:ln>
+                  <a:noFill/>
+                </a:ln>
+                <a:solidFill>
+                  <a:srgbClr val="A9B7C6"/>
+                </a:solidFill>
+                <a:effectLst/>
+                <a:latin typeface="Fira Sans" panose="020B0503050000020004" pitchFamily="34" charset="0"/>
+              </a:rPr>
+              <a:t>.request.POST</a:t>
+            </a:r>
+            <a:r>
+              <a:rPr kumimoji="0" lang="ru-RU" altLang="ru-RU" sz="800" b="0" i="0" u="none" strike="noStrike" cap="none" normalizeH="0" baseline="0" dirty="0" smtClean="0">
+                <a:ln>
+                  <a:noFill/>
+                </a:ln>
+                <a:solidFill>
+                  <a:srgbClr val="CC7832"/>
+                </a:solidFill>
+                <a:effectLst/>
+                <a:latin typeface="Fira Sans" panose="020B0503050000020004" pitchFamily="34" charset="0"/>
+              </a:rPr>
+              <a:t>, </a:t>
+            </a:r>
+            <a:r>
+              <a:rPr kumimoji="0" lang="ru-RU" altLang="ru-RU" sz="800" b="0" i="0" u="none" strike="noStrike" cap="none" normalizeH="0" baseline="0" dirty="0" smtClean="0">
+                <a:ln>
+                  <a:noFill/>
+                </a:ln>
+                <a:solidFill>
+                  <a:srgbClr val="AA4926"/>
+                </a:solidFill>
+                <a:effectLst/>
+                <a:latin typeface="Fira Sans" panose="020B0503050000020004" pitchFamily="34" charset="0"/>
+              </a:rPr>
+              <a:t>instance</a:t>
+            </a:r>
+            <a:r>
+              <a:rPr kumimoji="0" lang="ru-RU" altLang="ru-RU" sz="800" b="0" i="0" u="none" strike="noStrike" cap="none" normalizeH="0" baseline="0" dirty="0" smtClean="0">
+                <a:ln>
+                  <a:noFill/>
+                </a:ln>
+                <a:solidFill>
+                  <a:srgbClr val="A9B7C6"/>
+                </a:solidFill>
+                <a:effectLst/>
+                <a:latin typeface="Fira Sans" panose="020B0503050000020004" pitchFamily="34" charset="0"/>
+              </a:rPr>
+              <a:t>=</a:t>
+            </a:r>
+            <a:r>
+              <a:rPr kumimoji="0" lang="ru-RU" altLang="ru-RU" sz="800" b="0" i="0" u="none" strike="noStrike" cap="none" normalizeH="0" baseline="0" dirty="0" smtClean="0">
+                <a:ln>
+                  <a:noFill/>
+                </a:ln>
+                <a:solidFill>
+                  <a:srgbClr val="94558D"/>
+                </a:solidFill>
+                <a:effectLst/>
+                <a:latin typeface="Fira Sans" panose="020B0503050000020004" pitchFamily="34" charset="0"/>
+              </a:rPr>
+              <a:t>self</a:t>
+            </a:r>
+            <a:r>
+              <a:rPr kumimoji="0" lang="ru-RU" altLang="ru-RU" sz="800" b="0" i="0" u="none" strike="noStrike" cap="none" normalizeH="0" baseline="0" dirty="0" smtClean="0">
+                <a:ln>
+                  <a:noFill/>
+                </a:ln>
+                <a:solidFill>
+                  <a:srgbClr val="A9B7C6"/>
+                </a:solidFill>
+                <a:effectLst/>
+                <a:latin typeface="Fira Sans" panose="020B0503050000020004" pitchFamily="34" charset="0"/>
+              </a:rPr>
+              <a:t>.request.user)</a:t>
+            </a:r>
+            <a:br>
+              <a:rPr kumimoji="0" lang="ru-RU" altLang="ru-RU" sz="800" b="0" i="0" u="none" strike="noStrike" cap="none" normalizeH="0" baseline="0" dirty="0" smtClean="0">
+                <a:ln>
+                  <a:noFill/>
+                </a:ln>
+                <a:solidFill>
+                  <a:srgbClr val="A9B7C6"/>
+                </a:solidFill>
+                <a:effectLst/>
+                <a:latin typeface="Fira Sans" panose="020B0503050000020004" pitchFamily="34" charset="0"/>
+              </a:rPr>
+            </a:br>
+            <a:r>
+              <a:rPr kumimoji="0" lang="ru-RU" altLang="ru-RU" sz="800" b="0" i="0" u="none" strike="noStrike" cap="none" normalizeH="0" baseline="0" dirty="0" smtClean="0">
+                <a:ln>
+                  <a:noFill/>
+                </a:ln>
+                <a:solidFill>
+                  <a:srgbClr val="A9B7C6"/>
+                </a:solidFill>
+                <a:effectLst/>
+                <a:latin typeface="Fira Sans" panose="020B0503050000020004" pitchFamily="34" charset="0"/>
+              </a:rPr>
+              <a:t>        </a:t>
+            </a:r>
+            <a:r>
+              <a:rPr kumimoji="0" lang="ru-RU" altLang="ru-RU" sz="800" b="0" i="0" u="none" strike="noStrike" cap="none" normalizeH="0" baseline="0" dirty="0" smtClean="0">
+                <a:ln>
+                  <a:noFill/>
+                </a:ln>
+                <a:solidFill>
+                  <a:srgbClr val="CC7832"/>
+                </a:solidFill>
+                <a:effectLst/>
+                <a:latin typeface="Fira Sans" panose="020B0503050000020004" pitchFamily="34" charset="0"/>
+              </a:rPr>
+              <a:t>else</a:t>
+            </a:r>
+            <a:r>
+              <a:rPr kumimoji="0" lang="ru-RU" altLang="ru-RU" sz="800" b="0" i="0" u="none" strike="noStrike" cap="none" normalizeH="0" baseline="0" dirty="0" smtClean="0">
+                <a:ln>
+                  <a:noFill/>
+                </a:ln>
+                <a:solidFill>
+                  <a:srgbClr val="A9B7C6"/>
+                </a:solidFill>
+                <a:effectLst/>
+                <a:latin typeface="Fira Sans" panose="020B0503050000020004" pitchFamily="34" charset="0"/>
+              </a:rPr>
+              <a:t>:</a:t>
+            </a:r>
+            <a:br>
+              <a:rPr kumimoji="0" lang="ru-RU" altLang="ru-RU" sz="800" b="0" i="0" u="none" strike="noStrike" cap="none" normalizeH="0" baseline="0" dirty="0" smtClean="0">
+                <a:ln>
+                  <a:noFill/>
+                </a:ln>
+                <a:solidFill>
+                  <a:srgbClr val="A9B7C6"/>
+                </a:solidFill>
+                <a:effectLst/>
+                <a:latin typeface="Fira Sans" panose="020B0503050000020004" pitchFamily="34" charset="0"/>
+              </a:rPr>
+            </a:br>
+            <a:r>
+              <a:rPr kumimoji="0" lang="ru-RU" altLang="ru-RU" sz="800" b="0" i="0" u="none" strike="noStrike" cap="none" normalizeH="0" baseline="0" dirty="0" smtClean="0">
+                <a:ln>
+                  <a:noFill/>
+                </a:ln>
+                <a:solidFill>
+                  <a:srgbClr val="A9B7C6"/>
+                </a:solidFill>
+                <a:effectLst/>
+                <a:latin typeface="Fira Sans" panose="020B0503050000020004" pitchFamily="34" charset="0"/>
+              </a:rPr>
+              <a:t>            context[</a:t>
+            </a:r>
+            <a:r>
+              <a:rPr kumimoji="0" lang="ru-RU" altLang="ru-RU" sz="800" b="0" i="0" u="none" strike="noStrike" cap="none" normalizeH="0" baseline="0" dirty="0" smtClean="0">
+                <a:ln>
+                  <a:noFill/>
+                </a:ln>
+                <a:solidFill>
+                  <a:srgbClr val="6A8759"/>
+                </a:solidFill>
+                <a:effectLst/>
+                <a:latin typeface="Fira Sans" panose="020B0503050000020004" pitchFamily="34" charset="0"/>
+              </a:rPr>
+              <a:t>'user_form'</a:t>
+            </a:r>
+            <a:r>
+              <a:rPr kumimoji="0" lang="ru-RU" altLang="ru-RU" sz="800" b="0" i="0" u="none" strike="noStrike" cap="none" normalizeH="0" baseline="0" dirty="0" smtClean="0">
+                <a:ln>
+                  <a:noFill/>
+                </a:ln>
+                <a:solidFill>
+                  <a:srgbClr val="A9B7C6"/>
+                </a:solidFill>
+                <a:effectLst/>
+                <a:latin typeface="Fira Sans" panose="020B0503050000020004" pitchFamily="34" charset="0"/>
+              </a:rPr>
+              <a:t>] = ProfileFrom(</a:t>
+            </a:r>
+            <a:r>
+              <a:rPr kumimoji="0" lang="ru-RU" altLang="ru-RU" sz="800" b="0" i="0" u="none" strike="noStrike" cap="none" normalizeH="0" baseline="0" dirty="0" smtClean="0">
+                <a:ln>
+                  <a:noFill/>
+                </a:ln>
+                <a:solidFill>
+                  <a:srgbClr val="AA4926"/>
+                </a:solidFill>
+                <a:effectLst/>
+                <a:latin typeface="Fira Sans" panose="020B0503050000020004" pitchFamily="34" charset="0"/>
+              </a:rPr>
+              <a:t>instance</a:t>
+            </a:r>
+            <a:r>
+              <a:rPr kumimoji="0" lang="ru-RU" altLang="ru-RU" sz="800" b="0" i="0" u="none" strike="noStrike" cap="none" normalizeH="0" baseline="0" dirty="0" smtClean="0">
+                <a:ln>
+                  <a:noFill/>
+                </a:ln>
+                <a:solidFill>
+                  <a:srgbClr val="A9B7C6"/>
+                </a:solidFill>
+                <a:effectLst/>
+                <a:latin typeface="Fira Sans" panose="020B0503050000020004" pitchFamily="34" charset="0"/>
+              </a:rPr>
+              <a:t>=</a:t>
+            </a:r>
+            <a:r>
+              <a:rPr kumimoji="0" lang="ru-RU" altLang="ru-RU" sz="800" b="0" i="0" u="none" strike="noStrike" cap="none" normalizeH="0" baseline="0" dirty="0" smtClean="0">
+                <a:ln>
+                  <a:noFill/>
+                </a:ln>
+                <a:solidFill>
+                  <a:srgbClr val="94558D"/>
+                </a:solidFill>
+                <a:effectLst/>
+                <a:latin typeface="Fira Sans" panose="020B0503050000020004" pitchFamily="34" charset="0"/>
+              </a:rPr>
+              <a:t>self</a:t>
+            </a:r>
+            <a:r>
+              <a:rPr kumimoji="0" lang="ru-RU" altLang="ru-RU" sz="800" b="0" i="0" u="none" strike="noStrike" cap="none" normalizeH="0" baseline="0" dirty="0" smtClean="0">
+                <a:ln>
+                  <a:noFill/>
+                </a:ln>
+                <a:solidFill>
+                  <a:srgbClr val="A9B7C6"/>
+                </a:solidFill>
+                <a:effectLst/>
+                <a:latin typeface="Fira Sans" panose="020B0503050000020004" pitchFamily="34" charset="0"/>
+              </a:rPr>
+              <a:t>.request.user)</a:t>
+            </a:r>
+            <a:br>
+              <a:rPr kumimoji="0" lang="ru-RU" altLang="ru-RU" sz="800" b="0" i="0" u="none" strike="noStrike" cap="none" normalizeH="0" baseline="0" dirty="0" smtClean="0">
+                <a:ln>
+                  <a:noFill/>
+                </a:ln>
+                <a:solidFill>
+                  <a:srgbClr val="A9B7C6"/>
+                </a:solidFill>
+                <a:effectLst/>
+                <a:latin typeface="Fira Sans" panose="020B0503050000020004" pitchFamily="34" charset="0"/>
+              </a:rPr>
+            </a:br>
+            <a:r>
+              <a:rPr kumimoji="0" lang="ru-RU" altLang="ru-RU" sz="800" b="0" i="0" u="none" strike="noStrike" cap="none" normalizeH="0" baseline="0" dirty="0" smtClean="0">
+                <a:ln>
+                  <a:noFill/>
+                </a:ln>
+                <a:solidFill>
+                  <a:srgbClr val="A9B7C6"/>
+                </a:solidFill>
+                <a:effectLst/>
+                <a:latin typeface="Fira Sans" panose="020B0503050000020004" pitchFamily="34" charset="0"/>
+              </a:rPr>
+              <a:t>        </a:t>
+            </a:r>
+            <a:r>
+              <a:rPr kumimoji="0" lang="ru-RU" altLang="ru-RU" sz="800" b="0" i="0" u="none" strike="noStrike" cap="none" normalizeH="0" baseline="0" dirty="0" smtClean="0">
+                <a:ln>
+                  <a:noFill/>
+                </a:ln>
+                <a:solidFill>
+                  <a:srgbClr val="CC7832"/>
+                </a:solidFill>
+                <a:effectLst/>
+                <a:latin typeface="Fira Sans" panose="020B0503050000020004" pitchFamily="34" charset="0"/>
+              </a:rPr>
+              <a:t>return </a:t>
+            </a:r>
+            <a:r>
+              <a:rPr kumimoji="0" lang="ru-RU" altLang="ru-RU" sz="800" b="0" i="0" u="none" strike="noStrike" cap="none" normalizeH="0" baseline="0" dirty="0" smtClean="0">
+                <a:ln>
+                  <a:noFill/>
+                </a:ln>
+                <a:solidFill>
+                  <a:srgbClr val="A9B7C6"/>
+                </a:solidFill>
+                <a:effectLst/>
+                <a:latin typeface="Fira Sans" panose="020B0503050000020004" pitchFamily="34" charset="0"/>
+              </a:rPr>
+              <a:t>context</a:t>
+            </a:r>
+            <a:br>
+              <a:rPr kumimoji="0" lang="ru-RU" altLang="ru-RU" sz="800" b="0" i="0" u="none" strike="noStrike" cap="none" normalizeH="0" baseline="0" dirty="0" smtClean="0">
+                <a:ln>
+                  <a:noFill/>
+                </a:ln>
+                <a:solidFill>
+                  <a:srgbClr val="A9B7C6"/>
+                </a:solidFill>
+                <a:effectLst/>
+                <a:latin typeface="Fira Sans" panose="020B0503050000020004" pitchFamily="34" charset="0"/>
+              </a:rPr>
+            </a:br>
+            <a:r>
+              <a:rPr kumimoji="0" lang="ru-RU" altLang="ru-RU" sz="800" b="0" i="0" u="none" strike="noStrike" cap="none" normalizeH="0" baseline="0" dirty="0" smtClean="0">
+                <a:ln>
+                  <a:noFill/>
+                </a:ln>
+                <a:solidFill>
+                  <a:srgbClr val="A9B7C6"/>
+                </a:solidFill>
+                <a:effectLst/>
+                <a:latin typeface="Fira Sans" panose="020B0503050000020004" pitchFamily="34" charset="0"/>
+              </a:rPr>
+              <a:t/>
+            </a:r>
+            <a:br>
+              <a:rPr kumimoji="0" lang="ru-RU" altLang="ru-RU" sz="800" b="0" i="0" u="none" strike="noStrike" cap="none" normalizeH="0" baseline="0" dirty="0" smtClean="0">
+                <a:ln>
+                  <a:noFill/>
+                </a:ln>
+                <a:solidFill>
+                  <a:srgbClr val="A9B7C6"/>
+                </a:solidFill>
+                <a:effectLst/>
+                <a:latin typeface="Fira Sans" panose="020B0503050000020004" pitchFamily="34" charset="0"/>
+              </a:rPr>
+            </a:br>
+            <a:r>
+              <a:rPr kumimoji="0" lang="ru-RU" altLang="ru-RU" sz="800" b="0" i="0" u="none" strike="noStrike" cap="none" normalizeH="0" baseline="0" dirty="0" smtClean="0">
+                <a:ln>
+                  <a:noFill/>
+                </a:ln>
+                <a:solidFill>
+                  <a:srgbClr val="A9B7C6"/>
+                </a:solidFill>
+                <a:effectLst/>
+                <a:latin typeface="Fira Sans" panose="020B0503050000020004" pitchFamily="34" charset="0"/>
+              </a:rPr>
+              <a:t>    </a:t>
+            </a:r>
+            <a:r>
+              <a:rPr kumimoji="0" lang="ru-RU" altLang="ru-RU" sz="800" b="0" i="0" u="none" strike="noStrike" cap="none" normalizeH="0" baseline="0" dirty="0" smtClean="0">
+                <a:ln>
+                  <a:noFill/>
+                </a:ln>
+                <a:solidFill>
+                  <a:srgbClr val="CC7832"/>
+                </a:solidFill>
+                <a:effectLst/>
+                <a:latin typeface="Fira Sans" panose="020B0503050000020004" pitchFamily="34" charset="0"/>
+              </a:rPr>
+              <a:t>def </a:t>
+            </a:r>
+            <a:r>
+              <a:rPr kumimoji="0" lang="ru-RU" altLang="ru-RU" sz="800" b="0" i="0" u="none" strike="noStrike" cap="none" normalizeH="0" baseline="0" dirty="0" smtClean="0">
+                <a:ln>
+                  <a:noFill/>
+                </a:ln>
+                <a:solidFill>
+                  <a:srgbClr val="FFC66D"/>
+                </a:solidFill>
+                <a:effectLst/>
+                <a:latin typeface="Fira Sans" panose="020B0503050000020004" pitchFamily="34" charset="0"/>
+              </a:rPr>
+              <a:t>form_valid</a:t>
+            </a:r>
+            <a:r>
+              <a:rPr kumimoji="0" lang="ru-RU" altLang="ru-RU" sz="800" b="0" i="0" u="none" strike="noStrike" cap="none" normalizeH="0" baseline="0" dirty="0" smtClean="0">
+                <a:ln>
+                  <a:noFill/>
+                </a:ln>
+                <a:solidFill>
+                  <a:srgbClr val="A9B7C6"/>
+                </a:solidFill>
+                <a:effectLst/>
+                <a:latin typeface="Fira Sans" panose="020B0503050000020004" pitchFamily="34" charset="0"/>
+              </a:rPr>
+              <a:t>(</a:t>
+            </a:r>
+            <a:r>
+              <a:rPr kumimoji="0" lang="ru-RU" altLang="ru-RU" sz="800" b="0" i="0" u="none" strike="noStrike" cap="none" normalizeH="0" baseline="0" dirty="0" smtClean="0">
+                <a:ln>
+                  <a:noFill/>
+                </a:ln>
+                <a:solidFill>
+                  <a:srgbClr val="94558D"/>
+                </a:solidFill>
+                <a:effectLst/>
+                <a:latin typeface="Fira Sans" panose="020B0503050000020004" pitchFamily="34" charset="0"/>
+              </a:rPr>
+              <a:t>self</a:t>
+            </a:r>
+            <a:r>
+              <a:rPr kumimoji="0" lang="ru-RU" altLang="ru-RU" sz="800" b="0" i="0" u="none" strike="noStrike" cap="none" normalizeH="0" baseline="0" dirty="0" smtClean="0">
+                <a:ln>
+                  <a:noFill/>
+                </a:ln>
+                <a:solidFill>
+                  <a:srgbClr val="CC7832"/>
+                </a:solidFill>
+                <a:effectLst/>
+                <a:latin typeface="Fira Sans" panose="020B0503050000020004" pitchFamily="34" charset="0"/>
+              </a:rPr>
+              <a:t>, </a:t>
+            </a:r>
+            <a:r>
+              <a:rPr kumimoji="0" lang="ru-RU" altLang="ru-RU" sz="800" b="0" i="0" u="none" strike="noStrike" cap="none" normalizeH="0" baseline="0" dirty="0" smtClean="0">
+                <a:ln>
+                  <a:noFill/>
+                </a:ln>
+                <a:solidFill>
+                  <a:srgbClr val="A9B7C6"/>
+                </a:solidFill>
+                <a:effectLst/>
+                <a:latin typeface="Fira Sans" panose="020B0503050000020004" pitchFamily="34" charset="0"/>
+              </a:rPr>
+              <a:t>form):</a:t>
+            </a:r>
+            <a:br>
+              <a:rPr kumimoji="0" lang="ru-RU" altLang="ru-RU" sz="800" b="0" i="0" u="none" strike="noStrike" cap="none" normalizeH="0" baseline="0" dirty="0" smtClean="0">
+                <a:ln>
+                  <a:noFill/>
+                </a:ln>
+                <a:solidFill>
+                  <a:srgbClr val="A9B7C6"/>
+                </a:solidFill>
+                <a:effectLst/>
+                <a:latin typeface="Fira Sans" panose="020B0503050000020004" pitchFamily="34" charset="0"/>
+              </a:rPr>
+            </a:br>
+            <a:r>
+              <a:rPr kumimoji="0" lang="ru-RU" altLang="ru-RU" sz="800" b="0" i="0" u="none" strike="noStrike" cap="none" normalizeH="0" baseline="0" dirty="0" smtClean="0">
+                <a:ln>
+                  <a:noFill/>
+                </a:ln>
+                <a:solidFill>
+                  <a:srgbClr val="A9B7C6"/>
+                </a:solidFill>
+                <a:effectLst/>
+                <a:latin typeface="Fira Sans" panose="020B0503050000020004" pitchFamily="34" charset="0"/>
+              </a:rPr>
+              <a:t>        context = </a:t>
+            </a:r>
+            <a:r>
+              <a:rPr kumimoji="0" lang="ru-RU" altLang="ru-RU" sz="800" b="0" i="0" u="none" strike="noStrike" cap="none" normalizeH="0" baseline="0" dirty="0" smtClean="0">
+                <a:ln>
+                  <a:noFill/>
+                </a:ln>
+                <a:solidFill>
+                  <a:srgbClr val="94558D"/>
+                </a:solidFill>
+                <a:effectLst/>
+                <a:latin typeface="Fira Sans" panose="020B0503050000020004" pitchFamily="34" charset="0"/>
+              </a:rPr>
+              <a:t>self</a:t>
+            </a:r>
+            <a:r>
+              <a:rPr kumimoji="0" lang="ru-RU" altLang="ru-RU" sz="800" b="0" i="0" u="none" strike="noStrike" cap="none" normalizeH="0" baseline="0" dirty="0" smtClean="0">
+                <a:ln>
+                  <a:noFill/>
+                </a:ln>
+                <a:solidFill>
+                  <a:srgbClr val="A9B7C6"/>
+                </a:solidFill>
+                <a:effectLst/>
+                <a:latin typeface="Fira Sans" panose="020B0503050000020004" pitchFamily="34" charset="0"/>
+              </a:rPr>
+              <a:t>.get_context_data()</a:t>
+            </a:r>
+            <a:br>
+              <a:rPr kumimoji="0" lang="ru-RU" altLang="ru-RU" sz="800" b="0" i="0" u="none" strike="noStrike" cap="none" normalizeH="0" baseline="0" dirty="0" smtClean="0">
+                <a:ln>
+                  <a:noFill/>
+                </a:ln>
+                <a:solidFill>
+                  <a:srgbClr val="A9B7C6"/>
+                </a:solidFill>
+                <a:effectLst/>
+                <a:latin typeface="Fira Sans" panose="020B0503050000020004" pitchFamily="34" charset="0"/>
+              </a:rPr>
+            </a:br>
+            <a:r>
+              <a:rPr kumimoji="0" lang="ru-RU" altLang="ru-RU" sz="800" b="0" i="0" u="none" strike="noStrike" cap="none" normalizeH="0" baseline="0" dirty="0" smtClean="0">
+                <a:ln>
+                  <a:noFill/>
+                </a:ln>
+                <a:solidFill>
+                  <a:srgbClr val="A9B7C6"/>
+                </a:solidFill>
+                <a:effectLst/>
+                <a:latin typeface="Fira Sans" panose="020B0503050000020004" pitchFamily="34" charset="0"/>
+              </a:rPr>
+              <a:t>        user_form = context[</a:t>
+            </a:r>
+            <a:r>
+              <a:rPr kumimoji="0" lang="ru-RU" altLang="ru-RU" sz="800" b="0" i="0" u="none" strike="noStrike" cap="none" normalizeH="0" baseline="0" dirty="0" smtClean="0">
+                <a:ln>
+                  <a:noFill/>
+                </a:ln>
+                <a:solidFill>
+                  <a:srgbClr val="6A8759"/>
+                </a:solidFill>
+                <a:effectLst/>
+                <a:latin typeface="Fira Sans" panose="020B0503050000020004" pitchFamily="34" charset="0"/>
+              </a:rPr>
+              <a:t>'user_form'</a:t>
+            </a:r>
+            <a:r>
+              <a:rPr kumimoji="0" lang="ru-RU" altLang="ru-RU" sz="800" b="0" i="0" u="none" strike="noStrike" cap="none" normalizeH="0" baseline="0" dirty="0" smtClean="0">
+                <a:ln>
+                  <a:noFill/>
+                </a:ln>
+                <a:solidFill>
+                  <a:srgbClr val="A9B7C6"/>
+                </a:solidFill>
+                <a:effectLst/>
+                <a:latin typeface="Fira Sans" panose="020B0503050000020004" pitchFamily="34" charset="0"/>
+              </a:rPr>
+              <a:t>]</a:t>
+            </a:r>
+            <a:br>
+              <a:rPr kumimoji="0" lang="ru-RU" altLang="ru-RU" sz="800" b="0" i="0" u="none" strike="noStrike" cap="none" normalizeH="0" baseline="0" dirty="0" smtClean="0">
+                <a:ln>
+                  <a:noFill/>
+                </a:ln>
+                <a:solidFill>
+                  <a:srgbClr val="A9B7C6"/>
+                </a:solidFill>
+                <a:effectLst/>
+                <a:latin typeface="Fira Sans" panose="020B0503050000020004" pitchFamily="34" charset="0"/>
+              </a:rPr>
+            </a:br>
+            <a:r>
+              <a:rPr kumimoji="0" lang="ru-RU" altLang="ru-RU" sz="800" b="0" i="0" u="none" strike="noStrike" cap="none" normalizeH="0" baseline="0" dirty="0" smtClean="0">
+                <a:ln>
+                  <a:noFill/>
+                </a:ln>
+                <a:solidFill>
+                  <a:srgbClr val="A9B7C6"/>
+                </a:solidFill>
+                <a:effectLst/>
+                <a:latin typeface="Fira Sans" panose="020B0503050000020004" pitchFamily="34" charset="0"/>
+              </a:rPr>
+              <a:t>        </a:t>
+            </a:r>
+            <a:r>
+              <a:rPr kumimoji="0" lang="ru-RU" altLang="ru-RU" sz="800" b="0" i="0" u="none" strike="noStrike" cap="none" normalizeH="0" baseline="0" dirty="0" smtClean="0">
+                <a:ln>
+                  <a:noFill/>
+                </a:ln>
+                <a:solidFill>
+                  <a:srgbClr val="CC7832"/>
+                </a:solidFill>
+                <a:effectLst/>
+                <a:latin typeface="Fira Sans" panose="020B0503050000020004" pitchFamily="34" charset="0"/>
+              </a:rPr>
+              <a:t>with </a:t>
+            </a:r>
+            <a:r>
+              <a:rPr kumimoji="0" lang="ru-RU" altLang="ru-RU" sz="800" b="0" i="0" u="none" strike="noStrike" cap="none" normalizeH="0" baseline="0" dirty="0" smtClean="0">
+                <a:ln>
+                  <a:noFill/>
+                </a:ln>
+                <a:solidFill>
+                  <a:srgbClr val="A9B7C6"/>
+                </a:solidFill>
+                <a:effectLst/>
+                <a:latin typeface="Fira Sans" panose="020B0503050000020004" pitchFamily="34" charset="0"/>
+              </a:rPr>
+              <a:t>transaction.atomic():</a:t>
+            </a:r>
+            <a:br>
+              <a:rPr kumimoji="0" lang="ru-RU" altLang="ru-RU" sz="800" b="0" i="0" u="none" strike="noStrike" cap="none" normalizeH="0" baseline="0" dirty="0" smtClean="0">
+                <a:ln>
+                  <a:noFill/>
+                </a:ln>
+                <a:solidFill>
+                  <a:srgbClr val="A9B7C6"/>
+                </a:solidFill>
+                <a:effectLst/>
+                <a:latin typeface="Fira Sans" panose="020B0503050000020004" pitchFamily="34" charset="0"/>
+              </a:rPr>
+            </a:br>
+            <a:r>
+              <a:rPr kumimoji="0" lang="ru-RU" altLang="ru-RU" sz="800" b="0" i="0" u="none" strike="noStrike" cap="none" normalizeH="0" baseline="0" dirty="0" smtClean="0">
+                <a:ln>
+                  <a:noFill/>
+                </a:ln>
+                <a:solidFill>
+                  <a:srgbClr val="A9B7C6"/>
+                </a:solidFill>
+                <a:effectLst/>
+                <a:latin typeface="Fira Sans" panose="020B0503050000020004" pitchFamily="34" charset="0"/>
+              </a:rPr>
+              <a:t>            </a:t>
+            </a:r>
+            <a:r>
+              <a:rPr kumimoji="0" lang="ru-RU" altLang="ru-RU" sz="800" b="0" i="0" u="none" strike="noStrike" cap="none" normalizeH="0" baseline="0" dirty="0" smtClean="0">
+                <a:ln>
+                  <a:noFill/>
+                </a:ln>
+                <a:solidFill>
+                  <a:srgbClr val="CC7832"/>
+                </a:solidFill>
+                <a:effectLst/>
+                <a:latin typeface="Fira Sans" panose="020B0503050000020004" pitchFamily="34" charset="0"/>
+              </a:rPr>
+              <a:t>if </a:t>
+            </a:r>
+            <a:r>
+              <a:rPr kumimoji="0" lang="ru-RU" altLang="ru-RU" sz="800" b="0" i="0" u="none" strike="noStrike" cap="none" normalizeH="0" baseline="0" dirty="0" smtClean="0">
+                <a:ln>
+                  <a:noFill/>
+                </a:ln>
+                <a:solidFill>
+                  <a:srgbClr val="8888C6"/>
+                </a:solidFill>
+                <a:effectLst/>
+                <a:latin typeface="Fira Sans" panose="020B0503050000020004" pitchFamily="34" charset="0"/>
+              </a:rPr>
+              <a:t>all</a:t>
+            </a:r>
+            <a:r>
+              <a:rPr kumimoji="0" lang="ru-RU" altLang="ru-RU" sz="800" b="0" i="0" u="none" strike="noStrike" cap="none" normalizeH="0" baseline="0" dirty="0" smtClean="0">
+                <a:ln>
+                  <a:noFill/>
+                </a:ln>
+                <a:solidFill>
+                  <a:srgbClr val="A9B7C6"/>
+                </a:solidFill>
+                <a:effectLst/>
+                <a:latin typeface="Fira Sans" panose="020B0503050000020004" pitchFamily="34" charset="0"/>
+              </a:rPr>
+              <a:t>([form.is_valid()</a:t>
+            </a:r>
+            <a:r>
+              <a:rPr kumimoji="0" lang="ru-RU" altLang="ru-RU" sz="800" b="0" i="0" u="none" strike="noStrike" cap="none" normalizeH="0" baseline="0" dirty="0" smtClean="0">
+                <a:ln>
+                  <a:noFill/>
+                </a:ln>
+                <a:solidFill>
+                  <a:srgbClr val="CC7832"/>
+                </a:solidFill>
+                <a:effectLst/>
+                <a:latin typeface="Fira Sans" panose="020B0503050000020004" pitchFamily="34" charset="0"/>
+              </a:rPr>
+              <a:t>, </a:t>
+            </a:r>
+            <a:r>
+              <a:rPr kumimoji="0" lang="ru-RU" altLang="ru-RU" sz="800" b="0" i="0" u="none" strike="noStrike" cap="none" normalizeH="0" baseline="0" dirty="0" smtClean="0">
+                <a:ln>
+                  <a:noFill/>
+                </a:ln>
+                <a:solidFill>
+                  <a:srgbClr val="A9B7C6"/>
+                </a:solidFill>
+                <a:effectLst/>
+                <a:latin typeface="Fira Sans" panose="020B0503050000020004" pitchFamily="34" charset="0"/>
+              </a:rPr>
+              <a:t>user_form.is_valid()]):</a:t>
+            </a:r>
+            <a:br>
+              <a:rPr kumimoji="0" lang="ru-RU" altLang="ru-RU" sz="800" b="0" i="0" u="none" strike="noStrike" cap="none" normalizeH="0" baseline="0" dirty="0" smtClean="0">
+                <a:ln>
+                  <a:noFill/>
+                </a:ln>
+                <a:solidFill>
+                  <a:srgbClr val="A9B7C6"/>
+                </a:solidFill>
+                <a:effectLst/>
+                <a:latin typeface="Fira Sans" panose="020B0503050000020004" pitchFamily="34" charset="0"/>
+              </a:rPr>
+            </a:br>
+            <a:r>
+              <a:rPr kumimoji="0" lang="ru-RU" altLang="ru-RU" sz="800" b="0" i="0" u="none" strike="noStrike" cap="none" normalizeH="0" baseline="0" dirty="0" smtClean="0">
+                <a:ln>
+                  <a:noFill/>
+                </a:ln>
+                <a:solidFill>
+                  <a:srgbClr val="A9B7C6"/>
+                </a:solidFill>
+                <a:effectLst/>
+                <a:latin typeface="Fira Sans" panose="020B0503050000020004" pitchFamily="34" charset="0"/>
+              </a:rPr>
+              <a:t>                user_form.save()</a:t>
+            </a:r>
+            <a:br>
+              <a:rPr kumimoji="0" lang="ru-RU" altLang="ru-RU" sz="800" b="0" i="0" u="none" strike="noStrike" cap="none" normalizeH="0" baseline="0" dirty="0" smtClean="0">
+                <a:ln>
+                  <a:noFill/>
+                </a:ln>
+                <a:solidFill>
+                  <a:srgbClr val="A9B7C6"/>
+                </a:solidFill>
+                <a:effectLst/>
+                <a:latin typeface="Fira Sans" panose="020B0503050000020004" pitchFamily="34" charset="0"/>
+              </a:rPr>
+            </a:br>
+            <a:r>
+              <a:rPr kumimoji="0" lang="ru-RU" altLang="ru-RU" sz="800" b="0" i="0" u="none" strike="noStrike" cap="none" normalizeH="0" baseline="0" dirty="0" smtClean="0">
+                <a:ln>
+                  <a:noFill/>
+                </a:ln>
+                <a:solidFill>
+                  <a:srgbClr val="A9B7C6"/>
+                </a:solidFill>
+                <a:effectLst/>
+                <a:latin typeface="Fira Sans" panose="020B0503050000020004" pitchFamily="34" charset="0"/>
+              </a:rPr>
+              <a:t>                form.save()</a:t>
+            </a:r>
+            <a:br>
+              <a:rPr kumimoji="0" lang="ru-RU" altLang="ru-RU" sz="800" b="0" i="0" u="none" strike="noStrike" cap="none" normalizeH="0" baseline="0" dirty="0" smtClean="0">
+                <a:ln>
+                  <a:noFill/>
+                </a:ln>
+                <a:solidFill>
+                  <a:srgbClr val="A9B7C6"/>
+                </a:solidFill>
+                <a:effectLst/>
+                <a:latin typeface="Fira Sans" panose="020B0503050000020004" pitchFamily="34" charset="0"/>
+              </a:rPr>
+            </a:br>
+            <a:r>
+              <a:rPr kumimoji="0" lang="ru-RU" altLang="ru-RU" sz="800" b="0" i="0" u="none" strike="noStrike" cap="none" normalizeH="0" baseline="0" dirty="0" smtClean="0">
+                <a:ln>
+                  <a:noFill/>
+                </a:ln>
+                <a:solidFill>
+                  <a:srgbClr val="A9B7C6"/>
+                </a:solidFill>
+                <a:effectLst/>
+                <a:latin typeface="Fira Sans" panose="020B0503050000020004" pitchFamily="34" charset="0"/>
+              </a:rPr>
+              <a:t>            </a:t>
+            </a:r>
+            <a:r>
+              <a:rPr kumimoji="0" lang="ru-RU" altLang="ru-RU" sz="800" b="0" i="0" u="none" strike="noStrike" cap="none" normalizeH="0" baseline="0" dirty="0" smtClean="0">
+                <a:ln>
+                  <a:noFill/>
+                </a:ln>
+                <a:solidFill>
+                  <a:srgbClr val="CC7832"/>
+                </a:solidFill>
+                <a:effectLst/>
+                <a:latin typeface="Fira Sans" panose="020B0503050000020004" pitchFamily="34" charset="0"/>
+              </a:rPr>
+              <a:t>else</a:t>
+            </a:r>
+            <a:r>
+              <a:rPr kumimoji="0" lang="ru-RU" altLang="ru-RU" sz="800" b="0" i="0" u="none" strike="noStrike" cap="none" normalizeH="0" baseline="0" dirty="0" smtClean="0">
+                <a:ln>
+                  <a:noFill/>
+                </a:ln>
+                <a:solidFill>
+                  <a:srgbClr val="A9B7C6"/>
+                </a:solidFill>
+                <a:effectLst/>
+                <a:latin typeface="Fira Sans" panose="020B0503050000020004" pitchFamily="34" charset="0"/>
+              </a:rPr>
+              <a:t>:</a:t>
+            </a:r>
+            <a:br>
+              <a:rPr kumimoji="0" lang="ru-RU" altLang="ru-RU" sz="800" b="0" i="0" u="none" strike="noStrike" cap="none" normalizeH="0" baseline="0" dirty="0" smtClean="0">
+                <a:ln>
+                  <a:noFill/>
+                </a:ln>
+                <a:solidFill>
+                  <a:srgbClr val="A9B7C6"/>
+                </a:solidFill>
+                <a:effectLst/>
+                <a:latin typeface="Fira Sans" panose="020B0503050000020004" pitchFamily="34" charset="0"/>
+              </a:rPr>
+            </a:br>
+            <a:r>
+              <a:rPr kumimoji="0" lang="ru-RU" altLang="ru-RU" sz="800" b="0" i="0" u="none" strike="noStrike" cap="none" normalizeH="0" baseline="0" dirty="0" smtClean="0">
+                <a:ln>
+                  <a:noFill/>
+                </a:ln>
+                <a:solidFill>
+                  <a:srgbClr val="A9B7C6"/>
+                </a:solidFill>
+                <a:effectLst/>
+                <a:latin typeface="Fira Sans" panose="020B0503050000020004" pitchFamily="34" charset="0"/>
+              </a:rPr>
+              <a:t>                context.update({</a:t>
+            </a:r>
+            <a:r>
+              <a:rPr kumimoji="0" lang="ru-RU" altLang="ru-RU" sz="800" b="0" i="0" u="none" strike="noStrike" cap="none" normalizeH="0" baseline="0" dirty="0" smtClean="0">
+                <a:ln>
+                  <a:noFill/>
+                </a:ln>
+                <a:solidFill>
+                  <a:srgbClr val="6A8759"/>
+                </a:solidFill>
+                <a:effectLst/>
+                <a:latin typeface="Fira Sans" panose="020B0503050000020004" pitchFamily="34" charset="0"/>
+              </a:rPr>
+              <a:t>'user_form'</a:t>
+            </a:r>
+            <a:r>
+              <a:rPr kumimoji="0" lang="ru-RU" altLang="ru-RU" sz="800" b="0" i="0" u="none" strike="noStrike" cap="none" normalizeH="0" baseline="0" dirty="0" smtClean="0">
+                <a:ln>
+                  <a:noFill/>
+                </a:ln>
+                <a:solidFill>
+                  <a:srgbClr val="A9B7C6"/>
+                </a:solidFill>
+                <a:effectLst/>
+                <a:latin typeface="Fira Sans" panose="020B0503050000020004" pitchFamily="34" charset="0"/>
+              </a:rPr>
+              <a:t>: user_form})</a:t>
+            </a:r>
+            <a:br>
+              <a:rPr kumimoji="0" lang="ru-RU" altLang="ru-RU" sz="800" b="0" i="0" u="none" strike="noStrike" cap="none" normalizeH="0" baseline="0" dirty="0" smtClean="0">
+                <a:ln>
+                  <a:noFill/>
+                </a:ln>
+                <a:solidFill>
+                  <a:srgbClr val="A9B7C6"/>
+                </a:solidFill>
+                <a:effectLst/>
+                <a:latin typeface="Fira Sans" panose="020B0503050000020004" pitchFamily="34" charset="0"/>
+              </a:rPr>
+            </a:br>
+            <a:r>
+              <a:rPr kumimoji="0" lang="ru-RU" altLang="ru-RU" sz="800" b="0" i="0" u="none" strike="noStrike" cap="none" normalizeH="0" baseline="0" dirty="0" smtClean="0">
+                <a:ln>
+                  <a:noFill/>
+                </a:ln>
+                <a:solidFill>
+                  <a:srgbClr val="A9B7C6"/>
+                </a:solidFill>
+                <a:effectLst/>
+                <a:latin typeface="Fira Sans" panose="020B0503050000020004" pitchFamily="34" charset="0"/>
+              </a:rPr>
+              <a:t>                </a:t>
+            </a:r>
+            <a:r>
+              <a:rPr kumimoji="0" lang="ru-RU" altLang="ru-RU" sz="800" b="0" i="0" u="none" strike="noStrike" cap="none" normalizeH="0" baseline="0" dirty="0" smtClean="0">
+                <a:ln>
+                  <a:noFill/>
+                </a:ln>
+                <a:solidFill>
+                  <a:srgbClr val="CC7832"/>
+                </a:solidFill>
+                <a:effectLst/>
+                <a:latin typeface="Fira Sans" panose="020B0503050000020004" pitchFamily="34" charset="0"/>
+              </a:rPr>
+              <a:t>return </a:t>
+            </a:r>
+            <a:r>
+              <a:rPr kumimoji="0" lang="ru-RU" altLang="ru-RU" sz="800" b="0" i="0" u="none" strike="noStrike" cap="none" normalizeH="0" baseline="0" dirty="0" smtClean="0">
+                <a:ln>
+                  <a:noFill/>
+                </a:ln>
+                <a:solidFill>
+                  <a:srgbClr val="94558D"/>
+                </a:solidFill>
+                <a:effectLst/>
+                <a:latin typeface="Fira Sans" panose="020B0503050000020004" pitchFamily="34" charset="0"/>
+              </a:rPr>
+              <a:t>self</a:t>
+            </a:r>
+            <a:r>
+              <a:rPr kumimoji="0" lang="ru-RU" altLang="ru-RU" sz="800" b="0" i="0" u="none" strike="noStrike" cap="none" normalizeH="0" baseline="0" dirty="0" smtClean="0">
+                <a:ln>
+                  <a:noFill/>
+                </a:ln>
+                <a:solidFill>
+                  <a:srgbClr val="A9B7C6"/>
+                </a:solidFill>
+                <a:effectLst/>
+                <a:latin typeface="Fira Sans" panose="020B0503050000020004" pitchFamily="34" charset="0"/>
+              </a:rPr>
+              <a:t>.render_to_response(context)</a:t>
+            </a:r>
+            <a:br>
+              <a:rPr kumimoji="0" lang="ru-RU" altLang="ru-RU" sz="800" b="0" i="0" u="none" strike="noStrike" cap="none" normalizeH="0" baseline="0" dirty="0" smtClean="0">
+                <a:ln>
+                  <a:noFill/>
+                </a:ln>
+                <a:solidFill>
+                  <a:srgbClr val="A9B7C6"/>
+                </a:solidFill>
+                <a:effectLst/>
+                <a:latin typeface="Fira Sans" panose="020B0503050000020004" pitchFamily="34" charset="0"/>
+              </a:rPr>
+            </a:br>
+            <a:r>
+              <a:rPr kumimoji="0" lang="ru-RU" altLang="ru-RU" sz="800" b="0" i="0" u="none" strike="noStrike" cap="none" normalizeH="0" baseline="0" dirty="0" smtClean="0">
+                <a:ln>
+                  <a:noFill/>
+                </a:ln>
+                <a:solidFill>
+                  <a:srgbClr val="A9B7C6"/>
+                </a:solidFill>
+                <a:effectLst/>
+                <a:latin typeface="Fira Sans" panose="020B0503050000020004" pitchFamily="34" charset="0"/>
+              </a:rPr>
+              <a:t>        </a:t>
+            </a:r>
+            <a:r>
+              <a:rPr kumimoji="0" lang="ru-RU" altLang="ru-RU" sz="800" b="0" i="0" u="none" strike="noStrike" cap="none" normalizeH="0" baseline="0" dirty="0" smtClean="0">
+                <a:ln>
+                  <a:noFill/>
+                </a:ln>
+                <a:solidFill>
+                  <a:srgbClr val="CC7832"/>
+                </a:solidFill>
+                <a:effectLst/>
+                <a:latin typeface="Fira Sans" panose="020B0503050000020004" pitchFamily="34" charset="0"/>
+              </a:rPr>
+              <a:t>return </a:t>
+            </a:r>
+            <a:r>
+              <a:rPr kumimoji="0" lang="ru-RU" altLang="ru-RU" sz="800" b="0" i="0" u="none" strike="noStrike" cap="none" normalizeH="0" baseline="0" dirty="0" smtClean="0">
+                <a:ln>
+                  <a:noFill/>
+                </a:ln>
+                <a:solidFill>
+                  <a:srgbClr val="8888C6"/>
+                </a:solidFill>
+                <a:effectLst/>
+                <a:latin typeface="Fira Sans" panose="020B0503050000020004" pitchFamily="34" charset="0"/>
+              </a:rPr>
+              <a:t>super</a:t>
+            </a:r>
+            <a:r>
+              <a:rPr kumimoji="0" lang="ru-RU" altLang="ru-RU" sz="800" b="0" i="0" u="none" strike="noStrike" cap="none" normalizeH="0" baseline="0" dirty="0" smtClean="0">
+                <a:ln>
+                  <a:noFill/>
+                </a:ln>
+                <a:solidFill>
+                  <a:srgbClr val="A9B7C6"/>
+                </a:solidFill>
+                <a:effectLst/>
+                <a:latin typeface="Fira Sans" panose="020B0503050000020004" pitchFamily="34" charset="0"/>
+              </a:rPr>
+              <a:t>(ProfileUpdateView</a:t>
+            </a:r>
+            <a:r>
+              <a:rPr kumimoji="0" lang="ru-RU" altLang="ru-RU" sz="800" b="0" i="0" u="none" strike="noStrike" cap="none" normalizeH="0" baseline="0" dirty="0" smtClean="0">
+                <a:ln>
+                  <a:noFill/>
+                </a:ln>
+                <a:solidFill>
+                  <a:srgbClr val="CC7832"/>
+                </a:solidFill>
+                <a:effectLst/>
+                <a:latin typeface="Fira Sans" panose="020B0503050000020004" pitchFamily="34" charset="0"/>
+              </a:rPr>
+              <a:t>, </a:t>
+            </a:r>
+            <a:r>
+              <a:rPr kumimoji="0" lang="ru-RU" altLang="ru-RU" sz="800" b="0" i="0" u="none" strike="noStrike" cap="none" normalizeH="0" baseline="0" dirty="0" smtClean="0">
+                <a:ln>
+                  <a:noFill/>
+                </a:ln>
+                <a:solidFill>
+                  <a:srgbClr val="94558D"/>
+                </a:solidFill>
+                <a:effectLst/>
+                <a:latin typeface="Fira Sans" panose="020B0503050000020004" pitchFamily="34" charset="0"/>
+              </a:rPr>
+              <a:t>self</a:t>
+            </a:r>
+            <a:r>
+              <a:rPr kumimoji="0" lang="ru-RU" altLang="ru-RU" sz="800" b="0" i="0" u="none" strike="noStrike" cap="none" normalizeH="0" baseline="0" dirty="0" smtClean="0">
+                <a:ln>
+                  <a:noFill/>
+                </a:ln>
+                <a:solidFill>
+                  <a:srgbClr val="A9B7C6"/>
+                </a:solidFill>
+                <a:effectLst/>
+                <a:latin typeface="Fira Sans" panose="020B0503050000020004" pitchFamily="34" charset="0"/>
+              </a:rPr>
+              <a:t>).form_valid(form)</a:t>
+            </a:r>
+            <a:br>
+              <a:rPr kumimoji="0" lang="ru-RU" altLang="ru-RU" sz="800" b="0" i="0" u="none" strike="noStrike" cap="none" normalizeH="0" baseline="0" dirty="0" smtClean="0">
+                <a:ln>
+                  <a:noFill/>
+                </a:ln>
+                <a:solidFill>
+                  <a:srgbClr val="A9B7C6"/>
+                </a:solidFill>
+                <a:effectLst/>
+                <a:latin typeface="Fira Sans" panose="020B0503050000020004" pitchFamily="34" charset="0"/>
+              </a:rPr>
+            </a:br>
+            <a:r>
+              <a:rPr kumimoji="0" lang="ru-RU" altLang="ru-RU" sz="800" b="0" i="0" u="none" strike="noStrike" cap="none" normalizeH="0" baseline="0" dirty="0" smtClean="0">
+                <a:ln>
+                  <a:noFill/>
+                </a:ln>
+                <a:solidFill>
+                  <a:srgbClr val="A9B7C6"/>
+                </a:solidFill>
+                <a:effectLst/>
+                <a:latin typeface="Fira Sans" panose="020B0503050000020004" pitchFamily="34" charset="0"/>
+              </a:rPr>
+              <a:t/>
+            </a:r>
+            <a:br>
+              <a:rPr kumimoji="0" lang="ru-RU" altLang="ru-RU" sz="800" b="0" i="0" u="none" strike="noStrike" cap="none" normalizeH="0" baseline="0" dirty="0" smtClean="0">
+                <a:ln>
+                  <a:noFill/>
+                </a:ln>
+                <a:solidFill>
+                  <a:srgbClr val="A9B7C6"/>
+                </a:solidFill>
+                <a:effectLst/>
+                <a:latin typeface="Fira Sans" panose="020B0503050000020004" pitchFamily="34" charset="0"/>
+              </a:rPr>
+            </a:br>
+            <a:r>
+              <a:rPr kumimoji="0" lang="ru-RU" altLang="ru-RU" sz="800" b="0" i="0" u="none" strike="noStrike" cap="none" normalizeH="0" baseline="0" dirty="0" smtClean="0">
+                <a:ln>
+                  <a:noFill/>
+                </a:ln>
+                <a:solidFill>
+                  <a:srgbClr val="A9B7C6"/>
+                </a:solidFill>
+                <a:effectLst/>
+                <a:latin typeface="Fira Sans" panose="020B0503050000020004" pitchFamily="34" charset="0"/>
+              </a:rPr>
+              <a:t>    </a:t>
+            </a:r>
+            <a:r>
+              <a:rPr kumimoji="0" lang="ru-RU" altLang="ru-RU" sz="800" b="0" i="0" u="none" strike="noStrike" cap="none" normalizeH="0" baseline="0" dirty="0" smtClean="0">
+                <a:ln>
+                  <a:noFill/>
+                </a:ln>
+                <a:solidFill>
+                  <a:srgbClr val="CC7832"/>
+                </a:solidFill>
+                <a:effectLst/>
+                <a:latin typeface="Fira Sans" panose="020B0503050000020004" pitchFamily="34" charset="0"/>
+              </a:rPr>
+              <a:t>def </a:t>
+            </a:r>
+            <a:r>
+              <a:rPr kumimoji="0" lang="ru-RU" altLang="ru-RU" sz="800" b="0" i="0" u="none" strike="noStrike" cap="none" normalizeH="0" baseline="0" dirty="0" smtClean="0">
+                <a:ln>
+                  <a:noFill/>
+                </a:ln>
+                <a:solidFill>
+                  <a:srgbClr val="A9B7C6"/>
+                </a:solidFill>
+                <a:effectLst/>
+                <a:latin typeface="Fira Sans" panose="020B0503050000020004" pitchFamily="34" charset="0"/>
+              </a:rPr>
+              <a:t>get_success_url(</a:t>
+            </a:r>
+            <a:r>
+              <a:rPr kumimoji="0" lang="ru-RU" altLang="ru-RU" sz="800" b="0" i="0" u="none" strike="noStrike" cap="none" normalizeH="0" baseline="0" dirty="0" smtClean="0">
+                <a:ln>
+                  <a:noFill/>
+                </a:ln>
+                <a:solidFill>
+                  <a:srgbClr val="94558D"/>
+                </a:solidFill>
+                <a:effectLst/>
+                <a:latin typeface="Fira Sans" panose="020B0503050000020004" pitchFamily="34" charset="0"/>
+              </a:rPr>
+              <a:t>self</a:t>
+            </a:r>
+            <a:r>
+              <a:rPr kumimoji="0" lang="ru-RU" altLang="ru-RU" sz="800" b="0" i="0" u="none" strike="noStrike" cap="none" normalizeH="0" baseline="0" dirty="0" smtClean="0">
+                <a:ln>
+                  <a:noFill/>
+                </a:ln>
+                <a:solidFill>
+                  <a:srgbClr val="A9B7C6"/>
+                </a:solidFill>
+                <a:effectLst/>
+                <a:latin typeface="Fira Sans" panose="020B0503050000020004" pitchFamily="34" charset="0"/>
+              </a:rPr>
+              <a:t>):</a:t>
+            </a:r>
+            <a:br>
+              <a:rPr kumimoji="0" lang="ru-RU" altLang="ru-RU" sz="800" b="0" i="0" u="none" strike="noStrike" cap="none" normalizeH="0" baseline="0" dirty="0" smtClean="0">
+                <a:ln>
+                  <a:noFill/>
+                </a:ln>
+                <a:solidFill>
+                  <a:srgbClr val="A9B7C6"/>
+                </a:solidFill>
+                <a:effectLst/>
+                <a:latin typeface="Fira Sans" panose="020B0503050000020004" pitchFamily="34" charset="0"/>
+              </a:rPr>
+            </a:br>
+            <a:r>
+              <a:rPr kumimoji="0" lang="ru-RU" altLang="ru-RU" sz="800" b="0" i="0" u="none" strike="noStrike" cap="none" normalizeH="0" baseline="0" dirty="0" smtClean="0">
+                <a:ln>
+                  <a:noFill/>
+                </a:ln>
+                <a:solidFill>
+                  <a:srgbClr val="A9B7C6"/>
+                </a:solidFill>
+                <a:effectLst/>
+                <a:latin typeface="Fira Sans" panose="020B0503050000020004" pitchFamily="34" charset="0"/>
+              </a:rPr>
+              <a:t>        </a:t>
+            </a:r>
+            <a:r>
+              <a:rPr kumimoji="0" lang="ru-RU" altLang="ru-RU" sz="800" b="0" i="0" u="none" strike="noStrike" cap="none" normalizeH="0" baseline="0" dirty="0" smtClean="0">
+                <a:ln>
+                  <a:noFill/>
+                </a:ln>
+                <a:solidFill>
+                  <a:srgbClr val="CC7832"/>
+                </a:solidFill>
+                <a:effectLst/>
+                <a:latin typeface="Fira Sans" panose="020B0503050000020004" pitchFamily="34" charset="0"/>
+              </a:rPr>
+              <a:t>return </a:t>
+            </a:r>
+            <a:r>
+              <a:rPr kumimoji="0" lang="ru-RU" altLang="ru-RU" sz="800" b="0" i="0" u="none" strike="noStrike" cap="none" normalizeH="0" baseline="0" dirty="0" smtClean="0">
+                <a:ln>
+                  <a:noFill/>
+                </a:ln>
+                <a:solidFill>
+                  <a:srgbClr val="A9B7C6"/>
+                </a:solidFill>
+                <a:effectLst/>
+                <a:latin typeface="Fira Sans" panose="020B0503050000020004" pitchFamily="34" charset="0"/>
+              </a:rPr>
+              <a:t>reverse_lazy(</a:t>
+            </a:r>
+            <a:r>
+              <a:rPr kumimoji="0" lang="ru-RU" altLang="ru-RU" sz="800" b="0" i="0" u="none" strike="noStrike" cap="none" normalizeH="0" baseline="0" dirty="0" smtClean="0">
+                <a:ln>
+                  <a:noFill/>
+                </a:ln>
+                <a:solidFill>
+                  <a:srgbClr val="6A8759"/>
+                </a:solidFill>
+                <a:effectLst/>
+                <a:latin typeface="Fira Sans" panose="020B0503050000020004" pitchFamily="34" charset="0"/>
+              </a:rPr>
+              <a:t>'profile'</a:t>
+            </a:r>
+            <a:r>
+              <a:rPr kumimoji="0" lang="ru-RU" altLang="ru-RU" sz="800" b="0" i="0" u="none" strike="noStrike" cap="none" normalizeH="0" baseline="0" dirty="0" smtClean="0">
+                <a:ln>
+                  <a:noFill/>
+                </a:ln>
+                <a:solidFill>
+                  <a:srgbClr val="A9B7C6"/>
+                </a:solidFill>
+                <a:effectLst/>
+                <a:latin typeface="Fira Sans" panose="020B0503050000020004" pitchFamily="34" charset="0"/>
+              </a:rPr>
+              <a:t>)</a:t>
+            </a:r>
+            <a:endParaRPr kumimoji="0" lang="ru-RU" altLang="ru-RU" b="0" i="0" u="none" strike="noStrike" cap="none" normalizeH="0" baseline="0" dirty="0" smtClean="0">
+              <a:ln>
+                <a:noFill/>
+              </a:ln>
               <a:solidFill>
-                <a:schemeClr val="tx2">
-                  <a:lumMod val="50000"/>
-                </a:schemeClr>
+                <a:schemeClr val="tx1"/>
               </a:solidFill>
+              <a:effectLst/>
               <a:latin typeface="Fira Sans" panose="020B0503050000020004" pitchFamily="34" charset="0"/>
-              <a:cs typeface="Times New Roman" pitchFamily="18" charset="0"/>
             </a:endParaRPr>
           </a:p>
         </p:txBody>
       </p:sp>
-      <p:pic>
-        <p:nvPicPr>
-          <p:cNvPr id="4" name="Рисунок 3"/>
-          <p:cNvPicPr>
-            <a:picLocks noChangeAspect="1"/>
-          </p:cNvPicPr>
-          <p:nvPr/>
-        </p:nvPicPr>
-        <p:blipFill>
-          <a:blip r:embed="rId3"/>
-          <a:stretch>
-            <a:fillRect/>
-          </a:stretch>
-        </p:blipFill>
-        <p:spPr>
-          <a:xfrm>
-            <a:off x="547076" y="877419"/>
-            <a:ext cx="7567645" cy="3642501"/>
-          </a:xfrm>
-          <a:prstGeom prst="rect">
-            <a:avLst/>
-          </a:prstGeom>
-        </p:spPr>
-      </p:pic>
     </p:spTree>
     <p:extLst>
       <p:ext uri="{BB962C8B-B14F-4D97-AF65-F5344CB8AC3E}">
-        <p14:creationId xmlns:p14="http://schemas.microsoft.com/office/powerpoint/2010/main" val="3543693553"/>
+        <p14:creationId xmlns:p14="http://schemas.microsoft.com/office/powerpoint/2010/main" val="4282565577"/>
       </p:ext>
     </p:extLst>
   </p:cSld>
@@ -9769,7 +12130,7 @@
               <a:rPr lang="ru-RU" dirty="0">
                 <a:latin typeface="Fira Sans" panose="020B0503050000020004" pitchFamily="34" charset="0"/>
               </a:rPr>
-              <a:t>Графический интерфейс пользователя</a:t>
+              <a:t>Тестирование программного обеспечения</a:t>
             </a:r>
             <a:endParaRPr dirty="0">
               <a:latin typeface="Fira Sans" panose="020B0503050000020004" pitchFamily="34" charset="0"/>
@@ -9879,2075 +12240,6 @@
           </a:p>
         </p:txBody>
       </p:sp>
-      <p:sp>
-        <p:nvSpPr>
-          <p:cNvPr id="3" name="Прямоугольник 2"/>
-          <p:cNvSpPr/>
-          <p:nvPr/>
-        </p:nvSpPr>
-        <p:spPr>
-          <a:xfrm>
-            <a:off x="2141332" y="4735442"/>
-            <a:ext cx="4156907" cy="307777"/>
-          </a:xfrm>
-          <a:prstGeom prst="rect">
-            <a:avLst/>
-          </a:prstGeom>
-        </p:spPr>
-        <p:txBody>
-          <a:bodyPr wrap="none">
-            <a:spAutoFit/>
-          </a:bodyPr>
-          <a:lstStyle/>
-          <a:p>
-            <a:pPr algn="ctr">
-              <a:defRPr/>
-            </a:pPr>
-            <a:r>
-              <a:rPr lang="ru-RU" b="1" dirty="0">
-                <a:solidFill>
-                  <a:schemeClr val="tx2">
-                    <a:lumMod val="50000"/>
-                  </a:schemeClr>
-                </a:solidFill>
-                <a:latin typeface="Fira Sans" panose="020B0503050000020004" pitchFamily="34" charset="0"/>
-                <a:cs typeface="Times New Roman" pitchFamily="18" charset="0"/>
-              </a:rPr>
-              <a:t>Фрагмент кода для изменения личных данных</a:t>
-            </a:r>
-          </a:p>
-        </p:txBody>
-      </p:sp>
-      <p:sp>
-        <p:nvSpPr>
-          <p:cNvPr id="7" name="Rectangle 2"/>
-          <p:cNvSpPr>
-            <a:spLocks noChangeArrowheads="1"/>
-          </p:cNvSpPr>
-          <p:nvPr/>
-        </p:nvSpPr>
-        <p:spPr bwMode="auto">
-          <a:xfrm>
-            <a:off x="1029221" y="874305"/>
-            <a:ext cx="7379389" cy="3785652"/>
-          </a:xfrm>
-          <a:prstGeom prst="rect">
-            <a:avLst/>
-          </a:prstGeom>
-          <a:solidFill>
-            <a:schemeClr val="bg1"/>
-          </a:solidFill>
-          <a:ln>
-            <a:noFill/>
-          </a:ln>
-          <a:effectLst/>
-        </p:spPr>
-        <p:txBody>
-          <a:bodyPr vert="horz" wrap="square" lIns="91440" tIns="45720" rIns="91440" bIns="45720" numCol="1" anchor="ctr" anchorCtr="0" compatLnSpc="1">
-            <a:prstTxWarp prst="textNoShape">
-              <a:avLst/>
-            </a:prstTxWarp>
-            <a:spAutoFit/>
-          </a:bodyPr>
-          <a:lstStyle/>
-          <a:p>
-            <a:pPr marL="0" marR="0" lvl="0" indent="0" algn="l" defTabSz="914400" rtl="0" eaLnBrk="0" fontAlgn="base" latinLnBrk="0" hangingPunct="0">
-              <a:lnSpc>
-                <a:spcPct val="100000"/>
-              </a:lnSpc>
-              <a:spcBef>
-                <a:spcPct val="0"/>
-              </a:spcBef>
-              <a:spcAft>
-                <a:spcPct val="0"/>
-              </a:spcAft>
-              <a:buClrTx/>
-              <a:buSzTx/>
-              <a:buFontTx/>
-              <a:buNone/>
-              <a:tabLst/>
-            </a:pPr>
-            <a:r>
-              <a:rPr kumimoji="0" lang="ru-RU" altLang="ru-RU" sz="800" b="0" i="0" u="none" strike="noStrike" cap="none" normalizeH="0" baseline="0" dirty="0" smtClean="0">
-                <a:ln>
-                  <a:noFill/>
-                </a:ln>
-                <a:solidFill>
-                  <a:srgbClr val="CC7832"/>
-                </a:solidFill>
-                <a:effectLst/>
-                <a:latin typeface="Fira Sans" panose="020B0503050000020004" pitchFamily="34" charset="0"/>
-              </a:rPr>
-              <a:t>class </a:t>
-            </a:r>
-            <a:r>
-              <a:rPr kumimoji="0" lang="ru-RU" altLang="ru-RU" sz="800" b="0" i="0" u="none" strike="noStrike" cap="none" normalizeH="0" baseline="0" dirty="0" smtClean="0">
-                <a:ln>
-                  <a:noFill/>
-                </a:ln>
-                <a:solidFill>
-                  <a:srgbClr val="A9B7C6"/>
-                </a:solidFill>
-                <a:effectLst/>
-                <a:latin typeface="Fira Sans" panose="020B0503050000020004" pitchFamily="34" charset="0"/>
-              </a:rPr>
-              <a:t>ProfileUpdateView(UpdateView):</a:t>
-            </a:r>
-            <a:br>
-              <a:rPr kumimoji="0" lang="ru-RU" altLang="ru-RU" sz="800" b="0" i="0" u="none" strike="noStrike" cap="none" normalizeH="0" baseline="0" dirty="0" smtClean="0">
-                <a:ln>
-                  <a:noFill/>
-                </a:ln>
-                <a:solidFill>
-                  <a:srgbClr val="A9B7C6"/>
-                </a:solidFill>
-                <a:effectLst/>
-                <a:latin typeface="Fira Sans" panose="020B0503050000020004" pitchFamily="34" charset="0"/>
-              </a:rPr>
-            </a:br>
-            <a:r>
-              <a:rPr kumimoji="0" lang="ru-RU" altLang="ru-RU" sz="800" b="0" i="0" u="none" strike="noStrike" cap="none" normalizeH="0" baseline="0" dirty="0" smtClean="0">
-                <a:ln>
-                  <a:noFill/>
-                </a:ln>
-                <a:solidFill>
-                  <a:srgbClr val="A9B7C6"/>
-                </a:solidFill>
-                <a:effectLst/>
-                <a:latin typeface="Fira Sans" panose="020B0503050000020004" pitchFamily="34" charset="0"/>
-              </a:rPr>
-              <a:t>    model = users</a:t>
-            </a:r>
-            <a:br>
-              <a:rPr kumimoji="0" lang="ru-RU" altLang="ru-RU" sz="800" b="0" i="0" u="none" strike="noStrike" cap="none" normalizeH="0" baseline="0" dirty="0" smtClean="0">
-                <a:ln>
-                  <a:noFill/>
-                </a:ln>
-                <a:solidFill>
-                  <a:srgbClr val="A9B7C6"/>
-                </a:solidFill>
-                <a:effectLst/>
-                <a:latin typeface="Fira Sans" panose="020B0503050000020004" pitchFamily="34" charset="0"/>
-              </a:rPr>
-            </a:br>
-            <a:r>
-              <a:rPr kumimoji="0" lang="ru-RU" altLang="ru-RU" sz="800" b="0" i="0" u="none" strike="noStrike" cap="none" normalizeH="0" baseline="0" dirty="0" smtClean="0">
-                <a:ln>
-                  <a:noFill/>
-                </a:ln>
-                <a:solidFill>
-                  <a:srgbClr val="A9B7C6"/>
-                </a:solidFill>
-                <a:effectLst/>
-                <a:latin typeface="Fira Sans" panose="020B0503050000020004" pitchFamily="34" charset="0"/>
-              </a:rPr>
-              <a:t>    form_class = ProfileUpdateForm</a:t>
-            </a:r>
-            <a:br>
-              <a:rPr kumimoji="0" lang="ru-RU" altLang="ru-RU" sz="800" b="0" i="0" u="none" strike="noStrike" cap="none" normalizeH="0" baseline="0" dirty="0" smtClean="0">
-                <a:ln>
-                  <a:noFill/>
-                </a:ln>
-                <a:solidFill>
-                  <a:srgbClr val="A9B7C6"/>
-                </a:solidFill>
-                <a:effectLst/>
-                <a:latin typeface="Fira Sans" panose="020B0503050000020004" pitchFamily="34" charset="0"/>
-              </a:rPr>
-            </a:br>
-            <a:r>
-              <a:rPr kumimoji="0" lang="ru-RU" altLang="ru-RU" sz="800" b="0" i="0" u="none" strike="noStrike" cap="none" normalizeH="0" baseline="0" dirty="0" smtClean="0">
-                <a:ln>
-                  <a:noFill/>
-                </a:ln>
-                <a:solidFill>
-                  <a:srgbClr val="A9B7C6"/>
-                </a:solidFill>
-                <a:effectLst/>
-                <a:latin typeface="Fira Sans" panose="020B0503050000020004" pitchFamily="34" charset="0"/>
-              </a:rPr>
-              <a:t>    template_name = </a:t>
-            </a:r>
-            <a:r>
-              <a:rPr kumimoji="0" lang="ru-RU" altLang="ru-RU" sz="800" b="0" i="0" u="none" strike="noStrike" cap="none" normalizeH="0" baseline="0" dirty="0" smtClean="0">
-                <a:ln>
-                  <a:noFill/>
-                </a:ln>
-                <a:solidFill>
-                  <a:srgbClr val="6A8759"/>
-                </a:solidFill>
-                <a:effectLst/>
-                <a:latin typeface="Fira Sans" panose="020B0503050000020004" pitchFamily="34" charset="0"/>
-              </a:rPr>
-              <a:t>'itservice/profile_edit.html'</a:t>
-            </a:r>
-            <a:br>
-              <a:rPr kumimoji="0" lang="ru-RU" altLang="ru-RU" sz="800" b="0" i="0" u="none" strike="noStrike" cap="none" normalizeH="0" baseline="0" dirty="0" smtClean="0">
-                <a:ln>
-                  <a:noFill/>
-                </a:ln>
-                <a:solidFill>
-                  <a:srgbClr val="6A8759"/>
-                </a:solidFill>
-                <a:effectLst/>
-                <a:latin typeface="Fira Sans" panose="020B0503050000020004" pitchFamily="34" charset="0"/>
-              </a:rPr>
-            </a:br>
-            <a:r>
-              <a:rPr kumimoji="0" lang="ru-RU" altLang="ru-RU" sz="800" b="0" i="0" u="none" strike="noStrike" cap="none" normalizeH="0" baseline="0" dirty="0" smtClean="0">
-                <a:ln>
-                  <a:noFill/>
-                </a:ln>
-                <a:solidFill>
-                  <a:srgbClr val="6A8759"/>
-                </a:solidFill>
-                <a:effectLst/>
-                <a:latin typeface="Fira Sans" panose="020B0503050000020004" pitchFamily="34" charset="0"/>
-              </a:rPr>
-              <a:t/>
-            </a:r>
-            <a:br>
-              <a:rPr kumimoji="0" lang="ru-RU" altLang="ru-RU" sz="800" b="0" i="0" u="none" strike="noStrike" cap="none" normalizeH="0" baseline="0" dirty="0" smtClean="0">
-                <a:ln>
-                  <a:noFill/>
-                </a:ln>
-                <a:solidFill>
-                  <a:srgbClr val="6A8759"/>
-                </a:solidFill>
-                <a:effectLst/>
-                <a:latin typeface="Fira Sans" panose="020B0503050000020004" pitchFamily="34" charset="0"/>
-              </a:rPr>
-            </a:br>
-            <a:r>
-              <a:rPr kumimoji="0" lang="ru-RU" altLang="ru-RU" sz="800" b="0" i="0" u="none" strike="noStrike" cap="none" normalizeH="0" baseline="0" dirty="0" smtClean="0">
-                <a:ln>
-                  <a:noFill/>
-                </a:ln>
-                <a:solidFill>
-                  <a:srgbClr val="6A8759"/>
-                </a:solidFill>
-                <a:effectLst/>
-                <a:latin typeface="Fira Sans" panose="020B0503050000020004" pitchFamily="34" charset="0"/>
-              </a:rPr>
-              <a:t>    </a:t>
-            </a:r>
-            <a:r>
-              <a:rPr kumimoji="0" lang="ru-RU" altLang="ru-RU" sz="800" b="0" i="0" u="none" strike="noStrike" cap="none" normalizeH="0" baseline="0" dirty="0" smtClean="0">
-                <a:ln>
-                  <a:noFill/>
-                </a:ln>
-                <a:solidFill>
-                  <a:srgbClr val="CC7832"/>
-                </a:solidFill>
-                <a:effectLst/>
-                <a:latin typeface="Fira Sans" panose="020B0503050000020004" pitchFamily="34" charset="0"/>
-              </a:rPr>
-              <a:t>def </a:t>
-            </a:r>
-            <a:r>
-              <a:rPr kumimoji="0" lang="ru-RU" altLang="ru-RU" sz="800" b="0" i="0" u="none" strike="noStrike" cap="none" normalizeH="0" baseline="0" dirty="0" smtClean="0">
-                <a:ln>
-                  <a:noFill/>
-                </a:ln>
-                <a:solidFill>
-                  <a:srgbClr val="FFC66D"/>
-                </a:solidFill>
-                <a:effectLst/>
-                <a:latin typeface="Fira Sans" panose="020B0503050000020004" pitchFamily="34" charset="0"/>
-              </a:rPr>
-              <a:t>get_object</a:t>
-            </a:r>
-            <a:r>
-              <a:rPr kumimoji="0" lang="ru-RU" altLang="ru-RU" sz="800" b="0" i="0" u="none" strike="noStrike" cap="none" normalizeH="0" baseline="0" dirty="0" smtClean="0">
-                <a:ln>
-                  <a:noFill/>
-                </a:ln>
-                <a:solidFill>
-                  <a:srgbClr val="A9B7C6"/>
-                </a:solidFill>
-                <a:effectLst/>
-                <a:latin typeface="Fira Sans" panose="020B0503050000020004" pitchFamily="34" charset="0"/>
-              </a:rPr>
-              <a:t>(</a:t>
-            </a:r>
-            <a:r>
-              <a:rPr kumimoji="0" lang="ru-RU" altLang="ru-RU" sz="800" b="0" i="0" u="none" strike="noStrike" cap="none" normalizeH="0" baseline="0" dirty="0" smtClean="0">
-                <a:ln>
-                  <a:noFill/>
-                </a:ln>
-                <a:solidFill>
-                  <a:srgbClr val="94558D"/>
-                </a:solidFill>
-                <a:effectLst/>
-                <a:latin typeface="Fira Sans" panose="020B0503050000020004" pitchFamily="34" charset="0"/>
-              </a:rPr>
-              <a:t>self</a:t>
-            </a:r>
-            <a:r>
-              <a:rPr kumimoji="0" lang="ru-RU" altLang="ru-RU" sz="800" b="0" i="0" u="none" strike="noStrike" cap="none" normalizeH="0" baseline="0" dirty="0" smtClean="0">
-                <a:ln>
-                  <a:noFill/>
-                </a:ln>
-                <a:solidFill>
-                  <a:srgbClr val="CC7832"/>
-                </a:solidFill>
-                <a:effectLst/>
-                <a:latin typeface="Fira Sans" panose="020B0503050000020004" pitchFamily="34" charset="0"/>
-              </a:rPr>
-              <a:t>, </a:t>
-            </a:r>
-            <a:r>
-              <a:rPr kumimoji="0" lang="ru-RU" altLang="ru-RU" sz="800" b="0" i="0" u="none" strike="noStrike" cap="none" normalizeH="0" baseline="0" dirty="0" smtClean="0">
-                <a:ln>
-                  <a:noFill/>
-                </a:ln>
-                <a:solidFill>
-                  <a:srgbClr val="A9B7C6"/>
-                </a:solidFill>
-                <a:effectLst/>
-                <a:latin typeface="Fira Sans" panose="020B0503050000020004" pitchFamily="34" charset="0"/>
-              </a:rPr>
-              <a:t>queryset=</a:t>
-            </a:r>
-            <a:r>
-              <a:rPr kumimoji="0" lang="ru-RU" altLang="ru-RU" sz="800" b="0" i="0" u="none" strike="noStrike" cap="none" normalizeH="0" baseline="0" dirty="0" smtClean="0">
-                <a:ln>
-                  <a:noFill/>
-                </a:ln>
-                <a:solidFill>
-                  <a:srgbClr val="CC7832"/>
-                </a:solidFill>
-                <a:effectLst/>
-                <a:latin typeface="Fira Sans" panose="020B0503050000020004" pitchFamily="34" charset="0"/>
-              </a:rPr>
-              <a:t>None</a:t>
-            </a:r>
-            <a:r>
-              <a:rPr kumimoji="0" lang="ru-RU" altLang="ru-RU" sz="800" b="0" i="0" u="none" strike="noStrike" cap="none" normalizeH="0" baseline="0" dirty="0" smtClean="0">
-                <a:ln>
-                  <a:noFill/>
-                </a:ln>
-                <a:solidFill>
-                  <a:srgbClr val="A9B7C6"/>
-                </a:solidFill>
-                <a:effectLst/>
-                <a:latin typeface="Fira Sans" panose="020B0503050000020004" pitchFamily="34" charset="0"/>
-              </a:rPr>
-              <a:t>):</a:t>
-            </a:r>
-            <a:br>
-              <a:rPr kumimoji="0" lang="ru-RU" altLang="ru-RU" sz="800" b="0" i="0" u="none" strike="noStrike" cap="none" normalizeH="0" baseline="0" dirty="0" smtClean="0">
-                <a:ln>
-                  <a:noFill/>
-                </a:ln>
-                <a:solidFill>
-                  <a:srgbClr val="A9B7C6"/>
-                </a:solidFill>
-                <a:effectLst/>
-                <a:latin typeface="Fira Sans" panose="020B0503050000020004" pitchFamily="34" charset="0"/>
-              </a:rPr>
-            </a:br>
-            <a:r>
-              <a:rPr kumimoji="0" lang="ru-RU" altLang="ru-RU" sz="800" b="0" i="0" u="none" strike="noStrike" cap="none" normalizeH="0" baseline="0" dirty="0" smtClean="0">
-                <a:ln>
-                  <a:noFill/>
-                </a:ln>
-                <a:solidFill>
-                  <a:srgbClr val="A9B7C6"/>
-                </a:solidFill>
-                <a:effectLst/>
-                <a:latin typeface="Fira Sans" panose="020B0503050000020004" pitchFamily="34" charset="0"/>
-              </a:rPr>
-              <a:t>        </a:t>
-            </a:r>
-            <a:r>
-              <a:rPr kumimoji="0" lang="ru-RU" altLang="ru-RU" sz="800" b="0" i="0" u="none" strike="noStrike" cap="none" normalizeH="0" baseline="0" dirty="0" smtClean="0">
-                <a:ln>
-                  <a:noFill/>
-                </a:ln>
-                <a:solidFill>
-                  <a:srgbClr val="CC7832"/>
-                </a:solidFill>
-                <a:effectLst/>
-                <a:latin typeface="Fira Sans" panose="020B0503050000020004" pitchFamily="34" charset="0"/>
-              </a:rPr>
-              <a:t>return </a:t>
-            </a:r>
-            <a:r>
-              <a:rPr kumimoji="0" lang="ru-RU" altLang="ru-RU" sz="800" b="0" i="0" u="none" strike="noStrike" cap="none" normalizeH="0" baseline="0" dirty="0" smtClean="0">
-                <a:ln>
-                  <a:noFill/>
-                </a:ln>
-                <a:solidFill>
-                  <a:srgbClr val="94558D"/>
-                </a:solidFill>
-                <a:effectLst/>
-                <a:latin typeface="Fira Sans" panose="020B0503050000020004" pitchFamily="34" charset="0"/>
-              </a:rPr>
-              <a:t>self</a:t>
-            </a:r>
-            <a:r>
-              <a:rPr kumimoji="0" lang="ru-RU" altLang="ru-RU" sz="800" b="0" i="0" u="none" strike="noStrike" cap="none" normalizeH="0" baseline="0" dirty="0" smtClean="0">
-                <a:ln>
-                  <a:noFill/>
-                </a:ln>
-                <a:solidFill>
-                  <a:srgbClr val="A9B7C6"/>
-                </a:solidFill>
-                <a:effectLst/>
-                <a:latin typeface="Fira Sans" panose="020B0503050000020004" pitchFamily="34" charset="0"/>
-              </a:rPr>
-              <a:t>.request.user</a:t>
-            </a:r>
-            <a:br>
-              <a:rPr kumimoji="0" lang="ru-RU" altLang="ru-RU" sz="800" b="0" i="0" u="none" strike="noStrike" cap="none" normalizeH="0" baseline="0" dirty="0" smtClean="0">
-                <a:ln>
-                  <a:noFill/>
-                </a:ln>
-                <a:solidFill>
-                  <a:srgbClr val="A9B7C6"/>
-                </a:solidFill>
-                <a:effectLst/>
-                <a:latin typeface="Fira Sans" panose="020B0503050000020004" pitchFamily="34" charset="0"/>
-              </a:rPr>
-            </a:br>
-            <a:r>
-              <a:rPr kumimoji="0" lang="ru-RU" altLang="ru-RU" sz="800" b="0" i="0" u="none" strike="noStrike" cap="none" normalizeH="0" baseline="0" dirty="0" smtClean="0">
-                <a:ln>
-                  <a:noFill/>
-                </a:ln>
-                <a:solidFill>
-                  <a:srgbClr val="A9B7C6"/>
-                </a:solidFill>
-                <a:effectLst/>
-                <a:latin typeface="Fira Sans" panose="020B0503050000020004" pitchFamily="34" charset="0"/>
-              </a:rPr>
-              <a:t/>
-            </a:r>
-            <a:br>
-              <a:rPr kumimoji="0" lang="ru-RU" altLang="ru-RU" sz="800" b="0" i="0" u="none" strike="noStrike" cap="none" normalizeH="0" baseline="0" dirty="0" smtClean="0">
-                <a:ln>
-                  <a:noFill/>
-                </a:ln>
-                <a:solidFill>
-                  <a:srgbClr val="A9B7C6"/>
-                </a:solidFill>
-                <a:effectLst/>
-                <a:latin typeface="Fira Sans" panose="020B0503050000020004" pitchFamily="34" charset="0"/>
-              </a:rPr>
-            </a:br>
-            <a:r>
-              <a:rPr kumimoji="0" lang="ru-RU" altLang="ru-RU" sz="800" b="0" i="0" u="none" strike="noStrike" cap="none" normalizeH="0" baseline="0" dirty="0" smtClean="0">
-                <a:ln>
-                  <a:noFill/>
-                </a:ln>
-                <a:solidFill>
-                  <a:srgbClr val="A9B7C6"/>
-                </a:solidFill>
-                <a:effectLst/>
-                <a:latin typeface="Fira Sans" panose="020B0503050000020004" pitchFamily="34" charset="0"/>
-              </a:rPr>
-              <a:t>    </a:t>
-            </a:r>
-            <a:r>
-              <a:rPr kumimoji="0" lang="ru-RU" altLang="ru-RU" sz="800" b="0" i="0" u="none" strike="noStrike" cap="none" normalizeH="0" baseline="0" dirty="0" smtClean="0">
-                <a:ln>
-                  <a:noFill/>
-                </a:ln>
-                <a:solidFill>
-                  <a:srgbClr val="CC7832"/>
-                </a:solidFill>
-                <a:effectLst/>
-                <a:latin typeface="Fira Sans" panose="020B0503050000020004" pitchFamily="34" charset="0"/>
-              </a:rPr>
-              <a:t>def </a:t>
-            </a:r>
-            <a:r>
-              <a:rPr kumimoji="0" lang="ru-RU" altLang="ru-RU" sz="800" b="0" i="0" u="none" strike="noStrike" cap="none" normalizeH="0" baseline="0" dirty="0" smtClean="0">
-                <a:ln>
-                  <a:noFill/>
-                </a:ln>
-                <a:solidFill>
-                  <a:srgbClr val="FFC66D"/>
-                </a:solidFill>
-                <a:effectLst/>
-                <a:latin typeface="Fira Sans" panose="020B0503050000020004" pitchFamily="34" charset="0"/>
-              </a:rPr>
-              <a:t>get_context_data</a:t>
-            </a:r>
-            <a:r>
-              <a:rPr kumimoji="0" lang="ru-RU" altLang="ru-RU" sz="800" b="0" i="0" u="none" strike="noStrike" cap="none" normalizeH="0" baseline="0" dirty="0" smtClean="0">
-                <a:ln>
-                  <a:noFill/>
-                </a:ln>
-                <a:solidFill>
-                  <a:srgbClr val="A9B7C6"/>
-                </a:solidFill>
-                <a:effectLst/>
-                <a:latin typeface="Fira Sans" panose="020B0503050000020004" pitchFamily="34" charset="0"/>
-              </a:rPr>
-              <a:t>(</a:t>
-            </a:r>
-            <a:r>
-              <a:rPr kumimoji="0" lang="ru-RU" altLang="ru-RU" sz="800" b="0" i="0" u="none" strike="noStrike" cap="none" normalizeH="0" baseline="0" dirty="0" smtClean="0">
-                <a:ln>
-                  <a:noFill/>
-                </a:ln>
-                <a:solidFill>
-                  <a:srgbClr val="94558D"/>
-                </a:solidFill>
-                <a:effectLst/>
-                <a:latin typeface="Fira Sans" panose="020B0503050000020004" pitchFamily="34" charset="0"/>
-              </a:rPr>
-              <a:t>self</a:t>
-            </a:r>
-            <a:r>
-              <a:rPr kumimoji="0" lang="ru-RU" altLang="ru-RU" sz="800" b="0" i="0" u="none" strike="noStrike" cap="none" normalizeH="0" baseline="0" dirty="0" smtClean="0">
-                <a:ln>
-                  <a:noFill/>
-                </a:ln>
-                <a:solidFill>
-                  <a:srgbClr val="CC7832"/>
-                </a:solidFill>
-                <a:effectLst/>
-                <a:latin typeface="Fira Sans" panose="020B0503050000020004" pitchFamily="34" charset="0"/>
-              </a:rPr>
-              <a:t>, </a:t>
-            </a:r>
-            <a:r>
-              <a:rPr kumimoji="0" lang="ru-RU" altLang="ru-RU" sz="800" b="0" i="0" u="none" strike="noStrike" cap="none" normalizeH="0" baseline="0" dirty="0" smtClean="0">
-                <a:ln>
-                  <a:noFill/>
-                </a:ln>
-                <a:solidFill>
-                  <a:srgbClr val="A9B7C6"/>
-                </a:solidFill>
-                <a:effectLst/>
-                <a:latin typeface="Fira Sans" panose="020B0503050000020004" pitchFamily="34" charset="0"/>
-              </a:rPr>
-              <a:t>**kwargs):</a:t>
-            </a:r>
-            <a:br>
-              <a:rPr kumimoji="0" lang="ru-RU" altLang="ru-RU" sz="800" b="0" i="0" u="none" strike="noStrike" cap="none" normalizeH="0" baseline="0" dirty="0" smtClean="0">
-                <a:ln>
-                  <a:noFill/>
-                </a:ln>
-                <a:solidFill>
-                  <a:srgbClr val="A9B7C6"/>
-                </a:solidFill>
-                <a:effectLst/>
-                <a:latin typeface="Fira Sans" panose="020B0503050000020004" pitchFamily="34" charset="0"/>
-              </a:rPr>
-            </a:br>
-            <a:r>
-              <a:rPr kumimoji="0" lang="ru-RU" altLang="ru-RU" sz="800" b="0" i="0" u="none" strike="noStrike" cap="none" normalizeH="0" baseline="0" dirty="0" smtClean="0">
-                <a:ln>
-                  <a:noFill/>
-                </a:ln>
-                <a:solidFill>
-                  <a:srgbClr val="A9B7C6"/>
-                </a:solidFill>
-                <a:effectLst/>
-                <a:latin typeface="Fira Sans" panose="020B0503050000020004" pitchFamily="34" charset="0"/>
-              </a:rPr>
-              <a:t>        context = </a:t>
-            </a:r>
-            <a:r>
-              <a:rPr kumimoji="0" lang="ru-RU" altLang="ru-RU" sz="800" b="0" i="0" u="none" strike="noStrike" cap="none" normalizeH="0" baseline="0" dirty="0" smtClean="0">
-                <a:ln>
-                  <a:noFill/>
-                </a:ln>
-                <a:solidFill>
-                  <a:srgbClr val="8888C6"/>
-                </a:solidFill>
-                <a:effectLst/>
-                <a:latin typeface="Fira Sans" panose="020B0503050000020004" pitchFamily="34" charset="0"/>
-              </a:rPr>
-              <a:t>super</a:t>
-            </a:r>
-            <a:r>
-              <a:rPr kumimoji="0" lang="ru-RU" altLang="ru-RU" sz="800" b="0" i="0" u="none" strike="noStrike" cap="none" normalizeH="0" baseline="0" dirty="0" smtClean="0">
-                <a:ln>
-                  <a:noFill/>
-                </a:ln>
-                <a:solidFill>
-                  <a:srgbClr val="A9B7C6"/>
-                </a:solidFill>
-                <a:effectLst/>
-                <a:latin typeface="Fira Sans" panose="020B0503050000020004" pitchFamily="34" charset="0"/>
-              </a:rPr>
-              <a:t>().get_context_data(**kwargs)</a:t>
-            </a:r>
-            <a:br>
-              <a:rPr kumimoji="0" lang="ru-RU" altLang="ru-RU" sz="800" b="0" i="0" u="none" strike="noStrike" cap="none" normalizeH="0" baseline="0" dirty="0" smtClean="0">
-                <a:ln>
-                  <a:noFill/>
-                </a:ln>
-                <a:solidFill>
-                  <a:srgbClr val="A9B7C6"/>
-                </a:solidFill>
-                <a:effectLst/>
-                <a:latin typeface="Fira Sans" panose="020B0503050000020004" pitchFamily="34" charset="0"/>
-              </a:rPr>
-            </a:br>
-            <a:r>
-              <a:rPr kumimoji="0" lang="ru-RU" altLang="ru-RU" sz="800" b="0" i="0" u="none" strike="noStrike" cap="none" normalizeH="0" baseline="0" dirty="0" smtClean="0">
-                <a:ln>
-                  <a:noFill/>
-                </a:ln>
-                <a:solidFill>
-                  <a:srgbClr val="A9B7C6"/>
-                </a:solidFill>
-                <a:effectLst/>
-                <a:latin typeface="Fira Sans" panose="020B0503050000020004" pitchFamily="34" charset="0"/>
-              </a:rPr>
-              <a:t>        </a:t>
-            </a:r>
-            <a:r>
-              <a:rPr kumimoji="0" lang="ru-RU" altLang="ru-RU" sz="800" b="0" i="0" u="none" strike="noStrike" cap="none" normalizeH="0" baseline="0" dirty="0" smtClean="0">
-                <a:ln>
-                  <a:noFill/>
-                </a:ln>
-                <a:solidFill>
-                  <a:srgbClr val="CC7832"/>
-                </a:solidFill>
-                <a:effectLst/>
-                <a:latin typeface="Fira Sans" panose="020B0503050000020004" pitchFamily="34" charset="0"/>
-              </a:rPr>
-              <a:t>if </a:t>
-            </a:r>
-            <a:r>
-              <a:rPr kumimoji="0" lang="ru-RU" altLang="ru-RU" sz="800" b="0" i="0" u="none" strike="noStrike" cap="none" normalizeH="0" baseline="0" dirty="0" smtClean="0">
-                <a:ln>
-                  <a:noFill/>
-                </a:ln>
-                <a:solidFill>
-                  <a:srgbClr val="94558D"/>
-                </a:solidFill>
-                <a:effectLst/>
-                <a:latin typeface="Fira Sans" panose="020B0503050000020004" pitchFamily="34" charset="0"/>
-              </a:rPr>
-              <a:t>self</a:t>
-            </a:r>
-            <a:r>
-              <a:rPr kumimoji="0" lang="ru-RU" altLang="ru-RU" sz="800" b="0" i="0" u="none" strike="noStrike" cap="none" normalizeH="0" baseline="0" dirty="0" smtClean="0">
-                <a:ln>
-                  <a:noFill/>
-                </a:ln>
-                <a:solidFill>
-                  <a:srgbClr val="A9B7C6"/>
-                </a:solidFill>
-                <a:effectLst/>
-                <a:latin typeface="Fira Sans" panose="020B0503050000020004" pitchFamily="34" charset="0"/>
-              </a:rPr>
-              <a:t>.request.POST:</a:t>
-            </a:r>
-            <a:br>
-              <a:rPr kumimoji="0" lang="ru-RU" altLang="ru-RU" sz="800" b="0" i="0" u="none" strike="noStrike" cap="none" normalizeH="0" baseline="0" dirty="0" smtClean="0">
-                <a:ln>
-                  <a:noFill/>
-                </a:ln>
-                <a:solidFill>
-                  <a:srgbClr val="A9B7C6"/>
-                </a:solidFill>
-                <a:effectLst/>
-                <a:latin typeface="Fira Sans" panose="020B0503050000020004" pitchFamily="34" charset="0"/>
-              </a:rPr>
-            </a:br>
-            <a:r>
-              <a:rPr kumimoji="0" lang="ru-RU" altLang="ru-RU" sz="800" b="0" i="0" u="none" strike="noStrike" cap="none" normalizeH="0" baseline="0" dirty="0" smtClean="0">
-                <a:ln>
-                  <a:noFill/>
-                </a:ln>
-                <a:solidFill>
-                  <a:srgbClr val="A9B7C6"/>
-                </a:solidFill>
-                <a:effectLst/>
-                <a:latin typeface="Fira Sans" panose="020B0503050000020004" pitchFamily="34" charset="0"/>
-              </a:rPr>
-              <a:t>            context[</a:t>
-            </a:r>
-            <a:r>
-              <a:rPr kumimoji="0" lang="ru-RU" altLang="ru-RU" sz="800" b="0" i="0" u="none" strike="noStrike" cap="none" normalizeH="0" baseline="0" dirty="0" smtClean="0">
-                <a:ln>
-                  <a:noFill/>
-                </a:ln>
-                <a:solidFill>
-                  <a:srgbClr val="6A8759"/>
-                </a:solidFill>
-                <a:effectLst/>
-                <a:latin typeface="Fira Sans" panose="020B0503050000020004" pitchFamily="34" charset="0"/>
-              </a:rPr>
-              <a:t>'user_form'</a:t>
-            </a:r>
-            <a:r>
-              <a:rPr kumimoji="0" lang="ru-RU" altLang="ru-RU" sz="800" b="0" i="0" u="none" strike="noStrike" cap="none" normalizeH="0" baseline="0" dirty="0" smtClean="0">
-                <a:ln>
-                  <a:noFill/>
-                </a:ln>
-                <a:solidFill>
-                  <a:srgbClr val="A9B7C6"/>
-                </a:solidFill>
-                <a:effectLst/>
-                <a:latin typeface="Fira Sans" panose="020B0503050000020004" pitchFamily="34" charset="0"/>
-              </a:rPr>
-              <a:t>] = ProfileFrom(</a:t>
-            </a:r>
-            <a:r>
-              <a:rPr kumimoji="0" lang="ru-RU" altLang="ru-RU" sz="800" b="0" i="0" u="none" strike="noStrike" cap="none" normalizeH="0" baseline="0" dirty="0" smtClean="0">
-                <a:ln>
-                  <a:noFill/>
-                </a:ln>
-                <a:solidFill>
-                  <a:srgbClr val="94558D"/>
-                </a:solidFill>
-                <a:effectLst/>
-                <a:latin typeface="Fira Sans" panose="020B0503050000020004" pitchFamily="34" charset="0"/>
-              </a:rPr>
-              <a:t>self</a:t>
-            </a:r>
-            <a:r>
-              <a:rPr kumimoji="0" lang="ru-RU" altLang="ru-RU" sz="800" b="0" i="0" u="none" strike="noStrike" cap="none" normalizeH="0" baseline="0" dirty="0" smtClean="0">
-                <a:ln>
-                  <a:noFill/>
-                </a:ln>
-                <a:solidFill>
-                  <a:srgbClr val="A9B7C6"/>
-                </a:solidFill>
-                <a:effectLst/>
-                <a:latin typeface="Fira Sans" panose="020B0503050000020004" pitchFamily="34" charset="0"/>
-              </a:rPr>
-              <a:t>.request.POST</a:t>
-            </a:r>
-            <a:r>
-              <a:rPr kumimoji="0" lang="ru-RU" altLang="ru-RU" sz="800" b="0" i="0" u="none" strike="noStrike" cap="none" normalizeH="0" baseline="0" dirty="0" smtClean="0">
-                <a:ln>
-                  <a:noFill/>
-                </a:ln>
-                <a:solidFill>
-                  <a:srgbClr val="CC7832"/>
-                </a:solidFill>
-                <a:effectLst/>
-                <a:latin typeface="Fira Sans" panose="020B0503050000020004" pitchFamily="34" charset="0"/>
-              </a:rPr>
-              <a:t>, </a:t>
-            </a:r>
-            <a:r>
-              <a:rPr kumimoji="0" lang="ru-RU" altLang="ru-RU" sz="800" b="0" i="0" u="none" strike="noStrike" cap="none" normalizeH="0" baseline="0" dirty="0" smtClean="0">
-                <a:ln>
-                  <a:noFill/>
-                </a:ln>
-                <a:solidFill>
-                  <a:srgbClr val="AA4926"/>
-                </a:solidFill>
-                <a:effectLst/>
-                <a:latin typeface="Fira Sans" panose="020B0503050000020004" pitchFamily="34" charset="0"/>
-              </a:rPr>
-              <a:t>instance</a:t>
-            </a:r>
-            <a:r>
-              <a:rPr kumimoji="0" lang="ru-RU" altLang="ru-RU" sz="800" b="0" i="0" u="none" strike="noStrike" cap="none" normalizeH="0" baseline="0" dirty="0" smtClean="0">
-                <a:ln>
-                  <a:noFill/>
-                </a:ln>
-                <a:solidFill>
-                  <a:srgbClr val="A9B7C6"/>
-                </a:solidFill>
-                <a:effectLst/>
-                <a:latin typeface="Fira Sans" panose="020B0503050000020004" pitchFamily="34" charset="0"/>
-              </a:rPr>
-              <a:t>=</a:t>
-            </a:r>
-            <a:r>
-              <a:rPr kumimoji="0" lang="ru-RU" altLang="ru-RU" sz="800" b="0" i="0" u="none" strike="noStrike" cap="none" normalizeH="0" baseline="0" dirty="0" smtClean="0">
-                <a:ln>
-                  <a:noFill/>
-                </a:ln>
-                <a:solidFill>
-                  <a:srgbClr val="94558D"/>
-                </a:solidFill>
-                <a:effectLst/>
-                <a:latin typeface="Fira Sans" panose="020B0503050000020004" pitchFamily="34" charset="0"/>
-              </a:rPr>
-              <a:t>self</a:t>
-            </a:r>
-            <a:r>
-              <a:rPr kumimoji="0" lang="ru-RU" altLang="ru-RU" sz="800" b="0" i="0" u="none" strike="noStrike" cap="none" normalizeH="0" baseline="0" dirty="0" smtClean="0">
-                <a:ln>
-                  <a:noFill/>
-                </a:ln>
-                <a:solidFill>
-                  <a:srgbClr val="A9B7C6"/>
-                </a:solidFill>
-                <a:effectLst/>
-                <a:latin typeface="Fira Sans" panose="020B0503050000020004" pitchFamily="34" charset="0"/>
-              </a:rPr>
-              <a:t>.request.user)</a:t>
-            </a:r>
-            <a:br>
-              <a:rPr kumimoji="0" lang="ru-RU" altLang="ru-RU" sz="800" b="0" i="0" u="none" strike="noStrike" cap="none" normalizeH="0" baseline="0" dirty="0" smtClean="0">
-                <a:ln>
-                  <a:noFill/>
-                </a:ln>
-                <a:solidFill>
-                  <a:srgbClr val="A9B7C6"/>
-                </a:solidFill>
-                <a:effectLst/>
-                <a:latin typeface="Fira Sans" panose="020B0503050000020004" pitchFamily="34" charset="0"/>
-              </a:rPr>
-            </a:br>
-            <a:r>
-              <a:rPr kumimoji="0" lang="ru-RU" altLang="ru-RU" sz="800" b="0" i="0" u="none" strike="noStrike" cap="none" normalizeH="0" baseline="0" dirty="0" smtClean="0">
-                <a:ln>
-                  <a:noFill/>
-                </a:ln>
-                <a:solidFill>
-                  <a:srgbClr val="A9B7C6"/>
-                </a:solidFill>
-                <a:effectLst/>
-                <a:latin typeface="Fira Sans" panose="020B0503050000020004" pitchFamily="34" charset="0"/>
-              </a:rPr>
-              <a:t>        </a:t>
-            </a:r>
-            <a:r>
-              <a:rPr kumimoji="0" lang="ru-RU" altLang="ru-RU" sz="800" b="0" i="0" u="none" strike="noStrike" cap="none" normalizeH="0" baseline="0" dirty="0" smtClean="0">
-                <a:ln>
-                  <a:noFill/>
-                </a:ln>
-                <a:solidFill>
-                  <a:srgbClr val="CC7832"/>
-                </a:solidFill>
-                <a:effectLst/>
-                <a:latin typeface="Fira Sans" panose="020B0503050000020004" pitchFamily="34" charset="0"/>
-              </a:rPr>
-              <a:t>else</a:t>
-            </a:r>
-            <a:r>
-              <a:rPr kumimoji="0" lang="ru-RU" altLang="ru-RU" sz="800" b="0" i="0" u="none" strike="noStrike" cap="none" normalizeH="0" baseline="0" dirty="0" smtClean="0">
-                <a:ln>
-                  <a:noFill/>
-                </a:ln>
-                <a:solidFill>
-                  <a:srgbClr val="A9B7C6"/>
-                </a:solidFill>
-                <a:effectLst/>
-                <a:latin typeface="Fira Sans" panose="020B0503050000020004" pitchFamily="34" charset="0"/>
-              </a:rPr>
-              <a:t>:</a:t>
-            </a:r>
-            <a:br>
-              <a:rPr kumimoji="0" lang="ru-RU" altLang="ru-RU" sz="800" b="0" i="0" u="none" strike="noStrike" cap="none" normalizeH="0" baseline="0" dirty="0" smtClean="0">
-                <a:ln>
-                  <a:noFill/>
-                </a:ln>
-                <a:solidFill>
-                  <a:srgbClr val="A9B7C6"/>
-                </a:solidFill>
-                <a:effectLst/>
-                <a:latin typeface="Fira Sans" panose="020B0503050000020004" pitchFamily="34" charset="0"/>
-              </a:rPr>
-            </a:br>
-            <a:r>
-              <a:rPr kumimoji="0" lang="ru-RU" altLang="ru-RU" sz="800" b="0" i="0" u="none" strike="noStrike" cap="none" normalizeH="0" baseline="0" dirty="0" smtClean="0">
-                <a:ln>
-                  <a:noFill/>
-                </a:ln>
-                <a:solidFill>
-                  <a:srgbClr val="A9B7C6"/>
-                </a:solidFill>
-                <a:effectLst/>
-                <a:latin typeface="Fira Sans" panose="020B0503050000020004" pitchFamily="34" charset="0"/>
-              </a:rPr>
-              <a:t>            context[</a:t>
-            </a:r>
-            <a:r>
-              <a:rPr kumimoji="0" lang="ru-RU" altLang="ru-RU" sz="800" b="0" i="0" u="none" strike="noStrike" cap="none" normalizeH="0" baseline="0" dirty="0" smtClean="0">
-                <a:ln>
-                  <a:noFill/>
-                </a:ln>
-                <a:solidFill>
-                  <a:srgbClr val="6A8759"/>
-                </a:solidFill>
-                <a:effectLst/>
-                <a:latin typeface="Fira Sans" panose="020B0503050000020004" pitchFamily="34" charset="0"/>
-              </a:rPr>
-              <a:t>'user_form'</a:t>
-            </a:r>
-            <a:r>
-              <a:rPr kumimoji="0" lang="ru-RU" altLang="ru-RU" sz="800" b="0" i="0" u="none" strike="noStrike" cap="none" normalizeH="0" baseline="0" dirty="0" smtClean="0">
-                <a:ln>
-                  <a:noFill/>
-                </a:ln>
-                <a:solidFill>
-                  <a:srgbClr val="A9B7C6"/>
-                </a:solidFill>
-                <a:effectLst/>
-                <a:latin typeface="Fira Sans" panose="020B0503050000020004" pitchFamily="34" charset="0"/>
-              </a:rPr>
-              <a:t>] = ProfileFrom(</a:t>
-            </a:r>
-            <a:r>
-              <a:rPr kumimoji="0" lang="ru-RU" altLang="ru-RU" sz="800" b="0" i="0" u="none" strike="noStrike" cap="none" normalizeH="0" baseline="0" dirty="0" smtClean="0">
-                <a:ln>
-                  <a:noFill/>
-                </a:ln>
-                <a:solidFill>
-                  <a:srgbClr val="AA4926"/>
-                </a:solidFill>
-                <a:effectLst/>
-                <a:latin typeface="Fira Sans" panose="020B0503050000020004" pitchFamily="34" charset="0"/>
-              </a:rPr>
-              <a:t>instance</a:t>
-            </a:r>
-            <a:r>
-              <a:rPr kumimoji="0" lang="ru-RU" altLang="ru-RU" sz="800" b="0" i="0" u="none" strike="noStrike" cap="none" normalizeH="0" baseline="0" dirty="0" smtClean="0">
-                <a:ln>
-                  <a:noFill/>
-                </a:ln>
-                <a:solidFill>
-                  <a:srgbClr val="A9B7C6"/>
-                </a:solidFill>
-                <a:effectLst/>
-                <a:latin typeface="Fira Sans" panose="020B0503050000020004" pitchFamily="34" charset="0"/>
-              </a:rPr>
-              <a:t>=</a:t>
-            </a:r>
-            <a:r>
-              <a:rPr kumimoji="0" lang="ru-RU" altLang="ru-RU" sz="800" b="0" i="0" u="none" strike="noStrike" cap="none" normalizeH="0" baseline="0" dirty="0" smtClean="0">
-                <a:ln>
-                  <a:noFill/>
-                </a:ln>
-                <a:solidFill>
-                  <a:srgbClr val="94558D"/>
-                </a:solidFill>
-                <a:effectLst/>
-                <a:latin typeface="Fira Sans" panose="020B0503050000020004" pitchFamily="34" charset="0"/>
-              </a:rPr>
-              <a:t>self</a:t>
-            </a:r>
-            <a:r>
-              <a:rPr kumimoji="0" lang="ru-RU" altLang="ru-RU" sz="800" b="0" i="0" u="none" strike="noStrike" cap="none" normalizeH="0" baseline="0" dirty="0" smtClean="0">
-                <a:ln>
-                  <a:noFill/>
-                </a:ln>
-                <a:solidFill>
-                  <a:srgbClr val="A9B7C6"/>
-                </a:solidFill>
-                <a:effectLst/>
-                <a:latin typeface="Fira Sans" panose="020B0503050000020004" pitchFamily="34" charset="0"/>
-              </a:rPr>
-              <a:t>.request.user)</a:t>
-            </a:r>
-            <a:br>
-              <a:rPr kumimoji="0" lang="ru-RU" altLang="ru-RU" sz="800" b="0" i="0" u="none" strike="noStrike" cap="none" normalizeH="0" baseline="0" dirty="0" smtClean="0">
-                <a:ln>
-                  <a:noFill/>
-                </a:ln>
-                <a:solidFill>
-                  <a:srgbClr val="A9B7C6"/>
-                </a:solidFill>
-                <a:effectLst/>
-                <a:latin typeface="Fira Sans" panose="020B0503050000020004" pitchFamily="34" charset="0"/>
-              </a:rPr>
-            </a:br>
-            <a:r>
-              <a:rPr kumimoji="0" lang="ru-RU" altLang="ru-RU" sz="800" b="0" i="0" u="none" strike="noStrike" cap="none" normalizeH="0" baseline="0" dirty="0" smtClean="0">
-                <a:ln>
-                  <a:noFill/>
-                </a:ln>
-                <a:solidFill>
-                  <a:srgbClr val="A9B7C6"/>
-                </a:solidFill>
-                <a:effectLst/>
-                <a:latin typeface="Fira Sans" panose="020B0503050000020004" pitchFamily="34" charset="0"/>
-              </a:rPr>
-              <a:t>        </a:t>
-            </a:r>
-            <a:r>
-              <a:rPr kumimoji="0" lang="ru-RU" altLang="ru-RU" sz="800" b="0" i="0" u="none" strike="noStrike" cap="none" normalizeH="0" baseline="0" dirty="0" smtClean="0">
-                <a:ln>
-                  <a:noFill/>
-                </a:ln>
-                <a:solidFill>
-                  <a:srgbClr val="CC7832"/>
-                </a:solidFill>
-                <a:effectLst/>
-                <a:latin typeface="Fira Sans" panose="020B0503050000020004" pitchFamily="34" charset="0"/>
-              </a:rPr>
-              <a:t>return </a:t>
-            </a:r>
-            <a:r>
-              <a:rPr kumimoji="0" lang="ru-RU" altLang="ru-RU" sz="800" b="0" i="0" u="none" strike="noStrike" cap="none" normalizeH="0" baseline="0" dirty="0" smtClean="0">
-                <a:ln>
-                  <a:noFill/>
-                </a:ln>
-                <a:solidFill>
-                  <a:srgbClr val="A9B7C6"/>
-                </a:solidFill>
-                <a:effectLst/>
-                <a:latin typeface="Fira Sans" panose="020B0503050000020004" pitchFamily="34" charset="0"/>
-              </a:rPr>
-              <a:t>context</a:t>
-            </a:r>
-            <a:br>
-              <a:rPr kumimoji="0" lang="ru-RU" altLang="ru-RU" sz="800" b="0" i="0" u="none" strike="noStrike" cap="none" normalizeH="0" baseline="0" dirty="0" smtClean="0">
-                <a:ln>
-                  <a:noFill/>
-                </a:ln>
-                <a:solidFill>
-                  <a:srgbClr val="A9B7C6"/>
-                </a:solidFill>
-                <a:effectLst/>
-                <a:latin typeface="Fira Sans" panose="020B0503050000020004" pitchFamily="34" charset="0"/>
-              </a:rPr>
-            </a:br>
-            <a:r>
-              <a:rPr kumimoji="0" lang="ru-RU" altLang="ru-RU" sz="800" b="0" i="0" u="none" strike="noStrike" cap="none" normalizeH="0" baseline="0" dirty="0" smtClean="0">
-                <a:ln>
-                  <a:noFill/>
-                </a:ln>
-                <a:solidFill>
-                  <a:srgbClr val="A9B7C6"/>
-                </a:solidFill>
-                <a:effectLst/>
-                <a:latin typeface="Fira Sans" panose="020B0503050000020004" pitchFamily="34" charset="0"/>
-              </a:rPr>
-              <a:t/>
-            </a:r>
-            <a:br>
-              <a:rPr kumimoji="0" lang="ru-RU" altLang="ru-RU" sz="800" b="0" i="0" u="none" strike="noStrike" cap="none" normalizeH="0" baseline="0" dirty="0" smtClean="0">
-                <a:ln>
-                  <a:noFill/>
-                </a:ln>
-                <a:solidFill>
-                  <a:srgbClr val="A9B7C6"/>
-                </a:solidFill>
-                <a:effectLst/>
-                <a:latin typeface="Fira Sans" panose="020B0503050000020004" pitchFamily="34" charset="0"/>
-              </a:rPr>
-            </a:br>
-            <a:r>
-              <a:rPr kumimoji="0" lang="ru-RU" altLang="ru-RU" sz="800" b="0" i="0" u="none" strike="noStrike" cap="none" normalizeH="0" baseline="0" dirty="0" smtClean="0">
-                <a:ln>
-                  <a:noFill/>
-                </a:ln>
-                <a:solidFill>
-                  <a:srgbClr val="A9B7C6"/>
-                </a:solidFill>
-                <a:effectLst/>
-                <a:latin typeface="Fira Sans" panose="020B0503050000020004" pitchFamily="34" charset="0"/>
-              </a:rPr>
-              <a:t>    </a:t>
-            </a:r>
-            <a:r>
-              <a:rPr kumimoji="0" lang="ru-RU" altLang="ru-RU" sz="800" b="0" i="0" u="none" strike="noStrike" cap="none" normalizeH="0" baseline="0" dirty="0" smtClean="0">
-                <a:ln>
-                  <a:noFill/>
-                </a:ln>
-                <a:solidFill>
-                  <a:srgbClr val="CC7832"/>
-                </a:solidFill>
-                <a:effectLst/>
-                <a:latin typeface="Fira Sans" panose="020B0503050000020004" pitchFamily="34" charset="0"/>
-              </a:rPr>
-              <a:t>def </a:t>
-            </a:r>
-            <a:r>
-              <a:rPr kumimoji="0" lang="ru-RU" altLang="ru-RU" sz="800" b="0" i="0" u="none" strike="noStrike" cap="none" normalizeH="0" baseline="0" dirty="0" smtClean="0">
-                <a:ln>
-                  <a:noFill/>
-                </a:ln>
-                <a:solidFill>
-                  <a:srgbClr val="FFC66D"/>
-                </a:solidFill>
-                <a:effectLst/>
-                <a:latin typeface="Fira Sans" panose="020B0503050000020004" pitchFamily="34" charset="0"/>
-              </a:rPr>
-              <a:t>form_valid</a:t>
-            </a:r>
-            <a:r>
-              <a:rPr kumimoji="0" lang="ru-RU" altLang="ru-RU" sz="800" b="0" i="0" u="none" strike="noStrike" cap="none" normalizeH="0" baseline="0" dirty="0" smtClean="0">
-                <a:ln>
-                  <a:noFill/>
-                </a:ln>
-                <a:solidFill>
-                  <a:srgbClr val="A9B7C6"/>
-                </a:solidFill>
-                <a:effectLst/>
-                <a:latin typeface="Fira Sans" panose="020B0503050000020004" pitchFamily="34" charset="0"/>
-              </a:rPr>
-              <a:t>(</a:t>
-            </a:r>
-            <a:r>
-              <a:rPr kumimoji="0" lang="ru-RU" altLang="ru-RU" sz="800" b="0" i="0" u="none" strike="noStrike" cap="none" normalizeH="0" baseline="0" dirty="0" smtClean="0">
-                <a:ln>
-                  <a:noFill/>
-                </a:ln>
-                <a:solidFill>
-                  <a:srgbClr val="94558D"/>
-                </a:solidFill>
-                <a:effectLst/>
-                <a:latin typeface="Fira Sans" panose="020B0503050000020004" pitchFamily="34" charset="0"/>
-              </a:rPr>
-              <a:t>self</a:t>
-            </a:r>
-            <a:r>
-              <a:rPr kumimoji="0" lang="ru-RU" altLang="ru-RU" sz="800" b="0" i="0" u="none" strike="noStrike" cap="none" normalizeH="0" baseline="0" dirty="0" smtClean="0">
-                <a:ln>
-                  <a:noFill/>
-                </a:ln>
-                <a:solidFill>
-                  <a:srgbClr val="CC7832"/>
-                </a:solidFill>
-                <a:effectLst/>
-                <a:latin typeface="Fira Sans" panose="020B0503050000020004" pitchFamily="34" charset="0"/>
-              </a:rPr>
-              <a:t>, </a:t>
-            </a:r>
-            <a:r>
-              <a:rPr kumimoji="0" lang="ru-RU" altLang="ru-RU" sz="800" b="0" i="0" u="none" strike="noStrike" cap="none" normalizeH="0" baseline="0" dirty="0" smtClean="0">
-                <a:ln>
-                  <a:noFill/>
-                </a:ln>
-                <a:solidFill>
-                  <a:srgbClr val="A9B7C6"/>
-                </a:solidFill>
-                <a:effectLst/>
-                <a:latin typeface="Fira Sans" panose="020B0503050000020004" pitchFamily="34" charset="0"/>
-              </a:rPr>
-              <a:t>form):</a:t>
-            </a:r>
-            <a:br>
-              <a:rPr kumimoji="0" lang="ru-RU" altLang="ru-RU" sz="800" b="0" i="0" u="none" strike="noStrike" cap="none" normalizeH="0" baseline="0" dirty="0" smtClean="0">
-                <a:ln>
-                  <a:noFill/>
-                </a:ln>
-                <a:solidFill>
-                  <a:srgbClr val="A9B7C6"/>
-                </a:solidFill>
-                <a:effectLst/>
-                <a:latin typeface="Fira Sans" panose="020B0503050000020004" pitchFamily="34" charset="0"/>
-              </a:rPr>
-            </a:br>
-            <a:r>
-              <a:rPr kumimoji="0" lang="ru-RU" altLang="ru-RU" sz="800" b="0" i="0" u="none" strike="noStrike" cap="none" normalizeH="0" baseline="0" dirty="0" smtClean="0">
-                <a:ln>
-                  <a:noFill/>
-                </a:ln>
-                <a:solidFill>
-                  <a:srgbClr val="A9B7C6"/>
-                </a:solidFill>
-                <a:effectLst/>
-                <a:latin typeface="Fira Sans" panose="020B0503050000020004" pitchFamily="34" charset="0"/>
-              </a:rPr>
-              <a:t>        context = </a:t>
-            </a:r>
-            <a:r>
-              <a:rPr kumimoji="0" lang="ru-RU" altLang="ru-RU" sz="800" b="0" i="0" u="none" strike="noStrike" cap="none" normalizeH="0" baseline="0" dirty="0" smtClean="0">
-                <a:ln>
-                  <a:noFill/>
-                </a:ln>
-                <a:solidFill>
-                  <a:srgbClr val="94558D"/>
-                </a:solidFill>
-                <a:effectLst/>
-                <a:latin typeface="Fira Sans" panose="020B0503050000020004" pitchFamily="34" charset="0"/>
-              </a:rPr>
-              <a:t>self</a:t>
-            </a:r>
-            <a:r>
-              <a:rPr kumimoji="0" lang="ru-RU" altLang="ru-RU" sz="800" b="0" i="0" u="none" strike="noStrike" cap="none" normalizeH="0" baseline="0" dirty="0" smtClean="0">
-                <a:ln>
-                  <a:noFill/>
-                </a:ln>
-                <a:solidFill>
-                  <a:srgbClr val="A9B7C6"/>
-                </a:solidFill>
-                <a:effectLst/>
-                <a:latin typeface="Fira Sans" panose="020B0503050000020004" pitchFamily="34" charset="0"/>
-              </a:rPr>
-              <a:t>.get_context_data()</a:t>
-            </a:r>
-            <a:br>
-              <a:rPr kumimoji="0" lang="ru-RU" altLang="ru-RU" sz="800" b="0" i="0" u="none" strike="noStrike" cap="none" normalizeH="0" baseline="0" dirty="0" smtClean="0">
-                <a:ln>
-                  <a:noFill/>
-                </a:ln>
-                <a:solidFill>
-                  <a:srgbClr val="A9B7C6"/>
-                </a:solidFill>
-                <a:effectLst/>
-                <a:latin typeface="Fira Sans" panose="020B0503050000020004" pitchFamily="34" charset="0"/>
-              </a:rPr>
-            </a:br>
-            <a:r>
-              <a:rPr kumimoji="0" lang="ru-RU" altLang="ru-RU" sz="800" b="0" i="0" u="none" strike="noStrike" cap="none" normalizeH="0" baseline="0" dirty="0" smtClean="0">
-                <a:ln>
-                  <a:noFill/>
-                </a:ln>
-                <a:solidFill>
-                  <a:srgbClr val="A9B7C6"/>
-                </a:solidFill>
-                <a:effectLst/>
-                <a:latin typeface="Fira Sans" panose="020B0503050000020004" pitchFamily="34" charset="0"/>
-              </a:rPr>
-              <a:t>        user_form = context[</a:t>
-            </a:r>
-            <a:r>
-              <a:rPr kumimoji="0" lang="ru-RU" altLang="ru-RU" sz="800" b="0" i="0" u="none" strike="noStrike" cap="none" normalizeH="0" baseline="0" dirty="0" smtClean="0">
-                <a:ln>
-                  <a:noFill/>
-                </a:ln>
-                <a:solidFill>
-                  <a:srgbClr val="6A8759"/>
-                </a:solidFill>
-                <a:effectLst/>
-                <a:latin typeface="Fira Sans" panose="020B0503050000020004" pitchFamily="34" charset="0"/>
-              </a:rPr>
-              <a:t>'user_form'</a:t>
-            </a:r>
-            <a:r>
-              <a:rPr kumimoji="0" lang="ru-RU" altLang="ru-RU" sz="800" b="0" i="0" u="none" strike="noStrike" cap="none" normalizeH="0" baseline="0" dirty="0" smtClean="0">
-                <a:ln>
-                  <a:noFill/>
-                </a:ln>
-                <a:solidFill>
-                  <a:srgbClr val="A9B7C6"/>
-                </a:solidFill>
-                <a:effectLst/>
-                <a:latin typeface="Fira Sans" panose="020B0503050000020004" pitchFamily="34" charset="0"/>
-              </a:rPr>
-              <a:t>]</a:t>
-            </a:r>
-            <a:br>
-              <a:rPr kumimoji="0" lang="ru-RU" altLang="ru-RU" sz="800" b="0" i="0" u="none" strike="noStrike" cap="none" normalizeH="0" baseline="0" dirty="0" smtClean="0">
-                <a:ln>
-                  <a:noFill/>
-                </a:ln>
-                <a:solidFill>
-                  <a:srgbClr val="A9B7C6"/>
-                </a:solidFill>
-                <a:effectLst/>
-                <a:latin typeface="Fira Sans" panose="020B0503050000020004" pitchFamily="34" charset="0"/>
-              </a:rPr>
-            </a:br>
-            <a:r>
-              <a:rPr kumimoji="0" lang="ru-RU" altLang="ru-RU" sz="800" b="0" i="0" u="none" strike="noStrike" cap="none" normalizeH="0" baseline="0" dirty="0" smtClean="0">
-                <a:ln>
-                  <a:noFill/>
-                </a:ln>
-                <a:solidFill>
-                  <a:srgbClr val="A9B7C6"/>
-                </a:solidFill>
-                <a:effectLst/>
-                <a:latin typeface="Fira Sans" panose="020B0503050000020004" pitchFamily="34" charset="0"/>
-              </a:rPr>
-              <a:t>        </a:t>
-            </a:r>
-            <a:r>
-              <a:rPr kumimoji="0" lang="ru-RU" altLang="ru-RU" sz="800" b="0" i="0" u="none" strike="noStrike" cap="none" normalizeH="0" baseline="0" dirty="0" smtClean="0">
-                <a:ln>
-                  <a:noFill/>
-                </a:ln>
-                <a:solidFill>
-                  <a:srgbClr val="CC7832"/>
-                </a:solidFill>
-                <a:effectLst/>
-                <a:latin typeface="Fira Sans" panose="020B0503050000020004" pitchFamily="34" charset="0"/>
-              </a:rPr>
-              <a:t>with </a:t>
-            </a:r>
-            <a:r>
-              <a:rPr kumimoji="0" lang="ru-RU" altLang="ru-RU" sz="800" b="0" i="0" u="none" strike="noStrike" cap="none" normalizeH="0" baseline="0" dirty="0" smtClean="0">
-                <a:ln>
-                  <a:noFill/>
-                </a:ln>
-                <a:solidFill>
-                  <a:srgbClr val="A9B7C6"/>
-                </a:solidFill>
-                <a:effectLst/>
-                <a:latin typeface="Fira Sans" panose="020B0503050000020004" pitchFamily="34" charset="0"/>
-              </a:rPr>
-              <a:t>transaction.atomic():</a:t>
-            </a:r>
-            <a:br>
-              <a:rPr kumimoji="0" lang="ru-RU" altLang="ru-RU" sz="800" b="0" i="0" u="none" strike="noStrike" cap="none" normalizeH="0" baseline="0" dirty="0" smtClean="0">
-                <a:ln>
-                  <a:noFill/>
-                </a:ln>
-                <a:solidFill>
-                  <a:srgbClr val="A9B7C6"/>
-                </a:solidFill>
-                <a:effectLst/>
-                <a:latin typeface="Fira Sans" panose="020B0503050000020004" pitchFamily="34" charset="0"/>
-              </a:rPr>
-            </a:br>
-            <a:r>
-              <a:rPr kumimoji="0" lang="ru-RU" altLang="ru-RU" sz="800" b="0" i="0" u="none" strike="noStrike" cap="none" normalizeH="0" baseline="0" dirty="0" smtClean="0">
-                <a:ln>
-                  <a:noFill/>
-                </a:ln>
-                <a:solidFill>
-                  <a:srgbClr val="A9B7C6"/>
-                </a:solidFill>
-                <a:effectLst/>
-                <a:latin typeface="Fira Sans" panose="020B0503050000020004" pitchFamily="34" charset="0"/>
-              </a:rPr>
-              <a:t>            </a:t>
-            </a:r>
-            <a:r>
-              <a:rPr kumimoji="0" lang="ru-RU" altLang="ru-RU" sz="800" b="0" i="0" u="none" strike="noStrike" cap="none" normalizeH="0" baseline="0" dirty="0" smtClean="0">
-                <a:ln>
-                  <a:noFill/>
-                </a:ln>
-                <a:solidFill>
-                  <a:srgbClr val="CC7832"/>
-                </a:solidFill>
-                <a:effectLst/>
-                <a:latin typeface="Fira Sans" panose="020B0503050000020004" pitchFamily="34" charset="0"/>
-              </a:rPr>
-              <a:t>if </a:t>
-            </a:r>
-            <a:r>
-              <a:rPr kumimoji="0" lang="ru-RU" altLang="ru-RU" sz="800" b="0" i="0" u="none" strike="noStrike" cap="none" normalizeH="0" baseline="0" dirty="0" smtClean="0">
-                <a:ln>
-                  <a:noFill/>
-                </a:ln>
-                <a:solidFill>
-                  <a:srgbClr val="8888C6"/>
-                </a:solidFill>
-                <a:effectLst/>
-                <a:latin typeface="Fira Sans" panose="020B0503050000020004" pitchFamily="34" charset="0"/>
-              </a:rPr>
-              <a:t>all</a:t>
-            </a:r>
-            <a:r>
-              <a:rPr kumimoji="0" lang="ru-RU" altLang="ru-RU" sz="800" b="0" i="0" u="none" strike="noStrike" cap="none" normalizeH="0" baseline="0" dirty="0" smtClean="0">
-                <a:ln>
-                  <a:noFill/>
-                </a:ln>
-                <a:solidFill>
-                  <a:srgbClr val="A9B7C6"/>
-                </a:solidFill>
-                <a:effectLst/>
-                <a:latin typeface="Fira Sans" panose="020B0503050000020004" pitchFamily="34" charset="0"/>
-              </a:rPr>
-              <a:t>([form.is_valid()</a:t>
-            </a:r>
-            <a:r>
-              <a:rPr kumimoji="0" lang="ru-RU" altLang="ru-RU" sz="800" b="0" i="0" u="none" strike="noStrike" cap="none" normalizeH="0" baseline="0" dirty="0" smtClean="0">
-                <a:ln>
-                  <a:noFill/>
-                </a:ln>
-                <a:solidFill>
-                  <a:srgbClr val="CC7832"/>
-                </a:solidFill>
-                <a:effectLst/>
-                <a:latin typeface="Fira Sans" panose="020B0503050000020004" pitchFamily="34" charset="0"/>
-              </a:rPr>
-              <a:t>, </a:t>
-            </a:r>
-            <a:r>
-              <a:rPr kumimoji="0" lang="ru-RU" altLang="ru-RU" sz="800" b="0" i="0" u="none" strike="noStrike" cap="none" normalizeH="0" baseline="0" dirty="0" smtClean="0">
-                <a:ln>
-                  <a:noFill/>
-                </a:ln>
-                <a:solidFill>
-                  <a:srgbClr val="A9B7C6"/>
-                </a:solidFill>
-                <a:effectLst/>
-                <a:latin typeface="Fira Sans" panose="020B0503050000020004" pitchFamily="34" charset="0"/>
-              </a:rPr>
-              <a:t>user_form.is_valid()]):</a:t>
-            </a:r>
-            <a:br>
-              <a:rPr kumimoji="0" lang="ru-RU" altLang="ru-RU" sz="800" b="0" i="0" u="none" strike="noStrike" cap="none" normalizeH="0" baseline="0" dirty="0" smtClean="0">
-                <a:ln>
-                  <a:noFill/>
-                </a:ln>
-                <a:solidFill>
-                  <a:srgbClr val="A9B7C6"/>
-                </a:solidFill>
-                <a:effectLst/>
-                <a:latin typeface="Fira Sans" panose="020B0503050000020004" pitchFamily="34" charset="0"/>
-              </a:rPr>
-            </a:br>
-            <a:r>
-              <a:rPr kumimoji="0" lang="ru-RU" altLang="ru-RU" sz="800" b="0" i="0" u="none" strike="noStrike" cap="none" normalizeH="0" baseline="0" dirty="0" smtClean="0">
-                <a:ln>
-                  <a:noFill/>
-                </a:ln>
-                <a:solidFill>
-                  <a:srgbClr val="A9B7C6"/>
-                </a:solidFill>
-                <a:effectLst/>
-                <a:latin typeface="Fira Sans" panose="020B0503050000020004" pitchFamily="34" charset="0"/>
-              </a:rPr>
-              <a:t>                user_form.save()</a:t>
-            </a:r>
-            <a:br>
-              <a:rPr kumimoji="0" lang="ru-RU" altLang="ru-RU" sz="800" b="0" i="0" u="none" strike="noStrike" cap="none" normalizeH="0" baseline="0" dirty="0" smtClean="0">
-                <a:ln>
-                  <a:noFill/>
-                </a:ln>
-                <a:solidFill>
-                  <a:srgbClr val="A9B7C6"/>
-                </a:solidFill>
-                <a:effectLst/>
-                <a:latin typeface="Fira Sans" panose="020B0503050000020004" pitchFamily="34" charset="0"/>
-              </a:rPr>
-            </a:br>
-            <a:r>
-              <a:rPr kumimoji="0" lang="ru-RU" altLang="ru-RU" sz="800" b="0" i="0" u="none" strike="noStrike" cap="none" normalizeH="0" baseline="0" dirty="0" smtClean="0">
-                <a:ln>
-                  <a:noFill/>
-                </a:ln>
-                <a:solidFill>
-                  <a:srgbClr val="A9B7C6"/>
-                </a:solidFill>
-                <a:effectLst/>
-                <a:latin typeface="Fira Sans" panose="020B0503050000020004" pitchFamily="34" charset="0"/>
-              </a:rPr>
-              <a:t>                form.save()</a:t>
-            </a:r>
-            <a:br>
-              <a:rPr kumimoji="0" lang="ru-RU" altLang="ru-RU" sz="800" b="0" i="0" u="none" strike="noStrike" cap="none" normalizeH="0" baseline="0" dirty="0" smtClean="0">
-                <a:ln>
-                  <a:noFill/>
-                </a:ln>
-                <a:solidFill>
-                  <a:srgbClr val="A9B7C6"/>
-                </a:solidFill>
-                <a:effectLst/>
-                <a:latin typeface="Fira Sans" panose="020B0503050000020004" pitchFamily="34" charset="0"/>
-              </a:rPr>
-            </a:br>
-            <a:r>
-              <a:rPr kumimoji="0" lang="ru-RU" altLang="ru-RU" sz="800" b="0" i="0" u="none" strike="noStrike" cap="none" normalizeH="0" baseline="0" dirty="0" smtClean="0">
-                <a:ln>
-                  <a:noFill/>
-                </a:ln>
-                <a:solidFill>
-                  <a:srgbClr val="A9B7C6"/>
-                </a:solidFill>
-                <a:effectLst/>
-                <a:latin typeface="Fira Sans" panose="020B0503050000020004" pitchFamily="34" charset="0"/>
-              </a:rPr>
-              <a:t>            </a:t>
-            </a:r>
-            <a:r>
-              <a:rPr kumimoji="0" lang="ru-RU" altLang="ru-RU" sz="800" b="0" i="0" u="none" strike="noStrike" cap="none" normalizeH="0" baseline="0" dirty="0" smtClean="0">
-                <a:ln>
-                  <a:noFill/>
-                </a:ln>
-                <a:solidFill>
-                  <a:srgbClr val="CC7832"/>
-                </a:solidFill>
-                <a:effectLst/>
-                <a:latin typeface="Fira Sans" panose="020B0503050000020004" pitchFamily="34" charset="0"/>
-              </a:rPr>
-              <a:t>else</a:t>
-            </a:r>
-            <a:r>
-              <a:rPr kumimoji="0" lang="ru-RU" altLang="ru-RU" sz="800" b="0" i="0" u="none" strike="noStrike" cap="none" normalizeH="0" baseline="0" dirty="0" smtClean="0">
-                <a:ln>
-                  <a:noFill/>
-                </a:ln>
-                <a:solidFill>
-                  <a:srgbClr val="A9B7C6"/>
-                </a:solidFill>
-                <a:effectLst/>
-                <a:latin typeface="Fira Sans" panose="020B0503050000020004" pitchFamily="34" charset="0"/>
-              </a:rPr>
-              <a:t>:</a:t>
-            </a:r>
-            <a:br>
-              <a:rPr kumimoji="0" lang="ru-RU" altLang="ru-RU" sz="800" b="0" i="0" u="none" strike="noStrike" cap="none" normalizeH="0" baseline="0" dirty="0" smtClean="0">
-                <a:ln>
-                  <a:noFill/>
-                </a:ln>
-                <a:solidFill>
-                  <a:srgbClr val="A9B7C6"/>
-                </a:solidFill>
-                <a:effectLst/>
-                <a:latin typeface="Fira Sans" panose="020B0503050000020004" pitchFamily="34" charset="0"/>
-              </a:rPr>
-            </a:br>
-            <a:r>
-              <a:rPr kumimoji="0" lang="ru-RU" altLang="ru-RU" sz="800" b="0" i="0" u="none" strike="noStrike" cap="none" normalizeH="0" baseline="0" dirty="0" smtClean="0">
-                <a:ln>
-                  <a:noFill/>
-                </a:ln>
-                <a:solidFill>
-                  <a:srgbClr val="A9B7C6"/>
-                </a:solidFill>
-                <a:effectLst/>
-                <a:latin typeface="Fira Sans" panose="020B0503050000020004" pitchFamily="34" charset="0"/>
-              </a:rPr>
-              <a:t>                context.update({</a:t>
-            </a:r>
-            <a:r>
-              <a:rPr kumimoji="0" lang="ru-RU" altLang="ru-RU" sz="800" b="0" i="0" u="none" strike="noStrike" cap="none" normalizeH="0" baseline="0" dirty="0" smtClean="0">
-                <a:ln>
-                  <a:noFill/>
-                </a:ln>
-                <a:solidFill>
-                  <a:srgbClr val="6A8759"/>
-                </a:solidFill>
-                <a:effectLst/>
-                <a:latin typeface="Fira Sans" panose="020B0503050000020004" pitchFamily="34" charset="0"/>
-              </a:rPr>
-              <a:t>'user_form'</a:t>
-            </a:r>
-            <a:r>
-              <a:rPr kumimoji="0" lang="ru-RU" altLang="ru-RU" sz="800" b="0" i="0" u="none" strike="noStrike" cap="none" normalizeH="0" baseline="0" dirty="0" smtClean="0">
-                <a:ln>
-                  <a:noFill/>
-                </a:ln>
-                <a:solidFill>
-                  <a:srgbClr val="A9B7C6"/>
-                </a:solidFill>
-                <a:effectLst/>
-                <a:latin typeface="Fira Sans" panose="020B0503050000020004" pitchFamily="34" charset="0"/>
-              </a:rPr>
-              <a:t>: user_form})</a:t>
-            </a:r>
-            <a:br>
-              <a:rPr kumimoji="0" lang="ru-RU" altLang="ru-RU" sz="800" b="0" i="0" u="none" strike="noStrike" cap="none" normalizeH="0" baseline="0" dirty="0" smtClean="0">
-                <a:ln>
-                  <a:noFill/>
-                </a:ln>
-                <a:solidFill>
-                  <a:srgbClr val="A9B7C6"/>
-                </a:solidFill>
-                <a:effectLst/>
-                <a:latin typeface="Fira Sans" panose="020B0503050000020004" pitchFamily="34" charset="0"/>
-              </a:rPr>
-            </a:br>
-            <a:r>
-              <a:rPr kumimoji="0" lang="ru-RU" altLang="ru-RU" sz="800" b="0" i="0" u="none" strike="noStrike" cap="none" normalizeH="0" baseline="0" dirty="0" smtClean="0">
-                <a:ln>
-                  <a:noFill/>
-                </a:ln>
-                <a:solidFill>
-                  <a:srgbClr val="A9B7C6"/>
-                </a:solidFill>
-                <a:effectLst/>
-                <a:latin typeface="Fira Sans" panose="020B0503050000020004" pitchFamily="34" charset="0"/>
-              </a:rPr>
-              <a:t>                </a:t>
-            </a:r>
-            <a:r>
-              <a:rPr kumimoji="0" lang="ru-RU" altLang="ru-RU" sz="800" b="0" i="0" u="none" strike="noStrike" cap="none" normalizeH="0" baseline="0" dirty="0" smtClean="0">
-                <a:ln>
-                  <a:noFill/>
-                </a:ln>
-                <a:solidFill>
-                  <a:srgbClr val="CC7832"/>
-                </a:solidFill>
-                <a:effectLst/>
-                <a:latin typeface="Fira Sans" panose="020B0503050000020004" pitchFamily="34" charset="0"/>
-              </a:rPr>
-              <a:t>return </a:t>
-            </a:r>
-            <a:r>
-              <a:rPr kumimoji="0" lang="ru-RU" altLang="ru-RU" sz="800" b="0" i="0" u="none" strike="noStrike" cap="none" normalizeH="0" baseline="0" dirty="0" smtClean="0">
-                <a:ln>
-                  <a:noFill/>
-                </a:ln>
-                <a:solidFill>
-                  <a:srgbClr val="94558D"/>
-                </a:solidFill>
-                <a:effectLst/>
-                <a:latin typeface="Fira Sans" panose="020B0503050000020004" pitchFamily="34" charset="0"/>
-              </a:rPr>
-              <a:t>self</a:t>
-            </a:r>
-            <a:r>
-              <a:rPr kumimoji="0" lang="ru-RU" altLang="ru-RU" sz="800" b="0" i="0" u="none" strike="noStrike" cap="none" normalizeH="0" baseline="0" dirty="0" smtClean="0">
-                <a:ln>
-                  <a:noFill/>
-                </a:ln>
-                <a:solidFill>
-                  <a:srgbClr val="A9B7C6"/>
-                </a:solidFill>
-                <a:effectLst/>
-                <a:latin typeface="Fira Sans" panose="020B0503050000020004" pitchFamily="34" charset="0"/>
-              </a:rPr>
-              <a:t>.render_to_response(context)</a:t>
-            </a:r>
-            <a:br>
-              <a:rPr kumimoji="0" lang="ru-RU" altLang="ru-RU" sz="800" b="0" i="0" u="none" strike="noStrike" cap="none" normalizeH="0" baseline="0" dirty="0" smtClean="0">
-                <a:ln>
-                  <a:noFill/>
-                </a:ln>
-                <a:solidFill>
-                  <a:srgbClr val="A9B7C6"/>
-                </a:solidFill>
-                <a:effectLst/>
-                <a:latin typeface="Fira Sans" panose="020B0503050000020004" pitchFamily="34" charset="0"/>
-              </a:rPr>
-            </a:br>
-            <a:r>
-              <a:rPr kumimoji="0" lang="ru-RU" altLang="ru-RU" sz="800" b="0" i="0" u="none" strike="noStrike" cap="none" normalizeH="0" baseline="0" dirty="0" smtClean="0">
-                <a:ln>
-                  <a:noFill/>
-                </a:ln>
-                <a:solidFill>
-                  <a:srgbClr val="A9B7C6"/>
-                </a:solidFill>
-                <a:effectLst/>
-                <a:latin typeface="Fira Sans" panose="020B0503050000020004" pitchFamily="34" charset="0"/>
-              </a:rPr>
-              <a:t>        </a:t>
-            </a:r>
-            <a:r>
-              <a:rPr kumimoji="0" lang="ru-RU" altLang="ru-RU" sz="800" b="0" i="0" u="none" strike="noStrike" cap="none" normalizeH="0" baseline="0" dirty="0" smtClean="0">
-                <a:ln>
-                  <a:noFill/>
-                </a:ln>
-                <a:solidFill>
-                  <a:srgbClr val="CC7832"/>
-                </a:solidFill>
-                <a:effectLst/>
-                <a:latin typeface="Fira Sans" panose="020B0503050000020004" pitchFamily="34" charset="0"/>
-              </a:rPr>
-              <a:t>return </a:t>
-            </a:r>
-            <a:r>
-              <a:rPr kumimoji="0" lang="ru-RU" altLang="ru-RU" sz="800" b="0" i="0" u="none" strike="noStrike" cap="none" normalizeH="0" baseline="0" dirty="0" smtClean="0">
-                <a:ln>
-                  <a:noFill/>
-                </a:ln>
-                <a:solidFill>
-                  <a:srgbClr val="8888C6"/>
-                </a:solidFill>
-                <a:effectLst/>
-                <a:latin typeface="Fira Sans" panose="020B0503050000020004" pitchFamily="34" charset="0"/>
-              </a:rPr>
-              <a:t>super</a:t>
-            </a:r>
-            <a:r>
-              <a:rPr kumimoji="0" lang="ru-RU" altLang="ru-RU" sz="800" b="0" i="0" u="none" strike="noStrike" cap="none" normalizeH="0" baseline="0" dirty="0" smtClean="0">
-                <a:ln>
-                  <a:noFill/>
-                </a:ln>
-                <a:solidFill>
-                  <a:srgbClr val="A9B7C6"/>
-                </a:solidFill>
-                <a:effectLst/>
-                <a:latin typeface="Fira Sans" panose="020B0503050000020004" pitchFamily="34" charset="0"/>
-              </a:rPr>
-              <a:t>(ProfileUpdateView</a:t>
-            </a:r>
-            <a:r>
-              <a:rPr kumimoji="0" lang="ru-RU" altLang="ru-RU" sz="800" b="0" i="0" u="none" strike="noStrike" cap="none" normalizeH="0" baseline="0" dirty="0" smtClean="0">
-                <a:ln>
-                  <a:noFill/>
-                </a:ln>
-                <a:solidFill>
-                  <a:srgbClr val="CC7832"/>
-                </a:solidFill>
-                <a:effectLst/>
-                <a:latin typeface="Fira Sans" panose="020B0503050000020004" pitchFamily="34" charset="0"/>
-              </a:rPr>
-              <a:t>, </a:t>
-            </a:r>
-            <a:r>
-              <a:rPr kumimoji="0" lang="ru-RU" altLang="ru-RU" sz="800" b="0" i="0" u="none" strike="noStrike" cap="none" normalizeH="0" baseline="0" dirty="0" smtClean="0">
-                <a:ln>
-                  <a:noFill/>
-                </a:ln>
-                <a:solidFill>
-                  <a:srgbClr val="94558D"/>
-                </a:solidFill>
-                <a:effectLst/>
-                <a:latin typeface="Fira Sans" panose="020B0503050000020004" pitchFamily="34" charset="0"/>
-              </a:rPr>
-              <a:t>self</a:t>
-            </a:r>
-            <a:r>
-              <a:rPr kumimoji="0" lang="ru-RU" altLang="ru-RU" sz="800" b="0" i="0" u="none" strike="noStrike" cap="none" normalizeH="0" baseline="0" dirty="0" smtClean="0">
-                <a:ln>
-                  <a:noFill/>
-                </a:ln>
-                <a:solidFill>
-                  <a:srgbClr val="A9B7C6"/>
-                </a:solidFill>
-                <a:effectLst/>
-                <a:latin typeface="Fira Sans" panose="020B0503050000020004" pitchFamily="34" charset="0"/>
-              </a:rPr>
-              <a:t>).form_valid(form)</a:t>
-            </a:r>
-            <a:br>
-              <a:rPr kumimoji="0" lang="ru-RU" altLang="ru-RU" sz="800" b="0" i="0" u="none" strike="noStrike" cap="none" normalizeH="0" baseline="0" dirty="0" smtClean="0">
-                <a:ln>
-                  <a:noFill/>
-                </a:ln>
-                <a:solidFill>
-                  <a:srgbClr val="A9B7C6"/>
-                </a:solidFill>
-                <a:effectLst/>
-                <a:latin typeface="Fira Sans" panose="020B0503050000020004" pitchFamily="34" charset="0"/>
-              </a:rPr>
-            </a:br>
-            <a:r>
-              <a:rPr kumimoji="0" lang="ru-RU" altLang="ru-RU" sz="800" b="0" i="0" u="none" strike="noStrike" cap="none" normalizeH="0" baseline="0" dirty="0" smtClean="0">
-                <a:ln>
-                  <a:noFill/>
-                </a:ln>
-                <a:solidFill>
-                  <a:srgbClr val="A9B7C6"/>
-                </a:solidFill>
-                <a:effectLst/>
-                <a:latin typeface="Fira Sans" panose="020B0503050000020004" pitchFamily="34" charset="0"/>
-              </a:rPr>
-              <a:t/>
-            </a:r>
-            <a:br>
-              <a:rPr kumimoji="0" lang="ru-RU" altLang="ru-RU" sz="800" b="0" i="0" u="none" strike="noStrike" cap="none" normalizeH="0" baseline="0" dirty="0" smtClean="0">
-                <a:ln>
-                  <a:noFill/>
-                </a:ln>
-                <a:solidFill>
-                  <a:srgbClr val="A9B7C6"/>
-                </a:solidFill>
-                <a:effectLst/>
-                <a:latin typeface="Fira Sans" panose="020B0503050000020004" pitchFamily="34" charset="0"/>
-              </a:rPr>
-            </a:br>
-            <a:r>
-              <a:rPr kumimoji="0" lang="ru-RU" altLang="ru-RU" sz="800" b="0" i="0" u="none" strike="noStrike" cap="none" normalizeH="0" baseline="0" dirty="0" smtClean="0">
-                <a:ln>
-                  <a:noFill/>
-                </a:ln>
-                <a:solidFill>
-                  <a:srgbClr val="A9B7C6"/>
-                </a:solidFill>
-                <a:effectLst/>
-                <a:latin typeface="Fira Sans" panose="020B0503050000020004" pitchFamily="34" charset="0"/>
-              </a:rPr>
-              <a:t>    </a:t>
-            </a:r>
-            <a:r>
-              <a:rPr kumimoji="0" lang="ru-RU" altLang="ru-RU" sz="800" b="0" i="0" u="none" strike="noStrike" cap="none" normalizeH="0" baseline="0" dirty="0" smtClean="0">
-                <a:ln>
-                  <a:noFill/>
-                </a:ln>
-                <a:solidFill>
-                  <a:srgbClr val="CC7832"/>
-                </a:solidFill>
-                <a:effectLst/>
-                <a:latin typeface="Fira Sans" panose="020B0503050000020004" pitchFamily="34" charset="0"/>
-              </a:rPr>
-              <a:t>def </a:t>
-            </a:r>
-            <a:r>
-              <a:rPr kumimoji="0" lang="ru-RU" altLang="ru-RU" sz="800" b="0" i="0" u="none" strike="noStrike" cap="none" normalizeH="0" baseline="0" dirty="0" smtClean="0">
-                <a:ln>
-                  <a:noFill/>
-                </a:ln>
-                <a:solidFill>
-                  <a:srgbClr val="A9B7C6"/>
-                </a:solidFill>
-                <a:effectLst/>
-                <a:latin typeface="Fira Sans" panose="020B0503050000020004" pitchFamily="34" charset="0"/>
-              </a:rPr>
-              <a:t>get_success_url(</a:t>
-            </a:r>
-            <a:r>
-              <a:rPr kumimoji="0" lang="ru-RU" altLang="ru-RU" sz="800" b="0" i="0" u="none" strike="noStrike" cap="none" normalizeH="0" baseline="0" dirty="0" smtClean="0">
-                <a:ln>
-                  <a:noFill/>
-                </a:ln>
-                <a:solidFill>
-                  <a:srgbClr val="94558D"/>
-                </a:solidFill>
-                <a:effectLst/>
-                <a:latin typeface="Fira Sans" panose="020B0503050000020004" pitchFamily="34" charset="0"/>
-              </a:rPr>
-              <a:t>self</a:t>
-            </a:r>
-            <a:r>
-              <a:rPr kumimoji="0" lang="ru-RU" altLang="ru-RU" sz="800" b="0" i="0" u="none" strike="noStrike" cap="none" normalizeH="0" baseline="0" dirty="0" smtClean="0">
-                <a:ln>
-                  <a:noFill/>
-                </a:ln>
-                <a:solidFill>
-                  <a:srgbClr val="A9B7C6"/>
-                </a:solidFill>
-                <a:effectLst/>
-                <a:latin typeface="Fira Sans" panose="020B0503050000020004" pitchFamily="34" charset="0"/>
-              </a:rPr>
-              <a:t>):</a:t>
-            </a:r>
-            <a:br>
-              <a:rPr kumimoji="0" lang="ru-RU" altLang="ru-RU" sz="800" b="0" i="0" u="none" strike="noStrike" cap="none" normalizeH="0" baseline="0" dirty="0" smtClean="0">
-                <a:ln>
-                  <a:noFill/>
-                </a:ln>
-                <a:solidFill>
-                  <a:srgbClr val="A9B7C6"/>
-                </a:solidFill>
-                <a:effectLst/>
-                <a:latin typeface="Fira Sans" panose="020B0503050000020004" pitchFamily="34" charset="0"/>
-              </a:rPr>
-            </a:br>
-            <a:r>
-              <a:rPr kumimoji="0" lang="ru-RU" altLang="ru-RU" sz="800" b="0" i="0" u="none" strike="noStrike" cap="none" normalizeH="0" baseline="0" dirty="0" smtClean="0">
-                <a:ln>
-                  <a:noFill/>
-                </a:ln>
-                <a:solidFill>
-                  <a:srgbClr val="A9B7C6"/>
-                </a:solidFill>
-                <a:effectLst/>
-                <a:latin typeface="Fira Sans" panose="020B0503050000020004" pitchFamily="34" charset="0"/>
-              </a:rPr>
-              <a:t>        </a:t>
-            </a:r>
-            <a:r>
-              <a:rPr kumimoji="0" lang="ru-RU" altLang="ru-RU" sz="800" b="0" i="0" u="none" strike="noStrike" cap="none" normalizeH="0" baseline="0" dirty="0" smtClean="0">
-                <a:ln>
-                  <a:noFill/>
-                </a:ln>
-                <a:solidFill>
-                  <a:srgbClr val="CC7832"/>
-                </a:solidFill>
-                <a:effectLst/>
-                <a:latin typeface="Fira Sans" panose="020B0503050000020004" pitchFamily="34" charset="0"/>
-              </a:rPr>
-              <a:t>return </a:t>
-            </a:r>
-            <a:r>
-              <a:rPr kumimoji="0" lang="ru-RU" altLang="ru-RU" sz="800" b="0" i="0" u="none" strike="noStrike" cap="none" normalizeH="0" baseline="0" dirty="0" smtClean="0">
-                <a:ln>
-                  <a:noFill/>
-                </a:ln>
-                <a:solidFill>
-                  <a:srgbClr val="A9B7C6"/>
-                </a:solidFill>
-                <a:effectLst/>
-                <a:latin typeface="Fira Sans" panose="020B0503050000020004" pitchFamily="34" charset="0"/>
-              </a:rPr>
-              <a:t>reverse_lazy(</a:t>
-            </a:r>
-            <a:r>
-              <a:rPr kumimoji="0" lang="ru-RU" altLang="ru-RU" sz="800" b="0" i="0" u="none" strike="noStrike" cap="none" normalizeH="0" baseline="0" dirty="0" smtClean="0">
-                <a:ln>
-                  <a:noFill/>
-                </a:ln>
-                <a:solidFill>
-                  <a:srgbClr val="6A8759"/>
-                </a:solidFill>
-                <a:effectLst/>
-                <a:latin typeface="Fira Sans" panose="020B0503050000020004" pitchFamily="34" charset="0"/>
-              </a:rPr>
-              <a:t>'profile'</a:t>
-            </a:r>
-            <a:r>
-              <a:rPr kumimoji="0" lang="ru-RU" altLang="ru-RU" sz="800" b="0" i="0" u="none" strike="noStrike" cap="none" normalizeH="0" baseline="0" dirty="0" smtClean="0">
-                <a:ln>
-                  <a:noFill/>
-                </a:ln>
-                <a:solidFill>
-                  <a:srgbClr val="A9B7C6"/>
-                </a:solidFill>
-                <a:effectLst/>
-                <a:latin typeface="Fira Sans" panose="020B0503050000020004" pitchFamily="34" charset="0"/>
-              </a:rPr>
-              <a:t>)</a:t>
-            </a:r>
-            <a:endParaRPr kumimoji="0" lang="ru-RU" altLang="ru-RU" b="0" i="0" u="none" strike="noStrike" cap="none" normalizeH="0" baseline="0" dirty="0" smtClean="0">
-              <a:ln>
-                <a:noFill/>
-              </a:ln>
-              <a:solidFill>
-                <a:schemeClr val="tx1"/>
-              </a:solidFill>
-              <a:effectLst/>
-              <a:latin typeface="Fira Sans" panose="020B0503050000020004" pitchFamily="34" charset="0"/>
-            </a:endParaRPr>
-          </a:p>
-        </p:txBody>
-      </p:sp>
-    </p:spTree>
-    <p:extLst>
-      <p:ext uri="{BB962C8B-B14F-4D97-AF65-F5344CB8AC3E}">
-        <p14:creationId xmlns:p14="http://schemas.microsoft.com/office/powerpoint/2010/main" val="4282565577"/>
-      </p:ext>
-    </p:extLst>
-  </p:cSld>
-  <p:clrMapOvr>
-    <a:masterClrMapping/>
-  </p:clrMapOvr>
-  <p:timing>
-    <p:tnLst>
-      <p:par>
-        <p:cTn id="1" dur="indefinite" restart="never" nodeType="tmRoot"/>
-      </p:par>
-    </p:tnLst>
-  </p:timing>
-</p:sld>
-</file>
-
-<file path=ppt/slides/slide18.xml><?xml version="1.0" encoding="utf-8"?>
-<p:sld xmlns:a="http://schemas.openxmlformats.org/drawingml/2006/main" xmlns:r="http://schemas.openxmlformats.org/officeDocument/2006/relationships" xmlns:p="http://schemas.openxmlformats.org/presentationml/2006/main">
-  <p:cSld>
-    <p:spTree>
-      <p:nvGrpSpPr>
-        <p:cNvPr id="1" name="Shape 33"/>
-        <p:cNvGrpSpPr/>
-        <p:nvPr/>
-      </p:nvGrpSpPr>
-      <p:grpSpPr>
-        <a:xfrm>
-          <a:off x="0" y="0"/>
-          <a:ext cx="0" cy="0"/>
-          <a:chOff x="0" y="0"/>
-          <a:chExt cx="0" cy="0"/>
-        </a:xfrm>
-      </p:grpSpPr>
-      <p:sp>
-        <p:nvSpPr>
-          <p:cNvPr id="34" name="Google Shape;34;p6"/>
-          <p:cNvSpPr txBox="1">
-            <a:spLocks noGrp="1"/>
-          </p:cNvSpPr>
-          <p:nvPr>
-            <p:ph type="title"/>
-          </p:nvPr>
-        </p:nvSpPr>
-        <p:spPr>
-          <a:xfrm>
-            <a:off x="354743" y="436719"/>
-            <a:ext cx="6648884" cy="440700"/>
-          </a:xfrm>
-          <a:prstGeom prst="rect">
-            <a:avLst/>
-          </a:prstGeom>
-        </p:spPr>
-        <p:txBody>
-          <a:bodyPr spcFirstLastPara="1" wrap="square" lIns="19025" tIns="19025" rIns="19025" bIns="19025" anchor="t" anchorCtr="0">
-            <a:noAutofit/>
-          </a:bodyPr>
-          <a:lstStyle/>
-          <a:p>
-            <a:pPr lvl="0"/>
-            <a:r>
-              <a:rPr lang="ru-RU" dirty="0">
-                <a:latin typeface="Fira Sans" panose="020B0503050000020004" pitchFamily="34" charset="0"/>
-              </a:rPr>
-              <a:t>Тестирование программного обеспечения</a:t>
-            </a:r>
-            <a:endParaRPr dirty="0">
-              <a:latin typeface="Fira Sans" panose="020B0503050000020004" pitchFamily="34" charset="0"/>
-              <a:cs typeface="Times New Roman" panose="02020603050405020304" pitchFamily="18" charset="0"/>
-            </a:endParaRPr>
-          </a:p>
-        </p:txBody>
-      </p:sp>
-      <p:sp>
-        <p:nvSpPr>
-          <p:cNvPr id="35" name="Google Shape;35;p6"/>
-          <p:cNvSpPr txBox="1">
-            <a:spLocks noGrp="1"/>
-          </p:cNvSpPr>
-          <p:nvPr>
-            <p:ph type="sldNum" idx="12"/>
-          </p:nvPr>
-        </p:nvSpPr>
-        <p:spPr>
-          <a:xfrm>
-            <a:off x="8704250" y="4816581"/>
-            <a:ext cx="206100" cy="145500"/>
-          </a:xfrm>
-          <a:prstGeom prst="rect">
-            <a:avLst/>
-          </a:prstGeom>
-        </p:spPr>
-        <p:txBody>
-          <a:bodyPr spcFirstLastPara="1" wrap="square" lIns="19025" tIns="19025" rIns="19025" bIns="19025" anchor="t" anchorCtr="0">
-            <a:noAutofit/>
-          </a:bodyPr>
-          <a:lstStyle/>
-          <a:p>
-            <a:pPr marL="0" lvl="0" indent="0" algn="r" rtl="0">
-              <a:spcBef>
-                <a:spcPts val="0"/>
-              </a:spcBef>
-              <a:spcAft>
-                <a:spcPts val="0"/>
-              </a:spcAft>
-              <a:buClr>
-                <a:srgbClr val="4D4E4F"/>
-              </a:buClr>
-              <a:buSzPts val="1100"/>
-              <a:buFont typeface="Arial"/>
-              <a:buNone/>
-            </a:pPr>
-            <a:fld id="{00000000-1234-1234-1234-123412341234}" type="slidenum">
-              <a:rPr lang="ru"/>
-              <a:t>18</a:t>
-            </a:fld>
-            <a:endParaRPr sz="1400" dirty="0">
-              <a:solidFill>
-                <a:srgbClr val="000000"/>
-              </a:solidFill>
-            </a:endParaRPr>
-          </a:p>
-        </p:txBody>
-      </p:sp>
-      <p:sp>
-        <p:nvSpPr>
-          <p:cNvPr id="2" name="TextBox 1">
-            <a:extLst>
-              <a:ext uri="{FF2B5EF4-FFF2-40B4-BE49-F238E27FC236}">
-                <a16:creationId xmlns:a16="http://schemas.microsoft.com/office/drawing/2014/main" id="{D4426248-ADD2-B45C-8675-073213D9B568}"/>
-              </a:ext>
-            </a:extLst>
-          </p:cNvPr>
-          <p:cNvSpPr txBox="1"/>
-          <p:nvPr/>
-        </p:nvSpPr>
-        <p:spPr>
-          <a:xfrm>
-            <a:off x="1410892" y="0"/>
-            <a:ext cx="5840015" cy="415498"/>
-          </a:xfrm>
-          <a:prstGeom prst="rect">
-            <a:avLst/>
-          </a:prstGeom>
-          <a:noFill/>
-        </p:spPr>
-        <p:txBody>
-          <a:bodyPr>
-            <a:spAutoFit/>
-          </a:bodyPr>
-          <a:lstStyle/>
-          <a:p>
-            <a:pPr algn="ctr">
-              <a:defRPr/>
-            </a:pPr>
-            <a:r>
-              <a:rPr lang="ru-RU" sz="1050" dirty="0">
-                <a:latin typeface="Fira Sans" panose="020B0503050000020004" pitchFamily="34" charset="0"/>
-                <a:cs typeface="Times New Roman" pitchFamily="18" charset="0"/>
-              </a:rPr>
-              <a:t>Самойлов Евгений Александрович. Разработка автоматизированной информационной системы сервисного ИТ-центра</a:t>
-            </a:r>
-            <a:endParaRPr lang="ru-RU" sz="1050" b="1" dirty="0">
-              <a:solidFill>
-                <a:schemeClr val="tx2">
-                  <a:lumMod val="50000"/>
-                </a:schemeClr>
-              </a:solidFill>
-              <a:latin typeface="Fira Sans" panose="020B0503050000020004" pitchFamily="34" charset="0"/>
-              <a:cs typeface="Times New Roman" pitchFamily="18" charset="0"/>
-            </a:endParaRPr>
-          </a:p>
-        </p:txBody>
-      </p:sp>
       <p:graphicFrame>
         <p:nvGraphicFramePr>
           <p:cNvPr id="6" name="Таблица 5"/>
@@ -11957,20 +12249,20 @@
           <p:nvPr>
             <p:extLst>
               <p:ext uri="{D42A27DB-BD31-4B8C-83A1-F6EECF244321}">
-                <p14:modId xmlns:p14="http://schemas.microsoft.com/office/powerpoint/2010/main" val="745858601"/>
+                <p14:modId xmlns:p14="http://schemas.microsoft.com/office/powerpoint/2010/main" val="211736936"/>
               </p:ext>
             </p:extLst>
           </p:nvPr>
         </p:nvGraphicFramePr>
         <p:xfrm>
           <a:off x="354745" y="877419"/>
-          <a:ext cx="8349505" cy="4022316"/>
+          <a:ext cx="8349505" cy="3939164"/>
         </p:xfrm>
         <a:graphic>
           <a:graphicData uri="http://schemas.openxmlformats.org/drawingml/2006/table">
             <a:tbl>
               <a:tblPr firstRow="1" bandRow="1">
-                <a:tableStyleId>{073A0DAA-6AF3-43AB-8588-CEC1D06C72B9}</a:tableStyleId>
+                <a:tableStyleId>{22838BEF-8BB2-4498-84A7-C5851F593DF1}</a:tableStyleId>
               </a:tblPr>
               <a:tblGrid>
                 <a:gridCol w="1669901">
@@ -12200,6 +12492,11 @@
                       </a:pPr>
                       <a:r>
                         <a:rPr lang="ru-RU" sz="1200" dirty="0">
+                          <a:solidFill>
+                            <a:schemeClr val="tx2">
+                              <a:lumMod val="10000"/>
+                            </a:schemeClr>
+                          </a:solidFill>
                           <a:effectLst/>
                           <a:latin typeface="Fira Sans" panose="020B0503050000020004" pitchFamily="34" charset="0"/>
                         </a:rPr>
@@ -12207,7 +12504,9 @@
                       </a:r>
                       <a:endParaRPr lang="ru-RU" sz="1200" dirty="0">
                         <a:solidFill>
-                          <a:srgbClr val="000000"/>
+                          <a:schemeClr val="tx2">
+                            <a:lumMod val="10000"/>
+                          </a:schemeClr>
                         </a:solidFill>
                         <a:effectLst/>
                         <a:latin typeface="Fira Sans" panose="020B0503050000020004" pitchFamily="34" charset="0"/>
@@ -12228,14 +12527,19 @@
                           <a:spcPct val="100000"/>
                         </a:lnSpc>
                         <a:spcBef>
-                          <a:spcPts val="300"/>
+                          <a:spcPts val="0"/>
                         </a:spcBef>
                         <a:spcAft>
-                          <a:spcPts val="300"/>
+                          <a:spcPts val="0"/>
                         </a:spcAft>
                       </a:pPr>
                       <a:r>
                         <a:rPr lang="ru-RU" sz="1200" dirty="0">
+                          <a:solidFill>
+                            <a:schemeClr val="tx2">
+                              <a:lumMod val="10000"/>
+                            </a:schemeClr>
+                          </a:solidFill>
                           <a:effectLst/>
                           <a:latin typeface="Fira Sans" panose="020B0503050000020004" pitchFamily="34" charset="0"/>
                         </a:rPr>
@@ -12243,12 +12547,22 @@
                       </a:r>
                       <a:r>
                         <a:rPr lang="en-US" sz="1200" dirty="0">
+                          <a:solidFill>
+                            <a:schemeClr val="tx2">
+                              <a:lumMod val="10000"/>
+                            </a:schemeClr>
+                          </a:solidFill>
                           <a:effectLst/>
                           <a:latin typeface="Fira Sans" panose="020B0503050000020004" pitchFamily="34" charset="0"/>
                         </a:rPr>
                         <a:t>admin</a:t>
                       </a:r>
                       <a:endParaRPr lang="ru-RU" sz="1200" dirty="0">
+                        <a:solidFill>
+                          <a:schemeClr val="tx2">
+                            <a:lumMod val="10000"/>
+                          </a:schemeClr>
+                        </a:solidFill>
                         <a:effectLst/>
                         <a:latin typeface="Fira Sans" panose="020B0503050000020004" pitchFamily="34" charset="0"/>
                       </a:endParaRPr>
@@ -12259,19 +12573,45 @@
                           <a:spcPct val="100000"/>
                         </a:lnSpc>
                         <a:spcBef>
-                          <a:spcPts val="300"/>
+                          <a:spcPts val="0"/>
                         </a:spcBef>
                         <a:spcAft>
-                          <a:spcPts val="300"/>
+                          <a:spcPts val="0"/>
                         </a:spcAft>
                       </a:pPr>
                       <a:r>
                         <a:rPr lang="ru-RU" sz="1200" dirty="0">
+                          <a:solidFill>
+                            <a:schemeClr val="tx2">
+                              <a:lumMod val="10000"/>
+                            </a:schemeClr>
+                          </a:solidFill>
                           <a:effectLst/>
                           <a:latin typeface="Fira Sans" panose="020B0503050000020004" pitchFamily="34" charset="0"/>
                         </a:rPr>
-                        <a:t>Пароль: static123</a:t>
+                        <a:t>Пароль: </a:t>
                       </a:r>
+                      <a:r>
+                        <a:rPr lang="ru-RU" sz="1200" dirty="0" smtClean="0">
+                          <a:solidFill>
+                            <a:schemeClr val="tx2">
+                              <a:lumMod val="10000"/>
+                            </a:schemeClr>
+                          </a:solidFill>
+                          <a:effectLst/>
+                          <a:latin typeface="Fira Sans" panose="020B0503050000020004" pitchFamily="34" charset="0"/>
+                        </a:rPr>
+                        <a:t>static123</a:t>
+                      </a:r>
+                      <a:endParaRPr lang="en-US" sz="1200" dirty="0" smtClean="0">
+                        <a:solidFill>
+                          <a:schemeClr val="tx2">
+                            <a:lumMod val="10000"/>
+                          </a:schemeClr>
+                        </a:solidFill>
+                        <a:effectLst/>
+                        <a:latin typeface="Fira Sans" panose="020B0503050000020004" pitchFamily="34" charset="0"/>
+                      </a:endParaRPr>
                     </a:p>
                     <a:p>
                       <a:pPr algn="l">
@@ -12279,22 +12619,41 @@
                           <a:spcPct val="100000"/>
                         </a:lnSpc>
                         <a:spcBef>
-                          <a:spcPts val="300"/>
+                          <a:spcPts val="0"/>
                         </a:spcBef>
                         <a:spcAft>
-                          <a:spcPts val="300"/>
+                          <a:spcPts val="0"/>
                         </a:spcAft>
                       </a:pPr>
                       <a:r>
-                        <a:rPr lang="ru-RU" sz="1200" dirty="0">
+                        <a:rPr lang="ru-RU" sz="1200" dirty="0" smtClean="0">
+                          <a:solidFill>
+                            <a:schemeClr val="tx2">
+                              <a:lumMod val="10000"/>
+                            </a:schemeClr>
+                          </a:solidFill>
                           <a:effectLst/>
                           <a:latin typeface="Fira Sans" panose="020B0503050000020004" pitchFamily="34" charset="0"/>
                         </a:rPr>
-                        <a:t>Роль сотрудника: Менеджер</a:t>
+                        <a:t>Роль </a:t>
+                      </a:r>
+                      <a:r>
+                        <a:rPr lang="ru-RU" sz="1200" dirty="0">
+                          <a:solidFill>
+                            <a:schemeClr val="tx2">
+                              <a:lumMod val="10000"/>
+                            </a:schemeClr>
+                          </a:solidFill>
+                          <a:effectLst/>
+                          <a:latin typeface="Fira Sans" panose="020B0503050000020004" pitchFamily="34" charset="0"/>
+                        </a:rPr>
+                        <a:t>сотрудника: Менеджер</a:t>
                       </a:r>
                       <a:endParaRPr lang="ru-RU" sz="1200" dirty="0">
                         <a:solidFill>
-                          <a:srgbClr val="000000"/>
+                          <a:schemeClr val="tx2">
+                            <a:lumMod val="10000"/>
+                          </a:schemeClr>
                         </a:solidFill>
                         <a:effectLst/>
                         <a:latin typeface="Fira Sans" panose="020B0503050000020004" pitchFamily="34" charset="0"/>
@@ -12323,6 +12682,11 @@
                       </a:pPr>
                       <a:r>
                         <a:rPr lang="ru-RU" sz="1200" dirty="0">
+                          <a:solidFill>
+                            <a:schemeClr val="tx2">
+                              <a:lumMod val="10000"/>
+                            </a:schemeClr>
+                          </a:solidFill>
                           <a:effectLst/>
                           <a:latin typeface="Fira Sans" panose="020B0503050000020004" pitchFamily="34" charset="0"/>
                         </a:rPr>
@@ -12330,7 +12694,9 @@
                       </a:r>
                       <a:endParaRPr lang="ru-RU" sz="1200" dirty="0">
                         <a:solidFill>
-                          <a:srgbClr val="000000"/>
+                          <a:schemeClr val="tx2">
+                            <a:lumMod val="10000"/>
+                          </a:schemeClr>
                         </a:solidFill>
                         <a:effectLst/>
                         <a:latin typeface="Fira Sans" panose="020B0503050000020004" pitchFamily="34" charset="0"/>
@@ -12359,6 +12725,11 @@
                       </a:pPr>
                       <a:r>
                         <a:rPr lang="ru-RU" sz="1200" dirty="0">
+                          <a:solidFill>
+                            <a:schemeClr val="tx2">
+                              <a:lumMod val="10000"/>
+                            </a:schemeClr>
+                          </a:solidFill>
                           <a:effectLst/>
                           <a:latin typeface="Fira Sans" panose="020B0503050000020004" pitchFamily="34" charset="0"/>
                         </a:rPr>
@@ -12379,6 +12750,11 @@
                       </a:pPr>
                       <a:r>
                         <a:rPr lang="ru-RU" sz="1200" dirty="0">
+                          <a:solidFill>
+                            <a:schemeClr val="tx2">
+                              <a:lumMod val="10000"/>
+                            </a:schemeClr>
+                          </a:solidFill>
                           <a:effectLst/>
                           <a:latin typeface="Fira Sans" panose="020B0503050000020004" pitchFamily="34" charset="0"/>
                         </a:rPr>
@@ -12386,7 +12762,9 @@
                       </a:r>
                       <a:endParaRPr lang="ru-RU" sz="1200" dirty="0">
                         <a:solidFill>
-                          <a:srgbClr val="000000"/>
+                          <a:schemeClr val="tx2">
+                            <a:lumMod val="10000"/>
+                          </a:schemeClr>
                         </a:solidFill>
                         <a:effectLst/>
                         <a:latin typeface="Fira Sans" panose="020B0503050000020004" pitchFamily="34" charset="0"/>
@@ -12415,6 +12793,11 @@
                       </a:pPr>
                       <a:r>
                         <a:rPr lang="ru-RU" sz="1200" dirty="0">
+                          <a:solidFill>
+                            <a:schemeClr val="tx2">
+                              <a:lumMod val="10000"/>
+                            </a:schemeClr>
+                          </a:solidFill>
                           <a:effectLst/>
                           <a:latin typeface="Fira Sans" panose="020B0503050000020004" pitchFamily="34" charset="0"/>
                         </a:rPr>
@@ -12422,7 +12805,9 @@
                       </a:r>
                       <a:endParaRPr lang="ru-RU" sz="1200" dirty="0">
                         <a:solidFill>
-                          <a:srgbClr val="000000"/>
+                          <a:schemeClr val="tx2">
+                            <a:lumMod val="10000"/>
+                          </a:schemeClr>
                         </a:solidFill>
                         <a:effectLst/>
                         <a:latin typeface="Fira Sans" panose="020B0503050000020004" pitchFamily="34" charset="0"/>
@@ -12458,6 +12843,11 @@
                       </a:pPr>
                       <a:r>
                         <a:rPr lang="ru-RU" sz="1200" dirty="0">
+                          <a:solidFill>
+                            <a:schemeClr val="tx2">
+                              <a:lumMod val="10000"/>
+                            </a:schemeClr>
+                          </a:solidFill>
                           <a:effectLst/>
                           <a:latin typeface="Fira Sans" panose="020B0503050000020004" pitchFamily="34" charset="0"/>
                         </a:rPr>
@@ -12465,7 +12855,9 @@
                       </a:r>
                       <a:endParaRPr lang="ru-RU" sz="1200" dirty="0">
                         <a:solidFill>
-                          <a:srgbClr val="000000"/>
+                          <a:schemeClr val="tx2">
+                            <a:lumMod val="10000"/>
+                          </a:schemeClr>
                         </a:solidFill>
                         <a:effectLst/>
                         <a:latin typeface="Fira Sans" panose="020B0503050000020004" pitchFamily="34" charset="0"/>
@@ -12486,14 +12878,19 @@
                           <a:spcPct val="100000"/>
                         </a:lnSpc>
                         <a:spcBef>
-                          <a:spcPts val="300"/>
+                          <a:spcPts val="0"/>
                         </a:spcBef>
                         <a:spcAft>
-                          <a:spcPts val="300"/>
+                          <a:spcPts val="0"/>
                         </a:spcAft>
                       </a:pPr>
                       <a:r>
                         <a:rPr lang="ru-RU" sz="1200" dirty="0">
+                          <a:solidFill>
+                            <a:schemeClr val="tx2">
+                              <a:lumMod val="10000"/>
+                            </a:schemeClr>
+                          </a:solidFill>
                           <a:effectLst/>
                           <a:latin typeface="Fira Sans" panose="020B0503050000020004" pitchFamily="34" charset="0"/>
                         </a:rPr>
@@ -12501,12 +12898,22 @@
                       </a:r>
                       <a:r>
                         <a:rPr lang="en-US" sz="1200" dirty="0">
+                          <a:solidFill>
+                            <a:schemeClr val="tx2">
+                              <a:lumMod val="10000"/>
+                            </a:schemeClr>
+                          </a:solidFill>
                           <a:effectLst/>
                           <a:latin typeface="Fira Sans" panose="020B0503050000020004" pitchFamily="34" charset="0"/>
                         </a:rPr>
                         <a:t>user</a:t>
                       </a:r>
                       <a:endParaRPr lang="ru-RU" sz="1200" dirty="0">
+                        <a:solidFill>
+                          <a:schemeClr val="tx2">
+                            <a:lumMod val="10000"/>
+                          </a:schemeClr>
+                        </a:solidFill>
                         <a:effectLst/>
                         <a:latin typeface="Fira Sans" panose="020B0503050000020004" pitchFamily="34" charset="0"/>
                       </a:endParaRPr>
@@ -12517,14 +12924,19 @@
                           <a:spcPct val="100000"/>
                         </a:lnSpc>
                         <a:spcBef>
-                          <a:spcPts val="300"/>
+                          <a:spcPts val="0"/>
                         </a:spcBef>
                         <a:spcAft>
-                          <a:spcPts val="300"/>
+                          <a:spcPts val="0"/>
                         </a:spcAft>
                       </a:pPr>
                       <a:r>
                         <a:rPr lang="ru-RU" sz="1200" dirty="0">
+                          <a:solidFill>
+                            <a:schemeClr val="tx2">
+                              <a:lumMod val="10000"/>
+                            </a:schemeClr>
+                          </a:solidFill>
                           <a:effectLst/>
                           <a:latin typeface="Fira Sans" panose="020B0503050000020004" pitchFamily="34" charset="0"/>
                         </a:rPr>
@@ -12532,12 +12944,22 @@
                       </a:r>
                       <a:r>
                         <a:rPr lang="en-US" sz="1200" dirty="0">
+                          <a:solidFill>
+                            <a:schemeClr val="tx2">
+                              <a:lumMod val="10000"/>
+                            </a:schemeClr>
+                          </a:solidFill>
                           <a:effectLst/>
                           <a:latin typeface="Fira Sans" panose="020B0503050000020004" pitchFamily="34" charset="0"/>
                         </a:rPr>
                         <a:t>user</a:t>
                       </a:r>
                       <a:endParaRPr lang="ru-RU" sz="1200" dirty="0">
+                        <a:solidFill>
+                          <a:schemeClr val="tx2">
+                            <a:lumMod val="10000"/>
+                          </a:schemeClr>
+                        </a:solidFill>
                         <a:effectLst/>
                         <a:latin typeface="Fira Sans" panose="020B0503050000020004" pitchFamily="34" charset="0"/>
                       </a:endParaRPr>
@@ -12548,14 +12970,19 @@
                           <a:spcPct val="100000"/>
                         </a:lnSpc>
                         <a:spcBef>
-                          <a:spcPts val="300"/>
+                          <a:spcPts val="0"/>
                         </a:spcBef>
                         <a:spcAft>
-                          <a:spcPts val="300"/>
+                          <a:spcPts val="0"/>
                         </a:spcAft>
                       </a:pPr>
                       <a:r>
                         <a:rPr lang="ru-RU" sz="1200" dirty="0">
+                          <a:solidFill>
+                            <a:schemeClr val="tx2">
+                              <a:lumMod val="10000"/>
+                            </a:schemeClr>
+                          </a:solidFill>
                           <a:effectLst/>
                           <a:latin typeface="Fira Sans" panose="020B0503050000020004" pitchFamily="34" charset="0"/>
                         </a:rPr>
@@ -12563,7 +12990,9 @@
                       </a:r>
                       <a:endParaRPr lang="ru-RU" sz="1200" dirty="0">
                         <a:solidFill>
-                          <a:srgbClr val="000000"/>
+                          <a:schemeClr val="tx2">
+                            <a:lumMod val="10000"/>
+                          </a:schemeClr>
                         </a:solidFill>
                         <a:effectLst/>
                         <a:latin typeface="Fira Sans" panose="020B0503050000020004" pitchFamily="34" charset="0"/>
@@ -12592,6 +13021,11 @@
                       </a:pPr>
                       <a:r>
                         <a:rPr lang="ru-RU" sz="1200" dirty="0">
+                          <a:solidFill>
+                            <a:schemeClr val="tx2">
+                              <a:lumMod val="10000"/>
+                            </a:schemeClr>
+                          </a:solidFill>
                           <a:effectLst/>
                           <a:latin typeface="Fira Sans" panose="020B0503050000020004" pitchFamily="34" charset="0"/>
                         </a:rPr>
@@ -12599,7 +13033,9 @@
                       </a:r>
                       <a:endParaRPr lang="ru-RU" sz="1200" dirty="0">
                         <a:solidFill>
-                          <a:srgbClr val="000000"/>
+                          <a:schemeClr val="tx2">
+                            <a:lumMod val="10000"/>
+                          </a:schemeClr>
                         </a:solidFill>
                         <a:effectLst/>
                         <a:latin typeface="Fira Sans" panose="020B0503050000020004" pitchFamily="34" charset="0"/>
@@ -12628,6 +13064,11 @@
                       </a:pPr>
                       <a:r>
                         <a:rPr lang="ru-RU" sz="1200" dirty="0">
+                          <a:solidFill>
+                            <a:schemeClr val="tx2">
+                              <a:lumMod val="10000"/>
+                            </a:schemeClr>
+                          </a:solidFill>
                           <a:effectLst/>
                           <a:latin typeface="Fira Sans" panose="020B0503050000020004" pitchFamily="34" charset="0"/>
                         </a:rPr>
@@ -12635,7 +13076,9 @@
                       </a:r>
                       <a:endParaRPr lang="ru-RU" sz="1200" dirty="0">
                         <a:solidFill>
-                          <a:srgbClr val="000000"/>
+                          <a:schemeClr val="tx2">
+                            <a:lumMod val="10000"/>
+                          </a:schemeClr>
                         </a:solidFill>
                         <a:effectLst/>
                         <a:latin typeface="Fira Sans" panose="020B0503050000020004" pitchFamily="34" charset="0"/>
@@ -12664,6 +13107,11 @@
                       </a:pPr>
                       <a:r>
                         <a:rPr lang="ru-RU" sz="1200" dirty="0">
+                          <a:solidFill>
+                            <a:schemeClr val="tx2">
+                              <a:lumMod val="10000"/>
+                            </a:schemeClr>
+                          </a:solidFill>
                           <a:effectLst/>
                           <a:latin typeface="Fira Sans" panose="020B0503050000020004" pitchFamily="34" charset="0"/>
                         </a:rPr>
@@ -12671,7 +13119,9 @@
                       </a:r>
                       <a:endParaRPr lang="ru-RU" sz="1200" dirty="0">
                         <a:solidFill>
-                          <a:srgbClr val="000000"/>
+                          <a:schemeClr val="tx2">
+                            <a:lumMod val="10000"/>
+                          </a:schemeClr>
                         </a:solidFill>
                         <a:effectLst/>
                         <a:latin typeface="Fira Sans" panose="020B0503050000020004" pitchFamily="34" charset="0"/>
@@ -12707,6 +13157,11 @@
                       </a:pPr>
                       <a:r>
                         <a:rPr lang="ru-RU" sz="1200" dirty="0">
+                          <a:solidFill>
+                            <a:schemeClr val="tx2">
+                              <a:lumMod val="10000"/>
+                            </a:schemeClr>
+                          </a:solidFill>
                           <a:effectLst/>
                           <a:latin typeface="Fira Sans" panose="020B0503050000020004" pitchFamily="34" charset="0"/>
                         </a:rPr>
@@ -12714,7 +13169,9 @@
                       </a:r>
                       <a:endParaRPr lang="ru-RU" sz="1200" dirty="0">
                         <a:solidFill>
-                          <a:srgbClr val="000000"/>
+                          <a:schemeClr val="tx2">
+                            <a:lumMod val="10000"/>
+                          </a:schemeClr>
                         </a:solidFill>
                         <a:effectLst/>
                         <a:latin typeface="Fira Sans" panose="020B0503050000020004" pitchFamily="34" charset="0"/>
@@ -12735,14 +13192,19 @@
                           <a:spcPct val="100000"/>
                         </a:lnSpc>
                         <a:spcBef>
-                          <a:spcPts val="300"/>
+                          <a:spcPts val="0"/>
                         </a:spcBef>
                         <a:spcAft>
-                          <a:spcPts val="300"/>
+                          <a:spcPts val="0"/>
                         </a:spcAft>
                       </a:pPr>
                       <a:r>
                         <a:rPr lang="ru-RU" sz="1200" dirty="0">
+                          <a:solidFill>
+                            <a:schemeClr val="tx2">
+                              <a:lumMod val="10000"/>
+                            </a:schemeClr>
+                          </a:solidFill>
                           <a:effectLst/>
                           <a:latin typeface="Fira Sans" panose="020B0503050000020004" pitchFamily="34" charset="0"/>
                         </a:rPr>
@@ -12755,14 +13217,19 @@
                           <a:spcPct val="100000"/>
                         </a:lnSpc>
                         <a:spcBef>
-                          <a:spcPts val="300"/>
+                          <a:spcPts val="0"/>
                         </a:spcBef>
                         <a:spcAft>
-                          <a:spcPts val="300"/>
+                          <a:spcPts val="0"/>
                         </a:spcAft>
                       </a:pPr>
                       <a:r>
                         <a:rPr lang="ru-RU" sz="1200" dirty="0">
+                          <a:solidFill>
+                            <a:schemeClr val="tx2">
+                              <a:lumMod val="10000"/>
+                            </a:schemeClr>
+                          </a:solidFill>
                           <a:effectLst/>
                           <a:latin typeface="Fira Sans" panose="020B0503050000020004" pitchFamily="34" charset="0"/>
                         </a:rPr>
@@ -12770,6 +13237,11 @@
                       </a:r>
                       <a:r>
                         <a:rPr lang="ru-RU" sz="1200" dirty="0" smtClean="0">
+                          <a:solidFill>
+                            <a:schemeClr val="tx2">
+                              <a:lumMod val="10000"/>
+                            </a:schemeClr>
+                          </a:solidFill>
                           <a:effectLst/>
                           <a:latin typeface="Fira Sans" panose="020B0503050000020004" pitchFamily="34" charset="0"/>
                         </a:rPr>
@@ -12782,14 +13254,19 @@
                           <a:spcPct val="100000"/>
                         </a:lnSpc>
                         <a:spcBef>
-                          <a:spcPts val="300"/>
+                          <a:spcPts val="0"/>
                         </a:spcBef>
                         <a:spcAft>
-                          <a:spcPts val="300"/>
+                          <a:spcPts val="0"/>
                         </a:spcAft>
                       </a:pPr>
                       <a:r>
                         <a:rPr lang="ru-RU" sz="1200" dirty="0" smtClean="0">
+                          <a:solidFill>
+                            <a:schemeClr val="tx2">
+                              <a:lumMod val="10000"/>
+                            </a:schemeClr>
+                          </a:solidFill>
                           <a:effectLst/>
                           <a:latin typeface="Fira Sans" panose="020B0503050000020004" pitchFamily="34" charset="0"/>
                         </a:rPr>
@@ -12797,6 +13274,11 @@
                       </a:r>
                       <a:r>
                         <a:rPr lang="ru-RU" sz="1200" dirty="0">
+                          <a:solidFill>
+                            <a:schemeClr val="tx2">
+                              <a:lumMod val="10000"/>
+                            </a:schemeClr>
+                          </a:solidFill>
                           <a:effectLst/>
                           <a:latin typeface="Fira Sans" panose="020B0503050000020004" pitchFamily="34" charset="0"/>
                         </a:rPr>
@@ -12804,7 +13286,9 @@
                       </a:r>
                       <a:endParaRPr lang="ru-RU" sz="1200" dirty="0">
                         <a:solidFill>
-                          <a:srgbClr val="000000"/>
+                          <a:schemeClr val="tx2">
+                            <a:lumMod val="10000"/>
+                          </a:schemeClr>
                         </a:solidFill>
                         <a:effectLst/>
                         <a:latin typeface="Fira Sans" panose="020B0503050000020004" pitchFamily="34" charset="0"/>
@@ -12833,6 +13317,11 @@
                       </a:pPr>
                       <a:r>
                         <a:rPr lang="ru-RU" sz="1200" dirty="0">
+                          <a:solidFill>
+                            <a:schemeClr val="tx2">
+                              <a:lumMod val="10000"/>
+                            </a:schemeClr>
+                          </a:solidFill>
                           <a:effectLst/>
                           <a:latin typeface="Fira Sans" panose="020B0503050000020004" pitchFamily="34" charset="0"/>
                         </a:rPr>
@@ -12840,7 +13329,9 @@
                       </a:r>
                       <a:endParaRPr lang="ru-RU" sz="1200" dirty="0">
                         <a:solidFill>
-                          <a:srgbClr val="000000"/>
+                          <a:schemeClr val="tx2">
+                            <a:lumMod val="10000"/>
+                          </a:schemeClr>
                         </a:solidFill>
                         <a:effectLst/>
                         <a:latin typeface="Fira Sans" panose="020B0503050000020004" pitchFamily="34" charset="0"/>
@@ -12869,6 +13360,11 @@
                       </a:pPr>
                       <a:r>
                         <a:rPr lang="ru-RU" sz="1200" dirty="0">
+                          <a:solidFill>
+                            <a:schemeClr val="tx2">
+                              <a:lumMod val="10000"/>
+                            </a:schemeClr>
+                          </a:solidFill>
                           <a:effectLst/>
                           <a:latin typeface="Fira Sans" panose="020B0503050000020004" pitchFamily="34" charset="0"/>
                         </a:rPr>
@@ -12876,7 +13372,9 @@
                       </a:r>
                       <a:endParaRPr lang="ru-RU" sz="1200" dirty="0">
                         <a:solidFill>
-                          <a:srgbClr val="000000"/>
+                          <a:schemeClr val="tx2">
+                            <a:lumMod val="10000"/>
+                          </a:schemeClr>
                         </a:solidFill>
                         <a:effectLst/>
                         <a:latin typeface="Fira Sans" panose="020B0503050000020004" pitchFamily="34" charset="0"/>
@@ -12905,6 +13403,11 @@
                       </a:pPr>
                       <a:r>
                         <a:rPr lang="ru-RU" sz="1200" dirty="0">
+                          <a:solidFill>
+                            <a:schemeClr val="tx2">
+                              <a:lumMod val="10000"/>
+                            </a:schemeClr>
+                          </a:solidFill>
                           <a:effectLst/>
                           <a:latin typeface="Fira Sans" panose="020B0503050000020004" pitchFamily="34" charset="0"/>
                         </a:rPr>
@@ -12912,7 +13415,9 @@
                       </a:r>
                       <a:endParaRPr lang="ru-RU" sz="1200" dirty="0">
                         <a:solidFill>
-                          <a:srgbClr val="000000"/>
+                          <a:schemeClr val="tx2">
+                            <a:lumMod val="10000"/>
+                          </a:schemeClr>
                         </a:solidFill>
                         <a:effectLst/>
                         <a:latin typeface="Fira Sans" panose="020B0503050000020004" pitchFamily="34" charset="0"/>
@@ -12948,6 +13453,11 @@
                       </a:pPr>
                       <a:r>
                         <a:rPr lang="ru-RU" sz="1200" dirty="0">
+                          <a:solidFill>
+                            <a:schemeClr val="tx2">
+                              <a:lumMod val="10000"/>
+                            </a:schemeClr>
+                          </a:solidFill>
                           <a:effectLst/>
                           <a:latin typeface="Fira Sans" panose="020B0503050000020004" pitchFamily="34" charset="0"/>
                         </a:rPr>
@@ -12955,7 +13465,9 @@
                       </a:r>
                       <a:endParaRPr lang="ru-RU" sz="1200" dirty="0">
                         <a:solidFill>
-                          <a:srgbClr val="000000"/>
+                          <a:schemeClr val="tx2">
+                            <a:lumMod val="10000"/>
+                          </a:schemeClr>
                         </a:solidFill>
                         <a:effectLst/>
                         <a:latin typeface="Fira Sans" panose="020B0503050000020004" pitchFamily="34" charset="0"/>
@@ -12976,14 +13488,19 @@
                           <a:spcPct val="100000"/>
                         </a:lnSpc>
                         <a:spcBef>
-                          <a:spcPts val="300"/>
+                          <a:spcPts val="0"/>
                         </a:spcBef>
                         <a:spcAft>
-                          <a:spcPts val="300"/>
+                          <a:spcPts val="0"/>
                         </a:spcAft>
                       </a:pPr>
                       <a:r>
                         <a:rPr lang="ru-RU" sz="1200" dirty="0">
+                          <a:solidFill>
+                            <a:schemeClr val="tx2">
+                              <a:lumMod val="10000"/>
+                            </a:schemeClr>
+                          </a:solidFill>
                           <a:effectLst/>
                           <a:latin typeface="Fira Sans" panose="020B0503050000020004" pitchFamily="34" charset="0"/>
                         </a:rPr>
@@ -12996,14 +13513,19 @@
                           <a:spcPct val="100000"/>
                         </a:lnSpc>
                         <a:spcBef>
-                          <a:spcPts val="300"/>
+                          <a:spcPts val="0"/>
                         </a:spcBef>
                         <a:spcAft>
-                          <a:spcPts val="300"/>
+                          <a:spcPts val="0"/>
                         </a:spcAft>
                       </a:pPr>
                       <a:r>
                         <a:rPr lang="ru-RU" sz="1200" dirty="0">
+                          <a:solidFill>
+                            <a:schemeClr val="tx2">
+                              <a:lumMod val="10000"/>
+                            </a:schemeClr>
+                          </a:solidFill>
                           <a:effectLst/>
                           <a:latin typeface="Fira Sans" panose="020B0503050000020004" pitchFamily="34" charset="0"/>
                         </a:rPr>
@@ -13016,14 +13538,19 @@
                           <a:spcPct val="100000"/>
                         </a:lnSpc>
                         <a:spcBef>
-                          <a:spcPts val="300"/>
+                          <a:spcPts val="0"/>
                         </a:spcBef>
                         <a:spcAft>
-                          <a:spcPts val="300"/>
+                          <a:spcPts val="0"/>
                         </a:spcAft>
                       </a:pPr>
                       <a:r>
                         <a:rPr lang="ru-RU" sz="1200" dirty="0">
+                          <a:solidFill>
+                            <a:schemeClr val="tx2">
+                              <a:lumMod val="10000"/>
+                            </a:schemeClr>
+                          </a:solidFill>
                           <a:effectLst/>
                           <a:latin typeface="Fira Sans" panose="020B0503050000020004" pitchFamily="34" charset="0"/>
                         </a:rPr>
@@ -13031,7 +13558,9 @@
                       </a:r>
                       <a:endParaRPr lang="ru-RU" sz="1200" dirty="0">
                         <a:solidFill>
-                          <a:srgbClr val="000000"/>
+                          <a:schemeClr val="tx2">
+                            <a:lumMod val="10000"/>
+                          </a:schemeClr>
                         </a:solidFill>
                         <a:effectLst/>
                         <a:latin typeface="Fira Sans" panose="020B0503050000020004" pitchFamily="34" charset="0"/>
@@ -13060,6 +13589,11 @@
                       </a:pPr>
                       <a:r>
                         <a:rPr lang="ru-RU" sz="1200" dirty="0">
+                          <a:solidFill>
+                            <a:schemeClr val="tx2">
+                              <a:lumMod val="10000"/>
+                            </a:schemeClr>
+                          </a:solidFill>
                           <a:effectLst/>
                           <a:latin typeface="Fira Sans" panose="020B0503050000020004" pitchFamily="34" charset="0"/>
                         </a:rPr>
@@ -13067,7 +13601,9 @@
                       </a:r>
                       <a:endParaRPr lang="ru-RU" sz="1200" dirty="0">
                         <a:solidFill>
-                          <a:srgbClr val="000000"/>
+                          <a:schemeClr val="tx2">
+                            <a:lumMod val="10000"/>
+                          </a:schemeClr>
                         </a:solidFill>
                         <a:effectLst/>
                         <a:latin typeface="Fira Sans" panose="020B0503050000020004" pitchFamily="34" charset="0"/>
@@ -13096,6 +13632,11 @@
                       </a:pPr>
                       <a:r>
                         <a:rPr lang="ru-RU" sz="1200" dirty="0">
+                          <a:solidFill>
+                            <a:schemeClr val="tx2">
+                              <a:lumMod val="10000"/>
+                            </a:schemeClr>
+                          </a:solidFill>
                           <a:effectLst/>
                           <a:latin typeface="Fira Sans" panose="020B0503050000020004" pitchFamily="34" charset="0"/>
                         </a:rPr>
@@ -13103,7 +13644,9 @@
                       </a:r>
                       <a:endParaRPr lang="ru-RU" sz="1200" dirty="0">
                         <a:solidFill>
-                          <a:srgbClr val="000000"/>
+                          <a:schemeClr val="tx2">
+                            <a:lumMod val="10000"/>
+                          </a:schemeClr>
                         </a:solidFill>
                         <a:effectLst/>
                         <a:latin typeface="Fira Sans" panose="020B0503050000020004" pitchFamily="34" charset="0"/>
@@ -13132,6 +13675,11 @@
                       </a:pPr>
                       <a:r>
                         <a:rPr lang="ru-RU" sz="1200" dirty="0">
+                          <a:solidFill>
+                            <a:schemeClr val="tx2">
+                              <a:lumMod val="10000"/>
+                            </a:schemeClr>
+                          </a:solidFill>
                           <a:effectLst/>
                           <a:latin typeface="Fira Sans" panose="020B0503050000020004" pitchFamily="34" charset="0"/>
                         </a:rPr>
@@ -13139,7 +13687,9 @@
                       </a:r>
                       <a:endParaRPr lang="ru-RU" sz="1200" dirty="0">
                         <a:solidFill>
-                          <a:srgbClr val="000000"/>
+                          <a:schemeClr val="tx2">
+                            <a:lumMod val="10000"/>
+                          </a:schemeClr>
                         </a:solidFill>
                         <a:effectLst/>
                         <a:latin typeface="Fira Sans" panose="020B0503050000020004" pitchFamily="34" charset="0"/>
@@ -13177,6 +13727,269 @@
       </p:par>
     </p:tnLst>
   </p:timing>
+</p:sld>
+</file>
+
+<file path=ppt/slides/slide18.xml><?xml version="1.0" encoding="utf-8"?>
+<p:sld xmlns:a="http://schemas.openxmlformats.org/drawingml/2006/main" xmlns:r="http://schemas.openxmlformats.org/officeDocument/2006/relationships" xmlns:p="http://schemas.openxmlformats.org/presentationml/2006/main">
+  <p:cSld>
+    <p:spTree>
+      <p:nvGrpSpPr>
+        <p:cNvPr id="1" name="Shape 33"/>
+        <p:cNvGrpSpPr/>
+        <p:nvPr/>
+      </p:nvGrpSpPr>
+      <p:grpSpPr>
+        <a:xfrm>
+          <a:off x="0" y="0"/>
+          <a:ext cx="0" cy="0"/>
+          <a:chOff x="0" y="0"/>
+          <a:chExt cx="0" cy="0"/>
+        </a:xfrm>
+      </p:grpSpPr>
+      <p:sp>
+        <p:nvSpPr>
+          <p:cNvPr id="34" name="Google Shape;34;p6"/>
+          <p:cNvSpPr txBox="1">
+            <a:spLocks noGrp="1"/>
+          </p:cNvSpPr>
+          <p:nvPr>
+            <p:ph type="title"/>
+          </p:nvPr>
+        </p:nvSpPr>
+        <p:spPr>
+          <a:xfrm>
+            <a:off x="354743" y="436719"/>
+            <a:ext cx="6648884" cy="440700"/>
+          </a:xfrm>
+          <a:prstGeom prst="rect">
+            <a:avLst/>
+          </a:prstGeom>
+        </p:spPr>
+        <p:txBody>
+          <a:bodyPr spcFirstLastPara="1" wrap="square" lIns="19025" tIns="19025" rIns="19025" bIns="19025" anchor="t" anchorCtr="0">
+            <a:noAutofit/>
+          </a:bodyPr>
+          <a:lstStyle/>
+          <a:p>
+            <a:pPr lvl="0"/>
+            <a:r>
+              <a:rPr lang="ru-RU" dirty="0">
+                <a:latin typeface="Fira Sans" panose="020B0503050000020004" pitchFamily="34" charset="0"/>
+              </a:rPr>
+              <a:t>Разработка технической документации</a:t>
+            </a:r>
+            <a:endParaRPr dirty="0">
+              <a:latin typeface="Fira Sans" panose="020B0503050000020004" pitchFamily="34" charset="0"/>
+              <a:cs typeface="Times New Roman" panose="02020603050405020304" pitchFamily="18" charset="0"/>
+            </a:endParaRPr>
+          </a:p>
+        </p:txBody>
+      </p:sp>
+      <p:sp>
+        <p:nvSpPr>
+          <p:cNvPr id="35" name="Google Shape;35;p6"/>
+          <p:cNvSpPr txBox="1">
+            <a:spLocks noGrp="1"/>
+          </p:cNvSpPr>
+          <p:nvPr>
+            <p:ph type="sldNum" idx="12"/>
+          </p:nvPr>
+        </p:nvSpPr>
+        <p:spPr>
+          <a:xfrm>
+            <a:off x="8704250" y="4816581"/>
+            <a:ext cx="206100" cy="145500"/>
+          </a:xfrm>
+          <a:prstGeom prst="rect">
+            <a:avLst/>
+          </a:prstGeom>
+        </p:spPr>
+        <p:txBody>
+          <a:bodyPr spcFirstLastPara="1" wrap="square" lIns="19025" tIns="19025" rIns="19025" bIns="19025" anchor="t" anchorCtr="0">
+            <a:noAutofit/>
+          </a:bodyPr>
+          <a:lstStyle/>
+          <a:p>
+            <a:pPr marL="0" lvl="0" indent="0" algn="r" rtl="0">
+              <a:spcBef>
+                <a:spcPts val="0"/>
+              </a:spcBef>
+              <a:spcAft>
+                <a:spcPts val="0"/>
+              </a:spcAft>
+              <a:buClr>
+                <a:srgbClr val="4D4E4F"/>
+              </a:buClr>
+              <a:buSzPts val="1100"/>
+              <a:buFont typeface="Arial"/>
+              <a:buNone/>
+            </a:pPr>
+            <a:fld id="{00000000-1234-1234-1234-123412341234}" type="slidenum">
+              <a:rPr lang="ru"/>
+              <a:t>18</a:t>
+            </a:fld>
+            <a:endParaRPr sz="1400" dirty="0">
+              <a:solidFill>
+                <a:srgbClr val="000000"/>
+              </a:solidFill>
+            </a:endParaRPr>
+          </a:p>
+        </p:txBody>
+      </p:sp>
+      <p:sp>
+        <p:nvSpPr>
+          <p:cNvPr id="2" name="TextBox 1">
+            <a:extLst>
+              <a:ext uri="{FF2B5EF4-FFF2-40B4-BE49-F238E27FC236}">
+                <a16:creationId xmlns:a16="http://schemas.microsoft.com/office/drawing/2014/main" id="{D4426248-ADD2-B45C-8675-073213D9B568}"/>
+              </a:ext>
+            </a:extLst>
+          </p:cNvPr>
+          <p:cNvSpPr txBox="1"/>
+          <p:nvPr/>
+        </p:nvSpPr>
+        <p:spPr>
+          <a:xfrm>
+            <a:off x="1410892" y="0"/>
+            <a:ext cx="5840015" cy="415498"/>
+          </a:xfrm>
+          <a:prstGeom prst="rect">
+            <a:avLst/>
+          </a:prstGeom>
+          <a:noFill/>
+        </p:spPr>
+        <p:txBody>
+          <a:bodyPr>
+            <a:spAutoFit/>
+          </a:bodyPr>
+          <a:lstStyle/>
+          <a:p>
+            <a:pPr algn="ctr">
+              <a:defRPr/>
+            </a:pPr>
+            <a:r>
+              <a:rPr lang="ru-RU" sz="1050" dirty="0">
+                <a:latin typeface="Fira Sans" panose="020B0503050000020004" pitchFamily="34" charset="0"/>
+                <a:cs typeface="Times New Roman" pitchFamily="18" charset="0"/>
+              </a:rPr>
+              <a:t>Самойлов Евгений Александрович. Разработка автоматизированной информационной системы сервисного ИТ-центра</a:t>
+            </a:r>
+            <a:endParaRPr lang="ru-RU" sz="1050" b="1" dirty="0">
+              <a:solidFill>
+                <a:schemeClr val="tx2">
+                  <a:lumMod val="50000"/>
+                </a:schemeClr>
+              </a:solidFill>
+              <a:latin typeface="Fira Sans" panose="020B0503050000020004" pitchFamily="34" charset="0"/>
+              <a:cs typeface="Times New Roman" pitchFamily="18" charset="0"/>
+            </a:endParaRPr>
+          </a:p>
+        </p:txBody>
+      </p:sp>
+      <p:sp>
+        <p:nvSpPr>
+          <p:cNvPr id="3" name="TextBox 2"/>
+          <p:cNvSpPr txBox="1"/>
+          <p:nvPr/>
+        </p:nvSpPr>
+        <p:spPr>
+          <a:xfrm>
+            <a:off x="525780" y="4473832"/>
+            <a:ext cx="8384570" cy="338554"/>
+          </a:xfrm>
+          <a:prstGeom prst="rect">
+            <a:avLst/>
+          </a:prstGeom>
+          <a:noFill/>
+        </p:spPr>
+        <p:txBody>
+          <a:bodyPr wrap="square" rtlCol="0">
+            <a:spAutoFit/>
+          </a:bodyPr>
+          <a:lstStyle/>
+          <a:p>
+            <a:pPr indent="457200" algn="just"/>
+            <a:r>
+              <a:rPr lang="ru-RU" sz="1600" dirty="0">
+                <a:latin typeface="Fira Sans" panose="020B0503050000020004" pitchFamily="34" charset="0"/>
+              </a:rPr>
+              <a:t>Руководство администратора </a:t>
+            </a:r>
+            <a:r>
+              <a:rPr lang="ru-RU" sz="1600" dirty="0" smtClean="0">
+                <a:latin typeface="Fira Sans" panose="020B0503050000020004" pitchFamily="34" charset="0"/>
+              </a:rPr>
+              <a:t>                       Руководство </a:t>
+            </a:r>
+            <a:r>
+              <a:rPr lang="ru-RU" sz="1600" dirty="0">
+                <a:latin typeface="Fira Sans" panose="020B0503050000020004" pitchFamily="34" charset="0"/>
+              </a:rPr>
+              <a:t>пользователя</a:t>
+            </a:r>
+            <a:endParaRPr lang="ru-RU" dirty="0"/>
+          </a:p>
+        </p:txBody>
+      </p:sp>
+      <p:pic>
+        <p:nvPicPr>
+          <p:cNvPr id="4" name="Рисунок 3"/>
+          <p:cNvPicPr>
+            <a:picLocks noChangeAspect="1"/>
+          </p:cNvPicPr>
+          <p:nvPr/>
+        </p:nvPicPr>
+        <p:blipFill>
+          <a:blip r:embed="rId3"/>
+          <a:stretch>
+            <a:fillRect/>
+          </a:stretch>
+        </p:blipFill>
+        <p:spPr>
+          <a:xfrm>
+            <a:off x="917656" y="898640"/>
+            <a:ext cx="2965556" cy="3638102"/>
+          </a:xfrm>
+          <a:prstGeom prst="rect">
+            <a:avLst/>
+          </a:prstGeom>
+        </p:spPr>
+      </p:pic>
+      <p:pic>
+        <p:nvPicPr>
+          <p:cNvPr id="6" name="Рисунок 5"/>
+          <p:cNvPicPr>
+            <a:picLocks noChangeAspect="1"/>
+          </p:cNvPicPr>
+          <p:nvPr/>
+        </p:nvPicPr>
+        <p:blipFill>
+          <a:blip r:embed="rId4"/>
+          <a:stretch>
+            <a:fillRect/>
+          </a:stretch>
+        </p:blipFill>
+        <p:spPr>
+          <a:xfrm>
+            <a:off x="4808682" y="894124"/>
+            <a:ext cx="3025502" cy="3642618"/>
+          </a:xfrm>
+          <a:prstGeom prst="rect">
+            <a:avLst/>
+          </a:prstGeom>
+        </p:spPr>
+      </p:pic>
+    </p:spTree>
+    <p:extLst>
+      <p:ext uri="{BB962C8B-B14F-4D97-AF65-F5344CB8AC3E}">
+        <p14:creationId xmlns:p14="http://schemas.microsoft.com/office/powerpoint/2010/main" val="2237779421"/>
+      </p:ext>
+    </p:extLst>
+  </p:cSld>
+  <p:clrMapOvr>
+    <a:masterClrMapping/>
+  </p:clrMapOvr>
 </p:sld>
 </file>
 
@@ -13227,7 +14040,19 @@
               <a:rPr lang="ru-RU" dirty="0">
                 <a:latin typeface="Fira Sans" panose="020B0503050000020004" pitchFamily="34" charset="0"/>
               </a:rPr>
-              <a:t>Разработка технической документации</a:t>
+              <a:t>Э</a:t>
+            </a:r>
+            <a:r>
+              <a:rPr lang="ru-RU" dirty="0" smtClean="0">
+                <a:latin typeface="Fira Sans" panose="020B0503050000020004" pitchFamily="34" charset="0"/>
+              </a:rPr>
+              <a:t>кономическое </a:t>
+            </a:r>
+            <a:r>
+              <a:rPr lang="ru-RU" dirty="0">
+                <a:latin typeface="Fira Sans" panose="020B0503050000020004" pitchFamily="34" charset="0"/>
+              </a:rPr>
+              <a:t>обоснование проекта</a:t>
             </a:r>
             <a:endParaRPr dirty="0">
               <a:latin typeface="Fira Sans" panose="020B0503050000020004" pitchFamily="34" charset="0"/>
@@ -13337,60 +14162,1590 @@
           </a:p>
         </p:txBody>
       </p:sp>
-      <p:sp>
-        <p:nvSpPr>
-          <p:cNvPr id="3" name="TextBox 2"/>
-          <p:cNvSpPr txBox="1"/>
-          <p:nvPr/>
-        </p:nvSpPr>
-        <p:spPr>
-          <a:xfrm>
-            <a:off x="272900" y="1152524"/>
-            <a:ext cx="8280550" cy="3262432"/>
-          </a:xfrm>
-          <a:prstGeom prst="rect">
-            <a:avLst/>
-          </a:prstGeom>
-          <a:noFill/>
-        </p:spPr>
-        <p:txBody>
-          <a:bodyPr wrap="square" rtlCol="0">
-            <a:spAutoFit/>
-          </a:bodyPr>
-          <a:lstStyle/>
-          <a:p>
-            <a:pPr indent="457200" algn="just"/>
-            <a:r>
-              <a:rPr lang="ru-RU" sz="1600" dirty="0">
-                <a:latin typeface="Fira Sans" panose="020B0503050000020004" pitchFamily="34" charset="0"/>
-              </a:rPr>
-              <a:t>Руководство пользователя: документ, назначение которого — предоставить людям помощь в использовании некоторой системы. Документ входит в состав технической документации на систему и, как правило, подготавливается техническим писателем.;</a:t>
-            </a:r>
-          </a:p>
-          <a:p>
-            <a:pPr indent="457200" algn="just"/>
-            <a:endParaRPr lang="ru-RU" sz="1600" dirty="0">
-              <a:latin typeface="Fira Sans" panose="020B0503050000020004" pitchFamily="34" charset="0"/>
-            </a:endParaRPr>
-          </a:p>
-          <a:p>
-            <a:pPr indent="457200" algn="just"/>
-            <a:r>
-              <a:rPr lang="ru-RU" sz="1600" dirty="0">
-                <a:latin typeface="Fira Sans" panose="020B0503050000020004" pitchFamily="34" charset="0"/>
-              </a:rPr>
-              <a:t>Руководство администратора: это составная часть эксплуатационной документации, которая разрабатывается на любую программу или автоматизированную систему. При помощи руководства администратора ответственные пользователи системы получают возможность управлять ее функционированием – выполнять определенные операции по обеспечению порядка работы АСУ, распределять права доступа к ней, редактировать данные и исправлять ошибки..</a:t>
-            </a:r>
-          </a:p>
-          <a:p>
-            <a:endParaRPr lang="ru-RU" dirty="0"/>
-          </a:p>
-        </p:txBody>
-      </p:sp>
+      <p:graphicFrame>
+        <p:nvGraphicFramePr>
+          <p:cNvPr id="5" name="Таблица 4"/>
+          <p:cNvGraphicFramePr>
+            <a:graphicFrameLocks noGrp="1"/>
+          </p:cNvGraphicFramePr>
+          <p:nvPr>
+            <p:extLst>
+              <p:ext uri="{D42A27DB-BD31-4B8C-83A1-F6EECF244321}">
+                <p14:modId xmlns:p14="http://schemas.microsoft.com/office/powerpoint/2010/main" val="3148117977"/>
+              </p:ext>
+            </p:extLst>
+          </p:nvPr>
+        </p:nvGraphicFramePr>
+        <p:xfrm>
+          <a:off x="552449" y="866417"/>
+          <a:ext cx="7943851" cy="3975379"/>
+        </p:xfrm>
+        <a:graphic>
+          <a:graphicData uri="http://schemas.openxmlformats.org/drawingml/2006/table">
+            <a:tbl>
+              <a:tblPr firstRow="1" bandRow="1">
+                <a:tableStyleId>{22838BEF-8BB2-4498-84A7-C5851F593DF1}</a:tableStyleId>
+              </a:tblPr>
+              <a:tblGrid>
+                <a:gridCol w="514591">
+                  <a:extLst>
+                    <a:ext uri="{9D8B030D-6E8A-4147-A177-3AD203B41FA5}">
+                      <a16:colId xmlns:a16="http://schemas.microsoft.com/office/drawing/2014/main" val="1860208391"/>
+                    </a:ext>
+                  </a:extLst>
+                </a:gridCol>
+                <a:gridCol w="2729695">
+                  <a:extLst>
+                    <a:ext uri="{9D8B030D-6E8A-4147-A177-3AD203B41FA5}">
+                      <a16:colId xmlns:a16="http://schemas.microsoft.com/office/drawing/2014/main" val="1153529259"/>
+                    </a:ext>
+                  </a:extLst>
+                </a:gridCol>
+                <a:gridCol w="1969870">
+                  <a:extLst>
+                    <a:ext uri="{9D8B030D-6E8A-4147-A177-3AD203B41FA5}">
+                      <a16:colId xmlns:a16="http://schemas.microsoft.com/office/drawing/2014/main" val="4244959067"/>
+                    </a:ext>
+                  </a:extLst>
+                </a:gridCol>
+                <a:gridCol w="2729695">
+                  <a:extLst>
+                    <a:ext uri="{9D8B030D-6E8A-4147-A177-3AD203B41FA5}">
+                      <a16:colId xmlns:a16="http://schemas.microsoft.com/office/drawing/2014/main" val="1119395505"/>
+                    </a:ext>
+                  </a:extLst>
+                </a:gridCol>
+              </a:tblGrid>
+              <a:tr h="421444">
+                <a:tc>
+                  <a:txBody>
+                    <a:bodyPr/>
+                    <a:lstStyle/>
+                    <a:p>
+                      <a:pPr algn="ctr">
+                        <a:lnSpc>
+                          <a:spcPct val="107000"/>
+                        </a:lnSpc>
+                        <a:spcAft>
+                          <a:spcPts val="0"/>
+                        </a:spcAft>
+                      </a:pPr>
+                      <a:r>
+                        <a:rPr lang="ru-RU" sz="1400" b="1" dirty="0">
+                          <a:solidFill>
+                            <a:srgbClr val="000000"/>
+                          </a:solidFill>
+                          <a:effectLst/>
+                          <a:latin typeface="Fira Sans" panose="020B0503050000020004" pitchFamily="34" charset="0"/>
+                          <a:ea typeface="Calibri" panose="020F0502020204030204" pitchFamily="34" charset="0"/>
+                          <a:cs typeface="Times New Roman" panose="02020603050405020304" pitchFamily="18" charset="0"/>
+                        </a:rPr>
+                        <a:t>№</a:t>
+                      </a:r>
+                      <a:endParaRPr lang="ru-RU" sz="1400" dirty="0">
+                        <a:solidFill>
+                          <a:srgbClr val="000000"/>
+                        </a:solidFill>
+                        <a:effectLst/>
+                        <a:latin typeface="Fira Sans" panose="020B0503050000020004" pitchFamily="34" charset="0"/>
+                        <a:ea typeface="Calibri" panose="020F0502020204030204" pitchFamily="34" charset="0"/>
+                        <a:cs typeface="Times New Roman" panose="02020603050405020304" pitchFamily="18" charset="0"/>
+                      </a:endParaRPr>
+                    </a:p>
+                    <a:p>
+                      <a:pPr algn="ctr">
+                        <a:lnSpc>
+                          <a:spcPct val="107000"/>
+                        </a:lnSpc>
+                        <a:spcAft>
+                          <a:spcPts val="0"/>
+                        </a:spcAft>
+                      </a:pPr>
+                      <a:r>
+                        <a:rPr lang="ru-RU" sz="1400" b="1" dirty="0">
+                          <a:solidFill>
+                            <a:srgbClr val="000000"/>
+                          </a:solidFill>
+                          <a:effectLst/>
+                          <a:latin typeface="Fira Sans" panose="020B0503050000020004" pitchFamily="34" charset="0"/>
+                          <a:ea typeface="Calibri" panose="020F0502020204030204" pitchFamily="34" charset="0"/>
+                          <a:cs typeface="Times New Roman" panose="02020603050405020304" pitchFamily="18" charset="0"/>
+                        </a:rPr>
+                        <a:t>п/п</a:t>
+                      </a:r>
+                      <a:endParaRPr lang="ru-RU" sz="1400" dirty="0">
+                        <a:solidFill>
+                          <a:srgbClr val="000000"/>
+                        </a:solidFill>
+                        <a:effectLst/>
+                        <a:latin typeface="Fira Sans" panose="020B0503050000020004" pitchFamily="34" charset="0"/>
+                        <a:ea typeface="Calibri" panose="020F0502020204030204" pitchFamily="34" charset="0"/>
+                        <a:cs typeface="Times New Roman" panose="02020603050405020304" pitchFamily="18" charset="0"/>
+                      </a:endParaRPr>
+                    </a:p>
+                  </a:txBody>
+                  <a:tcPr marL="68580" marR="68580" marT="0" marB="0"/>
+                </a:tc>
+                <a:tc>
+                  <a:txBody>
+                    <a:bodyPr/>
+                    <a:lstStyle/>
+                    <a:p>
+                      <a:pPr algn="ctr">
+                        <a:lnSpc>
+                          <a:spcPct val="107000"/>
+                        </a:lnSpc>
+                        <a:spcAft>
+                          <a:spcPts val="0"/>
+                        </a:spcAft>
+                      </a:pPr>
+                      <a:r>
+                        <a:rPr lang="ru-RU" sz="1400" b="1">
+                          <a:solidFill>
+                            <a:srgbClr val="000000"/>
+                          </a:solidFill>
+                          <a:effectLst/>
+                          <a:latin typeface="Fira Sans" panose="020B0503050000020004" pitchFamily="34" charset="0"/>
+                          <a:ea typeface="Calibri" panose="020F0502020204030204" pitchFamily="34" charset="0"/>
+                          <a:cs typeface="Times New Roman" panose="02020603050405020304" pitchFamily="18" charset="0"/>
+                        </a:rPr>
+                        <a:t>Наименование статей затрат</a:t>
+                      </a:r>
+                      <a:endParaRPr lang="ru-RU" sz="1400">
+                        <a:solidFill>
+                          <a:srgbClr val="000000"/>
+                        </a:solidFill>
+                        <a:effectLst/>
+                        <a:latin typeface="Fira Sans" panose="020B0503050000020004" pitchFamily="34" charset="0"/>
+                        <a:ea typeface="Calibri" panose="020F0502020204030204" pitchFamily="34" charset="0"/>
+                        <a:cs typeface="Times New Roman" panose="02020603050405020304" pitchFamily="18" charset="0"/>
+                      </a:endParaRPr>
+                    </a:p>
+                  </a:txBody>
+                  <a:tcPr marL="68580" marR="68580" marT="0" marB="0"/>
+                </a:tc>
+                <a:tc>
+                  <a:txBody>
+                    <a:bodyPr/>
+                    <a:lstStyle/>
+                    <a:p>
+                      <a:pPr algn="ctr">
+                        <a:lnSpc>
+                          <a:spcPct val="107000"/>
+                        </a:lnSpc>
+                        <a:spcAft>
+                          <a:spcPts val="0"/>
+                        </a:spcAft>
+                      </a:pPr>
+                      <a:r>
+                        <a:rPr lang="ru-RU" sz="1400" b="1">
+                          <a:solidFill>
+                            <a:srgbClr val="000000"/>
+                          </a:solidFill>
+                          <a:effectLst/>
+                          <a:latin typeface="Fira Sans" panose="020B0503050000020004" pitchFamily="34" charset="0"/>
+                          <a:ea typeface="Calibri" panose="020F0502020204030204" pitchFamily="34" charset="0"/>
+                          <a:cs typeface="Times New Roman" panose="02020603050405020304" pitchFamily="18" charset="0"/>
+                        </a:rPr>
+                        <a:t>Обозначение</a:t>
+                      </a:r>
+                      <a:endParaRPr lang="ru-RU" sz="1400">
+                        <a:solidFill>
+                          <a:srgbClr val="000000"/>
+                        </a:solidFill>
+                        <a:effectLst/>
+                        <a:latin typeface="Fira Sans" panose="020B0503050000020004" pitchFamily="34" charset="0"/>
+                        <a:ea typeface="Calibri" panose="020F0502020204030204" pitchFamily="34" charset="0"/>
+                        <a:cs typeface="Times New Roman" panose="02020603050405020304" pitchFamily="18" charset="0"/>
+                      </a:endParaRPr>
+                    </a:p>
+                  </a:txBody>
+                  <a:tcPr marL="68580" marR="68580" marT="0" marB="0"/>
+                </a:tc>
+                <a:tc>
+                  <a:txBody>
+                    <a:bodyPr/>
+                    <a:lstStyle/>
+                    <a:p>
+                      <a:pPr algn="ctr">
+                        <a:lnSpc>
+                          <a:spcPct val="107000"/>
+                        </a:lnSpc>
+                        <a:spcAft>
+                          <a:spcPts val="0"/>
+                        </a:spcAft>
+                      </a:pPr>
+                      <a:r>
+                        <a:rPr lang="ru-RU" sz="1400" b="1" dirty="0">
+                          <a:solidFill>
+                            <a:srgbClr val="000000"/>
+                          </a:solidFill>
+                          <a:effectLst/>
+                          <a:latin typeface="Fira Sans" panose="020B0503050000020004" pitchFamily="34" charset="0"/>
+                          <a:ea typeface="Calibri" panose="020F0502020204030204" pitchFamily="34" charset="0"/>
+                          <a:cs typeface="Times New Roman" panose="02020603050405020304" pitchFamily="18" charset="0"/>
+                        </a:rPr>
+                        <a:t>Сумма, руб.</a:t>
+                      </a:r>
+                      <a:endParaRPr lang="ru-RU" sz="1400" dirty="0">
+                        <a:solidFill>
+                          <a:srgbClr val="000000"/>
+                        </a:solidFill>
+                        <a:effectLst/>
+                        <a:latin typeface="Fira Sans" panose="020B0503050000020004" pitchFamily="34" charset="0"/>
+                        <a:ea typeface="Calibri" panose="020F0502020204030204" pitchFamily="34" charset="0"/>
+                        <a:cs typeface="Times New Roman" panose="02020603050405020304" pitchFamily="18" charset="0"/>
+                      </a:endParaRPr>
+                    </a:p>
+                  </a:txBody>
+                  <a:tcPr marL="68580" marR="68580" marT="0" marB="0"/>
+                </a:tc>
+                <a:extLst>
+                  <a:ext uri="{0D108BD9-81ED-4DB2-BD59-A6C34878D82A}">
+                    <a16:rowId xmlns:a16="http://schemas.microsoft.com/office/drawing/2014/main" val="4145637260"/>
+                  </a:ext>
+                </a:extLst>
+              </a:tr>
+              <a:tr h="421444">
+                <a:tc>
+                  <a:txBody>
+                    <a:bodyPr/>
+                    <a:lstStyle/>
+                    <a:p>
+                      <a:pPr algn="just">
+                        <a:lnSpc>
+                          <a:spcPct val="107000"/>
+                        </a:lnSpc>
+                        <a:spcAft>
+                          <a:spcPts val="0"/>
+                        </a:spcAft>
+                      </a:pPr>
+                      <a:r>
+                        <a:rPr lang="ru-RU" sz="1200">
+                          <a:solidFill>
+                            <a:srgbClr val="000000"/>
+                          </a:solidFill>
+                          <a:effectLst/>
+                          <a:latin typeface="Fira Sans" panose="020B0503050000020004" pitchFamily="34" charset="0"/>
+                          <a:ea typeface="Calibri" panose="020F0502020204030204" pitchFamily="34" charset="0"/>
+                          <a:cs typeface="Times New Roman" panose="02020603050405020304" pitchFamily="18" charset="0"/>
+                        </a:rPr>
+                        <a:t>1</a:t>
+                      </a:r>
+                      <a:endParaRPr lang="ru-RU" sz="1100">
+                        <a:solidFill>
+                          <a:srgbClr val="000000"/>
+                        </a:solidFill>
+                        <a:effectLst/>
+                        <a:latin typeface="Fira Sans" panose="020B0503050000020004" pitchFamily="34" charset="0"/>
+                        <a:ea typeface="Calibri" panose="020F0502020204030204" pitchFamily="34" charset="0"/>
+                        <a:cs typeface="Times New Roman" panose="02020603050405020304" pitchFamily="18" charset="0"/>
+                      </a:endParaRPr>
+                    </a:p>
+                  </a:txBody>
+                  <a:tcPr marL="68580" marR="68580" marT="0" marB="0"/>
+                </a:tc>
+                <a:tc>
+                  <a:txBody>
+                    <a:bodyPr/>
+                    <a:lstStyle/>
+                    <a:p>
+                      <a:pPr algn="just">
+                        <a:lnSpc>
+                          <a:spcPct val="107000"/>
+                        </a:lnSpc>
+                        <a:spcAft>
+                          <a:spcPts val="0"/>
+                        </a:spcAft>
+                      </a:pPr>
+                      <a:r>
+                        <a:rPr lang="ru-RU" sz="1200" dirty="0">
+                          <a:solidFill>
+                            <a:srgbClr val="000000"/>
+                          </a:solidFill>
+                          <a:effectLst/>
+                          <a:latin typeface="Fira Sans" panose="020B0503050000020004" pitchFamily="34" charset="0"/>
+                          <a:ea typeface="Calibri" panose="020F0502020204030204" pitchFamily="34" charset="0"/>
+                          <a:cs typeface="Times New Roman" panose="02020603050405020304" pitchFamily="18" charset="0"/>
+                        </a:rPr>
+                        <a:t>Затраты на материалы</a:t>
+                      </a:r>
+                      <a:endParaRPr lang="ru-RU" sz="1100" dirty="0">
+                        <a:solidFill>
+                          <a:srgbClr val="000000"/>
+                        </a:solidFill>
+                        <a:effectLst/>
+                        <a:latin typeface="Fira Sans" panose="020B0503050000020004" pitchFamily="34" charset="0"/>
+                        <a:ea typeface="Calibri" panose="020F0502020204030204" pitchFamily="34" charset="0"/>
+                        <a:cs typeface="Times New Roman" panose="02020603050405020304" pitchFamily="18" charset="0"/>
+                      </a:endParaRPr>
+                    </a:p>
+                  </a:txBody>
+                  <a:tcPr marL="68580" marR="68580" marT="0" marB="0"/>
+                </a:tc>
+                <a:tc>
+                  <a:txBody>
+                    <a:bodyPr/>
+                    <a:lstStyle/>
+                    <a:p>
+                      <a:pPr algn="ctr">
+                        <a:lnSpc>
+                          <a:spcPct val="107000"/>
+                        </a:lnSpc>
+                        <a:spcAft>
+                          <a:spcPts val="0"/>
+                        </a:spcAft>
+                      </a:pPr>
+                      <a:r>
+                        <a:rPr lang="ru-RU" sz="1200">
+                          <a:solidFill>
+                            <a:srgbClr val="000000"/>
+                          </a:solidFill>
+                          <a:effectLst/>
+                          <a:latin typeface="Fira Sans" panose="020B0503050000020004" pitchFamily="34" charset="0"/>
+                          <a:ea typeface="Calibri" panose="020F0502020204030204" pitchFamily="34" charset="0"/>
+                          <a:cs typeface="Times New Roman" panose="02020603050405020304" pitchFamily="18" charset="0"/>
+                        </a:rPr>
+                        <a:t>З</a:t>
+                      </a:r>
+                      <a:r>
+                        <a:rPr lang="ru-RU" sz="1200" baseline="-25000">
+                          <a:solidFill>
+                            <a:srgbClr val="000000"/>
+                          </a:solidFill>
+                          <a:effectLst/>
+                          <a:latin typeface="Fira Sans" panose="020B0503050000020004" pitchFamily="34" charset="0"/>
+                          <a:ea typeface="Calibri" panose="020F0502020204030204" pitchFamily="34" charset="0"/>
+                          <a:cs typeface="Times New Roman" panose="02020603050405020304" pitchFamily="18" charset="0"/>
+                        </a:rPr>
+                        <a:t>М</a:t>
+                      </a:r>
+                      <a:endParaRPr lang="ru-RU" sz="1100">
+                        <a:solidFill>
+                          <a:srgbClr val="000000"/>
+                        </a:solidFill>
+                        <a:effectLst/>
+                        <a:latin typeface="Fira Sans" panose="020B0503050000020004" pitchFamily="34" charset="0"/>
+                        <a:ea typeface="Calibri" panose="020F0502020204030204" pitchFamily="34" charset="0"/>
+                        <a:cs typeface="Times New Roman" panose="02020603050405020304" pitchFamily="18" charset="0"/>
+                      </a:endParaRPr>
+                    </a:p>
+                  </a:txBody>
+                  <a:tcPr marL="68580" marR="68580" marT="0" marB="0"/>
+                </a:tc>
+                <a:tc>
+                  <a:txBody>
+                    <a:bodyPr/>
+                    <a:lstStyle/>
+                    <a:p>
+                      <a:pPr algn="ctr">
+                        <a:lnSpc>
+                          <a:spcPct val="107000"/>
+                        </a:lnSpc>
+                        <a:spcAft>
+                          <a:spcPts val="0"/>
+                        </a:spcAft>
+                      </a:pPr>
+                      <a:r>
+                        <a:rPr lang="ru-RU" sz="1200">
+                          <a:solidFill>
+                            <a:srgbClr val="000000"/>
+                          </a:solidFill>
+                          <a:effectLst/>
+                          <a:latin typeface="Fira Sans" panose="020B0503050000020004" pitchFamily="34" charset="0"/>
+                          <a:ea typeface="Times New Roman" panose="02020603050405020304" pitchFamily="18" charset="0"/>
+                          <a:cs typeface="Times New Roman" panose="02020603050405020304" pitchFamily="18" charset="0"/>
+                        </a:rPr>
+                        <a:t>11 410</a:t>
+                      </a:r>
+                      <a:endParaRPr lang="ru-RU" sz="1100">
+                        <a:solidFill>
+                          <a:srgbClr val="000000"/>
+                        </a:solidFill>
+                        <a:effectLst/>
+                        <a:latin typeface="Fira Sans" panose="020B0503050000020004" pitchFamily="34" charset="0"/>
+                        <a:ea typeface="Calibri" panose="020F0502020204030204" pitchFamily="34" charset="0"/>
+                        <a:cs typeface="Times New Roman" panose="02020603050405020304" pitchFamily="18" charset="0"/>
+                      </a:endParaRPr>
+                    </a:p>
+                  </a:txBody>
+                  <a:tcPr marL="68580" marR="68580" marT="0" marB="0"/>
+                </a:tc>
+                <a:extLst>
+                  <a:ext uri="{0D108BD9-81ED-4DB2-BD59-A6C34878D82A}">
+                    <a16:rowId xmlns:a16="http://schemas.microsoft.com/office/drawing/2014/main" val="3845388578"/>
+                  </a:ext>
+                </a:extLst>
+              </a:tr>
+              <a:tr h="421444">
+                <a:tc>
+                  <a:txBody>
+                    <a:bodyPr/>
+                    <a:lstStyle/>
+                    <a:p>
+                      <a:pPr algn="just">
+                        <a:lnSpc>
+                          <a:spcPct val="107000"/>
+                        </a:lnSpc>
+                        <a:spcAft>
+                          <a:spcPts val="0"/>
+                        </a:spcAft>
+                      </a:pPr>
+                      <a:r>
+                        <a:rPr lang="ru-RU" sz="1200">
+                          <a:solidFill>
+                            <a:srgbClr val="000000"/>
+                          </a:solidFill>
+                          <a:effectLst/>
+                          <a:latin typeface="Fira Sans" panose="020B0503050000020004" pitchFamily="34" charset="0"/>
+                          <a:ea typeface="Calibri" panose="020F0502020204030204" pitchFamily="34" charset="0"/>
+                          <a:cs typeface="Times New Roman" panose="02020603050405020304" pitchFamily="18" charset="0"/>
+                        </a:rPr>
+                        <a:t>2</a:t>
+                      </a:r>
+                      <a:endParaRPr lang="ru-RU" sz="1100">
+                        <a:solidFill>
+                          <a:srgbClr val="000000"/>
+                        </a:solidFill>
+                        <a:effectLst/>
+                        <a:latin typeface="Fira Sans" panose="020B0503050000020004" pitchFamily="34" charset="0"/>
+                        <a:ea typeface="Calibri" panose="020F0502020204030204" pitchFamily="34" charset="0"/>
+                        <a:cs typeface="Times New Roman" panose="02020603050405020304" pitchFamily="18" charset="0"/>
+                      </a:endParaRPr>
+                    </a:p>
+                  </a:txBody>
+                  <a:tcPr marL="68580" marR="68580" marT="0" marB="0"/>
+                </a:tc>
+                <a:tc>
+                  <a:txBody>
+                    <a:bodyPr/>
+                    <a:lstStyle/>
+                    <a:p>
+                      <a:pPr algn="just">
+                        <a:lnSpc>
+                          <a:spcPct val="107000"/>
+                        </a:lnSpc>
+                        <a:spcAft>
+                          <a:spcPts val="0"/>
+                        </a:spcAft>
+                      </a:pPr>
+                      <a:r>
+                        <a:rPr lang="ru-RU" sz="1200" dirty="0">
+                          <a:solidFill>
+                            <a:srgbClr val="000000"/>
+                          </a:solidFill>
+                          <a:effectLst/>
+                          <a:latin typeface="Fira Sans" panose="020B0503050000020004" pitchFamily="34" charset="0"/>
+                          <a:ea typeface="Calibri" panose="020F0502020204030204" pitchFamily="34" charset="0"/>
+                          <a:cs typeface="Times New Roman" panose="02020603050405020304" pitchFamily="18" charset="0"/>
+                        </a:rPr>
+                        <a:t>Эксплуатационные затраты (ф.5)</a:t>
+                      </a:r>
+                      <a:endParaRPr lang="ru-RU" sz="1100" dirty="0">
+                        <a:solidFill>
+                          <a:srgbClr val="000000"/>
+                        </a:solidFill>
+                        <a:effectLst/>
+                        <a:latin typeface="Fira Sans" panose="020B0503050000020004" pitchFamily="34" charset="0"/>
+                        <a:ea typeface="Calibri" panose="020F0502020204030204" pitchFamily="34" charset="0"/>
+                        <a:cs typeface="Times New Roman" panose="02020603050405020304" pitchFamily="18" charset="0"/>
+                      </a:endParaRPr>
+                    </a:p>
+                  </a:txBody>
+                  <a:tcPr marL="68580" marR="68580" marT="0" marB="0"/>
+                </a:tc>
+                <a:tc>
+                  <a:txBody>
+                    <a:bodyPr/>
+                    <a:lstStyle/>
+                    <a:p>
+                      <a:pPr algn="ctr">
+                        <a:lnSpc>
+                          <a:spcPct val="107000"/>
+                        </a:lnSpc>
+                        <a:spcAft>
+                          <a:spcPts val="0"/>
+                        </a:spcAft>
+                      </a:pPr>
+                      <a:r>
+                        <a:rPr lang="ru-RU" sz="1200">
+                          <a:solidFill>
+                            <a:srgbClr val="000000"/>
+                          </a:solidFill>
+                          <a:effectLst/>
+                          <a:latin typeface="Fira Sans" panose="020B0503050000020004" pitchFamily="34" charset="0"/>
+                          <a:ea typeface="Times New Roman" panose="02020603050405020304" pitchFamily="18" charset="0"/>
+                          <a:cs typeface="Times New Roman" panose="02020603050405020304" pitchFamily="18" charset="0"/>
+                        </a:rPr>
+                        <a:t>Эз</a:t>
+                      </a:r>
+                      <a:endParaRPr lang="ru-RU" sz="1100">
+                        <a:solidFill>
+                          <a:srgbClr val="000000"/>
+                        </a:solidFill>
+                        <a:effectLst/>
+                        <a:latin typeface="Fira Sans" panose="020B0503050000020004" pitchFamily="34" charset="0"/>
+                        <a:ea typeface="Calibri" panose="020F0502020204030204" pitchFamily="34" charset="0"/>
+                        <a:cs typeface="Times New Roman" panose="02020603050405020304" pitchFamily="18" charset="0"/>
+                      </a:endParaRPr>
+                    </a:p>
+                  </a:txBody>
+                  <a:tcPr marL="68580" marR="68580" marT="0" marB="0"/>
+                </a:tc>
+                <a:tc>
+                  <a:txBody>
+                    <a:bodyPr/>
+                    <a:lstStyle/>
+                    <a:p>
+                      <a:pPr algn="ctr">
+                        <a:lnSpc>
+                          <a:spcPct val="107000"/>
+                        </a:lnSpc>
+                        <a:spcAft>
+                          <a:spcPts val="0"/>
+                        </a:spcAft>
+                      </a:pPr>
+                      <a:r>
+                        <a:rPr lang="ru-RU" sz="1200">
+                          <a:solidFill>
+                            <a:srgbClr val="000000"/>
+                          </a:solidFill>
+                          <a:effectLst/>
+                          <a:latin typeface="Fira Sans" panose="020B0503050000020004" pitchFamily="34" charset="0"/>
+                          <a:ea typeface="Times New Roman" panose="02020603050405020304" pitchFamily="18" charset="0"/>
+                          <a:cs typeface="Times New Roman" panose="02020603050405020304" pitchFamily="18" charset="0"/>
+                        </a:rPr>
+                        <a:t>31 095</a:t>
+                      </a:r>
+                      <a:endParaRPr lang="ru-RU" sz="1100">
+                        <a:solidFill>
+                          <a:srgbClr val="000000"/>
+                        </a:solidFill>
+                        <a:effectLst/>
+                        <a:latin typeface="Fira Sans" panose="020B0503050000020004" pitchFamily="34" charset="0"/>
+                        <a:ea typeface="Calibri" panose="020F0502020204030204" pitchFamily="34" charset="0"/>
+                        <a:cs typeface="Times New Roman" panose="02020603050405020304" pitchFamily="18" charset="0"/>
+                      </a:endParaRPr>
+                    </a:p>
+                  </a:txBody>
+                  <a:tcPr marL="68580" marR="68580" marT="0" marB="0"/>
+                </a:tc>
+                <a:extLst>
+                  <a:ext uri="{0D108BD9-81ED-4DB2-BD59-A6C34878D82A}">
+                    <a16:rowId xmlns:a16="http://schemas.microsoft.com/office/drawing/2014/main" val="2056924829"/>
+                  </a:ext>
+                </a:extLst>
+              </a:tr>
+              <a:tr h="421444">
+                <a:tc>
+                  <a:txBody>
+                    <a:bodyPr/>
+                    <a:lstStyle/>
+                    <a:p>
+                      <a:pPr algn="just">
+                        <a:lnSpc>
+                          <a:spcPct val="107000"/>
+                        </a:lnSpc>
+                        <a:spcAft>
+                          <a:spcPts val="0"/>
+                        </a:spcAft>
+                      </a:pPr>
+                      <a:r>
+                        <a:rPr lang="ru-RU" sz="1200">
+                          <a:solidFill>
+                            <a:srgbClr val="000000"/>
+                          </a:solidFill>
+                          <a:effectLst/>
+                          <a:latin typeface="Fira Sans" panose="020B0503050000020004" pitchFamily="34" charset="0"/>
+                          <a:ea typeface="Times New Roman" panose="02020603050405020304" pitchFamily="18" charset="0"/>
+                          <a:cs typeface="Times New Roman" panose="02020603050405020304" pitchFamily="18" charset="0"/>
+                        </a:rPr>
+                        <a:t>3</a:t>
+                      </a:r>
+                      <a:endParaRPr lang="ru-RU" sz="1100">
+                        <a:solidFill>
+                          <a:srgbClr val="000000"/>
+                        </a:solidFill>
+                        <a:effectLst/>
+                        <a:latin typeface="Fira Sans" panose="020B0503050000020004" pitchFamily="34" charset="0"/>
+                        <a:ea typeface="Calibri" panose="020F0502020204030204" pitchFamily="34" charset="0"/>
+                        <a:cs typeface="Times New Roman" panose="02020603050405020304" pitchFamily="18" charset="0"/>
+                      </a:endParaRPr>
+                    </a:p>
+                  </a:txBody>
+                  <a:tcPr marL="68580" marR="68580" marT="0" marB="0"/>
+                </a:tc>
+                <a:tc>
+                  <a:txBody>
+                    <a:bodyPr/>
+                    <a:lstStyle/>
+                    <a:p>
+                      <a:pPr algn="just">
+                        <a:lnSpc>
+                          <a:spcPct val="107000"/>
+                        </a:lnSpc>
+                        <a:spcAft>
+                          <a:spcPts val="0"/>
+                        </a:spcAft>
+                      </a:pPr>
+                      <a:r>
+                        <a:rPr lang="ru-RU" sz="1200" dirty="0">
+                          <a:solidFill>
+                            <a:srgbClr val="000000"/>
+                          </a:solidFill>
+                          <a:effectLst/>
+                          <a:latin typeface="Fira Sans" panose="020B0503050000020004" pitchFamily="34" charset="0"/>
+                          <a:ea typeface="Times New Roman" panose="02020603050405020304" pitchFamily="18" charset="0"/>
+                          <a:cs typeface="Times New Roman" panose="02020603050405020304" pitchFamily="18" charset="0"/>
+                        </a:rPr>
+                        <a:t>Фонд оплаты труда (ф.2)</a:t>
+                      </a:r>
+                      <a:endParaRPr lang="ru-RU" sz="1100" dirty="0">
+                        <a:solidFill>
+                          <a:srgbClr val="000000"/>
+                        </a:solidFill>
+                        <a:effectLst/>
+                        <a:latin typeface="Fira Sans" panose="020B0503050000020004" pitchFamily="34" charset="0"/>
+                        <a:ea typeface="Calibri" panose="020F0502020204030204" pitchFamily="34" charset="0"/>
+                        <a:cs typeface="Times New Roman" panose="02020603050405020304" pitchFamily="18" charset="0"/>
+                      </a:endParaRPr>
+                    </a:p>
+                  </a:txBody>
+                  <a:tcPr marL="68580" marR="68580" marT="0" marB="0"/>
+                </a:tc>
+                <a:tc>
+                  <a:txBody>
+                    <a:bodyPr/>
+                    <a:lstStyle/>
+                    <a:p>
+                      <a:pPr algn="ctr">
+                        <a:lnSpc>
+                          <a:spcPct val="107000"/>
+                        </a:lnSpc>
+                        <a:spcAft>
+                          <a:spcPts val="0"/>
+                        </a:spcAft>
+                      </a:pPr>
+                      <a:r>
+                        <a:rPr lang="ru-RU" sz="1200">
+                          <a:solidFill>
+                            <a:srgbClr val="000000"/>
+                          </a:solidFill>
+                          <a:effectLst/>
+                          <a:latin typeface="Fira Sans" panose="020B0503050000020004" pitchFamily="34" charset="0"/>
+                          <a:ea typeface="Times New Roman" panose="02020603050405020304" pitchFamily="18" charset="0"/>
+                          <a:cs typeface="Times New Roman" panose="02020603050405020304" pitchFamily="18" charset="0"/>
+                        </a:rPr>
+                        <a:t>ФОТ</a:t>
+                      </a:r>
+                      <a:endParaRPr lang="ru-RU" sz="1100">
+                        <a:solidFill>
+                          <a:srgbClr val="000000"/>
+                        </a:solidFill>
+                        <a:effectLst/>
+                        <a:latin typeface="Fira Sans" panose="020B0503050000020004" pitchFamily="34" charset="0"/>
+                        <a:ea typeface="Calibri" panose="020F0502020204030204" pitchFamily="34" charset="0"/>
+                        <a:cs typeface="Times New Roman" panose="02020603050405020304" pitchFamily="18" charset="0"/>
+                      </a:endParaRPr>
+                    </a:p>
+                  </a:txBody>
+                  <a:tcPr marL="68580" marR="68580" marT="0" marB="0"/>
+                </a:tc>
+                <a:tc>
+                  <a:txBody>
+                    <a:bodyPr/>
+                    <a:lstStyle/>
+                    <a:p>
+                      <a:pPr algn="ctr">
+                        <a:lnSpc>
+                          <a:spcPct val="107000"/>
+                        </a:lnSpc>
+                        <a:spcAft>
+                          <a:spcPts val="0"/>
+                        </a:spcAft>
+                      </a:pPr>
+                      <a:r>
+                        <a:rPr lang="ru-RU" sz="1200">
+                          <a:solidFill>
+                            <a:srgbClr val="000000"/>
+                          </a:solidFill>
+                          <a:effectLst/>
+                          <a:latin typeface="Fira Sans" panose="020B0503050000020004" pitchFamily="34" charset="0"/>
+                          <a:ea typeface="Times New Roman" panose="02020603050405020304" pitchFamily="18" charset="0"/>
+                          <a:cs typeface="Times New Roman" panose="02020603050405020304" pitchFamily="18" charset="0"/>
+                        </a:rPr>
+                        <a:t>32 916</a:t>
+                      </a:r>
+                      <a:endParaRPr lang="ru-RU" sz="1100">
+                        <a:solidFill>
+                          <a:srgbClr val="000000"/>
+                        </a:solidFill>
+                        <a:effectLst/>
+                        <a:latin typeface="Fira Sans" panose="020B0503050000020004" pitchFamily="34" charset="0"/>
+                        <a:ea typeface="Calibri" panose="020F0502020204030204" pitchFamily="34" charset="0"/>
+                        <a:cs typeface="Times New Roman" panose="02020603050405020304" pitchFamily="18" charset="0"/>
+                      </a:endParaRPr>
+                    </a:p>
+                  </a:txBody>
+                  <a:tcPr marL="68580" marR="68580" marT="0" marB="0"/>
+                </a:tc>
+                <a:extLst>
+                  <a:ext uri="{0D108BD9-81ED-4DB2-BD59-A6C34878D82A}">
+                    <a16:rowId xmlns:a16="http://schemas.microsoft.com/office/drawing/2014/main" val="3831319824"/>
+                  </a:ext>
+                </a:extLst>
+              </a:tr>
+              <a:tr h="421444">
+                <a:tc>
+                  <a:txBody>
+                    <a:bodyPr/>
+                    <a:lstStyle/>
+                    <a:p>
+                      <a:pPr algn="just">
+                        <a:lnSpc>
+                          <a:spcPct val="107000"/>
+                        </a:lnSpc>
+                        <a:spcAft>
+                          <a:spcPts val="0"/>
+                        </a:spcAft>
+                      </a:pPr>
+                      <a:r>
+                        <a:rPr lang="ru-RU" sz="1200">
+                          <a:solidFill>
+                            <a:srgbClr val="000000"/>
+                          </a:solidFill>
+                          <a:effectLst/>
+                          <a:latin typeface="Fira Sans" panose="020B0503050000020004" pitchFamily="34" charset="0"/>
+                          <a:ea typeface="Times New Roman" panose="02020603050405020304" pitchFamily="18" charset="0"/>
+                          <a:cs typeface="Times New Roman" panose="02020603050405020304" pitchFamily="18" charset="0"/>
+                        </a:rPr>
+                        <a:t>4</a:t>
+                      </a:r>
+                      <a:endParaRPr lang="ru-RU" sz="1100">
+                        <a:solidFill>
+                          <a:srgbClr val="000000"/>
+                        </a:solidFill>
+                        <a:effectLst/>
+                        <a:latin typeface="Fira Sans" panose="020B0503050000020004" pitchFamily="34" charset="0"/>
+                        <a:ea typeface="Calibri" panose="020F0502020204030204" pitchFamily="34" charset="0"/>
+                        <a:cs typeface="Times New Roman" panose="02020603050405020304" pitchFamily="18" charset="0"/>
+                      </a:endParaRPr>
+                    </a:p>
+                  </a:txBody>
+                  <a:tcPr marL="68580" marR="68580" marT="0" marB="0"/>
+                </a:tc>
+                <a:tc>
+                  <a:txBody>
+                    <a:bodyPr/>
+                    <a:lstStyle/>
+                    <a:p>
+                      <a:pPr algn="just">
+                        <a:lnSpc>
+                          <a:spcPct val="107000"/>
+                        </a:lnSpc>
+                        <a:spcAft>
+                          <a:spcPts val="0"/>
+                        </a:spcAft>
+                      </a:pPr>
+                      <a:r>
+                        <a:rPr lang="ru-RU" sz="1200" dirty="0">
+                          <a:solidFill>
+                            <a:srgbClr val="000000"/>
+                          </a:solidFill>
+                          <a:effectLst/>
+                          <a:latin typeface="Fira Sans" panose="020B0503050000020004" pitchFamily="34" charset="0"/>
+                          <a:ea typeface="Times New Roman" panose="02020603050405020304" pitchFamily="18" charset="0"/>
+                          <a:cs typeface="Times New Roman" panose="02020603050405020304" pitchFamily="18" charset="0"/>
+                        </a:rPr>
+                        <a:t>Отчисления от фонда оплаты труда (ф.3)</a:t>
+                      </a:r>
+                      <a:endParaRPr lang="ru-RU" sz="1100" dirty="0">
+                        <a:solidFill>
+                          <a:srgbClr val="000000"/>
+                        </a:solidFill>
+                        <a:effectLst/>
+                        <a:latin typeface="Fira Sans" panose="020B0503050000020004" pitchFamily="34" charset="0"/>
+                        <a:ea typeface="Calibri" panose="020F0502020204030204" pitchFamily="34" charset="0"/>
+                        <a:cs typeface="Times New Roman" panose="02020603050405020304" pitchFamily="18" charset="0"/>
+                      </a:endParaRPr>
+                    </a:p>
+                  </a:txBody>
+                  <a:tcPr marL="68580" marR="68580" marT="0" marB="0"/>
+                </a:tc>
+                <a:tc>
+                  <a:txBody>
+                    <a:bodyPr/>
+                    <a:lstStyle/>
+                    <a:p>
+                      <a:pPr algn="ctr">
+                        <a:lnSpc>
+                          <a:spcPct val="107000"/>
+                        </a:lnSpc>
+                        <a:spcAft>
+                          <a:spcPts val="0"/>
+                        </a:spcAft>
+                      </a:pPr>
+                      <a:r>
+                        <a:rPr lang="ru-RU" sz="1200" dirty="0">
+                          <a:solidFill>
+                            <a:srgbClr val="000000"/>
+                          </a:solidFill>
+                          <a:effectLst/>
+                          <a:latin typeface="Fira Sans" panose="020B0503050000020004" pitchFamily="34" charset="0"/>
+                          <a:ea typeface="Times New Roman" panose="02020603050405020304" pitchFamily="18" charset="0"/>
+                          <a:cs typeface="Times New Roman" panose="02020603050405020304" pitchFamily="18" charset="0"/>
+                        </a:rPr>
+                        <a:t>О</a:t>
+                      </a:r>
+                      <a:r>
+                        <a:rPr lang="ru-RU" sz="1200" baseline="-25000" dirty="0">
+                          <a:solidFill>
+                            <a:srgbClr val="000000"/>
+                          </a:solidFill>
+                          <a:effectLst/>
+                          <a:latin typeface="Fira Sans" panose="020B0503050000020004" pitchFamily="34" charset="0"/>
+                          <a:ea typeface="Times New Roman" panose="02020603050405020304" pitchFamily="18" charset="0"/>
+                          <a:cs typeface="Times New Roman" panose="02020603050405020304" pitchFamily="18" charset="0"/>
+                        </a:rPr>
+                        <a:t>ФОТ</a:t>
+                      </a:r>
+                      <a:endParaRPr lang="ru-RU" sz="1100" dirty="0">
+                        <a:solidFill>
+                          <a:srgbClr val="000000"/>
+                        </a:solidFill>
+                        <a:effectLst/>
+                        <a:latin typeface="Fira Sans" panose="020B0503050000020004" pitchFamily="34" charset="0"/>
+                        <a:ea typeface="Calibri" panose="020F0502020204030204" pitchFamily="34" charset="0"/>
+                        <a:cs typeface="Times New Roman" panose="02020603050405020304" pitchFamily="18" charset="0"/>
+                      </a:endParaRPr>
+                    </a:p>
+                  </a:txBody>
+                  <a:tcPr marL="68580" marR="68580" marT="0" marB="0"/>
+                </a:tc>
+                <a:tc>
+                  <a:txBody>
+                    <a:bodyPr/>
+                    <a:lstStyle/>
+                    <a:p>
+                      <a:pPr algn="ctr">
+                        <a:lnSpc>
+                          <a:spcPct val="107000"/>
+                        </a:lnSpc>
+                        <a:spcAft>
+                          <a:spcPts val="0"/>
+                        </a:spcAft>
+                      </a:pPr>
+                      <a:r>
+                        <a:rPr lang="ru-RU" sz="1200">
+                          <a:solidFill>
+                            <a:srgbClr val="000000"/>
+                          </a:solidFill>
+                          <a:effectLst/>
+                          <a:latin typeface="Fira Sans" panose="020B0503050000020004" pitchFamily="34" charset="0"/>
+                          <a:ea typeface="Times New Roman" panose="02020603050405020304" pitchFamily="18" charset="0"/>
+                          <a:cs typeface="Times New Roman" panose="02020603050405020304" pitchFamily="18" charset="0"/>
+                        </a:rPr>
+                        <a:t>9 875</a:t>
+                      </a:r>
+                      <a:endParaRPr lang="ru-RU" sz="1100">
+                        <a:solidFill>
+                          <a:srgbClr val="000000"/>
+                        </a:solidFill>
+                        <a:effectLst/>
+                        <a:latin typeface="Fira Sans" panose="020B0503050000020004" pitchFamily="34" charset="0"/>
+                        <a:ea typeface="Calibri" panose="020F0502020204030204" pitchFamily="34" charset="0"/>
+                        <a:cs typeface="Times New Roman" panose="02020603050405020304" pitchFamily="18" charset="0"/>
+                      </a:endParaRPr>
+                    </a:p>
+                  </a:txBody>
+                  <a:tcPr marL="68580" marR="68580" marT="0" marB="0"/>
+                </a:tc>
+                <a:extLst>
+                  <a:ext uri="{0D108BD9-81ED-4DB2-BD59-A6C34878D82A}">
+                    <a16:rowId xmlns:a16="http://schemas.microsoft.com/office/drawing/2014/main" val="4126758887"/>
+                  </a:ext>
+                </a:extLst>
+              </a:tr>
+              <a:tr h="421444">
+                <a:tc>
+                  <a:txBody>
+                    <a:bodyPr/>
+                    <a:lstStyle/>
+                    <a:p>
+                      <a:pPr algn="just">
+                        <a:lnSpc>
+                          <a:spcPct val="107000"/>
+                        </a:lnSpc>
+                        <a:spcAft>
+                          <a:spcPts val="0"/>
+                        </a:spcAft>
+                      </a:pPr>
+                      <a:r>
+                        <a:rPr lang="ru-RU" sz="1200">
+                          <a:solidFill>
+                            <a:srgbClr val="000000"/>
+                          </a:solidFill>
+                          <a:effectLst/>
+                          <a:latin typeface="Fira Sans" panose="020B0503050000020004" pitchFamily="34" charset="0"/>
+                          <a:ea typeface="Calibri" panose="020F0502020204030204" pitchFamily="34" charset="0"/>
+                          <a:cs typeface="Times New Roman" panose="02020603050405020304" pitchFamily="18" charset="0"/>
+                        </a:rPr>
+                        <a:t>5</a:t>
+                      </a:r>
+                      <a:endParaRPr lang="ru-RU" sz="1100">
+                        <a:solidFill>
+                          <a:srgbClr val="000000"/>
+                        </a:solidFill>
+                        <a:effectLst/>
+                        <a:latin typeface="Fira Sans" panose="020B0503050000020004" pitchFamily="34" charset="0"/>
+                        <a:ea typeface="Calibri" panose="020F0502020204030204" pitchFamily="34" charset="0"/>
+                        <a:cs typeface="Times New Roman" panose="02020603050405020304" pitchFamily="18" charset="0"/>
+                      </a:endParaRPr>
+                    </a:p>
+                  </a:txBody>
+                  <a:tcPr marL="68580" marR="68580" marT="0" marB="0"/>
+                </a:tc>
+                <a:tc>
+                  <a:txBody>
+                    <a:bodyPr/>
+                    <a:lstStyle/>
+                    <a:p>
+                      <a:pPr algn="just">
+                        <a:lnSpc>
+                          <a:spcPct val="107000"/>
+                        </a:lnSpc>
+                        <a:spcAft>
+                          <a:spcPts val="0"/>
+                        </a:spcAft>
+                      </a:pPr>
+                      <a:r>
+                        <a:rPr lang="ru-RU" sz="1200">
+                          <a:solidFill>
+                            <a:srgbClr val="000000"/>
+                          </a:solidFill>
+                          <a:effectLst/>
+                          <a:latin typeface="Fira Sans" panose="020B0503050000020004" pitchFamily="34" charset="0"/>
+                          <a:ea typeface="Calibri" panose="020F0502020204030204" pitchFamily="34" charset="0"/>
+                          <a:cs typeface="Times New Roman" panose="02020603050405020304" pitchFamily="18" charset="0"/>
+                        </a:rPr>
+                        <a:t>Накладные расходы (ф.12)</a:t>
+                      </a:r>
+                      <a:endParaRPr lang="ru-RU" sz="1100">
+                        <a:solidFill>
+                          <a:srgbClr val="000000"/>
+                        </a:solidFill>
+                        <a:effectLst/>
+                        <a:latin typeface="Fira Sans" panose="020B0503050000020004" pitchFamily="34" charset="0"/>
+                        <a:ea typeface="Calibri" panose="020F0502020204030204" pitchFamily="34" charset="0"/>
+                        <a:cs typeface="Times New Roman" panose="02020603050405020304" pitchFamily="18" charset="0"/>
+                      </a:endParaRPr>
+                    </a:p>
+                  </a:txBody>
+                  <a:tcPr marL="68580" marR="68580" marT="0" marB="0"/>
+                </a:tc>
+                <a:tc>
+                  <a:txBody>
+                    <a:bodyPr/>
+                    <a:lstStyle/>
+                    <a:p>
+                      <a:pPr algn="ctr">
+                        <a:lnSpc>
+                          <a:spcPct val="107000"/>
+                        </a:lnSpc>
+                        <a:spcAft>
+                          <a:spcPts val="0"/>
+                        </a:spcAft>
+                      </a:pPr>
+                      <a:r>
+                        <a:rPr lang="ru-RU" sz="1200" dirty="0" err="1">
+                          <a:solidFill>
+                            <a:srgbClr val="000000"/>
+                          </a:solidFill>
+                          <a:effectLst/>
+                          <a:latin typeface="Fira Sans" panose="020B0503050000020004" pitchFamily="34" charset="0"/>
+                          <a:ea typeface="Calibri" panose="020F0502020204030204" pitchFamily="34" charset="0"/>
+                          <a:cs typeface="Times New Roman" panose="02020603050405020304" pitchFamily="18" charset="0"/>
+                        </a:rPr>
+                        <a:t>C</a:t>
+                      </a:r>
+                      <a:r>
+                        <a:rPr lang="ru-RU" sz="1200" baseline="-25000" dirty="0" err="1">
+                          <a:solidFill>
+                            <a:srgbClr val="000000"/>
+                          </a:solidFill>
+                          <a:effectLst/>
+                          <a:latin typeface="Fira Sans" panose="020B0503050000020004" pitchFamily="34" charset="0"/>
+                          <a:ea typeface="Calibri" panose="020F0502020204030204" pitchFamily="34" charset="0"/>
+                          <a:cs typeface="Times New Roman" panose="02020603050405020304" pitchFamily="18" charset="0"/>
+                        </a:rPr>
+                        <a:t>накл</a:t>
+                      </a:r>
+                      <a:endParaRPr lang="ru-RU" sz="1100" dirty="0">
+                        <a:solidFill>
+                          <a:srgbClr val="000000"/>
+                        </a:solidFill>
+                        <a:effectLst/>
+                        <a:latin typeface="Fira Sans" panose="020B0503050000020004" pitchFamily="34" charset="0"/>
+                        <a:ea typeface="Calibri" panose="020F0502020204030204" pitchFamily="34" charset="0"/>
+                        <a:cs typeface="Times New Roman" panose="02020603050405020304" pitchFamily="18" charset="0"/>
+                      </a:endParaRPr>
+                    </a:p>
+                  </a:txBody>
+                  <a:tcPr marL="68580" marR="68580" marT="0" marB="0"/>
+                </a:tc>
+                <a:tc>
+                  <a:txBody>
+                    <a:bodyPr/>
+                    <a:lstStyle/>
+                    <a:p>
+                      <a:pPr algn="ctr">
+                        <a:lnSpc>
+                          <a:spcPct val="107000"/>
+                        </a:lnSpc>
+                        <a:spcAft>
+                          <a:spcPts val="0"/>
+                        </a:spcAft>
+                      </a:pPr>
+                      <a:r>
+                        <a:rPr lang="ru-RU" sz="1200" dirty="0">
+                          <a:solidFill>
+                            <a:srgbClr val="000000"/>
+                          </a:solidFill>
+                          <a:effectLst/>
+                          <a:latin typeface="Fira Sans" panose="020B0503050000020004" pitchFamily="34" charset="0"/>
+                          <a:ea typeface="Times New Roman" panose="02020603050405020304" pitchFamily="18" charset="0"/>
+                          <a:cs typeface="Times New Roman" panose="02020603050405020304" pitchFamily="18" charset="0"/>
+                        </a:rPr>
+                        <a:t>13 166</a:t>
+                      </a:r>
+                      <a:endParaRPr lang="ru-RU" sz="1100" dirty="0">
+                        <a:solidFill>
+                          <a:srgbClr val="000000"/>
+                        </a:solidFill>
+                        <a:effectLst/>
+                        <a:latin typeface="Fira Sans" panose="020B0503050000020004" pitchFamily="34" charset="0"/>
+                        <a:ea typeface="Calibri" panose="020F0502020204030204" pitchFamily="34" charset="0"/>
+                        <a:cs typeface="Times New Roman" panose="02020603050405020304" pitchFamily="18" charset="0"/>
+                      </a:endParaRPr>
+                    </a:p>
+                  </a:txBody>
+                  <a:tcPr marL="68580" marR="68580" marT="0" marB="0"/>
+                </a:tc>
+                <a:extLst>
+                  <a:ext uri="{0D108BD9-81ED-4DB2-BD59-A6C34878D82A}">
+                    <a16:rowId xmlns:a16="http://schemas.microsoft.com/office/drawing/2014/main" val="3839379804"/>
+                  </a:ext>
+                </a:extLst>
+              </a:tr>
+              <a:tr h="567609">
+                <a:tc>
+                  <a:txBody>
+                    <a:bodyPr/>
+                    <a:lstStyle/>
+                    <a:p>
+                      <a:pPr algn="just">
+                        <a:lnSpc>
+                          <a:spcPct val="107000"/>
+                        </a:lnSpc>
+                        <a:spcAft>
+                          <a:spcPts val="0"/>
+                        </a:spcAft>
+                      </a:pPr>
+                      <a:r>
+                        <a:rPr lang="ru-RU" sz="1200">
+                          <a:solidFill>
+                            <a:srgbClr val="000000"/>
+                          </a:solidFill>
+                          <a:effectLst/>
+                          <a:latin typeface="Fira Sans" panose="020B0503050000020004" pitchFamily="34" charset="0"/>
+                          <a:ea typeface="Calibri" panose="020F0502020204030204" pitchFamily="34" charset="0"/>
+                          <a:cs typeface="Times New Roman" panose="02020603050405020304" pitchFamily="18" charset="0"/>
+                        </a:rPr>
+                        <a:t>6</a:t>
+                      </a:r>
+                      <a:endParaRPr lang="ru-RU" sz="1100">
+                        <a:solidFill>
+                          <a:srgbClr val="000000"/>
+                        </a:solidFill>
+                        <a:effectLst/>
+                        <a:latin typeface="Fira Sans" panose="020B0503050000020004" pitchFamily="34" charset="0"/>
+                        <a:ea typeface="Calibri" panose="020F0502020204030204" pitchFamily="34" charset="0"/>
+                        <a:cs typeface="Times New Roman" panose="02020603050405020304" pitchFamily="18" charset="0"/>
+                      </a:endParaRPr>
+                    </a:p>
+                  </a:txBody>
+                  <a:tcPr marL="68580" marR="68580" marT="0" marB="0"/>
+                </a:tc>
+                <a:tc>
+                  <a:txBody>
+                    <a:bodyPr/>
+                    <a:lstStyle/>
+                    <a:p>
+                      <a:pPr algn="just">
+                        <a:lnSpc>
+                          <a:spcPct val="107000"/>
+                        </a:lnSpc>
+                        <a:spcAft>
+                          <a:spcPts val="0"/>
+                        </a:spcAft>
+                      </a:pPr>
+                      <a:r>
+                        <a:rPr lang="ru-RU" sz="1200">
+                          <a:solidFill>
+                            <a:srgbClr val="000000"/>
+                          </a:solidFill>
+                          <a:effectLst/>
+                          <a:latin typeface="Fira Sans" panose="020B0503050000020004" pitchFamily="34" charset="0"/>
+                          <a:ea typeface="Calibri" panose="020F0502020204030204" pitchFamily="34" charset="0"/>
+                          <a:cs typeface="Times New Roman" panose="02020603050405020304" pitchFamily="18" charset="0"/>
+                        </a:rPr>
+                        <a:t>Себестоимость ПО без учета расходов на сопровождение и адаптацию</a:t>
+                      </a:r>
+                      <a:endParaRPr lang="ru-RU" sz="1100">
+                        <a:solidFill>
+                          <a:srgbClr val="000000"/>
+                        </a:solidFill>
+                        <a:effectLst/>
+                        <a:latin typeface="Fira Sans" panose="020B0503050000020004" pitchFamily="34" charset="0"/>
+                        <a:ea typeface="Calibri" panose="020F0502020204030204" pitchFamily="34" charset="0"/>
+                        <a:cs typeface="Times New Roman" panose="02020603050405020304" pitchFamily="18" charset="0"/>
+                      </a:endParaRPr>
+                    </a:p>
+                  </a:txBody>
+                  <a:tcPr marL="68580" marR="68580" marT="0" marB="0"/>
+                </a:tc>
+                <a:tc>
+                  <a:txBody>
+                    <a:bodyPr/>
+                    <a:lstStyle/>
+                    <a:p>
+                      <a:pPr algn="ctr">
+                        <a:lnSpc>
+                          <a:spcPct val="107000"/>
+                        </a:lnSpc>
+                        <a:spcAft>
+                          <a:spcPts val="0"/>
+                        </a:spcAft>
+                      </a:pPr>
+                      <a:r>
+                        <a:rPr lang="ru-RU" sz="1200" dirty="0">
+                          <a:solidFill>
+                            <a:srgbClr val="000000"/>
+                          </a:solidFill>
+                          <a:effectLst/>
+                          <a:latin typeface="Fira Sans" panose="020B0503050000020004" pitchFamily="34" charset="0"/>
+                          <a:ea typeface="Times New Roman" panose="02020603050405020304" pitchFamily="18" charset="0"/>
+                          <a:cs typeface="Times New Roman" panose="02020603050405020304" pitchFamily="18" charset="0"/>
+                        </a:rPr>
+                        <a:t>п.1+п.2+п.3+п.4+п.5</a:t>
+                      </a:r>
+                      <a:endParaRPr lang="ru-RU" sz="1100" dirty="0">
+                        <a:solidFill>
+                          <a:srgbClr val="000000"/>
+                        </a:solidFill>
+                        <a:effectLst/>
+                        <a:latin typeface="Fira Sans" panose="020B0503050000020004" pitchFamily="34" charset="0"/>
+                        <a:ea typeface="Calibri" panose="020F0502020204030204" pitchFamily="34" charset="0"/>
+                        <a:cs typeface="Times New Roman" panose="02020603050405020304" pitchFamily="18" charset="0"/>
+                      </a:endParaRPr>
+                    </a:p>
+                  </a:txBody>
+                  <a:tcPr marL="68580" marR="68580" marT="0" marB="0"/>
+                </a:tc>
+                <a:tc>
+                  <a:txBody>
+                    <a:bodyPr/>
+                    <a:lstStyle/>
+                    <a:p>
+                      <a:pPr algn="ctr">
+                        <a:lnSpc>
+                          <a:spcPct val="107000"/>
+                        </a:lnSpc>
+                        <a:spcAft>
+                          <a:spcPts val="0"/>
+                        </a:spcAft>
+                      </a:pPr>
+                      <a:r>
+                        <a:rPr lang="ru-RU" sz="1200" dirty="0">
+                          <a:solidFill>
+                            <a:srgbClr val="000000"/>
+                          </a:solidFill>
+                          <a:effectLst/>
+                          <a:latin typeface="Fira Sans" panose="020B0503050000020004" pitchFamily="34" charset="0"/>
+                          <a:ea typeface="Times New Roman" panose="02020603050405020304" pitchFamily="18" charset="0"/>
+                          <a:cs typeface="Times New Roman" panose="02020603050405020304" pitchFamily="18" charset="0"/>
+                        </a:rPr>
+                        <a:t>98 462</a:t>
+                      </a:r>
+                      <a:endParaRPr lang="ru-RU" sz="1100" dirty="0">
+                        <a:solidFill>
+                          <a:srgbClr val="000000"/>
+                        </a:solidFill>
+                        <a:effectLst/>
+                        <a:latin typeface="Fira Sans" panose="020B0503050000020004" pitchFamily="34" charset="0"/>
+                        <a:ea typeface="Calibri" panose="020F0502020204030204" pitchFamily="34" charset="0"/>
+                        <a:cs typeface="Times New Roman" panose="02020603050405020304" pitchFamily="18" charset="0"/>
+                      </a:endParaRPr>
+                    </a:p>
+                  </a:txBody>
+                  <a:tcPr marL="68580" marR="68580" marT="0" marB="0"/>
+                </a:tc>
+                <a:extLst>
+                  <a:ext uri="{0D108BD9-81ED-4DB2-BD59-A6C34878D82A}">
+                    <a16:rowId xmlns:a16="http://schemas.microsoft.com/office/drawing/2014/main" val="2307023909"/>
+                  </a:ext>
+                </a:extLst>
+              </a:tr>
+              <a:tr h="421444">
+                <a:tc>
+                  <a:txBody>
+                    <a:bodyPr/>
+                    <a:lstStyle/>
+                    <a:p>
+                      <a:pPr algn="just">
+                        <a:lnSpc>
+                          <a:spcPct val="107000"/>
+                        </a:lnSpc>
+                        <a:spcAft>
+                          <a:spcPts val="0"/>
+                        </a:spcAft>
+                      </a:pPr>
+                      <a:r>
+                        <a:rPr lang="ru-RU" sz="1200">
+                          <a:solidFill>
+                            <a:srgbClr val="000000"/>
+                          </a:solidFill>
+                          <a:effectLst/>
+                          <a:latin typeface="Fira Sans" panose="020B0503050000020004" pitchFamily="34" charset="0"/>
+                          <a:ea typeface="Times New Roman" panose="02020603050405020304" pitchFamily="18" charset="0"/>
+                          <a:cs typeface="Times New Roman" panose="02020603050405020304" pitchFamily="18" charset="0"/>
+                        </a:rPr>
+                        <a:t>7</a:t>
+                      </a:r>
+                      <a:endParaRPr lang="ru-RU" sz="1100">
+                        <a:solidFill>
+                          <a:srgbClr val="000000"/>
+                        </a:solidFill>
+                        <a:effectLst/>
+                        <a:latin typeface="Fira Sans" panose="020B0503050000020004" pitchFamily="34" charset="0"/>
+                        <a:ea typeface="Calibri" panose="020F0502020204030204" pitchFamily="34" charset="0"/>
+                        <a:cs typeface="Times New Roman" panose="02020603050405020304" pitchFamily="18" charset="0"/>
+                      </a:endParaRPr>
+                    </a:p>
+                  </a:txBody>
+                  <a:tcPr marL="68580" marR="68580" marT="0" marB="0"/>
+                </a:tc>
+                <a:tc>
+                  <a:txBody>
+                    <a:bodyPr/>
+                    <a:lstStyle/>
+                    <a:p>
+                      <a:pPr algn="just">
+                        <a:lnSpc>
+                          <a:spcPct val="107000"/>
+                        </a:lnSpc>
+                        <a:spcAft>
+                          <a:spcPts val="0"/>
+                        </a:spcAft>
+                      </a:pPr>
+                      <a:r>
+                        <a:rPr lang="ru-RU" sz="1200">
+                          <a:solidFill>
+                            <a:srgbClr val="000000"/>
+                          </a:solidFill>
+                          <a:effectLst/>
+                          <a:latin typeface="Fira Sans" panose="020B0503050000020004" pitchFamily="34" charset="0"/>
+                          <a:ea typeface="Calibri" panose="020F0502020204030204" pitchFamily="34" charset="0"/>
+                          <a:cs typeface="Times New Roman" panose="02020603050405020304" pitchFamily="18" charset="0"/>
+                        </a:rPr>
+                        <a:t>Расходы на сопровождение и адаптацию</a:t>
+                      </a:r>
+                      <a:endParaRPr lang="ru-RU" sz="1100">
+                        <a:solidFill>
+                          <a:srgbClr val="000000"/>
+                        </a:solidFill>
+                        <a:effectLst/>
+                        <a:latin typeface="Fira Sans" panose="020B0503050000020004" pitchFamily="34" charset="0"/>
+                        <a:ea typeface="Calibri" panose="020F0502020204030204" pitchFamily="34" charset="0"/>
+                        <a:cs typeface="Times New Roman" panose="02020603050405020304" pitchFamily="18" charset="0"/>
+                      </a:endParaRPr>
+                    </a:p>
+                  </a:txBody>
+                  <a:tcPr marL="68580" marR="68580" marT="0" marB="0"/>
+                </a:tc>
+                <a:tc>
+                  <a:txBody>
+                    <a:bodyPr/>
+                    <a:lstStyle/>
+                    <a:p>
+                      <a:pPr algn="ctr">
+                        <a:lnSpc>
+                          <a:spcPct val="107000"/>
+                        </a:lnSpc>
+                        <a:spcAft>
+                          <a:spcPts val="0"/>
+                        </a:spcAft>
+                      </a:pPr>
+                      <a:r>
+                        <a:rPr lang="ru-RU" sz="1200">
+                          <a:solidFill>
+                            <a:srgbClr val="000000"/>
+                          </a:solidFill>
+                          <a:effectLst/>
+                          <a:latin typeface="Fira Sans" panose="020B0503050000020004" pitchFamily="34" charset="0"/>
+                          <a:ea typeface="Calibri" panose="020F0502020204030204" pitchFamily="34" charset="0"/>
+                          <a:cs typeface="Times New Roman" panose="02020603050405020304" pitchFamily="18" charset="0"/>
+                        </a:rPr>
+                        <a:t>10% от п. 6</a:t>
+                      </a:r>
+                      <a:endParaRPr lang="ru-RU" sz="1100">
+                        <a:solidFill>
+                          <a:srgbClr val="000000"/>
+                        </a:solidFill>
+                        <a:effectLst/>
+                        <a:latin typeface="Fira Sans" panose="020B0503050000020004" pitchFamily="34" charset="0"/>
+                        <a:ea typeface="Calibri" panose="020F0502020204030204" pitchFamily="34" charset="0"/>
+                        <a:cs typeface="Times New Roman" panose="02020603050405020304" pitchFamily="18" charset="0"/>
+                      </a:endParaRPr>
+                    </a:p>
+                  </a:txBody>
+                  <a:tcPr marL="68580" marR="68580" marT="0" marB="0"/>
+                </a:tc>
+                <a:tc>
+                  <a:txBody>
+                    <a:bodyPr/>
+                    <a:lstStyle/>
+                    <a:p>
+                      <a:pPr algn="ctr">
+                        <a:lnSpc>
+                          <a:spcPct val="107000"/>
+                        </a:lnSpc>
+                        <a:spcAft>
+                          <a:spcPts val="0"/>
+                        </a:spcAft>
+                      </a:pPr>
+                      <a:r>
+                        <a:rPr lang="ru-RU" sz="1200" dirty="0">
+                          <a:solidFill>
+                            <a:srgbClr val="000000"/>
+                          </a:solidFill>
+                          <a:effectLst/>
+                          <a:latin typeface="Fira Sans" panose="020B0503050000020004" pitchFamily="34" charset="0"/>
+                          <a:ea typeface="Times New Roman" panose="02020603050405020304" pitchFamily="18" charset="0"/>
+                          <a:cs typeface="Times New Roman" panose="02020603050405020304" pitchFamily="18" charset="0"/>
+                        </a:rPr>
+                        <a:t>9 846</a:t>
+                      </a:r>
+                      <a:endParaRPr lang="ru-RU" sz="1100" dirty="0">
+                        <a:solidFill>
+                          <a:srgbClr val="000000"/>
+                        </a:solidFill>
+                        <a:effectLst/>
+                        <a:latin typeface="Fira Sans" panose="020B0503050000020004" pitchFamily="34" charset="0"/>
+                        <a:ea typeface="Calibri" panose="020F0502020204030204" pitchFamily="34" charset="0"/>
+                        <a:cs typeface="Times New Roman" panose="02020603050405020304" pitchFamily="18" charset="0"/>
+                      </a:endParaRPr>
+                    </a:p>
+                  </a:txBody>
+                  <a:tcPr marL="68580" marR="68580" marT="0" marB="0"/>
+                </a:tc>
+                <a:extLst>
+                  <a:ext uri="{0D108BD9-81ED-4DB2-BD59-A6C34878D82A}">
+                    <a16:rowId xmlns:a16="http://schemas.microsoft.com/office/drawing/2014/main" val="3574110731"/>
+                  </a:ext>
+                </a:extLst>
+              </a:tr>
+              <a:tr h="421444">
+                <a:tc>
+                  <a:txBody>
+                    <a:bodyPr/>
+                    <a:lstStyle/>
+                    <a:p>
+                      <a:pPr algn="just">
+                        <a:lnSpc>
+                          <a:spcPct val="107000"/>
+                        </a:lnSpc>
+                        <a:spcAft>
+                          <a:spcPts val="0"/>
+                        </a:spcAft>
+                      </a:pPr>
+                      <a:r>
+                        <a:rPr lang="ru-RU" sz="1200">
+                          <a:solidFill>
+                            <a:srgbClr val="000000"/>
+                          </a:solidFill>
+                          <a:effectLst/>
+                          <a:latin typeface="Fira Sans" panose="020B0503050000020004" pitchFamily="34" charset="0"/>
+                          <a:ea typeface="Times New Roman" panose="02020603050405020304" pitchFamily="18" charset="0"/>
+                          <a:cs typeface="Times New Roman" panose="02020603050405020304" pitchFamily="18" charset="0"/>
+                        </a:rPr>
+                        <a:t>8</a:t>
+                      </a:r>
+                      <a:endParaRPr lang="ru-RU" sz="1100">
+                        <a:solidFill>
+                          <a:srgbClr val="000000"/>
+                        </a:solidFill>
+                        <a:effectLst/>
+                        <a:latin typeface="Fira Sans" panose="020B0503050000020004" pitchFamily="34" charset="0"/>
+                        <a:ea typeface="Calibri" panose="020F0502020204030204" pitchFamily="34" charset="0"/>
+                        <a:cs typeface="Times New Roman" panose="02020603050405020304" pitchFamily="18" charset="0"/>
+                      </a:endParaRPr>
+                    </a:p>
+                  </a:txBody>
+                  <a:tcPr marL="68580" marR="68580" marT="0" marB="0"/>
+                </a:tc>
+                <a:tc>
+                  <a:txBody>
+                    <a:bodyPr/>
+                    <a:lstStyle/>
+                    <a:p>
+                      <a:pPr algn="just">
+                        <a:lnSpc>
+                          <a:spcPct val="107000"/>
+                        </a:lnSpc>
+                        <a:spcAft>
+                          <a:spcPts val="0"/>
+                        </a:spcAft>
+                      </a:pPr>
+                      <a:r>
+                        <a:rPr lang="ru-RU" sz="1200">
+                          <a:solidFill>
+                            <a:srgbClr val="000000"/>
+                          </a:solidFill>
+                          <a:effectLst/>
+                          <a:latin typeface="Fira Sans" panose="020B0503050000020004" pitchFamily="34" charset="0"/>
+                          <a:ea typeface="Calibri" panose="020F0502020204030204" pitchFamily="34" charset="0"/>
+                          <a:cs typeface="Times New Roman" panose="02020603050405020304" pitchFamily="18" charset="0"/>
+                        </a:rPr>
+                        <a:t>Полная (плановая) себестоимость ПО</a:t>
+                      </a:r>
+                      <a:endParaRPr lang="ru-RU" sz="1100">
+                        <a:solidFill>
+                          <a:srgbClr val="000000"/>
+                        </a:solidFill>
+                        <a:effectLst/>
+                        <a:latin typeface="Fira Sans" panose="020B0503050000020004" pitchFamily="34" charset="0"/>
+                        <a:ea typeface="Calibri" panose="020F0502020204030204" pitchFamily="34" charset="0"/>
+                        <a:cs typeface="Times New Roman" panose="02020603050405020304" pitchFamily="18" charset="0"/>
+                      </a:endParaRPr>
+                    </a:p>
+                  </a:txBody>
+                  <a:tcPr marL="68580" marR="68580" marT="0" marB="0"/>
+                </a:tc>
+                <a:tc>
+                  <a:txBody>
+                    <a:bodyPr/>
+                    <a:lstStyle/>
+                    <a:p>
+                      <a:pPr algn="ctr">
+                        <a:lnSpc>
+                          <a:spcPct val="107000"/>
+                        </a:lnSpc>
+                        <a:spcAft>
+                          <a:spcPts val="0"/>
+                        </a:spcAft>
+                      </a:pPr>
+                      <a:r>
+                        <a:rPr lang="ru-RU" sz="1200">
+                          <a:solidFill>
+                            <a:srgbClr val="000000"/>
+                          </a:solidFill>
+                          <a:effectLst/>
+                          <a:latin typeface="Fira Sans" panose="020B0503050000020004" pitchFamily="34" charset="0"/>
+                          <a:ea typeface="Times New Roman" panose="02020603050405020304" pitchFamily="18" charset="0"/>
+                          <a:cs typeface="Times New Roman" panose="02020603050405020304" pitchFamily="18" charset="0"/>
+                        </a:rPr>
+                        <a:t>С</a:t>
+                      </a:r>
+                      <a:r>
+                        <a:rPr lang="ru-RU" sz="1200" baseline="-25000">
+                          <a:solidFill>
+                            <a:srgbClr val="000000"/>
+                          </a:solidFill>
+                          <a:effectLst/>
+                          <a:latin typeface="Fira Sans" panose="020B0503050000020004" pitchFamily="34" charset="0"/>
+                          <a:ea typeface="Times New Roman" panose="02020603050405020304" pitchFamily="18" charset="0"/>
+                          <a:cs typeface="Times New Roman" panose="02020603050405020304" pitchFamily="18" charset="0"/>
+                        </a:rPr>
+                        <a:t>пол</a:t>
+                      </a:r>
+                      <a:r>
+                        <a:rPr lang="ru-RU" sz="1200">
+                          <a:solidFill>
+                            <a:srgbClr val="000000"/>
+                          </a:solidFill>
+                          <a:effectLst/>
+                          <a:latin typeface="Fira Sans" panose="020B0503050000020004" pitchFamily="34" charset="0"/>
+                          <a:ea typeface="Times New Roman" panose="02020603050405020304" pitchFamily="18" charset="0"/>
+                          <a:cs typeface="Times New Roman" panose="02020603050405020304" pitchFamily="18" charset="0"/>
+                        </a:rPr>
+                        <a:t>.= п.6 + п.7</a:t>
+                      </a:r>
+                      <a:endParaRPr lang="ru-RU" sz="1100">
+                        <a:solidFill>
+                          <a:srgbClr val="000000"/>
+                        </a:solidFill>
+                        <a:effectLst/>
+                        <a:latin typeface="Fira Sans" panose="020B0503050000020004" pitchFamily="34" charset="0"/>
+                        <a:ea typeface="Calibri" panose="020F0502020204030204" pitchFamily="34" charset="0"/>
+                        <a:cs typeface="Times New Roman" panose="02020603050405020304" pitchFamily="18" charset="0"/>
+                      </a:endParaRPr>
+                    </a:p>
+                  </a:txBody>
+                  <a:tcPr marL="68580" marR="68580" marT="0" marB="0"/>
+                </a:tc>
+                <a:tc>
+                  <a:txBody>
+                    <a:bodyPr/>
+                    <a:lstStyle/>
+                    <a:p>
+                      <a:pPr algn="ctr">
+                        <a:lnSpc>
+                          <a:spcPct val="107000"/>
+                        </a:lnSpc>
+                        <a:spcAft>
+                          <a:spcPts val="0"/>
+                        </a:spcAft>
+                      </a:pPr>
+                      <a:r>
+                        <a:rPr lang="ru-RU" sz="1400" b="1" dirty="0">
+                          <a:solidFill>
+                            <a:srgbClr val="000000"/>
+                          </a:solidFill>
+                          <a:effectLst/>
+                          <a:latin typeface="Fira Sans" panose="020B0503050000020004" pitchFamily="34" charset="0"/>
+                          <a:ea typeface="Times New Roman" panose="02020603050405020304" pitchFamily="18" charset="0"/>
+                          <a:cs typeface="Times New Roman" panose="02020603050405020304" pitchFamily="18" charset="0"/>
+                        </a:rPr>
+                        <a:t>108 308</a:t>
+                      </a:r>
+                      <a:endParaRPr lang="ru-RU" sz="1200" b="1" dirty="0">
+                        <a:solidFill>
+                          <a:srgbClr val="000000"/>
+                        </a:solidFill>
+                        <a:effectLst/>
+                        <a:latin typeface="Fira Sans" panose="020B0503050000020004" pitchFamily="34" charset="0"/>
+                        <a:ea typeface="Calibri" panose="020F0502020204030204" pitchFamily="34" charset="0"/>
+                        <a:cs typeface="Times New Roman" panose="02020603050405020304" pitchFamily="18" charset="0"/>
+                      </a:endParaRPr>
+                    </a:p>
+                  </a:txBody>
+                  <a:tcPr marL="68580" marR="68580" marT="0" marB="0"/>
+                </a:tc>
+                <a:extLst>
+                  <a:ext uri="{0D108BD9-81ED-4DB2-BD59-A6C34878D82A}">
+                    <a16:rowId xmlns:a16="http://schemas.microsoft.com/office/drawing/2014/main" val="631502798"/>
+                  </a:ext>
+                </a:extLst>
+              </a:tr>
+            </a:tbl>
+          </a:graphicData>
+        </a:graphic>
+      </p:graphicFrame>
     </p:spTree>
     <p:extLst>
       <p:ext uri="{BB962C8B-B14F-4D97-AF65-F5344CB8AC3E}">
-        <p14:creationId xmlns:p14="http://schemas.microsoft.com/office/powerpoint/2010/main" val="2237779421"/>
+        <p14:creationId xmlns:p14="http://schemas.microsoft.com/office/powerpoint/2010/main" val="2874924708"/>
       </p:ext>
     </p:extLst>
   </p:cSld>
@@ -14021,7 +16376,7 @@
         <p:spPr>
           <a:xfrm>
             <a:off x="272900" y="1152524"/>
-            <a:ext cx="8280550" cy="3016210"/>
+            <a:ext cx="8280550" cy="2277547"/>
           </a:xfrm>
           <a:prstGeom prst="rect">
             <a:avLst/>
@@ -14036,16 +16391,10 @@
           <a:p>
             <a:pPr indent="457200"/>
             <a:r>
-              <a:rPr lang="ru-RU" sz="1600" dirty="0">
-                <a:latin typeface="Fira Sans" panose="020B0503050000020004" pitchFamily="34" charset="0"/>
-              </a:rPr>
-              <a:t>Моя дипломная работа - это автоматизированная информационная система для IT сервиса, разработанная на языке Python с использованием фреймворка Django в среде PyCharm. В результате работы я создал функциональный сайт, который позволяет сотрудникам быстро и удобно получать информацию, клиентам оставлять заявки на обслуживание и писать отзывы, а администраторам контролировать весь процесс работы</a:t>
-            </a:r>
-            <a:r>
               <a:rPr lang="ru-RU" sz="1600" dirty="0" smtClean="0">
                 <a:latin typeface="Fira Sans" panose="020B0503050000020004" pitchFamily="34" charset="0"/>
               </a:rPr>
-              <a:t>.</a:t>
+              <a:t>Цель дипломной работы - это автоматизированная информационная система для IT сервиса, разработанная на языке Python с использованием фреймворка Django в среде PyCharm. </a:t>
             </a:r>
           </a:p>
           <a:p>
@@ -14060,7 +16409,34 @@
               <a:rPr lang="ru-RU" sz="1600" dirty="0">
                 <a:latin typeface="Fira Sans" panose="020B0503050000020004" pitchFamily="34" charset="0"/>
               </a:rPr>
-              <a:t>В результате работы были достигнуты все поставленные цели, и создана полноценная информационная система для IT сервисов. Выводы по результатам работы указывают на то, что проект имеет большой потенциал для дальнейшего развития и улучшения.</a:t>
+              <a:t>В дальнейшем планируется:</a:t>
+            </a:r>
+          </a:p>
+          <a:p>
+            <a:pPr indent="457200"/>
+            <a:r>
+              <a:rPr lang="ru-RU" sz="1600" dirty="0">
+                <a:latin typeface="Fira Sans" panose="020B0503050000020004" pitchFamily="34" charset="0"/>
+              </a:rPr>
+              <a:t>•	добавить тарифные временные планы использования данной системы;</a:t>
+            </a:r>
+          </a:p>
+          <a:p>
+            <a:pPr indent="457200"/>
+            <a:r>
+              <a:rPr lang="ru-RU" sz="1600" dirty="0">
+                <a:latin typeface="Fira Sans" panose="020B0503050000020004" pitchFamily="34" charset="0"/>
+              </a:rPr>
+              <a:t>•	обновить интерфейс;</a:t>
+            </a:r>
+          </a:p>
+          <a:p>
+            <a:pPr indent="457200"/>
+            <a:r>
+              <a:rPr lang="ru-RU" sz="1600" dirty="0">
+                <a:latin typeface="Fira Sans" panose="020B0503050000020004" pitchFamily="34" charset="0"/>
+              </a:rPr>
+              <a:t>•	улучшить автоматизацию приема заявок.</a:t>
             </a:r>
           </a:p>
           <a:p>
@@ -14140,18 +16516,14 @@
             <a:fld id="{00000000-1234-1234-1234-123412341234}" type="slidenum">
               <a:rPr lang="ru">
                 <a:solidFill>
-                  <a:schemeClr val="tx1">
-                    <a:lumMod val="50000"/>
-                  </a:schemeClr>
+                  <a:schemeClr val="bg1"/>
                 </a:solidFill>
               </a:rPr>
               <a:t>21</a:t>
             </a:fld>
             <a:endParaRPr sz="1400" dirty="0">
               <a:solidFill>
-                <a:schemeClr val="tx1">
-                  <a:lumMod val="50000"/>
-                </a:schemeClr>
+                <a:schemeClr val="bg1"/>
               </a:solidFill>
             </a:endParaRPr>
           </a:p>
@@ -14936,7 +17308,7 @@
         <p:spPr bwMode="auto">
           <a:xfrm>
             <a:off x="1143000" y="3020238"/>
-            <a:ext cx="6858000" cy="1015663"/>
+            <a:ext cx="6858000" cy="707886"/>
           </a:xfrm>
           <a:prstGeom prst="rect">
             <a:avLst/>
@@ -15114,11 +17486,8 @@
                 <a:latin typeface=""/>
                 <a:cs typeface="Times New Roman" panose="02020603050405020304" pitchFamily="18" charset="0"/>
               </a:rPr>
-              <a:t>автоматизированной информационной системы сервисного ИТ-центра</a:t>
-            </a:r>
-          </a:p>
-          <a:p>
-            <a:pPr algn="ctr" eaLnBrk="1" hangingPunct="1"/>
+              <a:t>автоматизированной информационной системы сервисного </a:t>
+            </a:r>
             <a:r>
               <a:rPr lang="ru-RU" altLang="ru-RU" sz="2000" b="1" dirty="0" smtClean="0">
                 <a:solidFill>
@@ -15127,7 +17496,7 @@
                 <a:latin typeface=""/>
                 <a:cs typeface="Times New Roman" panose="02020603050405020304" pitchFamily="18" charset="0"/>
               </a:rPr>
-              <a:t>»</a:t>
+              <a:t>ИТ-центра»</a:t>
             </a:r>
             <a:endParaRPr lang="ru-RU" altLang="ru-RU" sz="2000" b="1" dirty="0">
               <a:solidFill>
@@ -16290,30 +18659,394 @@
           </a:p>
         </p:txBody>
       </p:sp>
-      <p:pic>
-        <p:nvPicPr>
-          <p:cNvPr id="11" name="Рисунок 10"/>
-          <p:cNvPicPr>
-            <a:picLocks noChangeAspect="1"/>
-          </p:cNvPicPr>
-          <p:nvPr/>
-        </p:nvPicPr>
-        <p:blipFill>
-          <a:blip r:embed="rId3"/>
-          <a:stretch>
-            <a:fillRect/>
-          </a:stretch>
-        </p:blipFill>
-        <p:spPr>
-          <a:xfrm>
-            <a:off x="279818" y="1282943"/>
-            <a:ext cx="8370223" cy="2835244"/>
-          </a:xfrm>
-          <a:prstGeom prst="rect">
-            <a:avLst/>
-          </a:prstGeom>
-        </p:spPr>
-      </p:pic>
+      <p:graphicFrame>
+        <p:nvGraphicFramePr>
+          <p:cNvPr id="3" name="Таблица 2"/>
+          <p:cNvGraphicFramePr>
+            <a:graphicFrameLocks noGrp="1"/>
+          </p:cNvGraphicFramePr>
+          <p:nvPr>
+            <p:extLst>
+              <p:ext uri="{D42A27DB-BD31-4B8C-83A1-F6EECF244321}">
+                <p14:modId xmlns:p14="http://schemas.microsoft.com/office/powerpoint/2010/main" val="513404379"/>
+              </p:ext>
+            </p:extLst>
+          </p:nvPr>
+        </p:nvGraphicFramePr>
+        <p:xfrm>
+          <a:off x="616744" y="1116100"/>
+          <a:ext cx="8087505" cy="3273020"/>
+        </p:xfrm>
+        <a:graphic>
+          <a:graphicData uri="http://schemas.openxmlformats.org/drawingml/2006/table">
+            <a:tbl>
+              <a:tblPr firstRow="1" bandRow="1">
+                <a:tableStyleId>{22838BEF-8BB2-4498-84A7-C5851F593DF1}</a:tableStyleId>
+              </a:tblPr>
+              <a:tblGrid>
+                <a:gridCol w="2695835">
+                  <a:extLst>
+                    <a:ext uri="{9D8B030D-6E8A-4147-A177-3AD203B41FA5}">
+                      <a16:colId xmlns:a16="http://schemas.microsoft.com/office/drawing/2014/main" val="3253459211"/>
+                    </a:ext>
+                  </a:extLst>
+                </a:gridCol>
+                <a:gridCol w="2695835">
+                  <a:extLst>
+                    <a:ext uri="{9D8B030D-6E8A-4147-A177-3AD203B41FA5}">
+                      <a16:colId xmlns:a16="http://schemas.microsoft.com/office/drawing/2014/main" val="2201426379"/>
+                    </a:ext>
+                  </a:extLst>
+                </a:gridCol>
+                <a:gridCol w="2695835">
+                  <a:extLst>
+                    <a:ext uri="{9D8B030D-6E8A-4147-A177-3AD203B41FA5}">
+                      <a16:colId xmlns:a16="http://schemas.microsoft.com/office/drawing/2014/main" val="16151205"/>
+                    </a:ext>
+                  </a:extLst>
+                </a:gridCol>
+              </a:tblGrid>
+              <a:tr h="1088794">
+                <a:tc>
+                  <a:txBody>
+                    <a:bodyPr/>
+                    <a:lstStyle/>
+                    <a:p>
+                      <a:endParaRPr lang="ru-RU" sz="1800" dirty="0">
+                        <a:latin typeface="Fira Sans" panose="020B0503050000020004" pitchFamily="34" charset="0"/>
+                      </a:endParaRPr>
+                    </a:p>
+                  </a:txBody>
+                  <a:tcPr/>
+                </a:tc>
+                <a:tc>
+                  <a:txBody>
+                    <a:bodyPr/>
+                    <a:lstStyle/>
+                    <a:p>
+                      <a:pPr indent="18415">
+                        <a:lnSpc>
+                          <a:spcPct val="107000"/>
+                        </a:lnSpc>
+                        <a:spcAft>
+                          <a:spcPts val="0"/>
+                        </a:spcAft>
+                      </a:pPr>
+                      <a:r>
+                        <a:rPr lang="ru-RU" sz="1600" dirty="0">
+                          <a:solidFill>
+                            <a:srgbClr val="000000"/>
+                          </a:solidFill>
+                          <a:effectLst/>
+                          <a:latin typeface="Fira Sans" panose="020B0503050000020004" pitchFamily="34" charset="0"/>
+                          <a:ea typeface="Calibri" panose="020F0502020204030204" pitchFamily="34" charset="0"/>
+                          <a:cs typeface="Times New Roman" panose="02020603050405020304" pitchFamily="18" charset="0"/>
+                        </a:rPr>
+                        <a:t>Положительное влияние/Сильные стороны</a:t>
+                      </a:r>
+                      <a:endParaRPr lang="ru-RU" sz="1400" dirty="0">
+                        <a:solidFill>
+                          <a:srgbClr val="000000"/>
+                        </a:solidFill>
+                        <a:effectLst/>
+                        <a:latin typeface="Fira Sans" panose="020B0503050000020004" pitchFamily="34" charset="0"/>
+                        <a:ea typeface="Calibri" panose="020F0502020204030204" pitchFamily="34" charset="0"/>
+                        <a:cs typeface="Times New Roman" panose="02020603050405020304" pitchFamily="18" charset="0"/>
+                      </a:endParaRPr>
+                    </a:p>
+                  </a:txBody>
+                  <a:tcPr marL="68580" marR="68580" marT="0" marB="0"/>
+                </a:tc>
+                <a:tc>
+                  <a:txBody>
+                    <a:bodyPr/>
+                    <a:lstStyle/>
+                    <a:p>
+                      <a:pPr indent="18415">
+                        <a:lnSpc>
+                          <a:spcPct val="107000"/>
+                        </a:lnSpc>
+                        <a:spcAft>
+                          <a:spcPts val="0"/>
+                        </a:spcAft>
+                      </a:pPr>
+                      <a:r>
+                        <a:rPr lang="ru-RU" sz="1600" dirty="0">
+                          <a:solidFill>
+                            <a:srgbClr val="000000"/>
+                          </a:solidFill>
+                          <a:effectLst/>
+                          <a:latin typeface="Fira Sans" panose="020B0503050000020004" pitchFamily="34" charset="0"/>
+                          <a:ea typeface="Calibri" panose="020F0502020204030204" pitchFamily="34" charset="0"/>
+                          <a:cs typeface="Times New Roman" panose="02020603050405020304" pitchFamily="18" charset="0"/>
+                        </a:rPr>
+                        <a:t>Отрицательное влияние/Слабые стороны</a:t>
+                      </a:r>
+                      <a:endParaRPr lang="ru-RU" sz="1400" dirty="0">
+                        <a:solidFill>
+                          <a:srgbClr val="000000"/>
+                        </a:solidFill>
+                        <a:effectLst/>
+                        <a:latin typeface="Fira Sans" panose="020B0503050000020004" pitchFamily="34" charset="0"/>
+                        <a:ea typeface="Calibri" panose="020F0502020204030204" pitchFamily="34" charset="0"/>
+                        <a:cs typeface="Times New Roman" panose="02020603050405020304" pitchFamily="18" charset="0"/>
+                      </a:endParaRPr>
+                    </a:p>
+                  </a:txBody>
+                  <a:tcPr marL="68580" marR="68580" marT="0" marB="0"/>
+                </a:tc>
+                <a:extLst>
+                  <a:ext uri="{0D108BD9-81ED-4DB2-BD59-A6C34878D82A}">
+                    <a16:rowId xmlns:a16="http://schemas.microsoft.com/office/drawing/2014/main" val="21882469"/>
+                  </a:ext>
+                </a:extLst>
+              </a:tr>
+              <a:tr h="1088794">
+                <a:tc>
+                  <a:txBody>
+                    <a:bodyPr/>
+                    <a:lstStyle/>
+                    <a:p>
+                      <a:pPr indent="18415">
+                        <a:lnSpc>
+                          <a:spcPct val="107000"/>
+                        </a:lnSpc>
+                        <a:spcAft>
+                          <a:spcPts val="0"/>
+                        </a:spcAft>
+                      </a:pPr>
+                      <a:r>
+                        <a:rPr lang="ru-RU" sz="1600" b="1" dirty="0">
+                          <a:solidFill>
+                            <a:srgbClr val="000000"/>
+                          </a:solidFill>
+                          <a:effectLst/>
+                          <a:latin typeface="Fira Sans" panose="020B0503050000020004" pitchFamily="34" charset="0"/>
+                          <a:ea typeface="Calibri" panose="020F0502020204030204" pitchFamily="34" charset="0"/>
+                          <a:cs typeface="Times New Roman" panose="02020603050405020304" pitchFamily="18" charset="0"/>
+                        </a:rPr>
+                        <a:t>Внутренняя среда</a:t>
+                      </a:r>
+                      <a:endParaRPr lang="ru-RU" sz="1400" b="1" dirty="0">
+                        <a:solidFill>
+                          <a:srgbClr val="000000"/>
+                        </a:solidFill>
+                        <a:effectLst/>
+                        <a:latin typeface="Fira Sans" panose="020B0503050000020004" pitchFamily="34" charset="0"/>
+                        <a:ea typeface="Calibri" panose="020F0502020204030204" pitchFamily="34" charset="0"/>
+                        <a:cs typeface="Times New Roman" panose="02020603050405020304" pitchFamily="18" charset="0"/>
+                      </a:endParaRPr>
+                    </a:p>
+                  </a:txBody>
+                  <a:tcPr marL="68580" marR="68580" marT="0" marB="0"/>
+                </a:tc>
+                <a:tc>
+                  <a:txBody>
+                    <a:bodyPr/>
+                    <a:lstStyle/>
+                    <a:p>
+                      <a:pPr indent="18415">
+                        <a:lnSpc>
+                          <a:spcPct val="107000"/>
+                        </a:lnSpc>
+                        <a:spcAft>
+                          <a:spcPts val="0"/>
+                        </a:spcAft>
+                      </a:pPr>
+                      <a:r>
+                        <a:rPr lang="ru-RU" sz="1600" dirty="0">
+                          <a:solidFill>
+                            <a:srgbClr val="000000"/>
+                          </a:solidFill>
+                          <a:effectLst/>
+                          <a:latin typeface="Fira Sans" panose="020B0503050000020004" pitchFamily="34" charset="0"/>
+                          <a:ea typeface="Calibri" panose="020F0502020204030204" pitchFamily="34" charset="0"/>
+                          <a:cs typeface="Times New Roman" panose="02020603050405020304" pitchFamily="18" charset="0"/>
+                        </a:rPr>
+                        <a:t>Цены на услуги более низкие чем у конкурентов</a:t>
+                      </a:r>
+                      <a:endParaRPr lang="ru-RU" sz="1400" dirty="0">
+                        <a:solidFill>
+                          <a:srgbClr val="000000"/>
+                        </a:solidFill>
+                        <a:effectLst/>
+                        <a:latin typeface="Fira Sans" panose="020B0503050000020004" pitchFamily="34" charset="0"/>
+                        <a:ea typeface="Calibri" panose="020F0502020204030204" pitchFamily="34" charset="0"/>
+                        <a:cs typeface="Times New Roman" panose="02020603050405020304" pitchFamily="18" charset="0"/>
+                      </a:endParaRPr>
+                    </a:p>
+                  </a:txBody>
+                  <a:tcPr marL="68580" marR="68580" marT="0" marB="0"/>
+                </a:tc>
+                <a:tc>
+                  <a:txBody>
+                    <a:bodyPr/>
+                    <a:lstStyle/>
+                    <a:p>
+                      <a:pPr indent="18415">
+                        <a:lnSpc>
+                          <a:spcPct val="107000"/>
+                        </a:lnSpc>
+                        <a:spcAft>
+                          <a:spcPts val="0"/>
+                        </a:spcAft>
+                      </a:pPr>
+                      <a:r>
+                        <a:rPr lang="ru-RU" sz="1600">
+                          <a:solidFill>
+                            <a:srgbClr val="000000"/>
+                          </a:solidFill>
+                          <a:effectLst/>
+                          <a:latin typeface="Fira Sans" panose="020B0503050000020004" pitchFamily="34" charset="0"/>
+                          <a:ea typeface="Calibri" panose="020F0502020204030204" pitchFamily="34" charset="0"/>
+                          <a:cs typeface="Times New Roman" panose="02020603050405020304" pitchFamily="18" charset="0"/>
+                        </a:rPr>
+                        <a:t>Потребность в расходах на «раскрутку», для узнаваемости системы</a:t>
+                      </a:r>
+                      <a:endParaRPr lang="ru-RU" sz="1400">
+                        <a:solidFill>
+                          <a:srgbClr val="000000"/>
+                        </a:solidFill>
+                        <a:effectLst/>
+                        <a:latin typeface="Fira Sans" panose="020B0503050000020004" pitchFamily="34" charset="0"/>
+                        <a:ea typeface="Calibri" panose="020F0502020204030204" pitchFamily="34" charset="0"/>
+                        <a:cs typeface="Times New Roman" panose="02020603050405020304" pitchFamily="18" charset="0"/>
+                      </a:endParaRPr>
+                    </a:p>
+                  </a:txBody>
+                  <a:tcPr marL="68580" marR="68580" marT="0" marB="0"/>
+                </a:tc>
+                <a:extLst>
+                  <a:ext uri="{0D108BD9-81ED-4DB2-BD59-A6C34878D82A}">
+                    <a16:rowId xmlns:a16="http://schemas.microsoft.com/office/drawing/2014/main" val="62843844"/>
+                  </a:ext>
+                </a:extLst>
+              </a:tr>
+              <a:tr h="1095432">
+                <a:tc>
+                  <a:txBody>
+                    <a:bodyPr/>
+                    <a:lstStyle/>
+                    <a:p>
+                      <a:pPr indent="18415">
+                        <a:lnSpc>
+                          <a:spcPct val="107000"/>
+                        </a:lnSpc>
+                        <a:spcAft>
+                          <a:spcPts val="0"/>
+                        </a:spcAft>
+                      </a:pPr>
+                      <a:r>
+                        <a:rPr lang="ru-RU" sz="1600" b="1" dirty="0">
+                          <a:solidFill>
+                            <a:srgbClr val="000000"/>
+                          </a:solidFill>
+                          <a:effectLst/>
+                          <a:latin typeface="Fira Sans" panose="020B0503050000020004" pitchFamily="34" charset="0"/>
+                          <a:ea typeface="Calibri" panose="020F0502020204030204" pitchFamily="34" charset="0"/>
+                          <a:cs typeface="Times New Roman" panose="02020603050405020304" pitchFamily="18" charset="0"/>
+                        </a:rPr>
+                        <a:t>Внешняя среда</a:t>
+                      </a:r>
+                      <a:endParaRPr lang="ru-RU" sz="1400" b="1" dirty="0">
+                        <a:solidFill>
+                          <a:srgbClr val="000000"/>
+                        </a:solidFill>
+                        <a:effectLst/>
+                        <a:latin typeface="Fira Sans" panose="020B0503050000020004" pitchFamily="34" charset="0"/>
+                        <a:ea typeface="Calibri" panose="020F0502020204030204" pitchFamily="34" charset="0"/>
+                        <a:cs typeface="Times New Roman" panose="02020603050405020304" pitchFamily="18" charset="0"/>
+                      </a:endParaRPr>
+                    </a:p>
+                  </a:txBody>
+                  <a:tcPr marL="68580" marR="68580" marT="0" marB="0"/>
+                </a:tc>
+                <a:tc>
+                  <a:txBody>
+                    <a:bodyPr/>
+                    <a:lstStyle/>
+                    <a:p>
+                      <a:pPr indent="18415">
+                        <a:lnSpc>
+                          <a:spcPct val="107000"/>
+                        </a:lnSpc>
+                        <a:spcAft>
+                          <a:spcPts val="0"/>
+                        </a:spcAft>
+                      </a:pPr>
+                      <a:r>
+                        <a:rPr lang="ru-RU" sz="1600" dirty="0">
+                          <a:solidFill>
+                            <a:srgbClr val="000000"/>
+                          </a:solidFill>
+                          <a:effectLst/>
+                          <a:latin typeface="Fira Sans" panose="020B0503050000020004" pitchFamily="34" charset="0"/>
+                          <a:ea typeface="Calibri" panose="020F0502020204030204" pitchFamily="34" charset="0"/>
+                          <a:cs typeface="Times New Roman" panose="02020603050405020304" pitchFamily="18" charset="0"/>
+                        </a:rPr>
+                        <a:t>Возможность быстрого роста благодаря всем нужным функционалам</a:t>
+                      </a:r>
+                      <a:endParaRPr lang="ru-RU" sz="1400" dirty="0">
+                        <a:solidFill>
+                          <a:srgbClr val="000000"/>
+                        </a:solidFill>
+                        <a:effectLst/>
+                        <a:latin typeface="Fira Sans" panose="020B0503050000020004" pitchFamily="34" charset="0"/>
+                        <a:ea typeface="Calibri" panose="020F0502020204030204" pitchFamily="34" charset="0"/>
+                        <a:cs typeface="Times New Roman" panose="02020603050405020304" pitchFamily="18" charset="0"/>
+                      </a:endParaRPr>
+                    </a:p>
+                  </a:txBody>
+                  <a:tcPr marL="68580" marR="68580" marT="0" marB="0"/>
+                </a:tc>
+                <a:tc>
+                  <a:txBody>
+                    <a:bodyPr/>
+                    <a:lstStyle/>
+                    <a:p>
+                      <a:pPr indent="18415">
+                        <a:lnSpc>
+                          <a:spcPct val="107000"/>
+                        </a:lnSpc>
+                        <a:spcAft>
+                          <a:spcPts val="0"/>
+                        </a:spcAft>
+                      </a:pPr>
+                      <a:r>
+                        <a:rPr lang="ru-RU" sz="1600" dirty="0">
+                          <a:solidFill>
+                            <a:srgbClr val="000000"/>
+                          </a:solidFill>
+                          <a:effectLst/>
+                          <a:latin typeface="Fira Sans" panose="020B0503050000020004" pitchFamily="34" charset="0"/>
+                          <a:ea typeface="Calibri" panose="020F0502020204030204" pitchFamily="34" charset="0"/>
+                          <a:cs typeface="Times New Roman" panose="02020603050405020304" pitchFamily="18" charset="0"/>
+                        </a:rPr>
+                        <a:t>Высокая конкуренция, многим пользователем привычнее пользоваться другими системами</a:t>
+                      </a:r>
+                      <a:endParaRPr lang="ru-RU" sz="1400" dirty="0">
+                        <a:solidFill>
+                          <a:srgbClr val="000000"/>
+                        </a:solidFill>
+                        <a:effectLst/>
+                        <a:latin typeface="Fira Sans" panose="020B0503050000020004" pitchFamily="34" charset="0"/>
+                        <a:ea typeface="Calibri" panose="020F0502020204030204" pitchFamily="34" charset="0"/>
+                        <a:cs typeface="Times New Roman" panose="02020603050405020304" pitchFamily="18" charset="0"/>
+                      </a:endParaRPr>
+                    </a:p>
+                  </a:txBody>
+                  <a:tcPr marL="68580" marR="68580" marT="0" marB="0"/>
+                </a:tc>
+                <a:extLst>
+                  <a:ext uri="{0D108BD9-81ED-4DB2-BD59-A6C34878D82A}">
+                    <a16:rowId xmlns:a16="http://schemas.microsoft.com/office/drawing/2014/main" val="2248950561"/>
+                  </a:ext>
+                </a:extLst>
+              </a:tr>
+            </a:tbl>
+          </a:graphicData>
+        </a:graphic>
+      </p:graphicFrame>
     </p:spTree>
     <p:extLst>
       <p:ext uri="{BB962C8B-B14F-4D97-AF65-F5344CB8AC3E}">
@@ -16526,30 +19259,327 @@
           </a:p>
         </p:txBody>
       </p:sp>
-      <p:pic>
-        <p:nvPicPr>
-          <p:cNvPr id="4" name="Рисунок 3"/>
-          <p:cNvPicPr>
-            <a:picLocks noChangeAspect="1"/>
-          </p:cNvPicPr>
-          <p:nvPr/>
-        </p:nvPicPr>
-        <p:blipFill>
-          <a:blip r:embed="rId3"/>
-          <a:stretch>
-            <a:fillRect/>
-          </a:stretch>
-        </p:blipFill>
-        <p:spPr>
-          <a:xfrm>
-            <a:off x="1859005" y="855394"/>
-            <a:ext cx="5391902" cy="3839111"/>
-          </a:xfrm>
-          <a:prstGeom prst="rect">
-            <a:avLst/>
-          </a:prstGeom>
-        </p:spPr>
-      </p:pic>
+      <p:graphicFrame>
+        <p:nvGraphicFramePr>
+          <p:cNvPr id="3" name="Таблица 2"/>
+          <p:cNvGraphicFramePr>
+            <a:graphicFrameLocks noGrp="1"/>
+          </p:cNvGraphicFramePr>
+          <p:nvPr>
+            <p:extLst>
+              <p:ext uri="{D42A27DB-BD31-4B8C-83A1-F6EECF244321}">
+                <p14:modId xmlns:p14="http://schemas.microsoft.com/office/powerpoint/2010/main" val="3838392096"/>
+              </p:ext>
+            </p:extLst>
+          </p:nvPr>
+        </p:nvGraphicFramePr>
+        <p:xfrm>
+          <a:off x="1933676" y="922441"/>
+          <a:ext cx="5242560" cy="3705016"/>
+        </p:xfrm>
+        <a:graphic>
+          <a:graphicData uri="http://schemas.openxmlformats.org/drawingml/2006/table">
+            <a:tbl>
+              <a:tblPr firstRow="1" bandRow="1">
+                <a:tableStyleId>{22838BEF-8BB2-4498-84A7-C5851F593DF1}</a:tableStyleId>
+              </a:tblPr>
+              <a:tblGrid>
+                <a:gridCol w="2621280">
+                  <a:extLst>
+                    <a:ext uri="{9D8B030D-6E8A-4147-A177-3AD203B41FA5}">
+                      <a16:colId xmlns:a16="http://schemas.microsoft.com/office/drawing/2014/main" val="1441245307"/>
+                    </a:ext>
+                  </a:extLst>
+                </a:gridCol>
+                <a:gridCol w="2621280">
+                  <a:extLst>
+                    <a:ext uri="{9D8B030D-6E8A-4147-A177-3AD203B41FA5}">
+                      <a16:colId xmlns:a16="http://schemas.microsoft.com/office/drawing/2014/main" val="1263955439"/>
+                    </a:ext>
+                  </a:extLst>
+                </a:gridCol>
+              </a:tblGrid>
+              <a:tr h="1852508">
+                <a:tc>
+                  <a:txBody>
+                    <a:bodyPr/>
+                    <a:lstStyle/>
+                    <a:p>
+                      <a:r>
+                        <a:rPr lang="en-US" sz="1800" b="1" dirty="0" smtClean="0">
+                          <a:solidFill>
+                            <a:schemeClr val="tx1">
+                              <a:lumMod val="50000"/>
+                            </a:schemeClr>
+                          </a:solidFill>
+                          <a:latin typeface="Fira Sans" panose="020B0503050000020004" pitchFamily="34" charset="0"/>
+                        </a:rPr>
+                        <a:t>Political</a:t>
+                      </a:r>
+                    </a:p>
+                    <a:p>
+                      <a:endParaRPr lang="ru-RU" sz="1800" b="0" dirty="0" smtClean="0">
+                        <a:solidFill>
+                          <a:schemeClr val="tx1">
+                            <a:lumMod val="50000"/>
+                          </a:schemeClr>
+                        </a:solidFill>
+                        <a:latin typeface="Fira Sans" panose="020B0503050000020004" pitchFamily="34" charset="0"/>
+                      </a:endParaRPr>
+                    </a:p>
+                    <a:p>
+                      <a:r>
+                        <a:rPr lang="ru-RU" sz="1800" b="0" dirty="0" smtClean="0">
+                          <a:solidFill>
+                            <a:schemeClr val="tx1">
+                              <a:lumMod val="50000"/>
+                            </a:schemeClr>
+                          </a:solidFill>
+                          <a:latin typeface="Fira Sans" panose="020B0503050000020004" pitchFamily="34" charset="0"/>
+                        </a:rPr>
+                        <a:t>Ужесточение</a:t>
+                      </a:r>
+                      <a:r>
+                        <a:rPr lang="ru-RU" sz="1800" b="0" baseline="0" dirty="0" smtClean="0">
+                          <a:solidFill>
+                            <a:schemeClr val="tx1">
+                              <a:lumMod val="50000"/>
+                            </a:schemeClr>
+                          </a:solidFill>
+                          <a:latin typeface="Fira Sans" panose="020B0503050000020004" pitchFamily="34" charset="0"/>
+                        </a:rPr>
+                        <a:t> ограничений</a:t>
+                      </a:r>
+                      <a:endParaRPr lang="ru-RU" sz="1800" b="0" dirty="0">
+                        <a:solidFill>
+                          <a:schemeClr val="tx1">
+                            <a:lumMod val="50000"/>
+                          </a:schemeClr>
+                        </a:solidFill>
+                        <a:latin typeface="Fira Sans" panose="020B0503050000020004" pitchFamily="34" charset="0"/>
+                      </a:endParaRPr>
+                    </a:p>
+                  </a:txBody>
+                  <a:tcPr/>
+                </a:tc>
+                <a:tc>
+                  <a:txBody>
+                    <a:bodyPr/>
+                    <a:lstStyle/>
+                    <a:p>
+                      <a:r>
+                        <a:rPr lang="en-US" sz="1800" b="1" dirty="0" smtClean="0">
+                          <a:solidFill>
+                            <a:schemeClr val="tx1">
+                              <a:lumMod val="50000"/>
+                            </a:schemeClr>
+                          </a:solidFill>
+                          <a:latin typeface="Fira Sans" panose="020B0503050000020004" pitchFamily="34" charset="0"/>
+                        </a:rPr>
+                        <a:t>Economic</a:t>
+                      </a:r>
+                      <a:endParaRPr lang="ru-RU" sz="1800" b="1" dirty="0" smtClean="0">
+                        <a:solidFill>
+                          <a:schemeClr val="tx1">
+                            <a:lumMod val="50000"/>
+                          </a:schemeClr>
+                        </a:solidFill>
+                        <a:latin typeface="Fira Sans" panose="020B0503050000020004" pitchFamily="34" charset="0"/>
+                      </a:endParaRPr>
+                    </a:p>
+                    <a:p>
+                      <a:endParaRPr lang="ru-RU" sz="1800" b="1" dirty="0" smtClean="0">
+                        <a:solidFill>
+                          <a:schemeClr val="tx1">
+                            <a:lumMod val="50000"/>
+                          </a:schemeClr>
+                        </a:solidFill>
+                        <a:latin typeface="Fira Sans" panose="020B0503050000020004" pitchFamily="34" charset="0"/>
+                      </a:endParaRPr>
+                    </a:p>
+                    <a:p>
+                      <a:r>
+                        <a:rPr lang="ru-RU" sz="1800" b="0" dirty="0" smtClean="0">
+                          <a:solidFill>
+                            <a:schemeClr val="tx1">
+                              <a:lumMod val="50000"/>
+                            </a:schemeClr>
+                          </a:solidFill>
+                          <a:latin typeface="Fira Sans" panose="020B0503050000020004" pitchFamily="34" charset="0"/>
+                        </a:rPr>
+                        <a:t>Нехватка</a:t>
+                      </a:r>
+                      <a:r>
+                        <a:rPr lang="ru-RU" sz="1800" b="0" baseline="0" dirty="0" smtClean="0">
+                          <a:solidFill>
+                            <a:schemeClr val="tx1">
+                              <a:lumMod val="50000"/>
+                            </a:schemeClr>
+                          </a:solidFill>
+                          <a:latin typeface="Fira Sans" panose="020B0503050000020004" pitchFamily="34" charset="0"/>
+                        </a:rPr>
+                        <a:t> средств</a:t>
+                      </a:r>
+                      <a:endParaRPr lang="ru-RU" sz="1800" b="0" dirty="0">
+                        <a:solidFill>
+                          <a:schemeClr val="tx1">
+                            <a:lumMod val="50000"/>
+                          </a:schemeClr>
+                        </a:solidFill>
+                        <a:latin typeface="Fira Sans" panose="020B0503050000020004" pitchFamily="34" charset="0"/>
+                      </a:endParaRPr>
+                    </a:p>
+                  </a:txBody>
+                  <a:tcPr/>
+                </a:tc>
+                <a:extLst>
+                  <a:ext uri="{0D108BD9-81ED-4DB2-BD59-A6C34878D82A}">
+                    <a16:rowId xmlns:a16="http://schemas.microsoft.com/office/drawing/2014/main" val="1318701542"/>
+                  </a:ext>
+                </a:extLst>
+              </a:tr>
+              <a:tr h="1852508">
+                <a:tc>
+                  <a:txBody>
+                    <a:bodyPr/>
+                    <a:lstStyle/>
+                    <a:p>
+                      <a:r>
+                        <a:rPr lang="en-US" sz="1800" b="1" dirty="0" smtClean="0">
+                          <a:solidFill>
+                            <a:schemeClr val="tx1">
+                              <a:lumMod val="50000"/>
+                            </a:schemeClr>
+                          </a:solidFill>
+                          <a:latin typeface="Fira Sans" panose="020B0503050000020004" pitchFamily="34" charset="0"/>
+                        </a:rPr>
+                        <a:t>Social</a:t>
+                      </a:r>
+                      <a:endParaRPr lang="ru-RU" sz="1800" b="1" dirty="0" smtClean="0">
+                        <a:solidFill>
+                          <a:schemeClr val="tx1">
+                            <a:lumMod val="50000"/>
+                          </a:schemeClr>
+                        </a:solidFill>
+                        <a:latin typeface="Fira Sans" panose="020B0503050000020004" pitchFamily="34" charset="0"/>
+                      </a:endParaRPr>
+                    </a:p>
+                    <a:p>
+                      <a:endParaRPr lang="ru-RU" sz="1800" b="0" dirty="0" smtClean="0">
+                        <a:solidFill>
+                          <a:schemeClr val="tx1">
+                            <a:lumMod val="50000"/>
+                          </a:schemeClr>
+                        </a:solidFill>
+                        <a:latin typeface="Fira Sans" panose="020B0503050000020004" pitchFamily="34" charset="0"/>
+                      </a:endParaRPr>
+                    </a:p>
+                    <a:p>
+                      <a:r>
+                        <a:rPr lang="ru-RU" sz="1800" b="0" dirty="0" smtClean="0">
+                          <a:solidFill>
+                            <a:schemeClr val="tx1">
+                              <a:lumMod val="50000"/>
+                            </a:schemeClr>
+                          </a:solidFill>
+                          <a:latin typeface="Fira Sans" panose="020B0503050000020004" pitchFamily="34" charset="0"/>
+                        </a:rPr>
+                        <a:t>Недостаточность функционала</a:t>
+                      </a:r>
+                      <a:endParaRPr lang="ru-RU" sz="1800" b="0" dirty="0">
+                        <a:solidFill>
+                          <a:schemeClr val="tx1">
+                            <a:lumMod val="50000"/>
+                          </a:schemeClr>
+                        </a:solidFill>
+                        <a:latin typeface="Fira Sans" panose="020B0503050000020004" pitchFamily="34" charset="0"/>
+                      </a:endParaRPr>
+                    </a:p>
+                  </a:txBody>
+                  <a:tcPr/>
+                </a:tc>
+                <a:tc>
+                  <a:txBody>
+                    <a:bodyPr/>
+                    <a:lstStyle/>
+                    <a:p>
+                      <a:r>
+                        <a:rPr lang="en-US" sz="1800" b="1" dirty="0" smtClean="0">
+                          <a:solidFill>
+                            <a:schemeClr val="tx1">
+                              <a:lumMod val="50000"/>
+                            </a:schemeClr>
+                          </a:solidFill>
+                          <a:latin typeface="Fira Sans" panose="020B0503050000020004" pitchFamily="34" charset="0"/>
+                        </a:rPr>
+                        <a:t>Technological</a:t>
+                      </a:r>
+                      <a:endParaRPr lang="ru-RU" sz="1800" b="1" dirty="0" smtClean="0">
+                        <a:solidFill>
+                          <a:schemeClr val="tx1">
+                            <a:lumMod val="50000"/>
+                          </a:schemeClr>
+                        </a:solidFill>
+                        <a:latin typeface="Fira Sans" panose="020B0503050000020004" pitchFamily="34" charset="0"/>
+                      </a:endParaRPr>
+                    </a:p>
+                    <a:p>
+                      <a:endParaRPr lang="ru-RU" sz="1800" b="1" dirty="0" smtClean="0">
+                        <a:solidFill>
+                          <a:schemeClr val="tx1">
+                            <a:lumMod val="50000"/>
+                          </a:schemeClr>
+                        </a:solidFill>
+                        <a:latin typeface="Fira Sans" panose="020B0503050000020004" pitchFamily="34" charset="0"/>
+                      </a:endParaRPr>
+                    </a:p>
+                    <a:p>
+                      <a:r>
+                        <a:rPr lang="ru-RU" sz="1800" b="0" dirty="0" smtClean="0">
+                          <a:solidFill>
+                            <a:schemeClr val="tx1">
+                              <a:lumMod val="50000"/>
+                            </a:schemeClr>
+                          </a:solidFill>
+                          <a:latin typeface="Fira Sans" panose="020B0503050000020004" pitchFamily="34" charset="0"/>
+                        </a:rPr>
+                        <a:t>Потеря </a:t>
+                      </a:r>
+                    </a:p>
+                    <a:p>
+                      <a:r>
+                        <a:rPr lang="ru-RU" sz="1800" b="0" dirty="0" smtClean="0">
+                          <a:solidFill>
+                            <a:schemeClr val="tx1">
+                              <a:lumMod val="50000"/>
+                            </a:schemeClr>
+                          </a:solidFill>
+                          <a:latin typeface="Fira Sans" panose="020B0503050000020004" pitchFamily="34" charset="0"/>
+                        </a:rPr>
+                        <a:t>актуальности</a:t>
+                      </a:r>
+                      <a:endParaRPr lang="ru-RU" sz="1800" b="0" dirty="0">
+                        <a:solidFill>
+                          <a:schemeClr val="tx1">
+                            <a:lumMod val="50000"/>
+                          </a:schemeClr>
+                        </a:solidFill>
+                        <a:latin typeface="Fira Sans" panose="020B0503050000020004" pitchFamily="34" charset="0"/>
+                      </a:endParaRPr>
+                    </a:p>
+                  </a:txBody>
+                  <a:tcPr/>
+                </a:tc>
+                <a:extLst>
+                  <a:ext uri="{0D108BD9-81ED-4DB2-BD59-A6C34878D82A}">
+                    <a16:rowId xmlns:a16="http://schemas.microsoft.com/office/drawing/2014/main" val="901902063"/>
+                  </a:ext>
+                </a:extLst>
+              </a:tr>
+            </a:tbl>
+          </a:graphicData>
+        </a:graphic>
+      </p:graphicFrame>
     </p:spTree>
     <p:extLst>
       <p:ext uri="{BB962C8B-B14F-4D97-AF65-F5344CB8AC3E}">
@@ -16930,13 +19960,13 @@
               <a:buChar char="•"/>
             </a:pPr>
             <a:r>
-              <a:rPr lang="ru-RU" sz="1600" dirty="0">
-                <a:latin typeface="Fira Sans" panose="020B0503050000020004" pitchFamily="34" charset="0"/>
-              </a:rPr>
-              <a:t>Экспорт</a:t>
-            </a:r>
-            <a:r>
-              <a:rPr lang="en-US" sz="1600" dirty="0">
+              <a:rPr lang="ru-RU" sz="1600" dirty="0" smtClean="0">
+                <a:latin typeface="Fira Sans" panose="020B0503050000020004" pitchFamily="34" charset="0"/>
+              </a:rPr>
+              <a:t>Экспорт данных о продажах</a:t>
+            </a:r>
+            <a:r>
+              <a:rPr lang="en-US" sz="1600" dirty="0" smtClean="0">
                 <a:latin typeface="Fira Sans" panose="020B0503050000020004" pitchFamily="34" charset="0"/>
               </a:rPr>
               <a:t>;</a:t>
@@ -16957,7 +19987,19 @@
               <a:rPr lang="ru-RU" sz="1600" dirty="0">
                 <a:latin typeface="Fira Sans" panose="020B0503050000020004" pitchFamily="34" charset="0"/>
               </a:rPr>
-              <a:t>Управление учетной записью </a:t>
+              <a:t>Управление учетной </a:t>
+            </a:r>
+            <a:r>
+              <a:rPr lang="ru-RU" sz="1600" dirty="0" smtClean="0">
+                <a:latin typeface="Fira Sans" panose="020B0503050000020004" pitchFamily="34" charset="0"/>
+              </a:rPr>
+              <a:t>записью</a:t>
+            </a:r>
+            <a:r>
+              <a:rPr lang="en-US" sz="1600" dirty="0" smtClean="0">
+                <a:latin typeface="Fira Sans" panose="020B0503050000020004" pitchFamily="34" charset="0"/>
+              </a:rPr>
+              <a:t>;</a:t>
             </a:r>
           </a:p>
           <a:p>
@@ -16969,11 +20011,32 @@
               <a:buChar char="•"/>
             </a:pPr>
             <a:r>
+              <a:rPr lang="ru-RU" sz="1600" dirty="0" smtClean="0">
+                <a:latin typeface="Fira Sans" panose="020B0503050000020004" pitchFamily="34" charset="0"/>
+              </a:rPr>
+              <a:t>Просмотр </a:t>
+            </a:r>
+            <a:r>
               <a:rPr lang="ru-RU" sz="1600" dirty="0">
                 <a:latin typeface="Fira Sans" panose="020B0503050000020004" pitchFamily="34" charset="0"/>
               </a:rPr>
-              <a:t>Просмотр справки о странице</a:t>
-            </a:r>
+              <a:t>справки о </a:t>
+            </a:r>
+            <a:r>
+              <a:rPr lang="ru-RU" sz="1600" dirty="0" smtClean="0">
+                <a:latin typeface="Fira Sans" panose="020B0503050000020004" pitchFamily="34" charset="0"/>
+              </a:rPr>
+              <a:t>странице</a:t>
+            </a:r>
+            <a:r>
+              <a:rPr lang="en-US" sz="1600" dirty="0">
+                <a:latin typeface="Fira Sans" panose="020B0503050000020004" pitchFamily="34" charset="0"/>
+              </a:rPr>
+              <a:t>.</a:t>
+            </a:r>
+            <a:endParaRPr lang="ru-RU" sz="1600" dirty="0">
+              <a:latin typeface="Fira Sans" panose="020B0503050000020004" pitchFamily="34" charset="0"/>
+            </a:endParaRPr>
           </a:p>
           <a:p>
             <a:endParaRPr lang="ru-RU" dirty="0"/>
@@ -18150,136 +21213,6 @@
           </a:p>
         </p:txBody>
       </p:sp>
-      <p:pic>
-        <p:nvPicPr>
-          <p:cNvPr id="5" name="Рисунок 4"/>
-          <p:cNvPicPr/>
-          <p:nvPr/>
-        </p:nvPicPr>
-        <p:blipFill>
-          <a:blip r:embed="rId3">
-            <a:extLst>
-              <a:ext uri="{28A0092B-C50C-407E-A947-70E740481C1C}">
-                <a14:useLocalDpi xmlns:a14="http://schemas.microsoft.com/office/drawing/2010/main" val="0"/>
-              </a:ext>
-            </a:extLst>
-          </a:blip>
-          <a:stretch>
-            <a:fillRect/>
-          </a:stretch>
-        </p:blipFill>
-        <p:spPr>
-          <a:xfrm>
-            <a:off x="2794938" y="1073257"/>
-            <a:ext cx="4330609" cy="3600344"/>
-          </a:xfrm>
-          <a:prstGeom prst="rect">
-            <a:avLst/>
-          </a:prstGeom>
-        </p:spPr>
-      </p:pic>
-      <p:sp>
-        <p:nvSpPr>
-          <p:cNvPr id="3" name="TextBox 2"/>
-          <p:cNvSpPr txBox="1"/>
-          <p:nvPr/>
-        </p:nvSpPr>
-        <p:spPr>
-          <a:xfrm>
-            <a:off x="358987" y="1334347"/>
-            <a:ext cx="2350323" cy="307777"/>
-          </a:xfrm>
-          <a:prstGeom prst="rect">
-            <a:avLst/>
-          </a:prstGeom>
-          <a:noFill/>
-        </p:spPr>
-        <p:txBody>
-          <a:bodyPr wrap="none" rtlCol="0">
-            <a:spAutoFit/>
-          </a:bodyPr>
-          <a:lstStyle/>
-          <a:p>
-            <a:r>
-              <a:rPr lang="ru-RU" dirty="0" smtClean="0">
-                <a:latin typeface="Fira Sans" panose="020B0503050000020004" pitchFamily="34" charset="0"/>
-              </a:rPr>
-              <a:t>Уровень представления -</a:t>
-            </a:r>
-            <a:endParaRPr lang="ru-RU" dirty="0">
-              <a:latin typeface="Fira Sans" panose="020B0503050000020004" pitchFamily="34" charset="0"/>
-            </a:endParaRPr>
-          </a:p>
-        </p:txBody>
-      </p:sp>
-      <p:sp>
-        <p:nvSpPr>
-          <p:cNvPr id="4" name="TextBox 3"/>
-          <p:cNvSpPr txBox="1"/>
-          <p:nvPr/>
-        </p:nvSpPr>
-        <p:spPr>
-          <a:xfrm>
-            <a:off x="470395" y="2480937"/>
-            <a:ext cx="2127505" cy="307777"/>
-          </a:xfrm>
-          <a:prstGeom prst="rect">
-            <a:avLst/>
-          </a:prstGeom>
-          <a:noFill/>
-        </p:spPr>
-        <p:txBody>
-          <a:bodyPr wrap="none" rtlCol="0">
-            <a:spAutoFit/>
-          </a:bodyPr>
-          <a:lstStyle/>
-          <a:p>
-            <a:r>
-              <a:rPr lang="ru-RU" dirty="0" smtClean="0">
-                <a:latin typeface="Fira Sans" panose="020B0503050000020004" pitchFamily="34" charset="0"/>
-              </a:rPr>
-              <a:t>Уровень приложения -</a:t>
-            </a:r>
-            <a:endParaRPr lang="ru-RU" dirty="0">
-              <a:latin typeface="Fira Sans" panose="020B0503050000020004" pitchFamily="34" charset="0"/>
-            </a:endParaRPr>
-          </a:p>
-        </p:txBody>
-      </p:sp>
-      <p:sp>
-        <p:nvSpPr>
-          <p:cNvPr id="6" name="TextBox 5"/>
-          <p:cNvSpPr txBox="1"/>
-          <p:nvPr/>
-        </p:nvSpPr>
-        <p:spPr>
-          <a:xfrm>
-            <a:off x="912823" y="3921759"/>
-            <a:ext cx="1685077" cy="307777"/>
-          </a:xfrm>
-          <a:prstGeom prst="rect">
-            <a:avLst/>
-          </a:prstGeom>
-          <a:noFill/>
-        </p:spPr>
-        <p:txBody>
-          <a:bodyPr wrap="none" rtlCol="0">
-            <a:spAutoFit/>
-          </a:bodyPr>
-          <a:lstStyle/>
-          <a:p>
-            <a:r>
-              <a:rPr lang="ru-RU" dirty="0" smtClean="0">
-                <a:latin typeface="Fira Sans" panose="020B0503050000020004" pitchFamily="34" charset="0"/>
-              </a:rPr>
-              <a:t>Уровень данных -</a:t>
-            </a:r>
-            <a:endParaRPr lang="ru-RU" dirty="0">
-              <a:latin typeface="Fira Sans" panose="020B0503050000020004" pitchFamily="34" charset="0"/>
-            </a:endParaRPr>
-          </a:p>
-        </p:txBody>
-      </p:sp>
       <p:sp>
         <p:nvSpPr>
           <p:cNvPr id="7" name="TextBox 6"/>
@@ -18320,6 +21253,43 @@
           </a:p>
         </p:txBody>
       </p:sp>
+      <p:pic>
+        <p:nvPicPr>
+          <p:cNvPr id="10" name="Рисунок 9"/>
+          <p:cNvPicPr/>
+          <p:nvPr/>
+        </p:nvPicPr>
+        <p:blipFill>
+          <a:blip r:embed="rId3">
+            <a:extLst>
+              <a:ext uri="{BEBA8EAE-BF5A-486C-A8C5-ECC9F3942E4B}">
+                <a14:imgProps xmlns:a14="http://schemas.microsoft.com/office/drawing/2010/main">
+                  <a14:imgLayer r:embed="rId4">
+                    <a14:imgEffect>
+                      <a14:saturation sat="0"/>
+                    </a14:imgEffect>
+                  </a14:imgLayer>
+                </a14:imgProps>
+              </a:ext>
+              <a:ext uri="{28A0092B-C50C-407E-A947-70E740481C1C}">
+                <a14:useLocalDpi xmlns:a14="http://schemas.microsoft.com/office/drawing/2010/main" val="0"/>
+              </a:ext>
+            </a:extLst>
+          </a:blip>
+          <a:stretch>
+            <a:fillRect/>
+          </a:stretch>
+        </p:blipFill>
+        <p:spPr>
+          <a:xfrm>
+            <a:off x="1069974" y="916457"/>
+            <a:ext cx="6351906" cy="3623621"/>
+          </a:xfrm>
+          <a:prstGeom prst="rect">
+            <a:avLst/>
+          </a:prstGeom>
+        </p:spPr>
+      </p:pic>
     </p:spTree>
     <p:extLst>
       <p:ext uri="{BB962C8B-B14F-4D97-AF65-F5344CB8AC3E}">
